--- a/OS161_power_point.pptx
+++ b/OS161_power_point.pptx
@@ -5,10 +5,10 @@
     <p:sldMasterId id="2147483660" r:id="rId4"/>
   </p:sldMasterIdLst>
   <p:notesMasterIdLst>
-    <p:notesMasterId r:id="rId17"/>
+    <p:notesMasterId r:id="rId23"/>
   </p:notesMasterIdLst>
   <p:handoutMasterIdLst>
-    <p:handoutMasterId r:id="rId18"/>
+    <p:handoutMasterId r:id="rId24"/>
   </p:handoutMasterIdLst>
   <p:sldIdLst>
     <p:sldId id="257" r:id="rId5"/>
@@ -23,6 +23,12 @@
     <p:sldId id="274" r:id="rId14"/>
     <p:sldId id="276" r:id="rId15"/>
     <p:sldId id="275" r:id="rId16"/>
+    <p:sldId id="277" r:id="rId17"/>
+    <p:sldId id="278" r:id="rId18"/>
+    <p:sldId id="279" r:id="rId19"/>
+    <p:sldId id="280" r:id="rId20"/>
+    <p:sldId id="281" r:id="rId21"/>
+    <p:sldId id="282" r:id="rId22"/>
   </p:sldIdLst>
   <p:sldSz cx="12188825" cy="6858000"/>
   <p:notesSz cx="6858000" cy="9144000"/>
@@ -6985,13 +6991,13 @@
   <p:clrMapOvr>
     <a:masterClrMapping/>
   </p:clrMapOvr>
-  <mc:AlternateContent xmlns:mc="http://schemas.openxmlformats.org/markup-compatibility/2006">
-    <mc:Choice xmlns:p14="http://schemas.microsoft.com/office/powerpoint/2010/main" Requires="p14">
+  <mc:AlternateContent xmlns:mc="http://schemas.openxmlformats.org/markup-compatibility/2006" xmlns:p14="http://schemas.microsoft.com/office/powerpoint/2010/main">
+    <mc:Choice Requires="p14">
       <p:transition spd="med" p14:dur="700">
         <p:fade/>
       </p:transition>
     </mc:Choice>
-    <mc:Fallback>
+    <mc:Fallback xmlns="">
       <p:transition spd="med">
         <p:fade/>
       </p:transition>
@@ -8215,13 +8221,13 @@
   <p:clrMapOvr>
     <a:masterClrMapping/>
   </p:clrMapOvr>
-  <mc:AlternateContent xmlns:mc="http://schemas.openxmlformats.org/markup-compatibility/2006">
-    <mc:Choice xmlns:p14="http://schemas.microsoft.com/office/powerpoint/2010/main" Requires="p14">
+  <mc:AlternateContent xmlns:mc="http://schemas.openxmlformats.org/markup-compatibility/2006" xmlns:p14="http://schemas.microsoft.com/office/powerpoint/2010/main">
+    <mc:Choice Requires="p14">
       <p:transition spd="med" p14:dur="700">
         <p:fade/>
       </p:transition>
     </mc:Choice>
-    <mc:Fallback>
+    <mc:Fallback xmlns="">
       <p:transition spd="med">
         <p:fade/>
       </p:transition>
@@ -8247,6 +8253,685 @@
           <a:chExt cx="0" cy="0"/>
         </a:xfrm>
       </p:grpSpPr>
+      <p:sp>
+        <p:nvSpPr>
+          <p:cNvPr id="3" name="CasellaDiTesto 2">
+            <a:extLst>
+              <a:ext uri="{FF2B5EF4-FFF2-40B4-BE49-F238E27FC236}">
+                <a16:creationId xmlns:a16="http://schemas.microsoft.com/office/drawing/2014/main" id="{6CFFCEE7-75E8-519F-DE0F-01E13BB008C5}"/>
+              </a:ext>
+            </a:extLst>
+          </p:cNvPr>
+          <p:cNvSpPr txBox="1"/>
+          <p:nvPr/>
+        </p:nvSpPr>
+        <p:spPr>
+          <a:xfrm>
+            <a:off x="932165" y="404664"/>
+            <a:ext cx="10324494" cy="646331"/>
+          </a:xfrm>
+          <a:prstGeom prst="rect">
+            <a:avLst/>
+          </a:prstGeom>
+          <a:noFill/>
+        </p:spPr>
+        <p:txBody>
+          <a:bodyPr wrap="square" rtlCol="0">
+            <a:spAutoFit/>
+          </a:bodyPr>
+          <a:lstStyle/>
+          <a:p>
+            <a:r>
+              <a:rPr lang="it-IT" sz="3600" dirty="0">
+                <a:solidFill>
+                  <a:srgbClr val="FF0000"/>
+                </a:solidFill>
+                <a:latin typeface="+mj-lt"/>
+              </a:rPr>
+              <a:t>File Management</a:t>
+            </a:r>
+          </a:p>
+        </p:txBody>
+      </p:sp>
+      <p:sp>
+        <p:nvSpPr>
+          <p:cNvPr id="4" name="Segnaposto contenuto 2">
+            <a:extLst>
+              <a:ext uri="{FF2B5EF4-FFF2-40B4-BE49-F238E27FC236}">
+                <a16:creationId xmlns:a16="http://schemas.microsoft.com/office/drawing/2014/main" id="{03B3E4F4-B2F6-D034-2914-BED5FB35A019}"/>
+              </a:ext>
+            </a:extLst>
+          </p:cNvPr>
+          <p:cNvSpPr txBox="1">
+            <a:spLocks/>
+          </p:cNvSpPr>
+          <p:nvPr/>
+        </p:nvSpPr>
+        <p:spPr>
+          <a:xfrm>
+            <a:off x="836612" y="1271736"/>
+            <a:ext cx="10515600" cy="5181600"/>
+          </a:xfrm>
+          <a:prstGeom prst="rect">
+            <a:avLst/>
+          </a:prstGeom>
+        </p:spPr>
+        <p:txBody>
+          <a:bodyPr/>
+          <a:lstStyle>
+            <a:lvl1pPr marL="304747" indent="-304747" algn="l" defTabSz="1218987" rtl="0" eaLnBrk="1" latinLnBrk="0" hangingPunct="1">
+              <a:lnSpc>
+                <a:spcPct val="90000"/>
+              </a:lnSpc>
+              <a:spcBef>
+                <a:spcPts val="1600"/>
+              </a:spcBef>
+              <a:buClr>
+                <a:schemeClr val="accent1"/>
+              </a:buClr>
+              <a:buSzPct val="100000"/>
+              <a:buFont typeface="Arial" pitchFamily="34" charset="0"/>
+              <a:buChar char="•"/>
+              <a:defRPr sz="2800" kern="1200">
+                <a:solidFill>
+                  <a:schemeClr val="tx1"/>
+                </a:solidFill>
+                <a:latin typeface="+mn-lt"/>
+                <a:ea typeface="+mn-ea"/>
+                <a:cs typeface="+mn-cs"/>
+              </a:defRPr>
+            </a:lvl1pPr>
+            <a:lvl2pPr marL="609493" indent="-231607" algn="l" defTabSz="1218987" rtl="0" eaLnBrk="1" latinLnBrk="0" hangingPunct="1">
+              <a:lnSpc>
+                <a:spcPct val="90000"/>
+              </a:lnSpc>
+              <a:spcBef>
+                <a:spcPts val="800"/>
+              </a:spcBef>
+              <a:buClr>
+                <a:schemeClr val="accent1"/>
+              </a:buClr>
+              <a:buSzPct val="80000"/>
+              <a:buFont typeface="Arial" pitchFamily="34" charset="0"/>
+              <a:buChar char="•"/>
+              <a:defRPr sz="2400" kern="1200">
+                <a:solidFill>
+                  <a:schemeClr val="tx1"/>
+                </a:solidFill>
+                <a:latin typeface="+mn-lt"/>
+                <a:ea typeface="+mn-ea"/>
+                <a:cs typeface="+mn-cs"/>
+              </a:defRPr>
+            </a:lvl2pPr>
+            <a:lvl3pPr marL="914240" indent="-231607" algn="l" defTabSz="1218987" rtl="0" eaLnBrk="1" latinLnBrk="0" hangingPunct="1">
+              <a:lnSpc>
+                <a:spcPct val="90000"/>
+              </a:lnSpc>
+              <a:spcBef>
+                <a:spcPts val="800"/>
+              </a:spcBef>
+              <a:buClr>
+                <a:schemeClr val="accent1"/>
+              </a:buClr>
+              <a:buSzPct val="80000"/>
+              <a:buFont typeface="Arial" pitchFamily="34" charset="0"/>
+              <a:buChar char="•"/>
+              <a:defRPr sz="2000" kern="1200">
+                <a:solidFill>
+                  <a:schemeClr val="tx1"/>
+                </a:solidFill>
+                <a:latin typeface="+mn-lt"/>
+                <a:ea typeface="+mn-ea"/>
+                <a:cs typeface="+mn-cs"/>
+              </a:defRPr>
+            </a:lvl3pPr>
+            <a:lvl4pPr marL="1218987" indent="-231607" algn="l" defTabSz="1218987" rtl="0" eaLnBrk="1" latinLnBrk="0" hangingPunct="1">
+              <a:lnSpc>
+                <a:spcPct val="90000"/>
+              </a:lnSpc>
+              <a:spcBef>
+                <a:spcPts val="800"/>
+              </a:spcBef>
+              <a:buClr>
+                <a:schemeClr val="accent1"/>
+              </a:buClr>
+              <a:buSzPct val="80000"/>
+              <a:buFont typeface="Arial" pitchFamily="34" charset="0"/>
+              <a:buChar char="•"/>
+              <a:defRPr sz="2000" kern="1200">
+                <a:solidFill>
+                  <a:schemeClr val="tx1"/>
+                </a:solidFill>
+                <a:latin typeface="+mn-lt"/>
+                <a:ea typeface="+mn-ea"/>
+                <a:cs typeface="+mn-cs"/>
+              </a:defRPr>
+            </a:lvl4pPr>
+            <a:lvl5pPr marL="1523733" indent="-231607" algn="l" defTabSz="1218987" rtl="0" eaLnBrk="1" latinLnBrk="0" hangingPunct="1">
+              <a:lnSpc>
+                <a:spcPct val="90000"/>
+              </a:lnSpc>
+              <a:spcBef>
+                <a:spcPts val="800"/>
+              </a:spcBef>
+              <a:buClr>
+                <a:schemeClr val="accent1"/>
+              </a:buClr>
+              <a:buSzPct val="80000"/>
+              <a:buFont typeface="Arial" pitchFamily="34" charset="0"/>
+              <a:buChar char="•"/>
+              <a:defRPr sz="2000" kern="1200">
+                <a:solidFill>
+                  <a:schemeClr val="tx1"/>
+                </a:solidFill>
+                <a:latin typeface="+mn-lt"/>
+                <a:ea typeface="+mn-ea"/>
+                <a:cs typeface="+mn-cs"/>
+              </a:defRPr>
+            </a:lvl5pPr>
+            <a:lvl6pPr marL="1828480" indent="-231607" algn="l" defTabSz="1218987" rtl="0" eaLnBrk="1" latinLnBrk="0" hangingPunct="1">
+              <a:lnSpc>
+                <a:spcPct val="90000"/>
+              </a:lnSpc>
+              <a:spcBef>
+                <a:spcPts val="800"/>
+              </a:spcBef>
+              <a:buClr>
+                <a:schemeClr val="accent1"/>
+              </a:buClr>
+              <a:buSzPct val="80000"/>
+              <a:buFont typeface="Arial" pitchFamily="34" charset="0"/>
+              <a:buChar char="•"/>
+              <a:defRPr sz="2000" kern="1200">
+                <a:solidFill>
+                  <a:schemeClr val="tx1"/>
+                </a:solidFill>
+                <a:latin typeface="+mn-lt"/>
+                <a:ea typeface="+mn-ea"/>
+                <a:cs typeface="+mn-cs"/>
+              </a:defRPr>
+            </a:lvl6pPr>
+            <a:lvl7pPr marL="2133227" indent="-231607" algn="l" defTabSz="1218987" rtl="0" eaLnBrk="1" latinLnBrk="0" hangingPunct="1">
+              <a:lnSpc>
+                <a:spcPct val="90000"/>
+              </a:lnSpc>
+              <a:spcBef>
+                <a:spcPts val="800"/>
+              </a:spcBef>
+              <a:buClr>
+                <a:schemeClr val="accent1"/>
+              </a:buClr>
+              <a:buSzPct val="80000"/>
+              <a:buFont typeface="Arial" pitchFamily="34" charset="0"/>
+              <a:buChar char="•"/>
+              <a:defRPr sz="2000" kern="1200">
+                <a:solidFill>
+                  <a:schemeClr val="tx1"/>
+                </a:solidFill>
+                <a:latin typeface="+mn-lt"/>
+                <a:ea typeface="+mn-ea"/>
+                <a:cs typeface="+mn-cs"/>
+              </a:defRPr>
+            </a:lvl7pPr>
+            <a:lvl8pPr marL="2437973" indent="-231607" algn="l" defTabSz="1218987" rtl="0" eaLnBrk="1" latinLnBrk="0" hangingPunct="1">
+              <a:lnSpc>
+                <a:spcPct val="90000"/>
+              </a:lnSpc>
+              <a:spcBef>
+                <a:spcPts val="800"/>
+              </a:spcBef>
+              <a:buClr>
+                <a:schemeClr val="accent1"/>
+              </a:buClr>
+              <a:buSzPct val="80000"/>
+              <a:buFont typeface="Arial" pitchFamily="34" charset="0"/>
+              <a:buChar char="•"/>
+              <a:defRPr sz="2000" kern="1200" baseline="0">
+                <a:solidFill>
+                  <a:schemeClr val="tx1"/>
+                </a:solidFill>
+                <a:latin typeface="+mn-lt"/>
+                <a:ea typeface="+mn-ea"/>
+                <a:cs typeface="+mn-cs"/>
+              </a:defRPr>
+            </a:lvl8pPr>
+            <a:lvl9pPr marL="2742720" indent="-231607" algn="l" defTabSz="1218987" rtl="0" eaLnBrk="1" latinLnBrk="0" hangingPunct="1">
+              <a:lnSpc>
+                <a:spcPct val="90000"/>
+              </a:lnSpc>
+              <a:spcBef>
+                <a:spcPts val="800"/>
+              </a:spcBef>
+              <a:buClr>
+                <a:schemeClr val="accent1"/>
+              </a:buClr>
+              <a:buSzPct val="80000"/>
+              <a:buFont typeface="Arial" pitchFamily="34" charset="0"/>
+              <a:buChar char="•"/>
+              <a:defRPr sz="2000" kern="1200" baseline="0">
+                <a:solidFill>
+                  <a:schemeClr val="tx1"/>
+                </a:solidFill>
+                <a:latin typeface="+mn-lt"/>
+                <a:ea typeface="+mn-ea"/>
+                <a:cs typeface="+mn-cs"/>
+              </a:defRPr>
+            </a:lvl9pPr>
+          </a:lstStyle>
+          <a:p>
+            <a:r>
+              <a:rPr lang="it-IT" sz="1600" dirty="0" err="1"/>
+              <a:t>We</a:t>
+            </a:r>
+            <a:r>
+              <a:rPr lang="it-IT" sz="1600" dirty="0"/>
+              <a:t> </a:t>
+            </a:r>
+            <a:r>
+              <a:rPr lang="it-IT" sz="1600" dirty="0" err="1"/>
+              <a:t>have</a:t>
+            </a:r>
+            <a:r>
+              <a:rPr lang="it-IT" sz="1600" dirty="0"/>
+              <a:t> a </a:t>
+            </a:r>
+            <a:r>
+              <a:rPr lang="it-IT" sz="1600" dirty="0" err="1"/>
+              <a:t>file_handle</a:t>
+            </a:r>
+            <a:r>
+              <a:rPr lang="it-IT" sz="1600" dirty="0"/>
+              <a:t> </a:t>
+            </a:r>
+            <a:r>
+              <a:rPr lang="it-IT" sz="1600" dirty="0" err="1"/>
+              <a:t>structure</a:t>
+            </a:r>
+            <a:r>
+              <a:rPr lang="it-IT" sz="1600" dirty="0"/>
+              <a:t> </a:t>
+            </a:r>
+            <a:r>
+              <a:rPr lang="it-IT" sz="1600" dirty="0" err="1"/>
+              <a:t>where</a:t>
+            </a:r>
+            <a:r>
+              <a:rPr lang="it-IT" sz="1600" dirty="0"/>
+              <a:t> </a:t>
+            </a:r>
+            <a:r>
+              <a:rPr lang="it-IT" sz="1600" dirty="0" err="1"/>
+              <a:t>we</a:t>
+            </a:r>
+            <a:r>
+              <a:rPr lang="it-IT" sz="1600" dirty="0"/>
+              <a:t> store some </a:t>
+            </a:r>
+            <a:r>
+              <a:rPr lang="it-IT" sz="1600" dirty="0" err="1"/>
+              <a:t>variables</a:t>
+            </a:r>
+            <a:r>
+              <a:rPr lang="it-IT" sz="1600" dirty="0"/>
+              <a:t> to </a:t>
+            </a:r>
+            <a:r>
+              <a:rPr lang="it-IT" sz="1600" dirty="0" err="1"/>
+              <a:t>manage</a:t>
+            </a:r>
+            <a:r>
+              <a:rPr lang="it-IT" sz="1600" dirty="0"/>
+              <a:t> the file.</a:t>
+            </a:r>
+          </a:p>
+          <a:p>
+            <a:r>
+              <a:rPr lang="it-IT" sz="1600" dirty="0" err="1"/>
+              <a:t>File_handle</a:t>
+            </a:r>
+            <a:r>
+              <a:rPr lang="it-IT" sz="1600" dirty="0"/>
+              <a:t>(flags, offset, lock, </a:t>
+            </a:r>
+            <a:r>
+              <a:rPr lang="it-IT" sz="1600" dirty="0" err="1"/>
+              <a:t>vnode</a:t>
+            </a:r>
+            <a:r>
+              <a:rPr lang="it-IT" sz="1600" dirty="0"/>
+              <a:t>, </a:t>
+            </a:r>
+            <a:r>
+              <a:rPr lang="it-IT" sz="1600" dirty="0" err="1"/>
+              <a:t>ref_count</a:t>
+            </a:r>
+            <a:r>
+              <a:rPr lang="it-IT" sz="1600" dirty="0"/>
+              <a:t>)</a:t>
+            </a:r>
+          </a:p>
+          <a:p>
+            <a:r>
+              <a:rPr lang="it-IT" sz="1600" dirty="0" err="1"/>
+              <a:t>We</a:t>
+            </a:r>
+            <a:r>
+              <a:rPr lang="it-IT" sz="1600" dirty="0"/>
+              <a:t> use the </a:t>
+            </a:r>
+            <a:r>
+              <a:rPr lang="it-IT" sz="1600" dirty="0" err="1"/>
+              <a:t>file_table</a:t>
+            </a:r>
+            <a:r>
+              <a:rPr lang="it-IT" sz="1600" dirty="0"/>
+              <a:t> </a:t>
+            </a:r>
+            <a:r>
+              <a:rPr lang="it-IT" sz="1600" dirty="0" err="1"/>
+              <a:t>that</a:t>
+            </a:r>
+            <a:r>
+              <a:rPr lang="it-IT" sz="1600" dirty="0"/>
+              <a:t> </a:t>
+            </a:r>
+            <a:r>
+              <a:rPr lang="it-IT" sz="1600" dirty="0" err="1"/>
+              <a:t>is</a:t>
+            </a:r>
+            <a:r>
+              <a:rPr lang="it-IT" sz="1600" dirty="0"/>
+              <a:t> a </a:t>
+            </a:r>
+            <a:r>
+              <a:rPr lang="it-IT" sz="1600" dirty="0" err="1"/>
+              <a:t>vector</a:t>
+            </a:r>
+            <a:r>
+              <a:rPr lang="it-IT" sz="1600" dirty="0"/>
+              <a:t> </a:t>
+            </a:r>
+            <a:r>
+              <a:rPr lang="it-IT" sz="1600" dirty="0" err="1"/>
+              <a:t>that</a:t>
+            </a:r>
+            <a:r>
+              <a:rPr lang="it-IT" sz="1600" dirty="0"/>
+              <a:t> </a:t>
+            </a:r>
+            <a:r>
+              <a:rPr lang="it-IT" sz="1600" dirty="0" err="1"/>
+              <a:t>contain</a:t>
+            </a:r>
+            <a:r>
+              <a:rPr lang="it-IT" sz="1600" dirty="0"/>
+              <a:t> the pointers of a </a:t>
+            </a:r>
+            <a:r>
+              <a:rPr lang="it-IT" sz="1600" dirty="0" err="1"/>
+              <a:t>specific</a:t>
+            </a:r>
+            <a:r>
+              <a:rPr lang="it-IT" sz="1600" dirty="0"/>
+              <a:t> </a:t>
+            </a:r>
+            <a:r>
+              <a:rPr lang="it-IT" sz="1600" dirty="0" err="1"/>
+              <a:t>file_handle</a:t>
+            </a:r>
+            <a:r>
+              <a:rPr lang="it-IT" sz="1600" dirty="0"/>
+              <a:t> and </a:t>
+            </a:r>
+            <a:r>
+              <a:rPr lang="it-IT" sz="1600" dirty="0" err="1"/>
+              <a:t>this</a:t>
+            </a:r>
+            <a:r>
+              <a:rPr lang="it-IT" sz="1600" dirty="0"/>
+              <a:t> position </a:t>
+            </a:r>
+            <a:r>
+              <a:rPr lang="it-IT" sz="1600" dirty="0" err="1"/>
+              <a:t>is</a:t>
+            </a:r>
+            <a:r>
+              <a:rPr lang="it-IT" sz="1600" dirty="0"/>
+              <a:t> the file </a:t>
+            </a:r>
+            <a:r>
+              <a:rPr lang="it-IT" sz="1600" dirty="0" err="1"/>
+              <a:t>descriptor</a:t>
+            </a:r>
+            <a:r>
+              <a:rPr lang="it-IT" sz="1600" dirty="0"/>
+              <a:t> FD</a:t>
+            </a:r>
+          </a:p>
+          <a:p>
+            <a:r>
+              <a:rPr lang="it-IT" sz="1600" dirty="0"/>
+              <a:t>The first 3 position of the </a:t>
+            </a:r>
+            <a:r>
+              <a:rPr lang="it-IT" sz="1600" dirty="0" err="1"/>
+              <a:t>file_table</a:t>
+            </a:r>
+            <a:r>
+              <a:rPr lang="it-IT" sz="1600" dirty="0"/>
+              <a:t> are </a:t>
+            </a:r>
+            <a:r>
+              <a:rPr lang="it-IT" sz="1600" dirty="0" err="1"/>
+              <a:t>reserved</a:t>
+            </a:r>
+            <a:r>
+              <a:rPr lang="it-IT" sz="1600" dirty="0"/>
+              <a:t> and </a:t>
+            </a:r>
+            <a:r>
+              <a:rPr lang="it-IT" sz="1600" dirty="0" err="1"/>
+              <a:t>inizialized</a:t>
+            </a:r>
+            <a:r>
+              <a:rPr lang="it-IT" sz="1600" dirty="0"/>
+              <a:t> to </a:t>
+            </a:r>
+          </a:p>
+          <a:p>
+            <a:pPr lvl="1"/>
+            <a:r>
+              <a:rPr lang="it-IT" sz="1600" dirty="0" err="1"/>
+              <a:t>Std_in</a:t>
+            </a:r>
+            <a:r>
+              <a:rPr lang="it-IT" sz="1600" dirty="0"/>
+              <a:t> with FD=0</a:t>
+            </a:r>
+          </a:p>
+          <a:p>
+            <a:pPr lvl="1"/>
+            <a:r>
+              <a:rPr lang="it-IT" sz="1600" dirty="0" err="1"/>
+              <a:t>Std_out</a:t>
+            </a:r>
+            <a:r>
+              <a:rPr lang="it-IT" sz="1600" dirty="0"/>
+              <a:t> with FD=1</a:t>
+            </a:r>
+          </a:p>
+          <a:p>
+            <a:pPr lvl="1"/>
+            <a:r>
+              <a:rPr lang="it-IT" sz="1600" dirty="0" err="1"/>
+              <a:t>Std_err</a:t>
+            </a:r>
+            <a:r>
+              <a:rPr lang="it-IT" sz="1600" dirty="0"/>
+              <a:t> with FD=2</a:t>
+            </a:r>
+          </a:p>
+          <a:p>
+            <a:pPr marL="457200" lvl="1" indent="0">
+              <a:buFont typeface="Arial" pitchFamily="34" charset="0"/>
+              <a:buNone/>
+            </a:pPr>
+            <a:endParaRPr lang="it-IT" sz="1600" dirty="0"/>
+          </a:p>
+          <a:p>
+            <a:pPr marL="457200" lvl="1" indent="0">
+              <a:buFont typeface="Arial" pitchFamily="34" charset="0"/>
+              <a:buNone/>
+            </a:pPr>
+            <a:r>
+              <a:rPr lang="it-IT" sz="1600" dirty="0" err="1"/>
+              <a:t>This</a:t>
+            </a:r>
+            <a:r>
+              <a:rPr lang="it-IT" sz="1600" dirty="0"/>
+              <a:t> </a:t>
+            </a:r>
+            <a:r>
+              <a:rPr lang="it-IT" sz="1600" dirty="0" err="1"/>
+              <a:t>three</a:t>
+            </a:r>
+            <a:r>
+              <a:rPr lang="it-IT" sz="1600" dirty="0"/>
+              <a:t> file are </a:t>
+            </a:r>
+            <a:r>
+              <a:rPr lang="it-IT" sz="1600" dirty="0" err="1"/>
+              <a:t>inizialized</a:t>
+            </a:r>
+            <a:r>
+              <a:rPr lang="it-IT" sz="1600" dirty="0"/>
+              <a:t> in </a:t>
+            </a:r>
+            <a:r>
+              <a:rPr lang="it-IT" sz="1600" dirty="0" err="1"/>
+              <a:t>runprogram</a:t>
+            </a:r>
+            <a:r>
+              <a:rPr lang="it-IT" sz="1600" dirty="0"/>
+              <a:t>() </a:t>
+            </a:r>
+            <a:r>
+              <a:rPr lang="it-IT" sz="1600" dirty="0" err="1"/>
+              <a:t>when</a:t>
+            </a:r>
+            <a:r>
+              <a:rPr lang="it-IT" sz="1600" dirty="0"/>
+              <a:t> the first </a:t>
+            </a:r>
+            <a:r>
+              <a:rPr lang="it-IT" sz="1600" dirty="0" err="1"/>
+              <a:t>process</a:t>
+            </a:r>
+            <a:r>
+              <a:rPr lang="it-IT" sz="1600" dirty="0"/>
+              <a:t> are </a:t>
+            </a:r>
+            <a:r>
+              <a:rPr lang="it-IT" sz="1600" dirty="0" err="1"/>
+              <a:t>created</a:t>
+            </a:r>
+            <a:r>
+              <a:rPr lang="it-IT" sz="1600" dirty="0"/>
+              <a:t>.</a:t>
+            </a:r>
+          </a:p>
+          <a:p>
+            <a:pPr marL="457200" lvl="1" indent="0">
+              <a:buFont typeface="Arial" pitchFamily="34" charset="0"/>
+              <a:buNone/>
+            </a:pPr>
+            <a:r>
+              <a:rPr lang="it-IT" sz="1600" dirty="0"/>
+              <a:t>In </a:t>
+            </a:r>
+            <a:r>
+              <a:rPr lang="it-IT" sz="1600" dirty="0" err="1"/>
+              <a:t>this</a:t>
+            </a:r>
+            <a:r>
+              <a:rPr lang="it-IT" sz="1600" dirty="0"/>
+              <a:t> way </a:t>
+            </a:r>
+            <a:r>
+              <a:rPr lang="it-IT" sz="1600" dirty="0" err="1"/>
+              <a:t>all</a:t>
+            </a:r>
+            <a:r>
+              <a:rPr lang="it-IT" sz="1600" dirty="0"/>
+              <a:t> </a:t>
+            </a:r>
+            <a:r>
+              <a:rPr lang="it-IT" sz="1600" dirty="0" err="1"/>
+              <a:t>next</a:t>
+            </a:r>
+            <a:r>
+              <a:rPr lang="it-IT" sz="1600" dirty="0"/>
+              <a:t> </a:t>
+            </a:r>
+            <a:r>
+              <a:rPr lang="it-IT" sz="1600" dirty="0" err="1"/>
+              <a:t>forked_process</a:t>
+            </a:r>
+            <a:r>
+              <a:rPr lang="it-IT" sz="1600" dirty="0"/>
+              <a:t> </a:t>
+            </a:r>
+            <a:r>
+              <a:rPr lang="it-IT" sz="1600" dirty="0" err="1"/>
+              <a:t>will</a:t>
+            </a:r>
+            <a:r>
+              <a:rPr lang="it-IT" sz="1600" dirty="0"/>
+              <a:t> </a:t>
+            </a:r>
+            <a:r>
+              <a:rPr lang="it-IT" sz="1600" dirty="0" err="1"/>
+              <a:t>have</a:t>
+            </a:r>
+            <a:r>
+              <a:rPr lang="it-IT" sz="1600" dirty="0"/>
+              <a:t> </a:t>
+            </a:r>
+            <a:r>
+              <a:rPr lang="it-IT" sz="1600" dirty="0" err="1"/>
+              <a:t>already</a:t>
+            </a:r>
+            <a:r>
+              <a:rPr lang="it-IT" sz="1600" dirty="0"/>
+              <a:t> </a:t>
+            </a:r>
+            <a:r>
+              <a:rPr lang="it-IT" sz="1600" dirty="0" err="1"/>
+              <a:t>initialized</a:t>
+            </a:r>
+            <a:r>
+              <a:rPr lang="it-IT" sz="1600" dirty="0"/>
+              <a:t> </a:t>
+            </a:r>
+            <a:r>
+              <a:rPr lang="it-IT" sz="1600" dirty="0" err="1"/>
+              <a:t>std_in</a:t>
+            </a:r>
+            <a:r>
+              <a:rPr lang="it-IT" sz="1600" dirty="0"/>
+              <a:t> out and </a:t>
+            </a:r>
+            <a:r>
+              <a:rPr lang="it-IT" sz="1600" dirty="0" err="1"/>
+              <a:t>err</a:t>
+            </a:r>
+            <a:r>
+              <a:rPr lang="it-IT" sz="1600" dirty="0"/>
+              <a:t>.</a:t>
+            </a:r>
+          </a:p>
+        </p:txBody>
+      </p:sp>
     </p:spTree>
     <p:extLst>
       <p:ext uri="{BB962C8B-B14F-4D97-AF65-F5344CB8AC3E}">
@@ -8257,13 +8942,6166 @@
   <p:clrMapOvr>
     <a:masterClrMapping/>
   </p:clrMapOvr>
-  <mc:AlternateContent xmlns:mc="http://schemas.openxmlformats.org/markup-compatibility/2006">
-    <mc:Choice xmlns:p14="http://schemas.microsoft.com/office/powerpoint/2010/main" Requires="p14">
+  <mc:AlternateContent xmlns:mc="http://schemas.openxmlformats.org/markup-compatibility/2006" xmlns:p14="http://schemas.microsoft.com/office/powerpoint/2010/main">
+    <mc:Choice Requires="p14">
       <p:transition spd="med" p14:dur="700">
         <p:fade/>
       </p:transition>
     </mc:Choice>
-    <mc:Fallback>
+    <mc:Fallback xmlns="">
+      <p:transition spd="med">
+        <p:fade/>
+      </p:transition>
+    </mc:Fallback>
+  </mc:AlternateContent>
+</p:sld>
+</file>
+
+<file path=ppt/slides/slide13.xml><?xml version="1.0" encoding="utf-8"?>
+<p:sld xmlns:a="http://schemas.openxmlformats.org/drawingml/2006/main" xmlns:r="http://schemas.openxmlformats.org/officeDocument/2006/relationships" xmlns:p="http://schemas.openxmlformats.org/presentationml/2006/main">
+  <p:cSld>
+    <p:spTree>
+      <p:nvGrpSpPr>
+        <p:cNvPr id="1" name=""/>
+        <p:cNvGrpSpPr/>
+        <p:nvPr/>
+      </p:nvGrpSpPr>
+      <p:grpSpPr>
+        <a:xfrm>
+          <a:off x="0" y="0"/>
+          <a:ext cx="0" cy="0"/>
+          <a:chOff x="0" y="0"/>
+          <a:chExt cx="0" cy="0"/>
+        </a:xfrm>
+      </p:grpSpPr>
+      <p:sp>
+        <p:nvSpPr>
+          <p:cNvPr id="2" name="Titolo 1">
+            <a:extLst>
+              <a:ext uri="{FF2B5EF4-FFF2-40B4-BE49-F238E27FC236}">
+                <a16:creationId xmlns:a16="http://schemas.microsoft.com/office/drawing/2014/main" id="{94A7AE67-312E-15DA-F7A7-AEF39E2B5179}"/>
+              </a:ext>
+            </a:extLst>
+          </p:cNvPr>
+          <p:cNvSpPr txBox="1">
+            <a:spLocks/>
+          </p:cNvSpPr>
+          <p:nvPr/>
+        </p:nvSpPr>
+        <p:spPr>
+          <a:xfrm>
+            <a:off x="838200" y="365125"/>
+            <a:ext cx="10515600" cy="615603"/>
+          </a:xfrm>
+          <a:prstGeom prst="rect">
+            <a:avLst/>
+          </a:prstGeom>
+        </p:spPr>
+        <p:txBody>
+          <a:bodyPr/>
+          <a:lstStyle>
+            <a:lvl1pPr algn="l" defTabSz="1218987" rtl="0" eaLnBrk="1" latinLnBrk="0" hangingPunct="1">
+              <a:lnSpc>
+                <a:spcPct val="90000"/>
+              </a:lnSpc>
+              <a:spcBef>
+                <a:spcPct val="0"/>
+              </a:spcBef>
+              <a:buNone/>
+              <a:defRPr sz="3600" kern="1200">
+                <a:solidFill>
+                  <a:schemeClr val="tx1"/>
+                </a:solidFill>
+                <a:latin typeface="+mj-lt"/>
+                <a:ea typeface="+mj-ea"/>
+                <a:cs typeface="+mj-cs"/>
+              </a:defRPr>
+            </a:lvl1pPr>
+          </a:lstStyle>
+          <a:p>
+            <a:r>
+              <a:rPr lang="it-IT" dirty="0" err="1">
+                <a:solidFill>
+                  <a:srgbClr val="FF0000"/>
+                </a:solidFill>
+                <a:ea typeface="+mn-ea"/>
+                <a:cs typeface="+mn-cs"/>
+              </a:rPr>
+              <a:t>Vnode</a:t>
+            </a:r>
+            <a:r>
+              <a:rPr lang="it-IT" dirty="0">
+                <a:solidFill>
+                  <a:srgbClr val="FF0000"/>
+                </a:solidFill>
+                <a:ea typeface="+mn-ea"/>
+                <a:cs typeface="+mn-cs"/>
+              </a:rPr>
+              <a:t>, </a:t>
+            </a:r>
+            <a:r>
+              <a:rPr lang="it-IT" dirty="0" err="1">
+                <a:solidFill>
+                  <a:srgbClr val="FF0000"/>
+                </a:solidFill>
+                <a:ea typeface="+mn-ea"/>
+                <a:cs typeface="+mn-cs"/>
+              </a:rPr>
+              <a:t>vfs</a:t>
+            </a:r>
+            <a:r>
+              <a:rPr lang="it-IT" dirty="0">
+                <a:solidFill>
+                  <a:srgbClr val="FF0000"/>
+                </a:solidFill>
+                <a:ea typeface="+mn-ea"/>
+                <a:cs typeface="+mn-cs"/>
+              </a:rPr>
+              <a:t> and </a:t>
+            </a:r>
+            <a:r>
+              <a:rPr lang="it-IT" dirty="0" err="1">
+                <a:solidFill>
+                  <a:srgbClr val="FF0000"/>
+                </a:solidFill>
+                <a:ea typeface="+mn-ea"/>
+                <a:cs typeface="+mn-cs"/>
+              </a:rPr>
+              <a:t>vop</a:t>
+            </a:r>
+            <a:endParaRPr lang="it-IT" dirty="0">
+              <a:solidFill>
+                <a:srgbClr val="FF0000"/>
+              </a:solidFill>
+              <a:ea typeface="+mn-ea"/>
+              <a:cs typeface="+mn-cs"/>
+            </a:endParaRPr>
+          </a:p>
+        </p:txBody>
+      </p:sp>
+      <p:sp>
+        <p:nvSpPr>
+          <p:cNvPr id="3" name="Segnaposto contenuto 2">
+            <a:extLst>
+              <a:ext uri="{FF2B5EF4-FFF2-40B4-BE49-F238E27FC236}">
+                <a16:creationId xmlns:a16="http://schemas.microsoft.com/office/drawing/2014/main" id="{10FA397D-02E6-6CD8-0CE9-6319932611EF}"/>
+              </a:ext>
+            </a:extLst>
+          </p:cNvPr>
+          <p:cNvSpPr txBox="1">
+            <a:spLocks/>
+          </p:cNvSpPr>
+          <p:nvPr/>
+        </p:nvSpPr>
+        <p:spPr>
+          <a:xfrm>
+            <a:off x="836612" y="1124744"/>
+            <a:ext cx="10515600" cy="4351338"/>
+          </a:xfrm>
+          <a:prstGeom prst="rect">
+            <a:avLst/>
+          </a:prstGeom>
+        </p:spPr>
+        <p:txBody>
+          <a:bodyPr/>
+          <a:lstStyle>
+            <a:lvl1pPr marL="304747" indent="-304747" algn="l" defTabSz="1218987" rtl="0" eaLnBrk="1" latinLnBrk="0" hangingPunct="1">
+              <a:lnSpc>
+                <a:spcPct val="90000"/>
+              </a:lnSpc>
+              <a:spcBef>
+                <a:spcPts val="1600"/>
+              </a:spcBef>
+              <a:buClr>
+                <a:schemeClr val="accent1"/>
+              </a:buClr>
+              <a:buSzPct val="100000"/>
+              <a:buFont typeface="Arial" pitchFamily="34" charset="0"/>
+              <a:buChar char="•"/>
+              <a:defRPr sz="2800" kern="1200">
+                <a:solidFill>
+                  <a:schemeClr val="tx1"/>
+                </a:solidFill>
+                <a:latin typeface="+mn-lt"/>
+                <a:ea typeface="+mn-ea"/>
+                <a:cs typeface="+mn-cs"/>
+              </a:defRPr>
+            </a:lvl1pPr>
+            <a:lvl2pPr marL="609493" indent="-231607" algn="l" defTabSz="1218987" rtl="0" eaLnBrk="1" latinLnBrk="0" hangingPunct="1">
+              <a:lnSpc>
+                <a:spcPct val="90000"/>
+              </a:lnSpc>
+              <a:spcBef>
+                <a:spcPts val="800"/>
+              </a:spcBef>
+              <a:buClr>
+                <a:schemeClr val="accent1"/>
+              </a:buClr>
+              <a:buSzPct val="80000"/>
+              <a:buFont typeface="Arial" pitchFamily="34" charset="0"/>
+              <a:buChar char="•"/>
+              <a:defRPr sz="2400" kern="1200">
+                <a:solidFill>
+                  <a:schemeClr val="tx1"/>
+                </a:solidFill>
+                <a:latin typeface="+mn-lt"/>
+                <a:ea typeface="+mn-ea"/>
+                <a:cs typeface="+mn-cs"/>
+              </a:defRPr>
+            </a:lvl2pPr>
+            <a:lvl3pPr marL="914240" indent="-231607" algn="l" defTabSz="1218987" rtl="0" eaLnBrk="1" latinLnBrk="0" hangingPunct="1">
+              <a:lnSpc>
+                <a:spcPct val="90000"/>
+              </a:lnSpc>
+              <a:spcBef>
+                <a:spcPts val="800"/>
+              </a:spcBef>
+              <a:buClr>
+                <a:schemeClr val="accent1"/>
+              </a:buClr>
+              <a:buSzPct val="80000"/>
+              <a:buFont typeface="Arial" pitchFamily="34" charset="0"/>
+              <a:buChar char="•"/>
+              <a:defRPr sz="2000" kern="1200">
+                <a:solidFill>
+                  <a:schemeClr val="tx1"/>
+                </a:solidFill>
+                <a:latin typeface="+mn-lt"/>
+                <a:ea typeface="+mn-ea"/>
+                <a:cs typeface="+mn-cs"/>
+              </a:defRPr>
+            </a:lvl3pPr>
+            <a:lvl4pPr marL="1218987" indent="-231607" algn="l" defTabSz="1218987" rtl="0" eaLnBrk="1" latinLnBrk="0" hangingPunct="1">
+              <a:lnSpc>
+                <a:spcPct val="90000"/>
+              </a:lnSpc>
+              <a:spcBef>
+                <a:spcPts val="800"/>
+              </a:spcBef>
+              <a:buClr>
+                <a:schemeClr val="accent1"/>
+              </a:buClr>
+              <a:buSzPct val="80000"/>
+              <a:buFont typeface="Arial" pitchFamily="34" charset="0"/>
+              <a:buChar char="•"/>
+              <a:defRPr sz="2000" kern="1200">
+                <a:solidFill>
+                  <a:schemeClr val="tx1"/>
+                </a:solidFill>
+                <a:latin typeface="+mn-lt"/>
+                <a:ea typeface="+mn-ea"/>
+                <a:cs typeface="+mn-cs"/>
+              </a:defRPr>
+            </a:lvl4pPr>
+            <a:lvl5pPr marL="1523733" indent="-231607" algn="l" defTabSz="1218987" rtl="0" eaLnBrk="1" latinLnBrk="0" hangingPunct="1">
+              <a:lnSpc>
+                <a:spcPct val="90000"/>
+              </a:lnSpc>
+              <a:spcBef>
+                <a:spcPts val="800"/>
+              </a:spcBef>
+              <a:buClr>
+                <a:schemeClr val="accent1"/>
+              </a:buClr>
+              <a:buSzPct val="80000"/>
+              <a:buFont typeface="Arial" pitchFamily="34" charset="0"/>
+              <a:buChar char="•"/>
+              <a:defRPr sz="2000" kern="1200">
+                <a:solidFill>
+                  <a:schemeClr val="tx1"/>
+                </a:solidFill>
+                <a:latin typeface="+mn-lt"/>
+                <a:ea typeface="+mn-ea"/>
+                <a:cs typeface="+mn-cs"/>
+              </a:defRPr>
+            </a:lvl5pPr>
+            <a:lvl6pPr marL="1828480" indent="-231607" algn="l" defTabSz="1218987" rtl="0" eaLnBrk="1" latinLnBrk="0" hangingPunct="1">
+              <a:lnSpc>
+                <a:spcPct val="90000"/>
+              </a:lnSpc>
+              <a:spcBef>
+                <a:spcPts val="800"/>
+              </a:spcBef>
+              <a:buClr>
+                <a:schemeClr val="accent1"/>
+              </a:buClr>
+              <a:buSzPct val="80000"/>
+              <a:buFont typeface="Arial" pitchFamily="34" charset="0"/>
+              <a:buChar char="•"/>
+              <a:defRPr sz="2000" kern="1200">
+                <a:solidFill>
+                  <a:schemeClr val="tx1"/>
+                </a:solidFill>
+                <a:latin typeface="+mn-lt"/>
+                <a:ea typeface="+mn-ea"/>
+                <a:cs typeface="+mn-cs"/>
+              </a:defRPr>
+            </a:lvl6pPr>
+            <a:lvl7pPr marL="2133227" indent="-231607" algn="l" defTabSz="1218987" rtl="0" eaLnBrk="1" latinLnBrk="0" hangingPunct="1">
+              <a:lnSpc>
+                <a:spcPct val="90000"/>
+              </a:lnSpc>
+              <a:spcBef>
+                <a:spcPts val="800"/>
+              </a:spcBef>
+              <a:buClr>
+                <a:schemeClr val="accent1"/>
+              </a:buClr>
+              <a:buSzPct val="80000"/>
+              <a:buFont typeface="Arial" pitchFamily="34" charset="0"/>
+              <a:buChar char="•"/>
+              <a:defRPr sz="2000" kern="1200">
+                <a:solidFill>
+                  <a:schemeClr val="tx1"/>
+                </a:solidFill>
+                <a:latin typeface="+mn-lt"/>
+                <a:ea typeface="+mn-ea"/>
+                <a:cs typeface="+mn-cs"/>
+              </a:defRPr>
+            </a:lvl7pPr>
+            <a:lvl8pPr marL="2437973" indent="-231607" algn="l" defTabSz="1218987" rtl="0" eaLnBrk="1" latinLnBrk="0" hangingPunct="1">
+              <a:lnSpc>
+                <a:spcPct val="90000"/>
+              </a:lnSpc>
+              <a:spcBef>
+                <a:spcPts val="800"/>
+              </a:spcBef>
+              <a:buClr>
+                <a:schemeClr val="accent1"/>
+              </a:buClr>
+              <a:buSzPct val="80000"/>
+              <a:buFont typeface="Arial" pitchFamily="34" charset="0"/>
+              <a:buChar char="•"/>
+              <a:defRPr sz="2000" kern="1200" baseline="0">
+                <a:solidFill>
+                  <a:schemeClr val="tx1"/>
+                </a:solidFill>
+                <a:latin typeface="+mn-lt"/>
+                <a:ea typeface="+mn-ea"/>
+                <a:cs typeface="+mn-cs"/>
+              </a:defRPr>
+            </a:lvl8pPr>
+            <a:lvl9pPr marL="2742720" indent="-231607" algn="l" defTabSz="1218987" rtl="0" eaLnBrk="1" latinLnBrk="0" hangingPunct="1">
+              <a:lnSpc>
+                <a:spcPct val="90000"/>
+              </a:lnSpc>
+              <a:spcBef>
+                <a:spcPts val="800"/>
+              </a:spcBef>
+              <a:buClr>
+                <a:schemeClr val="accent1"/>
+              </a:buClr>
+              <a:buSzPct val="80000"/>
+              <a:buFont typeface="Arial" pitchFamily="34" charset="0"/>
+              <a:buChar char="•"/>
+              <a:defRPr sz="2000" kern="1200" baseline="0">
+                <a:solidFill>
+                  <a:schemeClr val="tx1"/>
+                </a:solidFill>
+                <a:latin typeface="+mn-lt"/>
+                <a:ea typeface="+mn-ea"/>
+                <a:cs typeface="+mn-cs"/>
+              </a:defRPr>
+            </a:lvl9pPr>
+          </a:lstStyle>
+          <a:p>
+            <a:r>
+              <a:rPr lang="it-IT" sz="1600" dirty="0" err="1"/>
+              <a:t>We</a:t>
+            </a:r>
+            <a:r>
+              <a:rPr lang="it-IT" sz="1600" dirty="0"/>
+              <a:t> </a:t>
+            </a:r>
+            <a:r>
+              <a:rPr lang="it-IT" sz="1600" dirty="0" err="1"/>
+              <a:t>also</a:t>
+            </a:r>
+            <a:r>
+              <a:rPr lang="it-IT" sz="1600" dirty="0"/>
+              <a:t> use the </a:t>
+            </a:r>
+            <a:r>
+              <a:rPr lang="it-IT" sz="1600" dirty="0" err="1"/>
+              <a:t>vnode</a:t>
+            </a:r>
+            <a:r>
+              <a:rPr lang="it-IT" sz="1600" dirty="0"/>
+              <a:t> </a:t>
+            </a:r>
+            <a:r>
+              <a:rPr lang="it-IT" sz="1600" dirty="0" err="1"/>
+              <a:t>structure</a:t>
+            </a:r>
+            <a:r>
+              <a:rPr lang="it-IT" sz="1600" dirty="0"/>
+              <a:t> </a:t>
+            </a:r>
+            <a:r>
+              <a:rPr lang="it-IT" sz="1600" dirty="0" err="1"/>
+              <a:t>that</a:t>
+            </a:r>
+            <a:r>
+              <a:rPr lang="it-IT" sz="1600" dirty="0"/>
+              <a:t> </a:t>
+            </a:r>
+            <a:r>
+              <a:rPr lang="it-IT" sz="1600" dirty="0" err="1"/>
+              <a:t>is</a:t>
+            </a:r>
+            <a:r>
+              <a:rPr lang="it-IT" sz="1600" dirty="0"/>
+              <a:t> </a:t>
+            </a:r>
+            <a:r>
+              <a:rPr lang="it-IT" sz="1600" dirty="0" err="1"/>
+              <a:t>used</a:t>
+            </a:r>
+            <a:r>
+              <a:rPr lang="it-IT" sz="1600" dirty="0"/>
+              <a:t> to </a:t>
+            </a:r>
+            <a:r>
+              <a:rPr lang="it-IT" sz="1600" dirty="0" err="1"/>
+              <a:t>represent</a:t>
+            </a:r>
+            <a:r>
+              <a:rPr lang="it-IT" sz="1600" dirty="0"/>
+              <a:t> a file in the file system.</a:t>
+            </a:r>
+          </a:p>
+          <a:p>
+            <a:r>
+              <a:rPr lang="it-IT" sz="1600" dirty="0"/>
+              <a:t>The </a:t>
+            </a:r>
+            <a:r>
+              <a:rPr lang="it-IT" sz="1600" dirty="0" err="1"/>
+              <a:t>main</a:t>
+            </a:r>
+            <a:r>
+              <a:rPr lang="it-IT" sz="1600" dirty="0"/>
+              <a:t> </a:t>
+            </a:r>
+            <a:r>
+              <a:rPr lang="it-IT" sz="1600" dirty="0" err="1"/>
+              <a:t>function</a:t>
+            </a:r>
+            <a:r>
+              <a:rPr lang="it-IT" sz="1600" dirty="0"/>
+              <a:t> </a:t>
+            </a:r>
+            <a:r>
+              <a:rPr lang="it-IT" sz="1600" dirty="0" err="1"/>
+              <a:t>used</a:t>
+            </a:r>
+            <a:r>
+              <a:rPr lang="it-IT" sz="1600" dirty="0"/>
+              <a:t> are:</a:t>
+            </a:r>
+          </a:p>
+          <a:p>
+            <a:pPr marL="304747" lvl="1" indent="-304747">
+              <a:spcBef>
+                <a:spcPts val="1600"/>
+              </a:spcBef>
+              <a:buSzPct val="100000"/>
+            </a:pPr>
+            <a:r>
+              <a:rPr lang="it-IT" sz="1600" dirty="0" err="1"/>
+              <a:t>Vfs_open</a:t>
+            </a:r>
+            <a:r>
+              <a:rPr lang="it-IT" sz="1600" dirty="0"/>
+              <a:t>() </a:t>
+            </a:r>
+            <a:r>
+              <a:rPr lang="it-IT" sz="1600" dirty="0" err="1"/>
+              <a:t>opens</a:t>
+            </a:r>
+            <a:r>
+              <a:rPr lang="it-IT" sz="1600" dirty="0"/>
+              <a:t> a file in the </a:t>
+            </a:r>
+            <a:r>
+              <a:rPr lang="it-IT" sz="1600" dirty="0" err="1"/>
+              <a:t>virtual</a:t>
+            </a:r>
+            <a:r>
+              <a:rPr lang="it-IT" sz="1600" dirty="0"/>
+              <a:t> file system and </a:t>
+            </a:r>
+            <a:r>
+              <a:rPr lang="it-IT" sz="1600" dirty="0" err="1"/>
+              <a:t>returns</a:t>
+            </a:r>
+            <a:r>
+              <a:rPr lang="it-IT" sz="1600" dirty="0"/>
+              <a:t> a file </a:t>
+            </a:r>
+            <a:r>
+              <a:rPr lang="it-IT" sz="1600" dirty="0" err="1"/>
+              <a:t>descriptor</a:t>
+            </a:r>
+            <a:r>
+              <a:rPr lang="it-IT" sz="1600" dirty="0"/>
+              <a:t>.</a:t>
+            </a:r>
+          </a:p>
+          <a:p>
+            <a:pPr marL="304747" lvl="1" indent="-304747">
+              <a:spcBef>
+                <a:spcPts val="1600"/>
+              </a:spcBef>
+              <a:buSzPct val="100000"/>
+            </a:pPr>
+            <a:r>
+              <a:rPr lang="it-IT" sz="1600" dirty="0" err="1"/>
+              <a:t>Vfs_close</a:t>
+            </a:r>
+            <a:r>
+              <a:rPr lang="it-IT" sz="1600" dirty="0"/>
+              <a:t>() close a file </a:t>
+            </a:r>
+            <a:r>
+              <a:rPr lang="it-IT" sz="1600" dirty="0" err="1"/>
+              <a:t>that</a:t>
+            </a:r>
+            <a:r>
+              <a:rPr lang="it-IT" sz="1600" dirty="0"/>
+              <a:t> </a:t>
+            </a:r>
+            <a:r>
+              <a:rPr lang="it-IT" sz="1600" dirty="0" err="1"/>
+              <a:t>was</a:t>
+            </a:r>
+            <a:r>
+              <a:rPr lang="it-IT" sz="1600" dirty="0"/>
+              <a:t> </a:t>
+            </a:r>
+            <a:r>
+              <a:rPr lang="it-IT" sz="1600" dirty="0" err="1"/>
+              <a:t>opened</a:t>
+            </a:r>
+            <a:r>
+              <a:rPr lang="it-IT" sz="1600" dirty="0"/>
+              <a:t> by </a:t>
+            </a:r>
+            <a:r>
+              <a:rPr lang="it-IT" sz="1600" dirty="0" err="1"/>
+              <a:t>vfs_open</a:t>
+            </a:r>
+            <a:r>
+              <a:rPr lang="it-IT" sz="1600" dirty="0"/>
+              <a:t> </a:t>
+            </a:r>
+          </a:p>
+          <a:p>
+            <a:pPr marL="304747" lvl="1" indent="-304747">
+              <a:spcBef>
+                <a:spcPts val="1600"/>
+              </a:spcBef>
+              <a:buSzPct val="100000"/>
+            </a:pPr>
+            <a:r>
+              <a:rPr lang="it-IT" sz="1600" dirty="0" err="1"/>
+              <a:t>Vfs_getcwd</a:t>
+            </a:r>
+            <a:r>
+              <a:rPr lang="it-IT" sz="1600" dirty="0"/>
+              <a:t>() </a:t>
+            </a:r>
+            <a:r>
+              <a:rPr lang="it-IT" sz="1600" dirty="0" err="1"/>
+              <a:t>returns</a:t>
+            </a:r>
+            <a:r>
+              <a:rPr lang="it-IT" sz="1600" dirty="0"/>
+              <a:t> the </a:t>
+            </a:r>
+            <a:r>
+              <a:rPr lang="it-IT" sz="1600" dirty="0" err="1"/>
+              <a:t>current</a:t>
+            </a:r>
+            <a:r>
+              <a:rPr lang="it-IT" sz="1600" dirty="0"/>
+              <a:t> working directory</a:t>
+            </a:r>
+          </a:p>
+          <a:p>
+            <a:pPr marL="304747" lvl="1" indent="-304747">
+              <a:spcBef>
+                <a:spcPts val="1600"/>
+              </a:spcBef>
+              <a:buSzPct val="100000"/>
+            </a:pPr>
+            <a:r>
+              <a:rPr lang="it-IT" sz="1600" dirty="0"/>
+              <a:t>The </a:t>
+            </a:r>
+            <a:r>
+              <a:rPr lang="it-IT" sz="1600" dirty="0" err="1"/>
+              <a:t>vfs</a:t>
+            </a:r>
+            <a:r>
+              <a:rPr lang="it-IT" sz="1600" dirty="0"/>
+              <a:t> (</a:t>
+            </a:r>
+            <a:r>
+              <a:rPr lang="it-IT" sz="1600" dirty="0" err="1"/>
+              <a:t>virtual</a:t>
+            </a:r>
+            <a:r>
+              <a:rPr lang="it-IT" sz="1600" dirty="0"/>
+              <a:t> file system) </a:t>
+            </a:r>
+            <a:r>
+              <a:rPr lang="it-IT" sz="1600" dirty="0" err="1"/>
+              <a:t>is</a:t>
+            </a:r>
+            <a:r>
+              <a:rPr lang="it-IT" sz="1600" dirty="0"/>
+              <a:t> an </a:t>
+            </a:r>
+            <a:r>
+              <a:rPr lang="it-IT" sz="1600" dirty="0" err="1"/>
+              <a:t>abstraction</a:t>
+            </a:r>
+            <a:r>
+              <a:rPr lang="it-IT" sz="1600" dirty="0"/>
+              <a:t> of a file system </a:t>
+            </a:r>
+            <a:r>
+              <a:rPr lang="it-IT" sz="1600" dirty="0" err="1"/>
+              <a:t>that</a:t>
+            </a:r>
+            <a:r>
+              <a:rPr lang="it-IT" sz="1600" dirty="0"/>
+              <a:t> </a:t>
+            </a:r>
+            <a:r>
+              <a:rPr lang="it-IT" sz="1600" dirty="0" err="1"/>
+              <a:t>provides</a:t>
+            </a:r>
+            <a:r>
+              <a:rPr lang="it-IT" sz="1600" dirty="0"/>
+              <a:t> to </a:t>
+            </a:r>
+            <a:r>
+              <a:rPr lang="it-IT" sz="1600" dirty="0" err="1"/>
+              <a:t>uniform</a:t>
+            </a:r>
+            <a:r>
+              <a:rPr lang="it-IT" sz="1600" dirty="0"/>
+              <a:t> </a:t>
+            </a:r>
+            <a:r>
+              <a:rPr lang="it-IT" sz="1600" dirty="0" err="1"/>
+              <a:t>interface</a:t>
+            </a:r>
+            <a:r>
+              <a:rPr lang="it-IT" sz="1600" dirty="0"/>
+              <a:t> for </a:t>
+            </a:r>
+            <a:r>
+              <a:rPr lang="it-IT" sz="1600" dirty="0" err="1"/>
+              <a:t>accessing</a:t>
+            </a:r>
+            <a:r>
+              <a:rPr lang="it-IT" sz="1600" dirty="0"/>
+              <a:t> files.</a:t>
+            </a:r>
+          </a:p>
+          <a:p>
+            <a:pPr marL="304747" lvl="1" indent="-304747">
+              <a:spcBef>
+                <a:spcPts val="1600"/>
+              </a:spcBef>
+              <a:buSzPct val="100000"/>
+            </a:pPr>
+            <a:r>
+              <a:rPr lang="it-IT" sz="1600" dirty="0"/>
+              <a:t>With </a:t>
+            </a:r>
+            <a:r>
+              <a:rPr lang="it-IT" sz="1600" dirty="0" err="1"/>
+              <a:t>this</a:t>
+            </a:r>
+            <a:r>
+              <a:rPr lang="it-IT" sz="1600" dirty="0"/>
+              <a:t> feature </a:t>
+            </a:r>
+            <a:r>
+              <a:rPr lang="it-IT" sz="1600" dirty="0" err="1"/>
+              <a:t>we</a:t>
+            </a:r>
+            <a:r>
+              <a:rPr lang="it-IT" sz="1600" dirty="0"/>
+              <a:t> can </a:t>
+            </a:r>
+            <a:r>
+              <a:rPr lang="it-IT" sz="1600" dirty="0" err="1"/>
+              <a:t>read</a:t>
+            </a:r>
+            <a:r>
+              <a:rPr lang="it-IT" sz="1600" dirty="0"/>
+              <a:t> data from an open file </a:t>
+            </a:r>
+            <a:r>
+              <a:rPr lang="it-IT" sz="1600" dirty="0" err="1"/>
+              <a:t>using</a:t>
+            </a:r>
+            <a:r>
+              <a:rPr lang="it-IT" sz="1600" dirty="0"/>
+              <a:t> the VOP_READ() and </a:t>
+            </a:r>
+            <a:r>
+              <a:rPr lang="it-IT" sz="1600" dirty="0" err="1"/>
+              <a:t>write</a:t>
+            </a:r>
+            <a:r>
+              <a:rPr lang="it-IT" sz="1600" dirty="0"/>
+              <a:t> data in a file </a:t>
+            </a:r>
+            <a:r>
+              <a:rPr lang="it-IT" sz="1600" dirty="0" err="1"/>
+              <a:t>using</a:t>
+            </a:r>
+            <a:r>
+              <a:rPr lang="it-IT" sz="1600" dirty="0"/>
+              <a:t> VOP_WRITE() .</a:t>
+            </a:r>
+          </a:p>
+          <a:p>
+            <a:pPr marL="457200" lvl="1" indent="0">
+              <a:buFont typeface="Arial" pitchFamily="34" charset="0"/>
+              <a:buNone/>
+            </a:pPr>
+            <a:endParaRPr lang="it-IT" dirty="0"/>
+          </a:p>
+          <a:p>
+            <a:pPr marL="457200" lvl="1" indent="0">
+              <a:buFont typeface="Arial" pitchFamily="34" charset="0"/>
+              <a:buNone/>
+            </a:pPr>
+            <a:endParaRPr lang="it-IT" dirty="0"/>
+          </a:p>
+          <a:p>
+            <a:pPr marL="457200" lvl="1" indent="0">
+              <a:buFont typeface="Arial" pitchFamily="34" charset="0"/>
+              <a:buNone/>
+            </a:pPr>
+            <a:endParaRPr lang="it-IT" dirty="0"/>
+          </a:p>
+        </p:txBody>
+      </p:sp>
+    </p:spTree>
+    <p:extLst>
+      <p:ext uri="{BB962C8B-B14F-4D97-AF65-F5344CB8AC3E}">
+        <p14:creationId xmlns:p14="http://schemas.microsoft.com/office/powerpoint/2010/main" val="3534465242"/>
+      </p:ext>
+    </p:extLst>
+  </p:cSld>
+  <p:clrMapOvr>
+    <a:masterClrMapping/>
+  </p:clrMapOvr>
+  <mc:AlternateContent xmlns:mc="http://schemas.openxmlformats.org/markup-compatibility/2006" xmlns:p14="http://schemas.microsoft.com/office/powerpoint/2010/main">
+    <mc:Choice Requires="p14">
+      <p:transition spd="med" p14:dur="700">
+        <p:fade/>
+      </p:transition>
+    </mc:Choice>
+    <mc:Fallback xmlns="">
+      <p:transition spd="med">
+        <p:fade/>
+      </p:transition>
+    </mc:Fallback>
+  </mc:AlternateContent>
+</p:sld>
+</file>
+
+<file path=ppt/slides/slide14.xml><?xml version="1.0" encoding="utf-8"?>
+<p:sld xmlns:a="http://schemas.openxmlformats.org/drawingml/2006/main" xmlns:r="http://schemas.openxmlformats.org/officeDocument/2006/relationships" xmlns:p="http://schemas.openxmlformats.org/presentationml/2006/main">
+  <p:cSld>
+    <p:spTree>
+      <p:nvGrpSpPr>
+        <p:cNvPr id="1" name=""/>
+        <p:cNvGrpSpPr/>
+        <p:nvPr/>
+      </p:nvGrpSpPr>
+      <p:grpSpPr>
+        <a:xfrm>
+          <a:off x="0" y="0"/>
+          <a:ext cx="0" cy="0"/>
+          <a:chOff x="0" y="0"/>
+          <a:chExt cx="0" cy="0"/>
+        </a:xfrm>
+      </p:grpSpPr>
+      <p:sp>
+        <p:nvSpPr>
+          <p:cNvPr id="2" name="Titolo 1">
+            <a:extLst>
+              <a:ext uri="{FF2B5EF4-FFF2-40B4-BE49-F238E27FC236}">
+                <a16:creationId xmlns:a16="http://schemas.microsoft.com/office/drawing/2014/main" id="{D8B18FA6-FDB5-D03D-7633-18B636E5100C}"/>
+              </a:ext>
+            </a:extLst>
+          </p:cNvPr>
+          <p:cNvSpPr txBox="1">
+            <a:spLocks/>
+          </p:cNvSpPr>
+          <p:nvPr/>
+        </p:nvSpPr>
+        <p:spPr>
+          <a:xfrm>
+            <a:off x="882650" y="330992"/>
+            <a:ext cx="10426700" cy="937767"/>
+          </a:xfrm>
+          <a:prstGeom prst="rect">
+            <a:avLst/>
+          </a:prstGeom>
+        </p:spPr>
+        <p:txBody>
+          <a:bodyPr/>
+          <a:lstStyle>
+            <a:lvl1pPr algn="l" defTabSz="1218987" rtl="0" eaLnBrk="1" latinLnBrk="0" hangingPunct="1">
+              <a:lnSpc>
+                <a:spcPct val="90000"/>
+              </a:lnSpc>
+              <a:spcBef>
+                <a:spcPct val="0"/>
+              </a:spcBef>
+              <a:buNone/>
+              <a:defRPr sz="3600" kern="1200">
+                <a:solidFill>
+                  <a:schemeClr val="tx1"/>
+                </a:solidFill>
+                <a:latin typeface="+mj-lt"/>
+                <a:ea typeface="+mj-ea"/>
+                <a:cs typeface="+mj-cs"/>
+              </a:defRPr>
+            </a:lvl1pPr>
+          </a:lstStyle>
+          <a:p>
+            <a:r>
+              <a:rPr lang="nn-NO" dirty="0">
+                <a:solidFill>
+                  <a:srgbClr val="FF0000"/>
+                </a:solidFill>
+                <a:ea typeface="+mn-ea"/>
+                <a:cs typeface="+mn-cs"/>
+              </a:rPr>
+              <a:t>Open</a:t>
+            </a:r>
+          </a:p>
+          <a:p>
+            <a:r>
+              <a:rPr lang="nn-NO" sz="1600" dirty="0">
+                <a:solidFill>
+                  <a:srgbClr val="DCDCAA"/>
+                </a:solidFill>
+                <a:latin typeface="Consolas" panose="020B0609020204030204" pitchFamily="49" charset="0"/>
+                <a:ea typeface="+mn-ea"/>
+                <a:cs typeface="+mn-cs"/>
+              </a:rPr>
+              <a:t>sys_open</a:t>
+            </a:r>
+            <a:r>
+              <a:rPr lang="nn-NO" sz="1600" dirty="0">
+                <a:solidFill>
+                  <a:srgbClr val="569CD6"/>
+                </a:solidFill>
+                <a:latin typeface="Consolas" panose="020B0609020204030204" pitchFamily="49" charset="0"/>
+                <a:ea typeface="+mn-ea"/>
+                <a:cs typeface="+mn-cs"/>
+              </a:rPr>
+              <a:t>(userptr_t filename, int flags, int *retfd)</a:t>
+            </a:r>
+            <a:endParaRPr lang="it-IT" sz="1600" dirty="0">
+              <a:solidFill>
+                <a:srgbClr val="569CD6"/>
+              </a:solidFill>
+              <a:latin typeface="Consolas" panose="020B0609020204030204" pitchFamily="49" charset="0"/>
+              <a:ea typeface="+mn-ea"/>
+              <a:cs typeface="+mn-cs"/>
+            </a:endParaRPr>
+          </a:p>
+        </p:txBody>
+      </p:sp>
+      <p:sp>
+        <p:nvSpPr>
+          <p:cNvPr id="3" name="Segnaposto contenuto 2">
+            <a:extLst>
+              <a:ext uri="{FF2B5EF4-FFF2-40B4-BE49-F238E27FC236}">
+                <a16:creationId xmlns:a16="http://schemas.microsoft.com/office/drawing/2014/main" id="{19AEA96D-48AE-4D47-12B8-321F36FB65DE}"/>
+              </a:ext>
+            </a:extLst>
+          </p:cNvPr>
+          <p:cNvSpPr txBox="1">
+            <a:spLocks/>
+          </p:cNvSpPr>
+          <p:nvPr/>
+        </p:nvSpPr>
+        <p:spPr>
+          <a:xfrm>
+            <a:off x="765820" y="1276822"/>
+            <a:ext cx="10896600" cy="2791619"/>
+          </a:xfrm>
+          <a:prstGeom prst="rect">
+            <a:avLst/>
+          </a:prstGeom>
+        </p:spPr>
+        <p:txBody>
+          <a:bodyPr>
+            <a:normAutofit/>
+          </a:bodyPr>
+          <a:lstStyle>
+            <a:lvl1pPr marL="304747" indent="-304747" algn="l" defTabSz="1218987" rtl="0" eaLnBrk="1" latinLnBrk="0" hangingPunct="1">
+              <a:lnSpc>
+                <a:spcPct val="90000"/>
+              </a:lnSpc>
+              <a:spcBef>
+                <a:spcPts val="1600"/>
+              </a:spcBef>
+              <a:buClr>
+                <a:schemeClr val="accent1"/>
+              </a:buClr>
+              <a:buSzPct val="100000"/>
+              <a:buFont typeface="Arial" pitchFamily="34" charset="0"/>
+              <a:buChar char="•"/>
+              <a:defRPr sz="2800" kern="1200">
+                <a:solidFill>
+                  <a:schemeClr val="tx1"/>
+                </a:solidFill>
+                <a:latin typeface="+mn-lt"/>
+                <a:ea typeface="+mn-ea"/>
+                <a:cs typeface="+mn-cs"/>
+              </a:defRPr>
+            </a:lvl1pPr>
+            <a:lvl2pPr marL="609493" indent="-231607" algn="l" defTabSz="1218987" rtl="0" eaLnBrk="1" latinLnBrk="0" hangingPunct="1">
+              <a:lnSpc>
+                <a:spcPct val="90000"/>
+              </a:lnSpc>
+              <a:spcBef>
+                <a:spcPts val="800"/>
+              </a:spcBef>
+              <a:buClr>
+                <a:schemeClr val="accent1"/>
+              </a:buClr>
+              <a:buSzPct val="80000"/>
+              <a:buFont typeface="Arial" pitchFamily="34" charset="0"/>
+              <a:buChar char="•"/>
+              <a:defRPr sz="2400" kern="1200">
+                <a:solidFill>
+                  <a:schemeClr val="tx1"/>
+                </a:solidFill>
+                <a:latin typeface="+mn-lt"/>
+                <a:ea typeface="+mn-ea"/>
+                <a:cs typeface="+mn-cs"/>
+              </a:defRPr>
+            </a:lvl2pPr>
+            <a:lvl3pPr marL="914240" indent="-231607" algn="l" defTabSz="1218987" rtl="0" eaLnBrk="1" latinLnBrk="0" hangingPunct="1">
+              <a:lnSpc>
+                <a:spcPct val="90000"/>
+              </a:lnSpc>
+              <a:spcBef>
+                <a:spcPts val="800"/>
+              </a:spcBef>
+              <a:buClr>
+                <a:schemeClr val="accent1"/>
+              </a:buClr>
+              <a:buSzPct val="80000"/>
+              <a:buFont typeface="Arial" pitchFamily="34" charset="0"/>
+              <a:buChar char="•"/>
+              <a:defRPr sz="2000" kern="1200">
+                <a:solidFill>
+                  <a:schemeClr val="tx1"/>
+                </a:solidFill>
+                <a:latin typeface="+mn-lt"/>
+                <a:ea typeface="+mn-ea"/>
+                <a:cs typeface="+mn-cs"/>
+              </a:defRPr>
+            </a:lvl3pPr>
+            <a:lvl4pPr marL="1218987" indent="-231607" algn="l" defTabSz="1218987" rtl="0" eaLnBrk="1" latinLnBrk="0" hangingPunct="1">
+              <a:lnSpc>
+                <a:spcPct val="90000"/>
+              </a:lnSpc>
+              <a:spcBef>
+                <a:spcPts val="800"/>
+              </a:spcBef>
+              <a:buClr>
+                <a:schemeClr val="accent1"/>
+              </a:buClr>
+              <a:buSzPct val="80000"/>
+              <a:buFont typeface="Arial" pitchFamily="34" charset="0"/>
+              <a:buChar char="•"/>
+              <a:defRPr sz="2000" kern="1200">
+                <a:solidFill>
+                  <a:schemeClr val="tx1"/>
+                </a:solidFill>
+                <a:latin typeface="+mn-lt"/>
+                <a:ea typeface="+mn-ea"/>
+                <a:cs typeface="+mn-cs"/>
+              </a:defRPr>
+            </a:lvl4pPr>
+            <a:lvl5pPr marL="1523733" indent="-231607" algn="l" defTabSz="1218987" rtl="0" eaLnBrk="1" latinLnBrk="0" hangingPunct="1">
+              <a:lnSpc>
+                <a:spcPct val="90000"/>
+              </a:lnSpc>
+              <a:spcBef>
+                <a:spcPts val="800"/>
+              </a:spcBef>
+              <a:buClr>
+                <a:schemeClr val="accent1"/>
+              </a:buClr>
+              <a:buSzPct val="80000"/>
+              <a:buFont typeface="Arial" pitchFamily="34" charset="0"/>
+              <a:buChar char="•"/>
+              <a:defRPr sz="2000" kern="1200">
+                <a:solidFill>
+                  <a:schemeClr val="tx1"/>
+                </a:solidFill>
+                <a:latin typeface="+mn-lt"/>
+                <a:ea typeface="+mn-ea"/>
+                <a:cs typeface="+mn-cs"/>
+              </a:defRPr>
+            </a:lvl5pPr>
+            <a:lvl6pPr marL="1828480" indent="-231607" algn="l" defTabSz="1218987" rtl="0" eaLnBrk="1" latinLnBrk="0" hangingPunct="1">
+              <a:lnSpc>
+                <a:spcPct val="90000"/>
+              </a:lnSpc>
+              <a:spcBef>
+                <a:spcPts val="800"/>
+              </a:spcBef>
+              <a:buClr>
+                <a:schemeClr val="accent1"/>
+              </a:buClr>
+              <a:buSzPct val="80000"/>
+              <a:buFont typeface="Arial" pitchFamily="34" charset="0"/>
+              <a:buChar char="•"/>
+              <a:defRPr sz="2000" kern="1200">
+                <a:solidFill>
+                  <a:schemeClr val="tx1"/>
+                </a:solidFill>
+                <a:latin typeface="+mn-lt"/>
+                <a:ea typeface="+mn-ea"/>
+                <a:cs typeface="+mn-cs"/>
+              </a:defRPr>
+            </a:lvl6pPr>
+            <a:lvl7pPr marL="2133227" indent="-231607" algn="l" defTabSz="1218987" rtl="0" eaLnBrk="1" latinLnBrk="0" hangingPunct="1">
+              <a:lnSpc>
+                <a:spcPct val="90000"/>
+              </a:lnSpc>
+              <a:spcBef>
+                <a:spcPts val="800"/>
+              </a:spcBef>
+              <a:buClr>
+                <a:schemeClr val="accent1"/>
+              </a:buClr>
+              <a:buSzPct val="80000"/>
+              <a:buFont typeface="Arial" pitchFamily="34" charset="0"/>
+              <a:buChar char="•"/>
+              <a:defRPr sz="2000" kern="1200">
+                <a:solidFill>
+                  <a:schemeClr val="tx1"/>
+                </a:solidFill>
+                <a:latin typeface="+mn-lt"/>
+                <a:ea typeface="+mn-ea"/>
+                <a:cs typeface="+mn-cs"/>
+              </a:defRPr>
+            </a:lvl7pPr>
+            <a:lvl8pPr marL="2437973" indent="-231607" algn="l" defTabSz="1218987" rtl="0" eaLnBrk="1" latinLnBrk="0" hangingPunct="1">
+              <a:lnSpc>
+                <a:spcPct val="90000"/>
+              </a:lnSpc>
+              <a:spcBef>
+                <a:spcPts val="800"/>
+              </a:spcBef>
+              <a:buClr>
+                <a:schemeClr val="accent1"/>
+              </a:buClr>
+              <a:buSzPct val="80000"/>
+              <a:buFont typeface="Arial" pitchFamily="34" charset="0"/>
+              <a:buChar char="•"/>
+              <a:defRPr sz="2000" kern="1200" baseline="0">
+                <a:solidFill>
+                  <a:schemeClr val="tx1"/>
+                </a:solidFill>
+                <a:latin typeface="+mn-lt"/>
+                <a:ea typeface="+mn-ea"/>
+                <a:cs typeface="+mn-cs"/>
+              </a:defRPr>
+            </a:lvl8pPr>
+            <a:lvl9pPr marL="2742720" indent="-231607" algn="l" defTabSz="1218987" rtl="0" eaLnBrk="1" latinLnBrk="0" hangingPunct="1">
+              <a:lnSpc>
+                <a:spcPct val="90000"/>
+              </a:lnSpc>
+              <a:spcBef>
+                <a:spcPts val="800"/>
+              </a:spcBef>
+              <a:buClr>
+                <a:schemeClr val="accent1"/>
+              </a:buClr>
+              <a:buSzPct val="80000"/>
+              <a:buFont typeface="Arial" pitchFamily="34" charset="0"/>
+              <a:buChar char="•"/>
+              <a:defRPr sz="2000" kern="1200" baseline="0">
+                <a:solidFill>
+                  <a:schemeClr val="tx1"/>
+                </a:solidFill>
+                <a:latin typeface="+mn-lt"/>
+                <a:ea typeface="+mn-ea"/>
+                <a:cs typeface="+mn-cs"/>
+              </a:defRPr>
+            </a:lvl9pPr>
+          </a:lstStyle>
+          <a:p>
+            <a:r>
+              <a:rPr lang="it-IT" sz="1600" dirty="0"/>
+              <a:t>The open system call </a:t>
+            </a:r>
+            <a:r>
+              <a:rPr lang="it-IT" sz="1600" dirty="0" err="1"/>
+              <a:t>permits</a:t>
+            </a:r>
+            <a:r>
+              <a:rPr lang="it-IT" sz="1600" dirty="0"/>
+              <a:t> to open a file by a name in </a:t>
+            </a:r>
+            <a:r>
+              <a:rPr lang="it-IT" sz="1600" dirty="0" err="1"/>
+              <a:t>different</a:t>
+            </a:r>
+            <a:r>
+              <a:rPr lang="it-IT" sz="1600" dirty="0"/>
+              <a:t> </a:t>
+            </a:r>
+            <a:r>
+              <a:rPr lang="it-IT" sz="1600" dirty="0" err="1"/>
+              <a:t>version</a:t>
+            </a:r>
+            <a:r>
+              <a:rPr lang="it-IT" sz="1600" dirty="0"/>
+              <a:t>: </a:t>
+            </a:r>
+          </a:p>
+          <a:p>
+            <a:pPr lvl="1"/>
+            <a:r>
+              <a:rPr lang="it-IT" sz="1600" dirty="0" err="1"/>
+              <a:t>It</a:t>
+            </a:r>
+            <a:r>
+              <a:rPr lang="it-IT" sz="1600" dirty="0"/>
+              <a:t> can be </a:t>
+            </a:r>
+            <a:r>
+              <a:rPr lang="it-IT" sz="1600" dirty="0" err="1"/>
+              <a:t>opened</a:t>
+            </a:r>
+            <a:r>
+              <a:rPr lang="it-IT" sz="1600" dirty="0"/>
+              <a:t> in O_RDONLY, O_WRONLY or O_RDWR.</a:t>
+            </a:r>
+          </a:p>
+          <a:p>
+            <a:pPr lvl="1"/>
+            <a:r>
+              <a:rPr lang="it-IT" sz="1600" dirty="0"/>
+              <a:t>The file </a:t>
+            </a:r>
+            <a:r>
+              <a:rPr lang="it-IT" sz="1600" dirty="0" err="1"/>
+              <a:t>it</a:t>
+            </a:r>
+            <a:r>
+              <a:rPr lang="it-IT" sz="1600" dirty="0"/>
+              <a:t> can be O_CREATE, O_TRUNC or </a:t>
+            </a:r>
+            <a:r>
+              <a:rPr lang="it-IT" sz="1600" dirty="0" err="1"/>
+              <a:t>opened</a:t>
+            </a:r>
+            <a:r>
+              <a:rPr lang="it-IT" sz="1600" dirty="0"/>
+              <a:t> in O_APPEND.</a:t>
+            </a:r>
+          </a:p>
+          <a:p>
+            <a:pPr marL="457200" lvl="1" indent="0">
+              <a:buFont typeface="Arial" pitchFamily="34" charset="0"/>
+              <a:buNone/>
+            </a:pPr>
+            <a:r>
+              <a:rPr lang="it-IT" sz="1600" dirty="0"/>
+              <a:t>First of </a:t>
+            </a:r>
+            <a:r>
+              <a:rPr lang="it-IT" sz="1600" dirty="0" err="1"/>
+              <a:t>all</a:t>
+            </a:r>
+            <a:r>
+              <a:rPr lang="it-IT" sz="1600" dirty="0"/>
+              <a:t> </a:t>
+            </a:r>
+            <a:r>
+              <a:rPr lang="it-IT" sz="1600" dirty="0" err="1"/>
+              <a:t>we</a:t>
+            </a:r>
+            <a:r>
+              <a:rPr lang="it-IT" sz="1600" dirty="0"/>
+              <a:t> </a:t>
+            </a:r>
+            <a:r>
+              <a:rPr lang="it-IT" sz="1600" dirty="0" err="1"/>
+              <a:t>search</a:t>
+            </a:r>
+            <a:r>
+              <a:rPr lang="it-IT" sz="1600" dirty="0"/>
+              <a:t> the first </a:t>
+            </a:r>
+            <a:r>
+              <a:rPr lang="it-IT" sz="1600" dirty="0" err="1"/>
+              <a:t>empty</a:t>
+            </a:r>
+            <a:r>
+              <a:rPr lang="it-IT" sz="1600" dirty="0"/>
+              <a:t> slot in the file </a:t>
+            </a:r>
+            <a:r>
+              <a:rPr lang="it-IT" sz="1600" dirty="0" err="1"/>
+              <a:t>table</a:t>
+            </a:r>
+            <a:r>
+              <a:rPr lang="it-IT" sz="1600" dirty="0"/>
+              <a:t> and create the </a:t>
+            </a:r>
+            <a:r>
+              <a:rPr lang="it-IT" sz="1600" dirty="0" err="1"/>
+              <a:t>memory</a:t>
+            </a:r>
+            <a:r>
+              <a:rPr lang="it-IT" sz="1600" dirty="0"/>
+              <a:t> location. </a:t>
+            </a:r>
+          </a:p>
+          <a:p>
+            <a:pPr marL="457200" lvl="1" indent="0">
+              <a:buFont typeface="Arial" pitchFamily="34" charset="0"/>
+              <a:buNone/>
+            </a:pPr>
+            <a:r>
+              <a:rPr lang="it-IT" sz="1600" dirty="0"/>
+              <a:t>After </a:t>
+            </a:r>
+            <a:r>
+              <a:rPr lang="it-IT" sz="1600" dirty="0" err="1"/>
+              <a:t>that</a:t>
+            </a:r>
+            <a:r>
+              <a:rPr lang="it-IT" sz="1600" dirty="0"/>
+              <a:t> </a:t>
+            </a:r>
+            <a:r>
+              <a:rPr lang="it-IT" sz="1600" dirty="0" err="1"/>
+              <a:t>we</a:t>
+            </a:r>
+            <a:r>
+              <a:rPr lang="it-IT" sz="1600" dirty="0"/>
+              <a:t> </a:t>
+            </a:r>
+            <a:r>
+              <a:rPr lang="it-IT" sz="1600" dirty="0" err="1"/>
+              <a:t>used</a:t>
+            </a:r>
+            <a:r>
+              <a:rPr lang="it-IT" sz="1600" dirty="0"/>
+              <a:t> the </a:t>
+            </a:r>
+            <a:r>
+              <a:rPr lang="it-IT" sz="1600" dirty="0" err="1"/>
+              <a:t>vfs_open</a:t>
+            </a:r>
+            <a:r>
+              <a:rPr lang="it-IT" sz="1600" dirty="0"/>
+              <a:t>() to generate the </a:t>
+            </a:r>
+            <a:r>
+              <a:rPr lang="it-IT" sz="1600" dirty="0" err="1"/>
+              <a:t>vnode</a:t>
+            </a:r>
+            <a:r>
+              <a:rPr lang="it-IT" sz="1600" dirty="0"/>
+              <a:t> </a:t>
+            </a:r>
+            <a:r>
+              <a:rPr lang="it-IT" sz="1600" dirty="0" err="1"/>
+              <a:t>object</a:t>
+            </a:r>
+            <a:r>
+              <a:rPr lang="it-IT" sz="1600" dirty="0"/>
+              <a:t> of the file and </a:t>
+            </a:r>
+            <a:r>
+              <a:rPr lang="it-IT" sz="1600" dirty="0" err="1"/>
+              <a:t>we</a:t>
+            </a:r>
+            <a:r>
+              <a:rPr lang="it-IT" sz="1600" dirty="0"/>
+              <a:t> </a:t>
+            </a:r>
+            <a:r>
+              <a:rPr lang="it-IT" sz="1600" dirty="0" err="1"/>
+              <a:t>initialize</a:t>
+            </a:r>
+            <a:r>
+              <a:rPr lang="it-IT" sz="1600" dirty="0"/>
+              <a:t> the </a:t>
+            </a:r>
+            <a:r>
+              <a:rPr lang="it-IT" sz="1600" dirty="0" err="1"/>
+              <a:t>proprer</a:t>
+            </a:r>
+            <a:r>
+              <a:rPr lang="it-IT" sz="1600" dirty="0"/>
+              <a:t> fields.</a:t>
+            </a:r>
+          </a:p>
+          <a:p>
+            <a:pPr marL="457200" lvl="1" indent="0">
+              <a:buFont typeface="Arial" pitchFamily="34" charset="0"/>
+              <a:buNone/>
+            </a:pPr>
+            <a:r>
+              <a:rPr lang="it-IT" sz="1600" dirty="0"/>
+              <a:t>The </a:t>
+            </a:r>
+            <a:r>
+              <a:rPr lang="it-IT" sz="1600" dirty="0" err="1"/>
+              <a:t>ref_count</a:t>
+            </a:r>
+            <a:r>
+              <a:rPr lang="it-IT" sz="1600" dirty="0"/>
+              <a:t> </a:t>
+            </a:r>
+            <a:r>
+              <a:rPr lang="it-IT" sz="1600" dirty="0" err="1"/>
+              <a:t>variable</a:t>
+            </a:r>
+            <a:r>
+              <a:rPr lang="it-IT" sz="1600" dirty="0"/>
+              <a:t> </a:t>
+            </a:r>
+            <a:r>
+              <a:rPr lang="it-IT" sz="1600" dirty="0" err="1"/>
+              <a:t>is</a:t>
+            </a:r>
+            <a:r>
+              <a:rPr lang="it-IT" sz="1600" dirty="0"/>
+              <a:t> the </a:t>
+            </a:r>
+            <a:r>
+              <a:rPr lang="it-IT" sz="1600" dirty="0" err="1"/>
+              <a:t>number</a:t>
+            </a:r>
+            <a:r>
+              <a:rPr lang="it-IT" sz="1600" dirty="0"/>
+              <a:t> of pointers to an </a:t>
+            </a:r>
+            <a:r>
+              <a:rPr lang="it-IT" sz="1600" dirty="0" err="1"/>
+              <a:t>opened</a:t>
+            </a:r>
+            <a:r>
+              <a:rPr lang="it-IT" sz="1600" dirty="0"/>
+              <a:t> file. </a:t>
+            </a:r>
+            <a:r>
+              <a:rPr lang="it-IT" sz="1600" dirty="0" err="1"/>
+              <a:t>If</a:t>
+            </a:r>
+            <a:r>
+              <a:rPr lang="it-IT" sz="1600" dirty="0"/>
+              <a:t> </a:t>
+            </a:r>
+            <a:r>
+              <a:rPr lang="it-IT" sz="1600" dirty="0" err="1"/>
+              <a:t>this</a:t>
+            </a:r>
+            <a:r>
+              <a:rPr lang="it-IT" sz="1600" dirty="0"/>
+              <a:t> </a:t>
+            </a:r>
+            <a:r>
+              <a:rPr lang="it-IT" sz="1600" dirty="0" err="1"/>
+              <a:t>value</a:t>
+            </a:r>
+            <a:r>
+              <a:rPr lang="it-IT" sz="1600" dirty="0"/>
+              <a:t> </a:t>
+            </a:r>
+            <a:r>
+              <a:rPr lang="it-IT" sz="1600" dirty="0" err="1"/>
+              <a:t>is</a:t>
+            </a:r>
+            <a:r>
+              <a:rPr lang="it-IT" sz="1600" dirty="0"/>
+              <a:t> 0 the file can be </a:t>
+            </a:r>
+            <a:r>
+              <a:rPr lang="it-IT" sz="1600" dirty="0" err="1"/>
+              <a:t>closed</a:t>
+            </a:r>
+            <a:r>
+              <a:rPr lang="it-IT" sz="1600" dirty="0"/>
+              <a:t>.</a:t>
+            </a:r>
+          </a:p>
+          <a:p>
+            <a:pPr marL="457200" lvl="1" indent="0">
+              <a:buFont typeface="Arial" pitchFamily="34" charset="0"/>
+              <a:buNone/>
+            </a:pPr>
+            <a:r>
+              <a:rPr lang="it-IT" sz="1600" dirty="0"/>
+              <a:t>In case of success </a:t>
+            </a:r>
+            <a:r>
+              <a:rPr lang="it-IT" sz="1600" dirty="0" err="1"/>
+              <a:t>return</a:t>
+            </a:r>
+            <a:r>
+              <a:rPr lang="it-IT" sz="1600" dirty="0"/>
+              <a:t> the </a:t>
+            </a:r>
+            <a:r>
+              <a:rPr lang="it-IT" sz="1600" dirty="0" err="1"/>
+              <a:t>fd</a:t>
+            </a:r>
+            <a:r>
+              <a:rPr lang="it-IT" sz="1600" dirty="0"/>
+              <a:t>.</a:t>
+            </a:r>
+          </a:p>
+        </p:txBody>
+      </p:sp>
+      <p:sp>
+        <p:nvSpPr>
+          <p:cNvPr id="4" name="Titolo 1">
+            <a:extLst>
+              <a:ext uri="{FF2B5EF4-FFF2-40B4-BE49-F238E27FC236}">
+                <a16:creationId xmlns:a16="http://schemas.microsoft.com/office/drawing/2014/main" id="{22302284-DBE2-7401-2A30-C9E506BED6CE}"/>
+              </a:ext>
+            </a:extLst>
+          </p:cNvPr>
+          <p:cNvSpPr txBox="1">
+            <a:spLocks/>
+          </p:cNvSpPr>
+          <p:nvPr/>
+        </p:nvSpPr>
+        <p:spPr>
+          <a:xfrm>
+            <a:off x="893521" y="3645024"/>
+            <a:ext cx="10426700" cy="937767"/>
+          </a:xfrm>
+          <a:prstGeom prst="rect">
+            <a:avLst/>
+          </a:prstGeom>
+        </p:spPr>
+        <p:txBody>
+          <a:bodyPr/>
+          <a:lstStyle>
+            <a:lvl1pPr algn="l" defTabSz="1218987" rtl="0" eaLnBrk="1" latinLnBrk="0" hangingPunct="1">
+              <a:lnSpc>
+                <a:spcPct val="90000"/>
+              </a:lnSpc>
+              <a:spcBef>
+                <a:spcPct val="0"/>
+              </a:spcBef>
+              <a:buNone/>
+              <a:defRPr sz="3600" kern="1200">
+                <a:solidFill>
+                  <a:schemeClr val="tx1"/>
+                </a:solidFill>
+                <a:latin typeface="+mj-lt"/>
+                <a:ea typeface="+mj-ea"/>
+                <a:cs typeface="+mj-cs"/>
+              </a:defRPr>
+            </a:lvl1pPr>
+          </a:lstStyle>
+          <a:p>
+            <a:r>
+              <a:rPr lang="nn-NO" dirty="0">
+                <a:solidFill>
+                  <a:srgbClr val="FF0000"/>
+                </a:solidFill>
+                <a:ea typeface="+mn-ea"/>
+                <a:cs typeface="+mn-cs"/>
+              </a:rPr>
+              <a:t>Close</a:t>
+            </a:r>
+          </a:p>
+          <a:p>
+            <a:r>
+              <a:rPr lang="nn-NO" sz="1600" dirty="0">
+                <a:solidFill>
+                  <a:srgbClr val="DCDCAA"/>
+                </a:solidFill>
+                <a:latin typeface="Consolas" panose="020B0609020204030204" pitchFamily="49" charset="0"/>
+                <a:ea typeface="+mn-ea"/>
+                <a:cs typeface="+mn-cs"/>
+              </a:rPr>
+              <a:t>sys_close</a:t>
+            </a:r>
+            <a:r>
+              <a:rPr lang="nn-NO" sz="1600" dirty="0">
+                <a:solidFill>
+                  <a:srgbClr val="569CD6"/>
+                </a:solidFill>
+                <a:latin typeface="Consolas" panose="020B0609020204030204" pitchFamily="49" charset="0"/>
+                <a:ea typeface="+mn-ea"/>
+                <a:cs typeface="+mn-cs"/>
+              </a:rPr>
+              <a:t>(int fd)</a:t>
+            </a:r>
+            <a:endParaRPr lang="it-IT" sz="1600" dirty="0">
+              <a:solidFill>
+                <a:srgbClr val="569CD6"/>
+              </a:solidFill>
+              <a:latin typeface="Consolas" panose="020B0609020204030204" pitchFamily="49" charset="0"/>
+              <a:ea typeface="+mn-ea"/>
+              <a:cs typeface="+mn-cs"/>
+            </a:endParaRPr>
+          </a:p>
+        </p:txBody>
+      </p:sp>
+      <p:sp>
+        <p:nvSpPr>
+          <p:cNvPr id="5" name="Segnaposto contenuto 2">
+            <a:extLst>
+              <a:ext uri="{FF2B5EF4-FFF2-40B4-BE49-F238E27FC236}">
+                <a16:creationId xmlns:a16="http://schemas.microsoft.com/office/drawing/2014/main" id="{69AA8DE1-0D74-9F5B-D4AA-CF8E9D742FE1}"/>
+              </a:ext>
+            </a:extLst>
+          </p:cNvPr>
+          <p:cNvSpPr txBox="1">
+            <a:spLocks/>
+          </p:cNvSpPr>
+          <p:nvPr/>
+        </p:nvSpPr>
+        <p:spPr>
+          <a:xfrm>
+            <a:off x="549796" y="4582791"/>
+            <a:ext cx="10896600" cy="1762919"/>
+          </a:xfrm>
+          <a:prstGeom prst="rect">
+            <a:avLst/>
+          </a:prstGeom>
+        </p:spPr>
+        <p:txBody>
+          <a:bodyPr vert="horz" lIns="91440" tIns="45720" rIns="91440" bIns="45720" rtlCol="0">
+            <a:normAutofit/>
+          </a:bodyPr>
+          <a:lstStyle>
+            <a:lvl1pPr marL="228600" indent="-228600" algn="l" defTabSz="914400" rtl="0" eaLnBrk="1" latinLnBrk="0" hangingPunct="1">
+              <a:lnSpc>
+                <a:spcPct val="90000"/>
+              </a:lnSpc>
+              <a:spcBef>
+                <a:spcPts val="1000"/>
+              </a:spcBef>
+              <a:buFont typeface="Arial" panose="020B0604020202020204" pitchFamily="34" charset="0"/>
+              <a:buChar char="•"/>
+              <a:defRPr sz="2800" kern="1200">
+                <a:solidFill>
+                  <a:schemeClr val="tx1"/>
+                </a:solidFill>
+                <a:latin typeface="+mn-lt"/>
+                <a:ea typeface="+mn-ea"/>
+                <a:cs typeface="+mn-cs"/>
+              </a:defRPr>
+            </a:lvl1pPr>
+            <a:lvl2pPr marL="685800" indent="-228600" algn="l" defTabSz="914400" rtl="0" eaLnBrk="1" latinLnBrk="0" hangingPunct="1">
+              <a:lnSpc>
+                <a:spcPct val="90000"/>
+              </a:lnSpc>
+              <a:spcBef>
+                <a:spcPts val="500"/>
+              </a:spcBef>
+              <a:buFont typeface="Arial" panose="020B0604020202020204" pitchFamily="34" charset="0"/>
+              <a:buChar char="•"/>
+              <a:defRPr sz="2400" kern="1200">
+                <a:solidFill>
+                  <a:schemeClr val="tx1"/>
+                </a:solidFill>
+                <a:latin typeface="+mn-lt"/>
+                <a:ea typeface="+mn-ea"/>
+                <a:cs typeface="+mn-cs"/>
+              </a:defRPr>
+            </a:lvl2pPr>
+            <a:lvl3pPr marL="1143000" indent="-228600" algn="l" defTabSz="914400" rtl="0" eaLnBrk="1" latinLnBrk="0" hangingPunct="1">
+              <a:lnSpc>
+                <a:spcPct val="90000"/>
+              </a:lnSpc>
+              <a:spcBef>
+                <a:spcPts val="500"/>
+              </a:spcBef>
+              <a:buFont typeface="Arial" panose="020B0604020202020204" pitchFamily="34" charset="0"/>
+              <a:buChar char="•"/>
+              <a:defRPr sz="2000" kern="1200">
+                <a:solidFill>
+                  <a:schemeClr val="tx1"/>
+                </a:solidFill>
+                <a:latin typeface="+mn-lt"/>
+                <a:ea typeface="+mn-ea"/>
+                <a:cs typeface="+mn-cs"/>
+              </a:defRPr>
+            </a:lvl3pPr>
+            <a:lvl4pPr marL="1600200" indent="-228600" algn="l" defTabSz="914400" rtl="0" eaLnBrk="1" latinLnBrk="0" hangingPunct="1">
+              <a:lnSpc>
+                <a:spcPct val="90000"/>
+              </a:lnSpc>
+              <a:spcBef>
+                <a:spcPts val="500"/>
+              </a:spcBef>
+              <a:buFont typeface="Arial" panose="020B0604020202020204" pitchFamily="34" charset="0"/>
+              <a:buChar char="•"/>
+              <a:defRPr sz="1800" kern="1200">
+                <a:solidFill>
+                  <a:schemeClr val="tx1"/>
+                </a:solidFill>
+                <a:latin typeface="+mn-lt"/>
+                <a:ea typeface="+mn-ea"/>
+                <a:cs typeface="+mn-cs"/>
+              </a:defRPr>
+            </a:lvl4pPr>
+            <a:lvl5pPr marL="2057400" indent="-228600" algn="l" defTabSz="914400" rtl="0" eaLnBrk="1" latinLnBrk="0" hangingPunct="1">
+              <a:lnSpc>
+                <a:spcPct val="90000"/>
+              </a:lnSpc>
+              <a:spcBef>
+                <a:spcPts val="500"/>
+              </a:spcBef>
+              <a:buFont typeface="Arial" panose="020B0604020202020204" pitchFamily="34" charset="0"/>
+              <a:buChar char="•"/>
+              <a:defRPr sz="1800" kern="1200">
+                <a:solidFill>
+                  <a:schemeClr val="tx1"/>
+                </a:solidFill>
+                <a:latin typeface="+mn-lt"/>
+                <a:ea typeface="+mn-ea"/>
+                <a:cs typeface="+mn-cs"/>
+              </a:defRPr>
+            </a:lvl5pPr>
+            <a:lvl6pPr marL="2514600" indent="-228600" algn="l" defTabSz="914400" rtl="0" eaLnBrk="1" latinLnBrk="0" hangingPunct="1">
+              <a:lnSpc>
+                <a:spcPct val="90000"/>
+              </a:lnSpc>
+              <a:spcBef>
+                <a:spcPts val="500"/>
+              </a:spcBef>
+              <a:buFont typeface="Arial" panose="020B0604020202020204" pitchFamily="34" charset="0"/>
+              <a:buChar char="•"/>
+              <a:defRPr sz="1800" kern="1200">
+                <a:solidFill>
+                  <a:schemeClr val="tx1"/>
+                </a:solidFill>
+                <a:latin typeface="+mn-lt"/>
+                <a:ea typeface="+mn-ea"/>
+                <a:cs typeface="+mn-cs"/>
+              </a:defRPr>
+            </a:lvl6pPr>
+            <a:lvl7pPr marL="2971800" indent="-228600" algn="l" defTabSz="914400" rtl="0" eaLnBrk="1" latinLnBrk="0" hangingPunct="1">
+              <a:lnSpc>
+                <a:spcPct val="90000"/>
+              </a:lnSpc>
+              <a:spcBef>
+                <a:spcPts val="500"/>
+              </a:spcBef>
+              <a:buFont typeface="Arial" panose="020B0604020202020204" pitchFamily="34" charset="0"/>
+              <a:buChar char="•"/>
+              <a:defRPr sz="1800" kern="1200">
+                <a:solidFill>
+                  <a:schemeClr val="tx1"/>
+                </a:solidFill>
+                <a:latin typeface="+mn-lt"/>
+                <a:ea typeface="+mn-ea"/>
+                <a:cs typeface="+mn-cs"/>
+              </a:defRPr>
+            </a:lvl7pPr>
+            <a:lvl8pPr marL="3429000" indent="-228600" algn="l" defTabSz="914400" rtl="0" eaLnBrk="1" latinLnBrk="0" hangingPunct="1">
+              <a:lnSpc>
+                <a:spcPct val="90000"/>
+              </a:lnSpc>
+              <a:spcBef>
+                <a:spcPts val="500"/>
+              </a:spcBef>
+              <a:buFont typeface="Arial" panose="020B0604020202020204" pitchFamily="34" charset="0"/>
+              <a:buChar char="•"/>
+              <a:defRPr sz="1800" kern="1200">
+                <a:solidFill>
+                  <a:schemeClr val="tx1"/>
+                </a:solidFill>
+                <a:latin typeface="+mn-lt"/>
+                <a:ea typeface="+mn-ea"/>
+                <a:cs typeface="+mn-cs"/>
+              </a:defRPr>
+            </a:lvl8pPr>
+            <a:lvl9pPr marL="3886200" indent="-228600" algn="l" defTabSz="914400" rtl="0" eaLnBrk="1" latinLnBrk="0" hangingPunct="1">
+              <a:lnSpc>
+                <a:spcPct val="90000"/>
+              </a:lnSpc>
+              <a:spcBef>
+                <a:spcPts val="500"/>
+              </a:spcBef>
+              <a:buFont typeface="Arial" panose="020B0604020202020204" pitchFamily="34" charset="0"/>
+              <a:buChar char="•"/>
+              <a:defRPr sz="1800" kern="1200">
+                <a:solidFill>
+                  <a:schemeClr val="tx1"/>
+                </a:solidFill>
+                <a:latin typeface="+mn-lt"/>
+                <a:ea typeface="+mn-ea"/>
+                <a:cs typeface="+mn-cs"/>
+              </a:defRPr>
+            </a:lvl9pPr>
+          </a:lstStyle>
+          <a:p>
+            <a:pPr marL="457200" lvl="1" indent="0" defTabSz="1218987">
+              <a:spcBef>
+                <a:spcPts val="800"/>
+              </a:spcBef>
+              <a:buClr>
+                <a:schemeClr val="accent1"/>
+              </a:buClr>
+              <a:buSzPct val="80000"/>
+              <a:buNone/>
+            </a:pPr>
+            <a:r>
+              <a:rPr lang="it-IT" sz="1600" dirty="0"/>
+              <a:t>-The close system call </a:t>
+            </a:r>
+            <a:r>
+              <a:rPr lang="it-IT" sz="1600" dirty="0" err="1"/>
+              <a:t>is</a:t>
+            </a:r>
+            <a:r>
+              <a:rPr lang="it-IT" sz="1600" dirty="0"/>
+              <a:t> </a:t>
+            </a:r>
+            <a:r>
+              <a:rPr lang="it-IT" sz="1600" dirty="0" err="1"/>
+              <a:t>used</a:t>
+            </a:r>
+            <a:r>
+              <a:rPr lang="it-IT" sz="1600" dirty="0"/>
+              <a:t> to close a file </a:t>
+            </a:r>
+            <a:r>
+              <a:rPr lang="it-IT" sz="1600" dirty="0" err="1"/>
+              <a:t>using</a:t>
+            </a:r>
+            <a:r>
+              <a:rPr lang="it-IT" sz="1600" dirty="0"/>
+              <a:t> the file </a:t>
+            </a:r>
+            <a:r>
+              <a:rPr lang="it-IT" sz="1600" dirty="0" err="1"/>
+              <a:t>descriptor</a:t>
+            </a:r>
+            <a:r>
+              <a:rPr lang="it-IT" sz="1600" dirty="0"/>
+              <a:t> FD. The file can be </a:t>
+            </a:r>
+            <a:r>
+              <a:rPr lang="it-IT" sz="1600" dirty="0" err="1"/>
+              <a:t>closed</a:t>
+            </a:r>
+            <a:r>
+              <a:rPr lang="it-IT" sz="1600" dirty="0"/>
+              <a:t> </a:t>
+            </a:r>
+            <a:r>
+              <a:rPr lang="it-IT" sz="1600" dirty="0" err="1"/>
+              <a:t>only</a:t>
+            </a:r>
+            <a:r>
+              <a:rPr lang="it-IT" sz="1600" dirty="0"/>
+              <a:t> </a:t>
+            </a:r>
+            <a:r>
+              <a:rPr lang="it-IT" sz="1600" dirty="0" err="1"/>
+              <a:t>if</a:t>
+            </a:r>
+            <a:r>
+              <a:rPr lang="it-IT" sz="1600" dirty="0"/>
+              <a:t> the </a:t>
+            </a:r>
+            <a:r>
+              <a:rPr lang="it-IT" sz="1600" dirty="0" err="1"/>
+              <a:t>ref_count</a:t>
+            </a:r>
+            <a:r>
+              <a:rPr lang="it-IT" sz="1600" dirty="0"/>
+              <a:t> </a:t>
+            </a:r>
+            <a:r>
+              <a:rPr lang="it-IT" sz="1600" dirty="0" err="1"/>
+              <a:t>is</a:t>
+            </a:r>
+            <a:r>
+              <a:rPr lang="it-IT" sz="1600" dirty="0"/>
+              <a:t> </a:t>
+            </a:r>
+            <a:r>
+              <a:rPr lang="it-IT" sz="1600" dirty="0" err="1"/>
+              <a:t>equal</a:t>
+            </a:r>
+            <a:r>
+              <a:rPr lang="it-IT" sz="1600" dirty="0"/>
+              <a:t> to 0 </a:t>
+            </a:r>
+            <a:r>
+              <a:rPr lang="it-IT" sz="1600" dirty="0" err="1"/>
+              <a:t>otherwise</a:t>
+            </a:r>
+            <a:r>
+              <a:rPr lang="it-IT" sz="1600" dirty="0"/>
+              <a:t> the </a:t>
+            </a:r>
+            <a:r>
+              <a:rPr lang="it-IT" sz="1600" dirty="0" err="1"/>
+              <a:t>ref_count</a:t>
+            </a:r>
+            <a:r>
+              <a:rPr lang="it-IT" sz="1600" dirty="0"/>
+              <a:t> </a:t>
+            </a:r>
+            <a:r>
+              <a:rPr lang="it-IT" sz="1600" dirty="0" err="1"/>
+              <a:t>is</a:t>
+            </a:r>
+            <a:r>
+              <a:rPr lang="it-IT" sz="1600" dirty="0"/>
+              <a:t> </a:t>
+            </a:r>
+            <a:r>
+              <a:rPr lang="it-IT" sz="1600" dirty="0" err="1"/>
+              <a:t>decremented</a:t>
+            </a:r>
+            <a:r>
+              <a:rPr lang="it-IT" sz="1600" dirty="0"/>
+              <a:t>.</a:t>
+            </a:r>
+          </a:p>
+          <a:p>
+            <a:pPr marL="457200" lvl="1" indent="0" defTabSz="1218987">
+              <a:spcBef>
+                <a:spcPts val="800"/>
+              </a:spcBef>
+              <a:buClr>
+                <a:schemeClr val="accent1"/>
+              </a:buClr>
+              <a:buSzPct val="80000"/>
+              <a:buNone/>
+            </a:pPr>
+            <a:r>
+              <a:rPr lang="it-IT" sz="1600" dirty="0"/>
+              <a:t>-The </a:t>
+            </a:r>
+            <a:r>
+              <a:rPr lang="it-IT" sz="1600" dirty="0" err="1"/>
+              <a:t>real</a:t>
+            </a:r>
+            <a:r>
+              <a:rPr lang="it-IT" sz="1600" dirty="0"/>
+              <a:t> close </a:t>
+            </a:r>
+            <a:r>
+              <a:rPr lang="it-IT" sz="1600" dirty="0" err="1"/>
+              <a:t>is</a:t>
+            </a:r>
+            <a:r>
+              <a:rPr lang="it-IT" sz="1600" dirty="0"/>
+              <a:t> </a:t>
+            </a:r>
+            <a:r>
+              <a:rPr lang="it-IT" sz="1600" dirty="0" err="1"/>
+              <a:t>performed</a:t>
+            </a:r>
+            <a:r>
+              <a:rPr lang="it-IT" sz="1600" dirty="0"/>
+              <a:t> by </a:t>
+            </a:r>
+            <a:r>
+              <a:rPr lang="it-IT" sz="1600" dirty="0" err="1"/>
+              <a:t>vfs_close</a:t>
+            </a:r>
+            <a:r>
+              <a:rPr lang="it-IT" sz="1600" dirty="0"/>
+              <a:t> by </a:t>
+            </a:r>
+            <a:r>
+              <a:rPr lang="it-IT" sz="1600" dirty="0" err="1"/>
+              <a:t>passing</a:t>
+            </a:r>
+            <a:r>
+              <a:rPr lang="it-IT" sz="1600" dirty="0"/>
+              <a:t> the </a:t>
+            </a:r>
+            <a:r>
+              <a:rPr lang="it-IT" sz="1600" dirty="0" err="1"/>
+              <a:t>correct</a:t>
+            </a:r>
+            <a:r>
+              <a:rPr lang="it-IT" sz="1600" dirty="0"/>
+              <a:t> </a:t>
+            </a:r>
+            <a:r>
+              <a:rPr lang="it-IT" sz="1600" dirty="0" err="1"/>
+              <a:t>vnode</a:t>
+            </a:r>
+            <a:r>
+              <a:rPr lang="it-IT" sz="1600" dirty="0"/>
+              <a:t> </a:t>
+            </a:r>
+            <a:r>
+              <a:rPr lang="it-IT" sz="1600" dirty="0" err="1"/>
+              <a:t>structure</a:t>
+            </a:r>
+            <a:r>
+              <a:rPr lang="it-IT" sz="1600" dirty="0"/>
+              <a:t> of a file.</a:t>
+            </a:r>
+          </a:p>
+          <a:p>
+            <a:pPr marL="457200" lvl="1" indent="0" defTabSz="1218987">
+              <a:spcBef>
+                <a:spcPts val="800"/>
+              </a:spcBef>
+              <a:buClr>
+                <a:schemeClr val="accent1"/>
+              </a:buClr>
+              <a:buSzPct val="80000"/>
+              <a:buNone/>
+            </a:pPr>
+            <a:r>
+              <a:rPr lang="it-IT" sz="1600" dirty="0"/>
+              <a:t>-The close </a:t>
+            </a:r>
+            <a:r>
+              <a:rPr lang="it-IT" sz="1600" dirty="0" err="1"/>
+              <a:t>syscall</a:t>
+            </a:r>
+            <a:r>
+              <a:rPr lang="it-IT" sz="1600" dirty="0"/>
+              <a:t> </a:t>
+            </a:r>
+            <a:r>
+              <a:rPr lang="it-IT" sz="1600" dirty="0" err="1"/>
+              <a:t>return</a:t>
+            </a:r>
+            <a:r>
+              <a:rPr lang="it-IT" sz="1600" dirty="0"/>
+              <a:t> 0 in case of success. -1 </a:t>
+            </a:r>
+            <a:r>
+              <a:rPr lang="it-IT" sz="1600" dirty="0" err="1"/>
+              <a:t>otherwise</a:t>
+            </a:r>
+            <a:r>
+              <a:rPr lang="it-IT" sz="1600" dirty="0"/>
+              <a:t>.</a:t>
+            </a:r>
+          </a:p>
+        </p:txBody>
+      </p:sp>
+    </p:spTree>
+    <p:extLst>
+      <p:ext uri="{BB962C8B-B14F-4D97-AF65-F5344CB8AC3E}">
+        <p14:creationId xmlns:p14="http://schemas.microsoft.com/office/powerpoint/2010/main" val="2940480331"/>
+      </p:ext>
+    </p:extLst>
+  </p:cSld>
+  <p:clrMapOvr>
+    <a:masterClrMapping/>
+  </p:clrMapOvr>
+  <mc:AlternateContent xmlns:mc="http://schemas.openxmlformats.org/markup-compatibility/2006" xmlns:p14="http://schemas.microsoft.com/office/powerpoint/2010/main">
+    <mc:Choice Requires="p14">
+      <p:transition spd="med" p14:dur="700">
+        <p:fade/>
+      </p:transition>
+    </mc:Choice>
+    <mc:Fallback xmlns="">
+      <p:transition spd="med">
+        <p:fade/>
+      </p:transition>
+    </mc:Fallback>
+  </mc:AlternateContent>
+</p:sld>
+</file>
+
+<file path=ppt/slides/slide15.xml><?xml version="1.0" encoding="utf-8"?>
+<p:sld xmlns:a="http://schemas.openxmlformats.org/drawingml/2006/main" xmlns:r="http://schemas.openxmlformats.org/officeDocument/2006/relationships" xmlns:p="http://schemas.openxmlformats.org/presentationml/2006/main">
+  <p:cSld>
+    <p:spTree>
+      <p:nvGrpSpPr>
+        <p:cNvPr id="1" name=""/>
+        <p:cNvGrpSpPr/>
+        <p:nvPr/>
+      </p:nvGrpSpPr>
+      <p:grpSpPr>
+        <a:xfrm>
+          <a:off x="0" y="0"/>
+          <a:ext cx="0" cy="0"/>
+          <a:chOff x="0" y="0"/>
+          <a:chExt cx="0" cy="0"/>
+        </a:xfrm>
+      </p:grpSpPr>
+      <p:sp>
+        <p:nvSpPr>
+          <p:cNvPr id="2" name="Titolo 1">
+            <a:extLst>
+              <a:ext uri="{FF2B5EF4-FFF2-40B4-BE49-F238E27FC236}">
+                <a16:creationId xmlns:a16="http://schemas.microsoft.com/office/drawing/2014/main" id="{D55B8FA0-DCD4-1D09-0688-3E33B7B0E59C}"/>
+              </a:ext>
+            </a:extLst>
+          </p:cNvPr>
+          <p:cNvSpPr txBox="1">
+            <a:spLocks/>
+          </p:cNvSpPr>
+          <p:nvPr/>
+        </p:nvSpPr>
+        <p:spPr>
+          <a:xfrm>
+            <a:off x="985072" y="742212"/>
+            <a:ext cx="10515600" cy="549275"/>
+          </a:xfrm>
+          <a:prstGeom prst="rect">
+            <a:avLst/>
+          </a:prstGeom>
+        </p:spPr>
+        <p:txBody>
+          <a:bodyPr vert="horz" lIns="91440" tIns="45720" rIns="91440" bIns="45720" rtlCol="0" anchor="ctr">
+            <a:normAutofit fontScale="97500"/>
+          </a:bodyPr>
+          <a:lstStyle>
+            <a:lvl1pPr algn="l" defTabSz="914400" rtl="0" eaLnBrk="1" latinLnBrk="0" hangingPunct="1">
+              <a:lnSpc>
+                <a:spcPct val="90000"/>
+              </a:lnSpc>
+              <a:spcBef>
+                <a:spcPct val="0"/>
+              </a:spcBef>
+              <a:buNone/>
+              <a:defRPr sz="4400" kern="1200">
+                <a:solidFill>
+                  <a:schemeClr val="tx1"/>
+                </a:solidFill>
+                <a:latin typeface="+mj-lt"/>
+                <a:ea typeface="+mj-ea"/>
+                <a:cs typeface="+mj-cs"/>
+              </a:defRPr>
+            </a:lvl1pPr>
+          </a:lstStyle>
+          <a:p>
+            <a:r>
+              <a:rPr lang="en-US" sz="1600" dirty="0" err="1">
+                <a:solidFill>
+                  <a:srgbClr val="DCDCAA"/>
+                </a:solidFill>
+                <a:latin typeface="Consolas" panose="020B0609020204030204" pitchFamily="49" charset="0"/>
+                <a:ea typeface="+mn-ea"/>
+                <a:cs typeface="+mn-cs"/>
+              </a:rPr>
+              <a:t>sys_write</a:t>
+            </a:r>
+            <a:r>
+              <a:rPr lang="en-US" sz="1600" dirty="0">
+                <a:solidFill>
+                  <a:srgbClr val="569CD6"/>
+                </a:solidFill>
+                <a:latin typeface="Consolas" panose="020B0609020204030204" pitchFamily="49" charset="0"/>
+                <a:ea typeface="+mn-ea"/>
+                <a:cs typeface="+mn-cs"/>
+              </a:rPr>
+              <a:t>(int </a:t>
+            </a:r>
+            <a:r>
+              <a:rPr lang="en-US" sz="1600" dirty="0" err="1">
+                <a:solidFill>
+                  <a:srgbClr val="569CD6"/>
+                </a:solidFill>
+                <a:latin typeface="Consolas" panose="020B0609020204030204" pitchFamily="49" charset="0"/>
+                <a:ea typeface="+mn-ea"/>
+                <a:cs typeface="+mn-cs"/>
+              </a:rPr>
+              <a:t>fd</a:t>
+            </a:r>
+            <a:r>
+              <a:rPr lang="en-US" sz="1600" dirty="0">
+                <a:solidFill>
+                  <a:srgbClr val="569CD6"/>
+                </a:solidFill>
+                <a:latin typeface="Consolas" panose="020B0609020204030204" pitchFamily="49" charset="0"/>
+                <a:ea typeface="+mn-ea"/>
+                <a:cs typeface="+mn-cs"/>
+              </a:rPr>
+              <a:t>, </a:t>
+            </a:r>
+            <a:r>
+              <a:rPr lang="en-US" sz="1600" dirty="0" err="1">
+                <a:solidFill>
+                  <a:srgbClr val="569CD6"/>
+                </a:solidFill>
+                <a:latin typeface="Consolas" panose="020B0609020204030204" pitchFamily="49" charset="0"/>
+                <a:ea typeface="+mn-ea"/>
+                <a:cs typeface="+mn-cs"/>
+              </a:rPr>
+              <a:t>userptr_t</a:t>
+            </a:r>
+            <a:r>
+              <a:rPr lang="en-US" sz="1600" dirty="0">
+                <a:solidFill>
+                  <a:srgbClr val="569CD6"/>
+                </a:solidFill>
+                <a:latin typeface="Consolas" panose="020B0609020204030204" pitchFamily="49" charset="0"/>
+                <a:ea typeface="+mn-ea"/>
+                <a:cs typeface="+mn-cs"/>
+              </a:rPr>
+              <a:t> buff, </a:t>
+            </a:r>
+            <a:r>
+              <a:rPr lang="en-US" sz="1600" dirty="0" err="1">
+                <a:solidFill>
+                  <a:srgbClr val="569CD6"/>
+                </a:solidFill>
+                <a:latin typeface="Consolas" panose="020B0609020204030204" pitchFamily="49" charset="0"/>
+                <a:ea typeface="+mn-ea"/>
+                <a:cs typeface="+mn-cs"/>
+              </a:rPr>
+              <a:t>size_t</a:t>
+            </a:r>
+            <a:r>
+              <a:rPr lang="en-US" sz="1600" dirty="0">
+                <a:solidFill>
+                  <a:srgbClr val="569CD6"/>
+                </a:solidFill>
+                <a:latin typeface="Consolas" panose="020B0609020204030204" pitchFamily="49" charset="0"/>
+                <a:ea typeface="+mn-ea"/>
+                <a:cs typeface="+mn-cs"/>
+              </a:rPr>
+              <a:t> </a:t>
+            </a:r>
+            <a:r>
+              <a:rPr lang="en-US" sz="1600" dirty="0" err="1">
+                <a:solidFill>
+                  <a:srgbClr val="569CD6"/>
+                </a:solidFill>
+                <a:latin typeface="Consolas" panose="020B0609020204030204" pitchFamily="49" charset="0"/>
+                <a:ea typeface="+mn-ea"/>
+                <a:cs typeface="+mn-cs"/>
+              </a:rPr>
+              <a:t>buff_len</a:t>
+            </a:r>
+            <a:r>
+              <a:rPr lang="en-US" sz="1600" dirty="0">
+                <a:solidFill>
+                  <a:srgbClr val="569CD6"/>
+                </a:solidFill>
+                <a:latin typeface="Consolas" panose="020B0609020204030204" pitchFamily="49" charset="0"/>
+                <a:ea typeface="+mn-ea"/>
+                <a:cs typeface="+mn-cs"/>
+              </a:rPr>
+              <a:t>, int *</a:t>
+            </a:r>
+            <a:r>
+              <a:rPr lang="en-US" sz="1600" dirty="0" err="1">
+                <a:solidFill>
+                  <a:srgbClr val="569CD6"/>
+                </a:solidFill>
+                <a:latin typeface="Consolas" panose="020B0609020204030204" pitchFamily="49" charset="0"/>
+                <a:ea typeface="+mn-ea"/>
+                <a:cs typeface="+mn-cs"/>
+              </a:rPr>
+              <a:t>retval</a:t>
+            </a:r>
+            <a:r>
+              <a:rPr lang="en-US" sz="1600" dirty="0">
+                <a:solidFill>
+                  <a:srgbClr val="569CD6"/>
+                </a:solidFill>
+                <a:latin typeface="Consolas" panose="020B0609020204030204" pitchFamily="49" charset="0"/>
+                <a:ea typeface="+mn-ea"/>
+                <a:cs typeface="+mn-cs"/>
+              </a:rPr>
+              <a:t>)</a:t>
+            </a:r>
+            <a:endParaRPr lang="it-IT" sz="1600" dirty="0">
+              <a:solidFill>
+                <a:srgbClr val="569CD6"/>
+              </a:solidFill>
+              <a:latin typeface="Consolas" panose="020B0609020204030204" pitchFamily="49" charset="0"/>
+              <a:ea typeface="+mn-ea"/>
+              <a:cs typeface="+mn-cs"/>
+            </a:endParaRPr>
+          </a:p>
+        </p:txBody>
+      </p:sp>
+      <p:sp>
+        <p:nvSpPr>
+          <p:cNvPr id="3" name="Segnaposto contenuto 2">
+            <a:extLst>
+              <a:ext uri="{FF2B5EF4-FFF2-40B4-BE49-F238E27FC236}">
+                <a16:creationId xmlns:a16="http://schemas.microsoft.com/office/drawing/2014/main" id="{6FC01ADF-1502-FDCD-5485-DDEA615E08D3}"/>
+              </a:ext>
+            </a:extLst>
+          </p:cNvPr>
+          <p:cNvSpPr txBox="1">
+            <a:spLocks/>
+          </p:cNvSpPr>
+          <p:nvPr/>
+        </p:nvSpPr>
+        <p:spPr>
+          <a:xfrm>
+            <a:off x="1197868" y="1291487"/>
+            <a:ext cx="10515600" cy="2046822"/>
+          </a:xfrm>
+          <a:prstGeom prst="rect">
+            <a:avLst/>
+          </a:prstGeom>
+        </p:spPr>
+        <p:txBody>
+          <a:bodyPr vert="horz" lIns="91440" tIns="45720" rIns="91440" bIns="45720" rtlCol="0">
+            <a:normAutofit/>
+          </a:bodyPr>
+          <a:lstStyle>
+            <a:lvl1pPr marL="228600" indent="-228600" algn="l" defTabSz="914400" rtl="0" eaLnBrk="1" latinLnBrk="0" hangingPunct="1">
+              <a:lnSpc>
+                <a:spcPct val="90000"/>
+              </a:lnSpc>
+              <a:spcBef>
+                <a:spcPts val="1000"/>
+              </a:spcBef>
+              <a:buFont typeface="Arial" panose="020B0604020202020204" pitchFamily="34" charset="0"/>
+              <a:buChar char="•"/>
+              <a:defRPr sz="2800" kern="1200">
+                <a:solidFill>
+                  <a:schemeClr val="tx1"/>
+                </a:solidFill>
+                <a:latin typeface="+mn-lt"/>
+                <a:ea typeface="+mn-ea"/>
+                <a:cs typeface="+mn-cs"/>
+              </a:defRPr>
+            </a:lvl1pPr>
+            <a:lvl2pPr marL="685800" indent="-228600" algn="l" defTabSz="914400" rtl="0" eaLnBrk="1" latinLnBrk="0" hangingPunct="1">
+              <a:lnSpc>
+                <a:spcPct val="90000"/>
+              </a:lnSpc>
+              <a:spcBef>
+                <a:spcPts val="500"/>
+              </a:spcBef>
+              <a:buFont typeface="Arial" panose="020B0604020202020204" pitchFamily="34" charset="0"/>
+              <a:buChar char="•"/>
+              <a:defRPr sz="2400" kern="1200">
+                <a:solidFill>
+                  <a:schemeClr val="tx1"/>
+                </a:solidFill>
+                <a:latin typeface="+mn-lt"/>
+                <a:ea typeface="+mn-ea"/>
+                <a:cs typeface="+mn-cs"/>
+              </a:defRPr>
+            </a:lvl2pPr>
+            <a:lvl3pPr marL="1143000" indent="-228600" algn="l" defTabSz="914400" rtl="0" eaLnBrk="1" latinLnBrk="0" hangingPunct="1">
+              <a:lnSpc>
+                <a:spcPct val="90000"/>
+              </a:lnSpc>
+              <a:spcBef>
+                <a:spcPts val="500"/>
+              </a:spcBef>
+              <a:buFont typeface="Arial" panose="020B0604020202020204" pitchFamily="34" charset="0"/>
+              <a:buChar char="•"/>
+              <a:defRPr sz="2000" kern="1200">
+                <a:solidFill>
+                  <a:schemeClr val="tx1"/>
+                </a:solidFill>
+                <a:latin typeface="+mn-lt"/>
+                <a:ea typeface="+mn-ea"/>
+                <a:cs typeface="+mn-cs"/>
+              </a:defRPr>
+            </a:lvl3pPr>
+            <a:lvl4pPr marL="1600200" indent="-228600" algn="l" defTabSz="914400" rtl="0" eaLnBrk="1" latinLnBrk="0" hangingPunct="1">
+              <a:lnSpc>
+                <a:spcPct val="90000"/>
+              </a:lnSpc>
+              <a:spcBef>
+                <a:spcPts val="500"/>
+              </a:spcBef>
+              <a:buFont typeface="Arial" panose="020B0604020202020204" pitchFamily="34" charset="0"/>
+              <a:buChar char="•"/>
+              <a:defRPr sz="1800" kern="1200">
+                <a:solidFill>
+                  <a:schemeClr val="tx1"/>
+                </a:solidFill>
+                <a:latin typeface="+mn-lt"/>
+                <a:ea typeface="+mn-ea"/>
+                <a:cs typeface="+mn-cs"/>
+              </a:defRPr>
+            </a:lvl4pPr>
+            <a:lvl5pPr marL="2057400" indent="-228600" algn="l" defTabSz="914400" rtl="0" eaLnBrk="1" latinLnBrk="0" hangingPunct="1">
+              <a:lnSpc>
+                <a:spcPct val="90000"/>
+              </a:lnSpc>
+              <a:spcBef>
+                <a:spcPts val="500"/>
+              </a:spcBef>
+              <a:buFont typeface="Arial" panose="020B0604020202020204" pitchFamily="34" charset="0"/>
+              <a:buChar char="•"/>
+              <a:defRPr sz="1800" kern="1200">
+                <a:solidFill>
+                  <a:schemeClr val="tx1"/>
+                </a:solidFill>
+                <a:latin typeface="+mn-lt"/>
+                <a:ea typeface="+mn-ea"/>
+                <a:cs typeface="+mn-cs"/>
+              </a:defRPr>
+            </a:lvl5pPr>
+            <a:lvl6pPr marL="2514600" indent="-228600" algn="l" defTabSz="914400" rtl="0" eaLnBrk="1" latinLnBrk="0" hangingPunct="1">
+              <a:lnSpc>
+                <a:spcPct val="90000"/>
+              </a:lnSpc>
+              <a:spcBef>
+                <a:spcPts val="500"/>
+              </a:spcBef>
+              <a:buFont typeface="Arial" panose="020B0604020202020204" pitchFamily="34" charset="0"/>
+              <a:buChar char="•"/>
+              <a:defRPr sz="1800" kern="1200">
+                <a:solidFill>
+                  <a:schemeClr val="tx1"/>
+                </a:solidFill>
+                <a:latin typeface="+mn-lt"/>
+                <a:ea typeface="+mn-ea"/>
+                <a:cs typeface="+mn-cs"/>
+              </a:defRPr>
+            </a:lvl6pPr>
+            <a:lvl7pPr marL="2971800" indent="-228600" algn="l" defTabSz="914400" rtl="0" eaLnBrk="1" latinLnBrk="0" hangingPunct="1">
+              <a:lnSpc>
+                <a:spcPct val="90000"/>
+              </a:lnSpc>
+              <a:spcBef>
+                <a:spcPts val="500"/>
+              </a:spcBef>
+              <a:buFont typeface="Arial" panose="020B0604020202020204" pitchFamily="34" charset="0"/>
+              <a:buChar char="•"/>
+              <a:defRPr sz="1800" kern="1200">
+                <a:solidFill>
+                  <a:schemeClr val="tx1"/>
+                </a:solidFill>
+                <a:latin typeface="+mn-lt"/>
+                <a:ea typeface="+mn-ea"/>
+                <a:cs typeface="+mn-cs"/>
+              </a:defRPr>
+            </a:lvl7pPr>
+            <a:lvl8pPr marL="3429000" indent="-228600" algn="l" defTabSz="914400" rtl="0" eaLnBrk="1" latinLnBrk="0" hangingPunct="1">
+              <a:lnSpc>
+                <a:spcPct val="90000"/>
+              </a:lnSpc>
+              <a:spcBef>
+                <a:spcPts val="500"/>
+              </a:spcBef>
+              <a:buFont typeface="Arial" panose="020B0604020202020204" pitchFamily="34" charset="0"/>
+              <a:buChar char="•"/>
+              <a:defRPr sz="1800" kern="1200">
+                <a:solidFill>
+                  <a:schemeClr val="tx1"/>
+                </a:solidFill>
+                <a:latin typeface="+mn-lt"/>
+                <a:ea typeface="+mn-ea"/>
+                <a:cs typeface="+mn-cs"/>
+              </a:defRPr>
+            </a:lvl8pPr>
+            <a:lvl9pPr marL="3886200" indent="-228600" algn="l" defTabSz="914400" rtl="0" eaLnBrk="1" latinLnBrk="0" hangingPunct="1">
+              <a:lnSpc>
+                <a:spcPct val="90000"/>
+              </a:lnSpc>
+              <a:spcBef>
+                <a:spcPts val="500"/>
+              </a:spcBef>
+              <a:buFont typeface="Arial" panose="020B0604020202020204" pitchFamily="34" charset="0"/>
+              <a:buChar char="•"/>
+              <a:defRPr sz="1800" kern="1200">
+                <a:solidFill>
+                  <a:schemeClr val="tx1"/>
+                </a:solidFill>
+                <a:latin typeface="+mn-lt"/>
+                <a:ea typeface="+mn-ea"/>
+                <a:cs typeface="+mn-cs"/>
+              </a:defRPr>
+            </a:lvl9pPr>
+          </a:lstStyle>
+          <a:p>
+            <a:r>
+              <a:rPr lang="it-IT" sz="1600" dirty="0"/>
+              <a:t>The </a:t>
+            </a:r>
+            <a:r>
+              <a:rPr lang="it-IT" sz="1600" dirty="0" err="1"/>
+              <a:t>write</a:t>
+            </a:r>
+            <a:r>
+              <a:rPr lang="it-IT" sz="1600" dirty="0"/>
+              <a:t> system call </a:t>
+            </a:r>
+            <a:r>
+              <a:rPr lang="it-IT" sz="1600" dirty="0" err="1"/>
+              <a:t>permits</a:t>
+            </a:r>
+            <a:r>
+              <a:rPr lang="it-IT" sz="1600" dirty="0"/>
+              <a:t> to </a:t>
+            </a:r>
+            <a:r>
+              <a:rPr lang="it-IT" sz="1600" dirty="0" err="1"/>
+              <a:t>write</a:t>
+            </a:r>
+            <a:r>
+              <a:rPr lang="it-IT" sz="1600" dirty="0"/>
+              <a:t> in the file by </a:t>
+            </a:r>
+            <a:r>
+              <a:rPr lang="it-IT" sz="1600" dirty="0" err="1"/>
+              <a:t>passing</a:t>
+            </a:r>
+            <a:r>
+              <a:rPr lang="it-IT" sz="1600" dirty="0"/>
+              <a:t> a </a:t>
+            </a:r>
+            <a:r>
+              <a:rPr lang="it-IT" sz="1600" dirty="0" err="1"/>
+              <a:t>specific</a:t>
+            </a:r>
+            <a:r>
+              <a:rPr lang="it-IT" sz="1600" dirty="0"/>
+              <a:t> FD </a:t>
+            </a:r>
+            <a:r>
+              <a:rPr lang="it-IT" sz="1600" dirty="0" err="1"/>
+              <a:t>using</a:t>
+            </a:r>
+            <a:r>
+              <a:rPr lang="it-IT" sz="1600" dirty="0"/>
+              <a:t> the VOP_WRITE().</a:t>
+            </a:r>
+          </a:p>
+          <a:p>
+            <a:r>
+              <a:rPr lang="it-IT" sz="1600" dirty="0"/>
+              <a:t>The file must be </a:t>
+            </a:r>
+            <a:r>
+              <a:rPr lang="it-IT" sz="1600" dirty="0" err="1"/>
+              <a:t>opened</a:t>
+            </a:r>
+            <a:r>
+              <a:rPr lang="it-IT" sz="1600" dirty="0"/>
+              <a:t> in O_WRONLY or O_RDWR mode.</a:t>
+            </a:r>
+          </a:p>
+          <a:p>
+            <a:r>
+              <a:rPr lang="it-IT" sz="1600" dirty="0"/>
+              <a:t>The size </a:t>
+            </a:r>
+            <a:r>
+              <a:rPr lang="it-IT" sz="1600" dirty="0" err="1"/>
+              <a:t>written</a:t>
+            </a:r>
+            <a:r>
+              <a:rPr lang="it-IT" sz="1600" dirty="0"/>
+              <a:t> </a:t>
+            </a:r>
+            <a:r>
+              <a:rPr lang="it-IT" sz="1600" dirty="0" err="1"/>
+              <a:t>is</a:t>
+            </a:r>
+            <a:r>
+              <a:rPr lang="it-IT" sz="1600" dirty="0"/>
+              <a:t> </a:t>
+            </a:r>
+            <a:r>
+              <a:rPr lang="it-IT" sz="1600" dirty="0" err="1"/>
+              <a:t>given</a:t>
+            </a:r>
+            <a:r>
+              <a:rPr lang="it-IT" sz="1600" dirty="0"/>
+              <a:t> by </a:t>
+            </a:r>
+            <a:r>
+              <a:rPr lang="it-IT" sz="1600" dirty="0" err="1"/>
+              <a:t>buf_len</a:t>
+            </a:r>
+            <a:r>
+              <a:rPr lang="it-IT" sz="1600" dirty="0"/>
+              <a:t> </a:t>
+            </a:r>
+            <a:r>
+              <a:rPr lang="it-IT" sz="1600" dirty="0" err="1"/>
+              <a:t>starting</a:t>
+            </a:r>
+            <a:r>
+              <a:rPr lang="it-IT" sz="1600" dirty="0"/>
+              <a:t> by the offset of the file.</a:t>
+            </a:r>
+          </a:p>
+          <a:p>
+            <a:r>
+              <a:rPr lang="it-IT" sz="1600" dirty="0"/>
+              <a:t>The </a:t>
+            </a:r>
+            <a:r>
+              <a:rPr lang="it-IT" sz="1600" dirty="0" err="1"/>
+              <a:t>write</a:t>
+            </a:r>
+            <a:r>
+              <a:rPr lang="it-IT" sz="1600" dirty="0"/>
+              <a:t> system call </a:t>
+            </a:r>
+            <a:r>
+              <a:rPr lang="it-IT" sz="1600" dirty="0" err="1"/>
+              <a:t>returns</a:t>
+            </a:r>
+            <a:r>
+              <a:rPr lang="it-IT" sz="1600" dirty="0"/>
+              <a:t> the </a:t>
+            </a:r>
+            <a:r>
+              <a:rPr lang="it-IT" sz="1600" dirty="0" err="1"/>
+              <a:t>amount</a:t>
+            </a:r>
+            <a:r>
+              <a:rPr lang="it-IT" sz="1600" dirty="0"/>
+              <a:t> of bytes </a:t>
+            </a:r>
+            <a:r>
+              <a:rPr lang="it-IT" sz="1600" dirty="0" err="1"/>
+              <a:t>written</a:t>
+            </a:r>
+            <a:r>
+              <a:rPr lang="it-IT" sz="1600" dirty="0"/>
+              <a:t> or -1 in case of </a:t>
+            </a:r>
+            <a:r>
+              <a:rPr lang="it-IT" sz="1600" dirty="0" err="1"/>
+              <a:t>failure</a:t>
+            </a:r>
+            <a:r>
+              <a:rPr lang="it-IT" sz="1600" dirty="0"/>
+              <a:t>.</a:t>
+            </a:r>
+          </a:p>
+        </p:txBody>
+      </p:sp>
+      <p:sp>
+        <p:nvSpPr>
+          <p:cNvPr id="4" name="Titolo 1">
+            <a:extLst>
+              <a:ext uri="{FF2B5EF4-FFF2-40B4-BE49-F238E27FC236}">
+                <a16:creationId xmlns:a16="http://schemas.microsoft.com/office/drawing/2014/main" id="{413C27AD-E042-31AC-E4F2-777B55E9241C}"/>
+              </a:ext>
+            </a:extLst>
+          </p:cNvPr>
+          <p:cNvSpPr txBox="1">
+            <a:spLocks/>
+          </p:cNvSpPr>
+          <p:nvPr/>
+        </p:nvSpPr>
+        <p:spPr>
+          <a:xfrm>
+            <a:off x="961910" y="2636912"/>
+            <a:ext cx="10515600" cy="549275"/>
+          </a:xfrm>
+          <a:prstGeom prst="rect">
+            <a:avLst/>
+          </a:prstGeom>
+        </p:spPr>
+        <p:txBody>
+          <a:bodyPr>
+            <a:normAutofit fontScale="97500" lnSpcReduction="10000"/>
+          </a:bodyPr>
+          <a:lstStyle>
+            <a:lvl1pPr algn="l" defTabSz="1218987" rtl="0" eaLnBrk="1" latinLnBrk="0" hangingPunct="1">
+              <a:lnSpc>
+                <a:spcPct val="90000"/>
+              </a:lnSpc>
+              <a:spcBef>
+                <a:spcPct val="0"/>
+              </a:spcBef>
+              <a:buNone/>
+              <a:defRPr sz="3600" kern="1200">
+                <a:solidFill>
+                  <a:schemeClr val="tx1"/>
+                </a:solidFill>
+                <a:latin typeface="+mj-lt"/>
+                <a:ea typeface="+mj-ea"/>
+                <a:cs typeface="+mj-cs"/>
+              </a:defRPr>
+            </a:lvl1pPr>
+          </a:lstStyle>
+          <a:p>
+            <a:endParaRPr lang="it-IT" dirty="0"/>
+          </a:p>
+        </p:txBody>
+      </p:sp>
+      <p:sp>
+        <p:nvSpPr>
+          <p:cNvPr id="5" name="Segnaposto contenuto 2">
+            <a:extLst>
+              <a:ext uri="{FF2B5EF4-FFF2-40B4-BE49-F238E27FC236}">
+                <a16:creationId xmlns:a16="http://schemas.microsoft.com/office/drawing/2014/main" id="{2424B9DC-26FC-AD7D-4873-E1049A9DADCA}"/>
+              </a:ext>
+            </a:extLst>
+          </p:cNvPr>
+          <p:cNvSpPr txBox="1">
+            <a:spLocks/>
+          </p:cNvSpPr>
+          <p:nvPr/>
+        </p:nvSpPr>
+        <p:spPr>
+          <a:xfrm>
+            <a:off x="1179422" y="3633645"/>
+            <a:ext cx="10515600" cy="2410506"/>
+          </a:xfrm>
+          <a:prstGeom prst="rect">
+            <a:avLst/>
+          </a:prstGeom>
+        </p:spPr>
+        <p:txBody>
+          <a:bodyPr>
+            <a:normAutofit/>
+          </a:bodyPr>
+          <a:lstStyle>
+            <a:lvl1pPr marL="304747" indent="-304747" algn="l" defTabSz="1218987" rtl="0" eaLnBrk="1" latinLnBrk="0" hangingPunct="1">
+              <a:lnSpc>
+                <a:spcPct val="90000"/>
+              </a:lnSpc>
+              <a:spcBef>
+                <a:spcPts val="1600"/>
+              </a:spcBef>
+              <a:buClr>
+                <a:schemeClr val="accent1"/>
+              </a:buClr>
+              <a:buSzPct val="100000"/>
+              <a:buFont typeface="Arial" pitchFamily="34" charset="0"/>
+              <a:buChar char="•"/>
+              <a:defRPr sz="2800" kern="1200">
+                <a:solidFill>
+                  <a:schemeClr val="tx1"/>
+                </a:solidFill>
+                <a:latin typeface="+mn-lt"/>
+                <a:ea typeface="+mn-ea"/>
+                <a:cs typeface="+mn-cs"/>
+              </a:defRPr>
+            </a:lvl1pPr>
+            <a:lvl2pPr marL="609493" indent="-231607" algn="l" defTabSz="1218987" rtl="0" eaLnBrk="1" latinLnBrk="0" hangingPunct="1">
+              <a:lnSpc>
+                <a:spcPct val="90000"/>
+              </a:lnSpc>
+              <a:spcBef>
+                <a:spcPts val="800"/>
+              </a:spcBef>
+              <a:buClr>
+                <a:schemeClr val="accent1"/>
+              </a:buClr>
+              <a:buSzPct val="80000"/>
+              <a:buFont typeface="Arial" pitchFamily="34" charset="0"/>
+              <a:buChar char="•"/>
+              <a:defRPr sz="2400" kern="1200">
+                <a:solidFill>
+                  <a:schemeClr val="tx1"/>
+                </a:solidFill>
+                <a:latin typeface="+mn-lt"/>
+                <a:ea typeface="+mn-ea"/>
+                <a:cs typeface="+mn-cs"/>
+              </a:defRPr>
+            </a:lvl2pPr>
+            <a:lvl3pPr marL="914240" indent="-231607" algn="l" defTabSz="1218987" rtl="0" eaLnBrk="1" latinLnBrk="0" hangingPunct="1">
+              <a:lnSpc>
+                <a:spcPct val="90000"/>
+              </a:lnSpc>
+              <a:spcBef>
+                <a:spcPts val="800"/>
+              </a:spcBef>
+              <a:buClr>
+                <a:schemeClr val="accent1"/>
+              </a:buClr>
+              <a:buSzPct val="80000"/>
+              <a:buFont typeface="Arial" pitchFamily="34" charset="0"/>
+              <a:buChar char="•"/>
+              <a:defRPr sz="2000" kern="1200">
+                <a:solidFill>
+                  <a:schemeClr val="tx1"/>
+                </a:solidFill>
+                <a:latin typeface="+mn-lt"/>
+                <a:ea typeface="+mn-ea"/>
+                <a:cs typeface="+mn-cs"/>
+              </a:defRPr>
+            </a:lvl3pPr>
+            <a:lvl4pPr marL="1218987" indent="-231607" algn="l" defTabSz="1218987" rtl="0" eaLnBrk="1" latinLnBrk="0" hangingPunct="1">
+              <a:lnSpc>
+                <a:spcPct val="90000"/>
+              </a:lnSpc>
+              <a:spcBef>
+                <a:spcPts val="800"/>
+              </a:spcBef>
+              <a:buClr>
+                <a:schemeClr val="accent1"/>
+              </a:buClr>
+              <a:buSzPct val="80000"/>
+              <a:buFont typeface="Arial" pitchFamily="34" charset="0"/>
+              <a:buChar char="•"/>
+              <a:defRPr sz="2000" kern="1200">
+                <a:solidFill>
+                  <a:schemeClr val="tx1"/>
+                </a:solidFill>
+                <a:latin typeface="+mn-lt"/>
+                <a:ea typeface="+mn-ea"/>
+                <a:cs typeface="+mn-cs"/>
+              </a:defRPr>
+            </a:lvl4pPr>
+            <a:lvl5pPr marL="1523733" indent="-231607" algn="l" defTabSz="1218987" rtl="0" eaLnBrk="1" latinLnBrk="0" hangingPunct="1">
+              <a:lnSpc>
+                <a:spcPct val="90000"/>
+              </a:lnSpc>
+              <a:spcBef>
+                <a:spcPts val="800"/>
+              </a:spcBef>
+              <a:buClr>
+                <a:schemeClr val="accent1"/>
+              </a:buClr>
+              <a:buSzPct val="80000"/>
+              <a:buFont typeface="Arial" pitchFamily="34" charset="0"/>
+              <a:buChar char="•"/>
+              <a:defRPr sz="2000" kern="1200">
+                <a:solidFill>
+                  <a:schemeClr val="tx1"/>
+                </a:solidFill>
+                <a:latin typeface="+mn-lt"/>
+                <a:ea typeface="+mn-ea"/>
+                <a:cs typeface="+mn-cs"/>
+              </a:defRPr>
+            </a:lvl5pPr>
+            <a:lvl6pPr marL="1828480" indent="-231607" algn="l" defTabSz="1218987" rtl="0" eaLnBrk="1" latinLnBrk="0" hangingPunct="1">
+              <a:lnSpc>
+                <a:spcPct val="90000"/>
+              </a:lnSpc>
+              <a:spcBef>
+                <a:spcPts val="800"/>
+              </a:spcBef>
+              <a:buClr>
+                <a:schemeClr val="accent1"/>
+              </a:buClr>
+              <a:buSzPct val="80000"/>
+              <a:buFont typeface="Arial" pitchFamily="34" charset="0"/>
+              <a:buChar char="•"/>
+              <a:defRPr sz="2000" kern="1200">
+                <a:solidFill>
+                  <a:schemeClr val="tx1"/>
+                </a:solidFill>
+                <a:latin typeface="+mn-lt"/>
+                <a:ea typeface="+mn-ea"/>
+                <a:cs typeface="+mn-cs"/>
+              </a:defRPr>
+            </a:lvl6pPr>
+            <a:lvl7pPr marL="2133227" indent="-231607" algn="l" defTabSz="1218987" rtl="0" eaLnBrk="1" latinLnBrk="0" hangingPunct="1">
+              <a:lnSpc>
+                <a:spcPct val="90000"/>
+              </a:lnSpc>
+              <a:spcBef>
+                <a:spcPts val="800"/>
+              </a:spcBef>
+              <a:buClr>
+                <a:schemeClr val="accent1"/>
+              </a:buClr>
+              <a:buSzPct val="80000"/>
+              <a:buFont typeface="Arial" pitchFamily="34" charset="0"/>
+              <a:buChar char="•"/>
+              <a:defRPr sz="2000" kern="1200">
+                <a:solidFill>
+                  <a:schemeClr val="tx1"/>
+                </a:solidFill>
+                <a:latin typeface="+mn-lt"/>
+                <a:ea typeface="+mn-ea"/>
+                <a:cs typeface="+mn-cs"/>
+              </a:defRPr>
+            </a:lvl7pPr>
+            <a:lvl8pPr marL="2437973" indent="-231607" algn="l" defTabSz="1218987" rtl="0" eaLnBrk="1" latinLnBrk="0" hangingPunct="1">
+              <a:lnSpc>
+                <a:spcPct val="90000"/>
+              </a:lnSpc>
+              <a:spcBef>
+                <a:spcPts val="800"/>
+              </a:spcBef>
+              <a:buClr>
+                <a:schemeClr val="accent1"/>
+              </a:buClr>
+              <a:buSzPct val="80000"/>
+              <a:buFont typeface="Arial" pitchFamily="34" charset="0"/>
+              <a:buChar char="•"/>
+              <a:defRPr sz="2000" kern="1200" baseline="0">
+                <a:solidFill>
+                  <a:schemeClr val="tx1"/>
+                </a:solidFill>
+                <a:latin typeface="+mn-lt"/>
+                <a:ea typeface="+mn-ea"/>
+                <a:cs typeface="+mn-cs"/>
+              </a:defRPr>
+            </a:lvl8pPr>
+            <a:lvl9pPr marL="2742720" indent="-231607" algn="l" defTabSz="1218987" rtl="0" eaLnBrk="1" latinLnBrk="0" hangingPunct="1">
+              <a:lnSpc>
+                <a:spcPct val="90000"/>
+              </a:lnSpc>
+              <a:spcBef>
+                <a:spcPts val="800"/>
+              </a:spcBef>
+              <a:buClr>
+                <a:schemeClr val="accent1"/>
+              </a:buClr>
+              <a:buSzPct val="80000"/>
+              <a:buFont typeface="Arial" pitchFamily="34" charset="0"/>
+              <a:buChar char="•"/>
+              <a:defRPr sz="2000" kern="1200" baseline="0">
+                <a:solidFill>
+                  <a:schemeClr val="tx1"/>
+                </a:solidFill>
+                <a:latin typeface="+mn-lt"/>
+                <a:ea typeface="+mn-ea"/>
+                <a:cs typeface="+mn-cs"/>
+              </a:defRPr>
+            </a:lvl9pPr>
+          </a:lstStyle>
+          <a:p>
+            <a:r>
+              <a:rPr lang="it-IT" sz="1600" dirty="0"/>
+              <a:t>The </a:t>
+            </a:r>
+            <a:r>
+              <a:rPr lang="it-IT" sz="1600" dirty="0" err="1"/>
+              <a:t>read</a:t>
+            </a:r>
+            <a:r>
+              <a:rPr lang="it-IT" sz="1600" dirty="0"/>
+              <a:t> system call </a:t>
+            </a:r>
+            <a:r>
+              <a:rPr lang="it-IT" sz="1600" dirty="0" err="1"/>
+              <a:t>permits</a:t>
+            </a:r>
+            <a:r>
+              <a:rPr lang="it-IT" sz="1600" dirty="0"/>
+              <a:t> to </a:t>
+            </a:r>
+            <a:r>
+              <a:rPr lang="it-IT" sz="1600" dirty="0" err="1"/>
+              <a:t>read</a:t>
+            </a:r>
+            <a:r>
+              <a:rPr lang="it-IT" sz="1600" dirty="0"/>
+              <a:t> the file by </a:t>
+            </a:r>
+            <a:r>
+              <a:rPr lang="it-IT" sz="1600" dirty="0" err="1"/>
+              <a:t>passing</a:t>
+            </a:r>
+            <a:r>
+              <a:rPr lang="it-IT" sz="1600" dirty="0"/>
+              <a:t> a </a:t>
+            </a:r>
+            <a:r>
+              <a:rPr lang="it-IT" sz="1600" dirty="0" err="1"/>
+              <a:t>specific</a:t>
+            </a:r>
+            <a:r>
+              <a:rPr lang="it-IT" sz="1600" dirty="0"/>
+              <a:t> FD </a:t>
+            </a:r>
+            <a:r>
+              <a:rPr lang="it-IT" sz="1600" dirty="0" err="1"/>
+              <a:t>using</a:t>
+            </a:r>
+            <a:r>
+              <a:rPr lang="it-IT" sz="1600" dirty="0"/>
+              <a:t> the VOP_READ().</a:t>
+            </a:r>
+          </a:p>
+          <a:p>
+            <a:r>
+              <a:rPr lang="it-IT" sz="1600" dirty="0"/>
+              <a:t>The file must be </a:t>
+            </a:r>
+            <a:r>
+              <a:rPr lang="it-IT" sz="1600" dirty="0" err="1"/>
+              <a:t>opened</a:t>
+            </a:r>
+            <a:r>
+              <a:rPr lang="it-IT" sz="1600" dirty="0"/>
+              <a:t> in O_RDONLY or O_RDWR mode.</a:t>
+            </a:r>
+          </a:p>
+          <a:p>
+            <a:r>
+              <a:rPr lang="it-IT" sz="1600" dirty="0"/>
+              <a:t>The size </a:t>
+            </a:r>
+            <a:r>
+              <a:rPr lang="it-IT" sz="1600" dirty="0" err="1"/>
+              <a:t>read</a:t>
+            </a:r>
+            <a:r>
+              <a:rPr lang="it-IT" sz="1600" dirty="0"/>
+              <a:t> </a:t>
+            </a:r>
+            <a:r>
+              <a:rPr lang="it-IT" sz="1600" dirty="0" err="1"/>
+              <a:t>is</a:t>
+            </a:r>
+            <a:r>
+              <a:rPr lang="it-IT" sz="1600" dirty="0"/>
+              <a:t> </a:t>
+            </a:r>
+            <a:r>
+              <a:rPr lang="it-IT" sz="1600" dirty="0" err="1"/>
+              <a:t>given</a:t>
+            </a:r>
+            <a:r>
+              <a:rPr lang="it-IT" sz="1600" dirty="0"/>
+              <a:t> by </a:t>
+            </a:r>
+            <a:r>
+              <a:rPr lang="it-IT" sz="1600" dirty="0" err="1"/>
+              <a:t>buf_len</a:t>
+            </a:r>
+            <a:r>
+              <a:rPr lang="it-IT" sz="1600" dirty="0"/>
+              <a:t> </a:t>
+            </a:r>
+            <a:r>
+              <a:rPr lang="it-IT" sz="1600" dirty="0" err="1"/>
+              <a:t>starting</a:t>
+            </a:r>
+            <a:r>
+              <a:rPr lang="it-IT" sz="1600" dirty="0"/>
+              <a:t> by the offset of the file.</a:t>
+            </a:r>
+          </a:p>
+          <a:p>
+            <a:r>
+              <a:rPr lang="it-IT" sz="1600" dirty="0"/>
+              <a:t>The </a:t>
+            </a:r>
+            <a:r>
+              <a:rPr lang="it-IT" sz="1600" dirty="0" err="1"/>
+              <a:t>read</a:t>
+            </a:r>
+            <a:r>
+              <a:rPr lang="it-IT" sz="1600" dirty="0"/>
+              <a:t> system call </a:t>
+            </a:r>
+            <a:r>
+              <a:rPr lang="it-IT" sz="1600" dirty="0" err="1"/>
+              <a:t>returns</a:t>
+            </a:r>
+            <a:r>
+              <a:rPr lang="it-IT" sz="1600" dirty="0"/>
+              <a:t> the </a:t>
+            </a:r>
+            <a:r>
+              <a:rPr lang="it-IT" sz="1600" dirty="0" err="1"/>
+              <a:t>amount</a:t>
+            </a:r>
+            <a:r>
+              <a:rPr lang="it-IT" sz="1600" dirty="0"/>
+              <a:t> of bytes </a:t>
+            </a:r>
+            <a:r>
+              <a:rPr lang="it-IT" sz="1600" dirty="0" err="1"/>
+              <a:t>read</a:t>
+            </a:r>
+            <a:r>
+              <a:rPr lang="it-IT" sz="1600" dirty="0"/>
+              <a:t> or -1 in case of </a:t>
+            </a:r>
+            <a:r>
+              <a:rPr lang="it-IT" sz="1600" dirty="0" err="1"/>
+              <a:t>failure</a:t>
+            </a:r>
+            <a:r>
+              <a:rPr lang="it-IT" sz="1600" dirty="0"/>
+              <a:t>.</a:t>
+            </a:r>
+          </a:p>
+        </p:txBody>
+      </p:sp>
+      <p:sp>
+        <p:nvSpPr>
+          <p:cNvPr id="6" name="Titolo 1">
+            <a:extLst>
+              <a:ext uri="{FF2B5EF4-FFF2-40B4-BE49-F238E27FC236}">
+                <a16:creationId xmlns:a16="http://schemas.microsoft.com/office/drawing/2014/main" id="{853A3864-F4C0-9515-66CF-332AD7C81B99}"/>
+              </a:ext>
+            </a:extLst>
+          </p:cNvPr>
+          <p:cNvSpPr txBox="1">
+            <a:spLocks/>
+          </p:cNvSpPr>
+          <p:nvPr/>
+        </p:nvSpPr>
+        <p:spPr>
+          <a:xfrm>
+            <a:off x="882650" y="330992"/>
+            <a:ext cx="10426700" cy="937767"/>
+          </a:xfrm>
+          <a:prstGeom prst="rect">
+            <a:avLst/>
+          </a:prstGeom>
+        </p:spPr>
+        <p:txBody>
+          <a:bodyPr/>
+          <a:lstStyle>
+            <a:lvl1pPr algn="l" defTabSz="1218987" rtl="0" eaLnBrk="1" latinLnBrk="0" hangingPunct="1">
+              <a:lnSpc>
+                <a:spcPct val="90000"/>
+              </a:lnSpc>
+              <a:spcBef>
+                <a:spcPct val="0"/>
+              </a:spcBef>
+              <a:buNone/>
+              <a:defRPr sz="3600" kern="1200">
+                <a:solidFill>
+                  <a:schemeClr val="tx1"/>
+                </a:solidFill>
+                <a:latin typeface="+mj-lt"/>
+                <a:ea typeface="+mj-ea"/>
+                <a:cs typeface="+mj-cs"/>
+              </a:defRPr>
+            </a:lvl1pPr>
+          </a:lstStyle>
+          <a:p>
+            <a:r>
+              <a:rPr lang="nn-NO" dirty="0">
+                <a:solidFill>
+                  <a:srgbClr val="FF0000"/>
+                </a:solidFill>
+                <a:ea typeface="+mn-ea"/>
+                <a:cs typeface="+mn-cs"/>
+              </a:rPr>
+              <a:t>Write</a:t>
+            </a:r>
+          </a:p>
+        </p:txBody>
+      </p:sp>
+      <p:sp>
+        <p:nvSpPr>
+          <p:cNvPr id="7" name="Titolo 1">
+            <a:extLst>
+              <a:ext uri="{FF2B5EF4-FFF2-40B4-BE49-F238E27FC236}">
+                <a16:creationId xmlns:a16="http://schemas.microsoft.com/office/drawing/2014/main" id="{9CE0102B-B06A-60F1-4DE9-F19222178CC7}"/>
+              </a:ext>
+            </a:extLst>
+          </p:cNvPr>
+          <p:cNvSpPr txBox="1">
+            <a:spLocks/>
+          </p:cNvSpPr>
+          <p:nvPr/>
+        </p:nvSpPr>
+        <p:spPr>
+          <a:xfrm>
+            <a:off x="989703" y="3086399"/>
+            <a:ext cx="10515600" cy="549275"/>
+          </a:xfrm>
+          <a:prstGeom prst="rect">
+            <a:avLst/>
+          </a:prstGeom>
+        </p:spPr>
+        <p:txBody>
+          <a:bodyPr vert="horz" lIns="91440" tIns="45720" rIns="91440" bIns="45720" rtlCol="0" anchor="ctr">
+            <a:normAutofit fontScale="97500"/>
+          </a:bodyPr>
+          <a:lstStyle>
+            <a:lvl1pPr algn="l" defTabSz="914400" rtl="0" eaLnBrk="1" latinLnBrk="0" hangingPunct="1">
+              <a:lnSpc>
+                <a:spcPct val="90000"/>
+              </a:lnSpc>
+              <a:spcBef>
+                <a:spcPct val="0"/>
+              </a:spcBef>
+              <a:buNone/>
+              <a:defRPr sz="4400" kern="1200">
+                <a:solidFill>
+                  <a:schemeClr val="tx1"/>
+                </a:solidFill>
+                <a:latin typeface="+mj-lt"/>
+                <a:ea typeface="+mj-ea"/>
+                <a:cs typeface="+mj-cs"/>
+              </a:defRPr>
+            </a:lvl1pPr>
+          </a:lstStyle>
+          <a:p>
+            <a:r>
+              <a:rPr lang="en-US" sz="1600" dirty="0" err="1">
+                <a:solidFill>
+                  <a:srgbClr val="DCDCAA"/>
+                </a:solidFill>
+                <a:latin typeface="Consolas" panose="020B0609020204030204" pitchFamily="49" charset="0"/>
+                <a:ea typeface="+mn-ea"/>
+                <a:cs typeface="+mn-cs"/>
+              </a:rPr>
+              <a:t>sys_read</a:t>
+            </a:r>
+            <a:r>
+              <a:rPr lang="en-US" sz="1600" dirty="0">
+                <a:solidFill>
+                  <a:srgbClr val="569CD6"/>
+                </a:solidFill>
+                <a:latin typeface="Consolas" panose="020B0609020204030204" pitchFamily="49" charset="0"/>
+                <a:ea typeface="+mn-ea"/>
+                <a:cs typeface="+mn-cs"/>
+              </a:rPr>
+              <a:t>(int </a:t>
+            </a:r>
+            <a:r>
+              <a:rPr lang="en-US" sz="1600" dirty="0" err="1">
+                <a:solidFill>
+                  <a:srgbClr val="569CD6"/>
+                </a:solidFill>
+                <a:latin typeface="Consolas" panose="020B0609020204030204" pitchFamily="49" charset="0"/>
+                <a:ea typeface="+mn-ea"/>
+                <a:cs typeface="+mn-cs"/>
+              </a:rPr>
+              <a:t>fd</a:t>
+            </a:r>
+            <a:r>
+              <a:rPr lang="en-US" sz="1600" dirty="0">
+                <a:solidFill>
+                  <a:srgbClr val="569CD6"/>
+                </a:solidFill>
+                <a:latin typeface="Consolas" panose="020B0609020204030204" pitchFamily="49" charset="0"/>
+                <a:ea typeface="+mn-ea"/>
+                <a:cs typeface="+mn-cs"/>
+              </a:rPr>
+              <a:t>, </a:t>
+            </a:r>
+            <a:r>
+              <a:rPr lang="en-US" sz="1600" dirty="0" err="1">
+                <a:solidFill>
+                  <a:srgbClr val="569CD6"/>
+                </a:solidFill>
+                <a:latin typeface="Consolas" panose="020B0609020204030204" pitchFamily="49" charset="0"/>
+                <a:ea typeface="+mn-ea"/>
+                <a:cs typeface="+mn-cs"/>
+              </a:rPr>
+              <a:t>userptr_t</a:t>
+            </a:r>
+            <a:r>
+              <a:rPr lang="en-US" sz="1600" dirty="0">
+                <a:solidFill>
+                  <a:srgbClr val="569CD6"/>
+                </a:solidFill>
+                <a:latin typeface="Consolas" panose="020B0609020204030204" pitchFamily="49" charset="0"/>
+                <a:ea typeface="+mn-ea"/>
+                <a:cs typeface="+mn-cs"/>
+              </a:rPr>
+              <a:t> buff, </a:t>
+            </a:r>
+            <a:r>
+              <a:rPr lang="en-US" sz="1600" dirty="0" err="1">
+                <a:solidFill>
+                  <a:srgbClr val="569CD6"/>
+                </a:solidFill>
+                <a:latin typeface="Consolas" panose="020B0609020204030204" pitchFamily="49" charset="0"/>
+                <a:ea typeface="+mn-ea"/>
+                <a:cs typeface="+mn-cs"/>
+              </a:rPr>
+              <a:t>size_t</a:t>
+            </a:r>
+            <a:r>
+              <a:rPr lang="en-US" sz="1600" dirty="0">
+                <a:solidFill>
+                  <a:srgbClr val="569CD6"/>
+                </a:solidFill>
+                <a:latin typeface="Consolas" panose="020B0609020204030204" pitchFamily="49" charset="0"/>
+                <a:ea typeface="+mn-ea"/>
+                <a:cs typeface="+mn-cs"/>
+              </a:rPr>
+              <a:t> </a:t>
+            </a:r>
+            <a:r>
+              <a:rPr lang="en-US" sz="1600" dirty="0" err="1">
+                <a:solidFill>
+                  <a:srgbClr val="569CD6"/>
+                </a:solidFill>
+                <a:latin typeface="Consolas" panose="020B0609020204030204" pitchFamily="49" charset="0"/>
+                <a:ea typeface="+mn-ea"/>
+                <a:cs typeface="+mn-cs"/>
+              </a:rPr>
+              <a:t>buff_len</a:t>
+            </a:r>
+            <a:r>
+              <a:rPr lang="en-US" sz="1600" dirty="0">
+                <a:solidFill>
+                  <a:srgbClr val="569CD6"/>
+                </a:solidFill>
+                <a:latin typeface="Consolas" panose="020B0609020204030204" pitchFamily="49" charset="0"/>
+                <a:ea typeface="+mn-ea"/>
+                <a:cs typeface="+mn-cs"/>
+              </a:rPr>
+              <a:t>, int *</a:t>
+            </a:r>
+            <a:r>
+              <a:rPr lang="en-US" sz="1600" dirty="0" err="1">
+                <a:solidFill>
+                  <a:srgbClr val="569CD6"/>
+                </a:solidFill>
+                <a:latin typeface="Consolas" panose="020B0609020204030204" pitchFamily="49" charset="0"/>
+                <a:ea typeface="+mn-ea"/>
+                <a:cs typeface="+mn-cs"/>
+              </a:rPr>
+              <a:t>retval</a:t>
+            </a:r>
+            <a:r>
+              <a:rPr lang="en-US" sz="1600" dirty="0">
+                <a:solidFill>
+                  <a:srgbClr val="569CD6"/>
+                </a:solidFill>
+                <a:latin typeface="Consolas" panose="020B0609020204030204" pitchFamily="49" charset="0"/>
+                <a:ea typeface="+mn-ea"/>
+                <a:cs typeface="+mn-cs"/>
+              </a:rPr>
+              <a:t>)</a:t>
+            </a:r>
+            <a:endParaRPr lang="it-IT" sz="1600" dirty="0">
+              <a:solidFill>
+                <a:srgbClr val="569CD6"/>
+              </a:solidFill>
+              <a:latin typeface="Consolas" panose="020B0609020204030204" pitchFamily="49" charset="0"/>
+              <a:ea typeface="+mn-ea"/>
+              <a:cs typeface="+mn-cs"/>
+            </a:endParaRPr>
+          </a:p>
+        </p:txBody>
+      </p:sp>
+      <p:sp>
+        <p:nvSpPr>
+          <p:cNvPr id="8" name="Titolo 1">
+            <a:extLst>
+              <a:ext uri="{FF2B5EF4-FFF2-40B4-BE49-F238E27FC236}">
+                <a16:creationId xmlns:a16="http://schemas.microsoft.com/office/drawing/2014/main" id="{839A040B-A54C-6122-C631-A1063D00222E}"/>
+              </a:ext>
+            </a:extLst>
+          </p:cNvPr>
+          <p:cNvSpPr txBox="1">
+            <a:spLocks/>
+          </p:cNvSpPr>
+          <p:nvPr/>
+        </p:nvSpPr>
+        <p:spPr>
+          <a:xfrm>
+            <a:off x="882650" y="2695878"/>
+            <a:ext cx="10426700" cy="937767"/>
+          </a:xfrm>
+          <a:prstGeom prst="rect">
+            <a:avLst/>
+          </a:prstGeom>
+        </p:spPr>
+        <p:txBody>
+          <a:bodyPr/>
+          <a:lstStyle>
+            <a:lvl1pPr algn="l" defTabSz="1218987" rtl="0" eaLnBrk="1" latinLnBrk="0" hangingPunct="1">
+              <a:lnSpc>
+                <a:spcPct val="90000"/>
+              </a:lnSpc>
+              <a:spcBef>
+                <a:spcPct val="0"/>
+              </a:spcBef>
+              <a:buNone/>
+              <a:defRPr sz="3600" kern="1200">
+                <a:solidFill>
+                  <a:schemeClr val="tx1"/>
+                </a:solidFill>
+                <a:latin typeface="+mj-lt"/>
+                <a:ea typeface="+mj-ea"/>
+                <a:cs typeface="+mj-cs"/>
+              </a:defRPr>
+            </a:lvl1pPr>
+          </a:lstStyle>
+          <a:p>
+            <a:r>
+              <a:rPr lang="nn-NO" dirty="0">
+                <a:solidFill>
+                  <a:srgbClr val="FF0000"/>
+                </a:solidFill>
+                <a:ea typeface="+mn-ea"/>
+                <a:cs typeface="+mn-cs"/>
+              </a:rPr>
+              <a:t>Read</a:t>
+            </a:r>
+          </a:p>
+        </p:txBody>
+      </p:sp>
+    </p:spTree>
+    <p:extLst>
+      <p:ext uri="{BB962C8B-B14F-4D97-AF65-F5344CB8AC3E}">
+        <p14:creationId xmlns:p14="http://schemas.microsoft.com/office/powerpoint/2010/main" val="95566805"/>
+      </p:ext>
+    </p:extLst>
+  </p:cSld>
+  <p:clrMapOvr>
+    <a:masterClrMapping/>
+  </p:clrMapOvr>
+  <mc:AlternateContent xmlns:mc="http://schemas.openxmlformats.org/markup-compatibility/2006" xmlns:p14="http://schemas.microsoft.com/office/powerpoint/2010/main">
+    <mc:Choice Requires="p14">
+      <p:transition spd="med" p14:dur="700">
+        <p:fade/>
+      </p:transition>
+    </mc:Choice>
+    <mc:Fallback xmlns="">
+      <p:transition spd="med">
+        <p:fade/>
+      </p:transition>
+    </mc:Fallback>
+  </mc:AlternateContent>
+</p:sld>
+</file>
+
+<file path=ppt/slides/slide16.xml><?xml version="1.0" encoding="utf-8"?>
+<p:sld xmlns:a="http://schemas.openxmlformats.org/drawingml/2006/main" xmlns:r="http://schemas.openxmlformats.org/officeDocument/2006/relationships" xmlns:p="http://schemas.openxmlformats.org/presentationml/2006/main">
+  <p:cSld>
+    <p:spTree>
+      <p:nvGrpSpPr>
+        <p:cNvPr id="1" name=""/>
+        <p:cNvGrpSpPr/>
+        <p:nvPr/>
+      </p:nvGrpSpPr>
+      <p:grpSpPr>
+        <a:xfrm>
+          <a:off x="0" y="0"/>
+          <a:ext cx="0" cy="0"/>
+          <a:chOff x="0" y="0"/>
+          <a:chExt cx="0" cy="0"/>
+        </a:xfrm>
+      </p:grpSpPr>
+      <p:sp>
+        <p:nvSpPr>
+          <p:cNvPr id="2" name="Titolo 1">
+            <a:extLst>
+              <a:ext uri="{FF2B5EF4-FFF2-40B4-BE49-F238E27FC236}">
+                <a16:creationId xmlns:a16="http://schemas.microsoft.com/office/drawing/2014/main" id="{916D2C97-7E0D-BA39-CDFA-DE74F72ED734}"/>
+              </a:ext>
+            </a:extLst>
+          </p:cNvPr>
+          <p:cNvSpPr txBox="1">
+            <a:spLocks/>
+          </p:cNvSpPr>
+          <p:nvPr/>
+        </p:nvSpPr>
+        <p:spPr>
+          <a:xfrm>
+            <a:off x="966175" y="1005474"/>
+            <a:ext cx="10515600" cy="563789"/>
+          </a:xfrm>
+          <a:prstGeom prst="rect">
+            <a:avLst/>
+          </a:prstGeom>
+        </p:spPr>
+        <p:txBody>
+          <a:bodyPr vert="horz" lIns="91440" tIns="45720" rIns="91440" bIns="45720" rtlCol="0" anchor="ctr">
+            <a:normAutofit fontScale="97500"/>
+          </a:bodyPr>
+          <a:lstStyle>
+            <a:lvl1pPr algn="l" defTabSz="914400" rtl="0" eaLnBrk="1" latinLnBrk="0" hangingPunct="1">
+              <a:lnSpc>
+                <a:spcPct val="90000"/>
+              </a:lnSpc>
+              <a:spcBef>
+                <a:spcPct val="0"/>
+              </a:spcBef>
+              <a:buNone/>
+              <a:defRPr sz="4400" kern="1200">
+                <a:solidFill>
+                  <a:schemeClr val="tx1"/>
+                </a:solidFill>
+                <a:latin typeface="+mj-lt"/>
+                <a:ea typeface="+mj-ea"/>
+                <a:cs typeface="+mj-cs"/>
+              </a:defRPr>
+            </a:lvl1pPr>
+          </a:lstStyle>
+          <a:p>
+            <a:r>
+              <a:rPr lang="en-US" sz="1600" dirty="0" err="1">
+                <a:solidFill>
+                  <a:srgbClr val="DCDCAA"/>
+                </a:solidFill>
+                <a:latin typeface="Consolas" panose="020B0609020204030204" pitchFamily="49" charset="0"/>
+                <a:ea typeface="+mn-ea"/>
+                <a:cs typeface="+mn-cs"/>
+              </a:rPr>
+              <a:t>sys_lseek</a:t>
+            </a:r>
+            <a:r>
+              <a:rPr lang="en-US" sz="1600" dirty="0">
+                <a:solidFill>
+                  <a:srgbClr val="569CD6"/>
+                </a:solidFill>
+                <a:latin typeface="Consolas" panose="020B0609020204030204" pitchFamily="49" charset="0"/>
+                <a:ea typeface="+mn-ea"/>
+                <a:cs typeface="+mn-cs"/>
+              </a:rPr>
+              <a:t>(int </a:t>
+            </a:r>
+            <a:r>
+              <a:rPr lang="en-US" sz="1600" dirty="0" err="1">
+                <a:solidFill>
+                  <a:srgbClr val="569CD6"/>
+                </a:solidFill>
+                <a:latin typeface="Consolas" panose="020B0609020204030204" pitchFamily="49" charset="0"/>
+                <a:ea typeface="+mn-ea"/>
+                <a:cs typeface="+mn-cs"/>
+              </a:rPr>
+              <a:t>fd</a:t>
+            </a:r>
+            <a:r>
+              <a:rPr lang="en-US" sz="1600" dirty="0">
+                <a:solidFill>
+                  <a:srgbClr val="569CD6"/>
+                </a:solidFill>
+                <a:latin typeface="Consolas" panose="020B0609020204030204" pitchFamily="49" charset="0"/>
+                <a:ea typeface="+mn-ea"/>
+                <a:cs typeface="+mn-cs"/>
+              </a:rPr>
+              <a:t>, </a:t>
+            </a:r>
+            <a:r>
+              <a:rPr lang="en-US" sz="1600" dirty="0" err="1">
+                <a:solidFill>
+                  <a:srgbClr val="569CD6"/>
+                </a:solidFill>
+                <a:latin typeface="Consolas" panose="020B0609020204030204" pitchFamily="49" charset="0"/>
+                <a:ea typeface="+mn-ea"/>
+                <a:cs typeface="+mn-cs"/>
+              </a:rPr>
+              <a:t>off_t</a:t>
+            </a:r>
+            <a:r>
+              <a:rPr lang="en-US" sz="1600" dirty="0">
+                <a:solidFill>
+                  <a:srgbClr val="569CD6"/>
+                </a:solidFill>
+                <a:latin typeface="Consolas" panose="020B0609020204030204" pitchFamily="49" charset="0"/>
+                <a:ea typeface="+mn-ea"/>
+                <a:cs typeface="+mn-cs"/>
+              </a:rPr>
+              <a:t> pos, int whence, </a:t>
+            </a:r>
+            <a:r>
+              <a:rPr lang="en-US" sz="1600" dirty="0" err="1">
+                <a:solidFill>
+                  <a:srgbClr val="569CD6"/>
+                </a:solidFill>
+                <a:latin typeface="Consolas" panose="020B0609020204030204" pitchFamily="49" charset="0"/>
+                <a:ea typeface="+mn-ea"/>
+                <a:cs typeface="+mn-cs"/>
+              </a:rPr>
+              <a:t>off_t</a:t>
+            </a:r>
+            <a:r>
+              <a:rPr lang="en-US" sz="1600" dirty="0">
+                <a:solidFill>
+                  <a:srgbClr val="569CD6"/>
+                </a:solidFill>
+                <a:latin typeface="Consolas" panose="020B0609020204030204" pitchFamily="49" charset="0"/>
+                <a:ea typeface="+mn-ea"/>
+                <a:cs typeface="+mn-cs"/>
+              </a:rPr>
+              <a:t> *</a:t>
+            </a:r>
+            <a:r>
+              <a:rPr lang="en-US" sz="1600" dirty="0" err="1">
+                <a:solidFill>
+                  <a:srgbClr val="569CD6"/>
+                </a:solidFill>
+                <a:latin typeface="Consolas" panose="020B0609020204030204" pitchFamily="49" charset="0"/>
+                <a:ea typeface="+mn-ea"/>
+                <a:cs typeface="+mn-cs"/>
+              </a:rPr>
+              <a:t>retval</a:t>
+            </a:r>
+            <a:r>
+              <a:rPr lang="en-US" sz="1600" dirty="0">
+                <a:solidFill>
+                  <a:srgbClr val="569CD6"/>
+                </a:solidFill>
+                <a:latin typeface="Consolas" panose="020B0609020204030204" pitchFamily="49" charset="0"/>
+                <a:ea typeface="+mn-ea"/>
+                <a:cs typeface="+mn-cs"/>
+              </a:rPr>
+              <a:t>)</a:t>
+            </a:r>
+            <a:endParaRPr lang="it-IT" sz="1600" dirty="0">
+              <a:solidFill>
+                <a:srgbClr val="569CD6"/>
+              </a:solidFill>
+              <a:latin typeface="Consolas" panose="020B0609020204030204" pitchFamily="49" charset="0"/>
+              <a:ea typeface="+mn-ea"/>
+              <a:cs typeface="+mn-cs"/>
+            </a:endParaRPr>
+          </a:p>
+        </p:txBody>
+      </p:sp>
+      <p:sp>
+        <p:nvSpPr>
+          <p:cNvPr id="3" name="Segnaposto contenuto 2">
+            <a:extLst>
+              <a:ext uri="{FF2B5EF4-FFF2-40B4-BE49-F238E27FC236}">
+                <a16:creationId xmlns:a16="http://schemas.microsoft.com/office/drawing/2014/main" id="{4FF8E81A-C27D-2A3E-08C4-C29D1CC30C02}"/>
+              </a:ext>
+            </a:extLst>
+          </p:cNvPr>
+          <p:cNvSpPr txBox="1">
+            <a:spLocks/>
+          </p:cNvSpPr>
+          <p:nvPr/>
+        </p:nvSpPr>
+        <p:spPr>
+          <a:xfrm>
+            <a:off x="966175" y="1556792"/>
+            <a:ext cx="10515600" cy="2244523"/>
+          </a:xfrm>
+          <a:prstGeom prst="rect">
+            <a:avLst/>
+          </a:prstGeom>
+        </p:spPr>
+        <p:txBody>
+          <a:bodyPr>
+            <a:normAutofit/>
+          </a:bodyPr>
+          <a:lstStyle>
+            <a:lvl1pPr marL="304747" indent="-304747" algn="l" defTabSz="1218987" rtl="0" eaLnBrk="1" latinLnBrk="0" hangingPunct="1">
+              <a:lnSpc>
+                <a:spcPct val="90000"/>
+              </a:lnSpc>
+              <a:spcBef>
+                <a:spcPts val="1600"/>
+              </a:spcBef>
+              <a:buClr>
+                <a:schemeClr val="accent1"/>
+              </a:buClr>
+              <a:buSzPct val="100000"/>
+              <a:buFont typeface="Arial" pitchFamily="34" charset="0"/>
+              <a:buChar char="•"/>
+              <a:defRPr sz="2800" kern="1200">
+                <a:solidFill>
+                  <a:schemeClr val="tx1"/>
+                </a:solidFill>
+                <a:latin typeface="+mn-lt"/>
+                <a:ea typeface="+mn-ea"/>
+                <a:cs typeface="+mn-cs"/>
+              </a:defRPr>
+            </a:lvl1pPr>
+            <a:lvl2pPr marL="609493" indent="-231607" algn="l" defTabSz="1218987" rtl="0" eaLnBrk="1" latinLnBrk="0" hangingPunct="1">
+              <a:lnSpc>
+                <a:spcPct val="90000"/>
+              </a:lnSpc>
+              <a:spcBef>
+                <a:spcPts val="800"/>
+              </a:spcBef>
+              <a:buClr>
+                <a:schemeClr val="accent1"/>
+              </a:buClr>
+              <a:buSzPct val="80000"/>
+              <a:buFont typeface="Arial" pitchFamily="34" charset="0"/>
+              <a:buChar char="•"/>
+              <a:defRPr sz="2400" kern="1200">
+                <a:solidFill>
+                  <a:schemeClr val="tx1"/>
+                </a:solidFill>
+                <a:latin typeface="+mn-lt"/>
+                <a:ea typeface="+mn-ea"/>
+                <a:cs typeface="+mn-cs"/>
+              </a:defRPr>
+            </a:lvl2pPr>
+            <a:lvl3pPr marL="914240" indent="-231607" algn="l" defTabSz="1218987" rtl="0" eaLnBrk="1" latinLnBrk="0" hangingPunct="1">
+              <a:lnSpc>
+                <a:spcPct val="90000"/>
+              </a:lnSpc>
+              <a:spcBef>
+                <a:spcPts val="800"/>
+              </a:spcBef>
+              <a:buClr>
+                <a:schemeClr val="accent1"/>
+              </a:buClr>
+              <a:buSzPct val="80000"/>
+              <a:buFont typeface="Arial" pitchFamily="34" charset="0"/>
+              <a:buChar char="•"/>
+              <a:defRPr sz="2000" kern="1200">
+                <a:solidFill>
+                  <a:schemeClr val="tx1"/>
+                </a:solidFill>
+                <a:latin typeface="+mn-lt"/>
+                <a:ea typeface="+mn-ea"/>
+                <a:cs typeface="+mn-cs"/>
+              </a:defRPr>
+            </a:lvl3pPr>
+            <a:lvl4pPr marL="1218987" indent="-231607" algn="l" defTabSz="1218987" rtl="0" eaLnBrk="1" latinLnBrk="0" hangingPunct="1">
+              <a:lnSpc>
+                <a:spcPct val="90000"/>
+              </a:lnSpc>
+              <a:spcBef>
+                <a:spcPts val="800"/>
+              </a:spcBef>
+              <a:buClr>
+                <a:schemeClr val="accent1"/>
+              </a:buClr>
+              <a:buSzPct val="80000"/>
+              <a:buFont typeface="Arial" pitchFamily="34" charset="0"/>
+              <a:buChar char="•"/>
+              <a:defRPr sz="2000" kern="1200">
+                <a:solidFill>
+                  <a:schemeClr val="tx1"/>
+                </a:solidFill>
+                <a:latin typeface="+mn-lt"/>
+                <a:ea typeface="+mn-ea"/>
+                <a:cs typeface="+mn-cs"/>
+              </a:defRPr>
+            </a:lvl4pPr>
+            <a:lvl5pPr marL="1523733" indent="-231607" algn="l" defTabSz="1218987" rtl="0" eaLnBrk="1" latinLnBrk="0" hangingPunct="1">
+              <a:lnSpc>
+                <a:spcPct val="90000"/>
+              </a:lnSpc>
+              <a:spcBef>
+                <a:spcPts val="800"/>
+              </a:spcBef>
+              <a:buClr>
+                <a:schemeClr val="accent1"/>
+              </a:buClr>
+              <a:buSzPct val="80000"/>
+              <a:buFont typeface="Arial" pitchFamily="34" charset="0"/>
+              <a:buChar char="•"/>
+              <a:defRPr sz="2000" kern="1200">
+                <a:solidFill>
+                  <a:schemeClr val="tx1"/>
+                </a:solidFill>
+                <a:latin typeface="+mn-lt"/>
+                <a:ea typeface="+mn-ea"/>
+                <a:cs typeface="+mn-cs"/>
+              </a:defRPr>
+            </a:lvl5pPr>
+            <a:lvl6pPr marL="1828480" indent="-231607" algn="l" defTabSz="1218987" rtl="0" eaLnBrk="1" latinLnBrk="0" hangingPunct="1">
+              <a:lnSpc>
+                <a:spcPct val="90000"/>
+              </a:lnSpc>
+              <a:spcBef>
+                <a:spcPts val="800"/>
+              </a:spcBef>
+              <a:buClr>
+                <a:schemeClr val="accent1"/>
+              </a:buClr>
+              <a:buSzPct val="80000"/>
+              <a:buFont typeface="Arial" pitchFamily="34" charset="0"/>
+              <a:buChar char="•"/>
+              <a:defRPr sz="2000" kern="1200">
+                <a:solidFill>
+                  <a:schemeClr val="tx1"/>
+                </a:solidFill>
+                <a:latin typeface="+mn-lt"/>
+                <a:ea typeface="+mn-ea"/>
+                <a:cs typeface="+mn-cs"/>
+              </a:defRPr>
+            </a:lvl6pPr>
+            <a:lvl7pPr marL="2133227" indent="-231607" algn="l" defTabSz="1218987" rtl="0" eaLnBrk="1" latinLnBrk="0" hangingPunct="1">
+              <a:lnSpc>
+                <a:spcPct val="90000"/>
+              </a:lnSpc>
+              <a:spcBef>
+                <a:spcPts val="800"/>
+              </a:spcBef>
+              <a:buClr>
+                <a:schemeClr val="accent1"/>
+              </a:buClr>
+              <a:buSzPct val="80000"/>
+              <a:buFont typeface="Arial" pitchFamily="34" charset="0"/>
+              <a:buChar char="•"/>
+              <a:defRPr sz="2000" kern="1200">
+                <a:solidFill>
+                  <a:schemeClr val="tx1"/>
+                </a:solidFill>
+                <a:latin typeface="+mn-lt"/>
+                <a:ea typeface="+mn-ea"/>
+                <a:cs typeface="+mn-cs"/>
+              </a:defRPr>
+            </a:lvl7pPr>
+            <a:lvl8pPr marL="2437973" indent="-231607" algn="l" defTabSz="1218987" rtl="0" eaLnBrk="1" latinLnBrk="0" hangingPunct="1">
+              <a:lnSpc>
+                <a:spcPct val="90000"/>
+              </a:lnSpc>
+              <a:spcBef>
+                <a:spcPts val="800"/>
+              </a:spcBef>
+              <a:buClr>
+                <a:schemeClr val="accent1"/>
+              </a:buClr>
+              <a:buSzPct val="80000"/>
+              <a:buFont typeface="Arial" pitchFamily="34" charset="0"/>
+              <a:buChar char="•"/>
+              <a:defRPr sz="2000" kern="1200" baseline="0">
+                <a:solidFill>
+                  <a:schemeClr val="tx1"/>
+                </a:solidFill>
+                <a:latin typeface="+mn-lt"/>
+                <a:ea typeface="+mn-ea"/>
+                <a:cs typeface="+mn-cs"/>
+              </a:defRPr>
+            </a:lvl8pPr>
+            <a:lvl9pPr marL="2742720" indent="-231607" algn="l" defTabSz="1218987" rtl="0" eaLnBrk="1" latinLnBrk="0" hangingPunct="1">
+              <a:lnSpc>
+                <a:spcPct val="90000"/>
+              </a:lnSpc>
+              <a:spcBef>
+                <a:spcPts val="800"/>
+              </a:spcBef>
+              <a:buClr>
+                <a:schemeClr val="accent1"/>
+              </a:buClr>
+              <a:buSzPct val="80000"/>
+              <a:buFont typeface="Arial" pitchFamily="34" charset="0"/>
+              <a:buChar char="•"/>
+              <a:defRPr sz="2000" kern="1200" baseline="0">
+                <a:solidFill>
+                  <a:schemeClr val="tx1"/>
+                </a:solidFill>
+                <a:latin typeface="+mn-lt"/>
+                <a:ea typeface="+mn-ea"/>
+                <a:cs typeface="+mn-cs"/>
+              </a:defRPr>
+            </a:lvl9pPr>
+          </a:lstStyle>
+          <a:p>
+            <a:pPr marL="228600" indent="-228600" defTabSz="914400">
+              <a:lnSpc>
+                <a:spcPct val="100000"/>
+              </a:lnSpc>
+              <a:spcBef>
+                <a:spcPts val="1000"/>
+              </a:spcBef>
+            </a:pPr>
+            <a:r>
+              <a:rPr lang="it-IT" sz="1600" dirty="0"/>
+              <a:t>The </a:t>
+            </a:r>
+            <a:r>
+              <a:rPr lang="it-IT" sz="1600" dirty="0" err="1"/>
+              <a:t>lseek</a:t>
+            </a:r>
+            <a:r>
+              <a:rPr lang="it-IT" sz="1600" dirty="0"/>
+              <a:t> system call </a:t>
+            </a:r>
+            <a:r>
+              <a:rPr lang="it-IT" sz="1600" dirty="0" err="1"/>
+              <a:t>is</a:t>
+            </a:r>
+            <a:r>
+              <a:rPr lang="it-IT" sz="1600" dirty="0"/>
+              <a:t> </a:t>
+            </a:r>
+            <a:r>
+              <a:rPr lang="it-IT" sz="1600" dirty="0" err="1"/>
+              <a:t>used</a:t>
+            </a:r>
+            <a:r>
+              <a:rPr lang="it-IT" sz="1600" dirty="0"/>
+              <a:t> to </a:t>
+            </a:r>
+            <a:r>
+              <a:rPr lang="it-IT" sz="1600" dirty="0" err="1"/>
+              <a:t>move</a:t>
+            </a:r>
+            <a:r>
+              <a:rPr lang="it-IT" sz="1600" dirty="0"/>
+              <a:t> the </a:t>
+            </a:r>
+            <a:r>
+              <a:rPr lang="it-IT" sz="1600" dirty="0" err="1"/>
+              <a:t>current</a:t>
+            </a:r>
+            <a:r>
+              <a:rPr lang="it-IT" sz="1600" dirty="0"/>
+              <a:t> </a:t>
+            </a:r>
+            <a:r>
+              <a:rPr lang="it-IT" sz="1600" dirty="0" err="1"/>
+              <a:t>seek</a:t>
+            </a:r>
+            <a:r>
+              <a:rPr lang="it-IT" sz="1600" dirty="0"/>
+              <a:t> position in the file by </a:t>
+            </a:r>
+            <a:r>
+              <a:rPr lang="it-IT" sz="1600" dirty="0" err="1"/>
+              <a:t>passing</a:t>
+            </a:r>
+            <a:r>
+              <a:rPr lang="it-IT" sz="1600" dirty="0"/>
+              <a:t> a </a:t>
+            </a:r>
+            <a:r>
+              <a:rPr lang="it-IT" sz="1600" dirty="0" err="1"/>
+              <a:t>fd</a:t>
+            </a:r>
+            <a:r>
+              <a:rPr lang="it-IT" sz="1600" dirty="0"/>
+              <a:t> </a:t>
+            </a:r>
+            <a:r>
+              <a:rPr lang="it-IT" sz="1600" dirty="0" err="1"/>
+              <a:t>argument</a:t>
+            </a:r>
+            <a:r>
+              <a:rPr lang="it-IT" sz="1600" dirty="0"/>
+              <a:t>.</a:t>
+            </a:r>
+          </a:p>
+          <a:p>
+            <a:pPr marL="228600" indent="-228600" defTabSz="914400">
+              <a:lnSpc>
+                <a:spcPct val="100000"/>
+              </a:lnSpc>
+              <a:spcBef>
+                <a:spcPts val="1000"/>
+              </a:spcBef>
+            </a:pPr>
+            <a:r>
+              <a:rPr lang="it-IT" sz="1600" dirty="0"/>
+              <a:t>The </a:t>
+            </a:r>
+            <a:r>
+              <a:rPr lang="it-IT" sz="1600" dirty="0" err="1"/>
+              <a:t>pos</a:t>
+            </a:r>
+            <a:r>
+              <a:rPr lang="it-IT" sz="1600" dirty="0"/>
+              <a:t> indicate the </a:t>
+            </a:r>
+            <a:r>
+              <a:rPr lang="it-IT" sz="1600" dirty="0" err="1"/>
+              <a:t>value</a:t>
+            </a:r>
+            <a:r>
+              <a:rPr lang="it-IT" sz="1600" dirty="0"/>
+              <a:t> of offset and </a:t>
+            </a:r>
+            <a:r>
+              <a:rPr lang="it-IT" sz="1600" dirty="0" err="1"/>
+              <a:t>whence</a:t>
+            </a:r>
+            <a:r>
+              <a:rPr lang="it-IT" sz="1600" dirty="0"/>
+              <a:t> </a:t>
+            </a:r>
+            <a:r>
+              <a:rPr lang="it-IT" sz="1600" dirty="0" err="1"/>
+              <a:t>specifies</a:t>
+            </a:r>
+            <a:r>
+              <a:rPr lang="it-IT" sz="1600" dirty="0"/>
+              <a:t> the </a:t>
+            </a:r>
+            <a:r>
+              <a:rPr lang="it-IT" sz="1600" dirty="0" err="1"/>
+              <a:t>starting</a:t>
+            </a:r>
+            <a:r>
+              <a:rPr lang="it-IT" sz="1600" dirty="0"/>
+              <a:t> point for the </a:t>
+            </a:r>
+            <a:r>
+              <a:rPr lang="it-IT" sz="1600" dirty="0" err="1"/>
+              <a:t>seek</a:t>
+            </a:r>
+            <a:r>
+              <a:rPr lang="it-IT" sz="1600" dirty="0"/>
+              <a:t> </a:t>
+            </a:r>
+            <a:r>
+              <a:rPr lang="it-IT" sz="1600" dirty="0" err="1"/>
+              <a:t>operation</a:t>
+            </a:r>
+            <a:r>
+              <a:rPr lang="it-IT" sz="1600" dirty="0"/>
+              <a:t>. </a:t>
+            </a:r>
+            <a:r>
+              <a:rPr lang="it-IT" sz="1600" dirty="0" err="1"/>
+              <a:t>It</a:t>
+            </a:r>
+            <a:r>
+              <a:rPr lang="it-IT" sz="1600" dirty="0"/>
+              <a:t> can be:</a:t>
+            </a:r>
+          </a:p>
+          <a:p>
+            <a:pPr marL="228600" lvl="1" indent="-228600" defTabSz="914400">
+              <a:lnSpc>
+                <a:spcPct val="100000"/>
+              </a:lnSpc>
+              <a:spcBef>
+                <a:spcPts val="1000"/>
+              </a:spcBef>
+            </a:pPr>
+            <a:r>
+              <a:rPr lang="it-IT" sz="1600" dirty="0"/>
+              <a:t>SEEK_SET</a:t>
+            </a:r>
+          </a:p>
+          <a:p>
+            <a:pPr marL="228600" lvl="1" indent="-228600" defTabSz="914400">
+              <a:lnSpc>
+                <a:spcPct val="100000"/>
+              </a:lnSpc>
+              <a:spcBef>
+                <a:spcPts val="1000"/>
+              </a:spcBef>
+            </a:pPr>
+            <a:r>
+              <a:rPr lang="it-IT" sz="1600" dirty="0"/>
+              <a:t>SEEK_</a:t>
+            </a:r>
+            <a:r>
+              <a:rPr lang="en-US" sz="1600" dirty="0"/>
+              <a:t>dup2(int </a:t>
+            </a:r>
+            <a:r>
+              <a:rPr lang="en-US" sz="1600" dirty="0" err="1"/>
+              <a:t>oldfd</a:t>
+            </a:r>
+            <a:r>
+              <a:rPr lang="en-US" sz="1600" dirty="0"/>
+              <a:t>, int </a:t>
+            </a:r>
+            <a:r>
+              <a:rPr lang="en-US" sz="1600" dirty="0" err="1"/>
+              <a:t>newfd</a:t>
+            </a:r>
+            <a:r>
+              <a:rPr lang="en-US" sz="1600" dirty="0"/>
+              <a:t>, int *</a:t>
+            </a:r>
+            <a:r>
+              <a:rPr lang="en-US" sz="1600" dirty="0" err="1"/>
+              <a:t>retval</a:t>
+            </a:r>
+            <a:r>
+              <a:rPr lang="en-US" sz="1600" dirty="0"/>
+              <a:t>)</a:t>
+            </a:r>
+            <a:r>
+              <a:rPr lang="it-IT" sz="1600" dirty="0"/>
+              <a:t>CUR</a:t>
+            </a:r>
+          </a:p>
+          <a:p>
+            <a:pPr marL="228600" lvl="1" indent="-228600" defTabSz="914400">
+              <a:lnSpc>
+                <a:spcPct val="100000"/>
+              </a:lnSpc>
+              <a:spcBef>
+                <a:spcPts val="1000"/>
+              </a:spcBef>
+            </a:pPr>
+            <a:r>
+              <a:rPr lang="it-IT" sz="1600" dirty="0"/>
+              <a:t>SEEK_END</a:t>
+            </a:r>
+          </a:p>
+          <a:p>
+            <a:pPr marL="228600" lvl="1" indent="-228600" defTabSz="914400">
+              <a:lnSpc>
+                <a:spcPct val="100000"/>
+              </a:lnSpc>
+              <a:spcBef>
+                <a:spcPts val="1000"/>
+              </a:spcBef>
+            </a:pPr>
+            <a:r>
+              <a:rPr lang="it-IT" sz="1600" dirty="0" err="1"/>
+              <a:t>If</a:t>
+            </a:r>
+            <a:r>
+              <a:rPr lang="it-IT" sz="1600" dirty="0"/>
+              <a:t> the </a:t>
+            </a:r>
+            <a:r>
+              <a:rPr lang="it-IT" sz="1600" dirty="0" err="1"/>
+              <a:t>lseek</a:t>
+            </a:r>
+            <a:r>
+              <a:rPr lang="it-IT" sz="1600" dirty="0"/>
+              <a:t> system call success </a:t>
+            </a:r>
+            <a:r>
+              <a:rPr lang="it-IT" sz="1600" dirty="0" err="1"/>
+              <a:t>return</a:t>
+            </a:r>
+            <a:r>
+              <a:rPr lang="it-IT" sz="1600" dirty="0"/>
+              <a:t> the new position of pointer </a:t>
+            </a:r>
+            <a:r>
+              <a:rPr lang="it-IT" sz="1600" dirty="0" err="1"/>
+              <a:t>otherwise</a:t>
+            </a:r>
+            <a:r>
+              <a:rPr lang="it-IT" sz="1600" dirty="0"/>
+              <a:t> </a:t>
+            </a:r>
+            <a:r>
+              <a:rPr lang="it-IT" sz="1600" dirty="0" err="1"/>
+              <a:t>returns</a:t>
+            </a:r>
+            <a:r>
+              <a:rPr lang="it-IT" sz="1600" dirty="0"/>
+              <a:t> 0</a:t>
+            </a:r>
+          </a:p>
+          <a:p>
+            <a:pPr lvl="1"/>
+            <a:endParaRPr lang="it-IT" dirty="0"/>
+          </a:p>
+        </p:txBody>
+      </p:sp>
+      <p:sp>
+        <p:nvSpPr>
+          <p:cNvPr id="4" name="Titolo 1">
+            <a:extLst>
+              <a:ext uri="{FF2B5EF4-FFF2-40B4-BE49-F238E27FC236}">
+                <a16:creationId xmlns:a16="http://schemas.microsoft.com/office/drawing/2014/main" id="{F2F01E0A-19EB-EC1A-554B-566F529C9280}"/>
+              </a:ext>
+            </a:extLst>
+          </p:cNvPr>
+          <p:cNvSpPr txBox="1">
+            <a:spLocks/>
+          </p:cNvSpPr>
+          <p:nvPr/>
+        </p:nvSpPr>
+        <p:spPr>
+          <a:xfrm>
+            <a:off x="965164" y="4509120"/>
+            <a:ext cx="10515600" cy="563789"/>
+          </a:xfrm>
+          <a:prstGeom prst="rect">
+            <a:avLst/>
+          </a:prstGeom>
+        </p:spPr>
+        <p:txBody>
+          <a:bodyPr vert="horz" lIns="91440" tIns="45720" rIns="91440" bIns="45720" rtlCol="0" anchor="ctr">
+            <a:normAutofit fontScale="97500"/>
+          </a:bodyPr>
+          <a:lstStyle>
+            <a:lvl1pPr algn="l" defTabSz="914400" rtl="0" eaLnBrk="1" latinLnBrk="0" hangingPunct="1">
+              <a:lnSpc>
+                <a:spcPct val="90000"/>
+              </a:lnSpc>
+              <a:spcBef>
+                <a:spcPct val="0"/>
+              </a:spcBef>
+              <a:buNone/>
+              <a:defRPr sz="4400" kern="1200">
+                <a:solidFill>
+                  <a:schemeClr val="tx1"/>
+                </a:solidFill>
+                <a:latin typeface="+mj-lt"/>
+                <a:ea typeface="+mj-ea"/>
+                <a:cs typeface="+mj-cs"/>
+              </a:defRPr>
+            </a:lvl1pPr>
+          </a:lstStyle>
+          <a:p>
+            <a:r>
+              <a:rPr lang="en-US" sz="1600" dirty="0">
+                <a:solidFill>
+                  <a:srgbClr val="DCDCAA"/>
+                </a:solidFill>
+                <a:latin typeface="Consolas" panose="020B0609020204030204" pitchFamily="49" charset="0"/>
+                <a:ea typeface="+mn-ea"/>
+                <a:cs typeface="+mn-cs"/>
+              </a:rPr>
+              <a:t>sys_dup2</a:t>
+            </a:r>
+            <a:r>
+              <a:rPr lang="en-US" sz="1600" dirty="0">
+                <a:solidFill>
+                  <a:srgbClr val="569CD6"/>
+                </a:solidFill>
+                <a:latin typeface="Consolas" panose="020B0609020204030204" pitchFamily="49" charset="0"/>
+                <a:ea typeface="+mn-ea"/>
+                <a:cs typeface="+mn-cs"/>
+              </a:rPr>
+              <a:t>(int </a:t>
+            </a:r>
+            <a:r>
+              <a:rPr lang="en-US" sz="1600" dirty="0" err="1">
+                <a:solidFill>
+                  <a:srgbClr val="569CD6"/>
+                </a:solidFill>
+                <a:latin typeface="Consolas" panose="020B0609020204030204" pitchFamily="49" charset="0"/>
+                <a:ea typeface="+mn-ea"/>
+                <a:cs typeface="+mn-cs"/>
+              </a:rPr>
+              <a:t>oldfd</a:t>
+            </a:r>
+            <a:r>
+              <a:rPr lang="en-US" sz="1600" dirty="0">
+                <a:solidFill>
+                  <a:srgbClr val="569CD6"/>
+                </a:solidFill>
+                <a:latin typeface="Consolas" panose="020B0609020204030204" pitchFamily="49" charset="0"/>
+                <a:ea typeface="+mn-ea"/>
+                <a:cs typeface="+mn-cs"/>
+              </a:rPr>
+              <a:t>, int </a:t>
+            </a:r>
+            <a:r>
+              <a:rPr lang="en-US" sz="1600" dirty="0" err="1">
+                <a:solidFill>
+                  <a:srgbClr val="569CD6"/>
+                </a:solidFill>
+                <a:latin typeface="Consolas" panose="020B0609020204030204" pitchFamily="49" charset="0"/>
+                <a:ea typeface="+mn-ea"/>
+                <a:cs typeface="+mn-cs"/>
+              </a:rPr>
+              <a:t>newfd</a:t>
+            </a:r>
+            <a:r>
+              <a:rPr lang="en-US" sz="1600" dirty="0">
+                <a:solidFill>
+                  <a:srgbClr val="569CD6"/>
+                </a:solidFill>
+                <a:latin typeface="Consolas" panose="020B0609020204030204" pitchFamily="49" charset="0"/>
+                <a:ea typeface="+mn-ea"/>
+                <a:cs typeface="+mn-cs"/>
+              </a:rPr>
+              <a:t>, int *</a:t>
+            </a:r>
+            <a:r>
+              <a:rPr lang="en-US" sz="1600" dirty="0" err="1">
+                <a:solidFill>
+                  <a:srgbClr val="569CD6"/>
+                </a:solidFill>
+                <a:latin typeface="Consolas" panose="020B0609020204030204" pitchFamily="49" charset="0"/>
+                <a:ea typeface="+mn-ea"/>
+                <a:cs typeface="+mn-cs"/>
+              </a:rPr>
+              <a:t>retval</a:t>
+            </a:r>
+            <a:r>
+              <a:rPr lang="en-US" sz="1600" dirty="0">
+                <a:solidFill>
+                  <a:srgbClr val="569CD6"/>
+                </a:solidFill>
+                <a:latin typeface="Consolas" panose="020B0609020204030204" pitchFamily="49" charset="0"/>
+                <a:ea typeface="+mn-ea"/>
+                <a:cs typeface="+mn-cs"/>
+              </a:rPr>
+              <a:t>)</a:t>
+            </a:r>
+            <a:endParaRPr lang="it-IT" sz="1600" dirty="0">
+              <a:solidFill>
+                <a:srgbClr val="569CD6"/>
+              </a:solidFill>
+              <a:latin typeface="Consolas" panose="020B0609020204030204" pitchFamily="49" charset="0"/>
+              <a:ea typeface="+mn-ea"/>
+              <a:cs typeface="+mn-cs"/>
+            </a:endParaRPr>
+          </a:p>
+        </p:txBody>
+      </p:sp>
+      <p:sp>
+        <p:nvSpPr>
+          <p:cNvPr id="5" name="Segnaposto contenuto 2">
+            <a:extLst>
+              <a:ext uri="{FF2B5EF4-FFF2-40B4-BE49-F238E27FC236}">
+                <a16:creationId xmlns:a16="http://schemas.microsoft.com/office/drawing/2014/main" id="{C04FDF4D-37C9-08AC-3477-4E16EAD878CA}"/>
+              </a:ext>
+            </a:extLst>
+          </p:cNvPr>
+          <p:cNvSpPr txBox="1">
+            <a:spLocks/>
+          </p:cNvSpPr>
+          <p:nvPr/>
+        </p:nvSpPr>
+        <p:spPr>
+          <a:xfrm>
+            <a:off x="549796" y="5013176"/>
+            <a:ext cx="10515600" cy="1311566"/>
+          </a:xfrm>
+          <a:prstGeom prst="rect">
+            <a:avLst/>
+          </a:prstGeom>
+        </p:spPr>
+        <p:txBody>
+          <a:bodyPr vert="horz" lIns="91440" tIns="45720" rIns="91440" bIns="45720" rtlCol="0">
+            <a:normAutofit/>
+          </a:bodyPr>
+          <a:lstStyle>
+            <a:lvl1pPr marL="228600" indent="-228600" algn="l" defTabSz="914400" rtl="0" eaLnBrk="1" latinLnBrk="0" hangingPunct="1">
+              <a:lnSpc>
+                <a:spcPct val="90000"/>
+              </a:lnSpc>
+              <a:spcBef>
+                <a:spcPts val="1000"/>
+              </a:spcBef>
+              <a:buFont typeface="Arial" panose="020B0604020202020204" pitchFamily="34" charset="0"/>
+              <a:buChar char="•"/>
+              <a:defRPr sz="2800" kern="1200">
+                <a:solidFill>
+                  <a:schemeClr val="tx1"/>
+                </a:solidFill>
+                <a:latin typeface="+mn-lt"/>
+                <a:ea typeface="+mn-ea"/>
+                <a:cs typeface="+mn-cs"/>
+              </a:defRPr>
+            </a:lvl1pPr>
+            <a:lvl2pPr marL="685800" indent="-228600" algn="l" defTabSz="914400" rtl="0" eaLnBrk="1" latinLnBrk="0" hangingPunct="1">
+              <a:lnSpc>
+                <a:spcPct val="90000"/>
+              </a:lnSpc>
+              <a:spcBef>
+                <a:spcPts val="500"/>
+              </a:spcBef>
+              <a:buFont typeface="Arial" panose="020B0604020202020204" pitchFamily="34" charset="0"/>
+              <a:buChar char="•"/>
+              <a:defRPr sz="2400" kern="1200">
+                <a:solidFill>
+                  <a:schemeClr val="tx1"/>
+                </a:solidFill>
+                <a:latin typeface="+mn-lt"/>
+                <a:ea typeface="+mn-ea"/>
+                <a:cs typeface="+mn-cs"/>
+              </a:defRPr>
+            </a:lvl2pPr>
+            <a:lvl3pPr marL="1143000" indent="-228600" algn="l" defTabSz="914400" rtl="0" eaLnBrk="1" latinLnBrk="0" hangingPunct="1">
+              <a:lnSpc>
+                <a:spcPct val="90000"/>
+              </a:lnSpc>
+              <a:spcBef>
+                <a:spcPts val="500"/>
+              </a:spcBef>
+              <a:buFont typeface="Arial" panose="020B0604020202020204" pitchFamily="34" charset="0"/>
+              <a:buChar char="•"/>
+              <a:defRPr sz="2000" kern="1200">
+                <a:solidFill>
+                  <a:schemeClr val="tx1"/>
+                </a:solidFill>
+                <a:latin typeface="+mn-lt"/>
+                <a:ea typeface="+mn-ea"/>
+                <a:cs typeface="+mn-cs"/>
+              </a:defRPr>
+            </a:lvl3pPr>
+            <a:lvl4pPr marL="1600200" indent="-228600" algn="l" defTabSz="914400" rtl="0" eaLnBrk="1" latinLnBrk="0" hangingPunct="1">
+              <a:lnSpc>
+                <a:spcPct val="90000"/>
+              </a:lnSpc>
+              <a:spcBef>
+                <a:spcPts val="500"/>
+              </a:spcBef>
+              <a:buFont typeface="Arial" panose="020B0604020202020204" pitchFamily="34" charset="0"/>
+              <a:buChar char="•"/>
+              <a:defRPr sz="1800" kern="1200">
+                <a:solidFill>
+                  <a:schemeClr val="tx1"/>
+                </a:solidFill>
+                <a:latin typeface="+mn-lt"/>
+                <a:ea typeface="+mn-ea"/>
+                <a:cs typeface="+mn-cs"/>
+              </a:defRPr>
+            </a:lvl4pPr>
+            <a:lvl5pPr marL="2057400" indent="-228600" algn="l" defTabSz="914400" rtl="0" eaLnBrk="1" latinLnBrk="0" hangingPunct="1">
+              <a:lnSpc>
+                <a:spcPct val="90000"/>
+              </a:lnSpc>
+              <a:spcBef>
+                <a:spcPts val="500"/>
+              </a:spcBef>
+              <a:buFont typeface="Arial" panose="020B0604020202020204" pitchFamily="34" charset="0"/>
+              <a:buChar char="•"/>
+              <a:defRPr sz="1800" kern="1200">
+                <a:solidFill>
+                  <a:schemeClr val="tx1"/>
+                </a:solidFill>
+                <a:latin typeface="+mn-lt"/>
+                <a:ea typeface="+mn-ea"/>
+                <a:cs typeface="+mn-cs"/>
+              </a:defRPr>
+            </a:lvl5pPr>
+            <a:lvl6pPr marL="2514600" indent="-228600" algn="l" defTabSz="914400" rtl="0" eaLnBrk="1" latinLnBrk="0" hangingPunct="1">
+              <a:lnSpc>
+                <a:spcPct val="90000"/>
+              </a:lnSpc>
+              <a:spcBef>
+                <a:spcPts val="500"/>
+              </a:spcBef>
+              <a:buFont typeface="Arial" panose="020B0604020202020204" pitchFamily="34" charset="0"/>
+              <a:buChar char="•"/>
+              <a:defRPr sz="1800" kern="1200">
+                <a:solidFill>
+                  <a:schemeClr val="tx1"/>
+                </a:solidFill>
+                <a:latin typeface="+mn-lt"/>
+                <a:ea typeface="+mn-ea"/>
+                <a:cs typeface="+mn-cs"/>
+              </a:defRPr>
+            </a:lvl6pPr>
+            <a:lvl7pPr marL="2971800" indent="-228600" algn="l" defTabSz="914400" rtl="0" eaLnBrk="1" latinLnBrk="0" hangingPunct="1">
+              <a:lnSpc>
+                <a:spcPct val="90000"/>
+              </a:lnSpc>
+              <a:spcBef>
+                <a:spcPts val="500"/>
+              </a:spcBef>
+              <a:buFont typeface="Arial" panose="020B0604020202020204" pitchFamily="34" charset="0"/>
+              <a:buChar char="•"/>
+              <a:defRPr sz="1800" kern="1200">
+                <a:solidFill>
+                  <a:schemeClr val="tx1"/>
+                </a:solidFill>
+                <a:latin typeface="+mn-lt"/>
+                <a:ea typeface="+mn-ea"/>
+                <a:cs typeface="+mn-cs"/>
+              </a:defRPr>
+            </a:lvl7pPr>
+            <a:lvl8pPr marL="3429000" indent="-228600" algn="l" defTabSz="914400" rtl="0" eaLnBrk="1" latinLnBrk="0" hangingPunct="1">
+              <a:lnSpc>
+                <a:spcPct val="90000"/>
+              </a:lnSpc>
+              <a:spcBef>
+                <a:spcPts val="500"/>
+              </a:spcBef>
+              <a:buFont typeface="Arial" panose="020B0604020202020204" pitchFamily="34" charset="0"/>
+              <a:buChar char="•"/>
+              <a:defRPr sz="1800" kern="1200">
+                <a:solidFill>
+                  <a:schemeClr val="tx1"/>
+                </a:solidFill>
+                <a:latin typeface="+mn-lt"/>
+                <a:ea typeface="+mn-ea"/>
+                <a:cs typeface="+mn-cs"/>
+              </a:defRPr>
+            </a:lvl8pPr>
+            <a:lvl9pPr marL="3886200" indent="-228600" algn="l" defTabSz="914400" rtl="0" eaLnBrk="1" latinLnBrk="0" hangingPunct="1">
+              <a:lnSpc>
+                <a:spcPct val="90000"/>
+              </a:lnSpc>
+              <a:spcBef>
+                <a:spcPts val="500"/>
+              </a:spcBef>
+              <a:buFont typeface="Arial" panose="020B0604020202020204" pitchFamily="34" charset="0"/>
+              <a:buChar char="•"/>
+              <a:defRPr sz="1800" kern="1200">
+                <a:solidFill>
+                  <a:schemeClr val="tx1"/>
+                </a:solidFill>
+                <a:latin typeface="+mn-lt"/>
+                <a:ea typeface="+mn-ea"/>
+                <a:cs typeface="+mn-cs"/>
+              </a:defRPr>
+            </a:lvl9pPr>
+          </a:lstStyle>
+          <a:p>
+            <a:pPr lvl="1"/>
+            <a:r>
+              <a:rPr lang="it-IT" sz="1600" dirty="0"/>
+              <a:t>The dup2 system call </a:t>
+            </a:r>
+            <a:r>
+              <a:rPr lang="it-IT" sz="1600" dirty="0" err="1"/>
+              <a:t>permits</a:t>
+            </a:r>
+            <a:r>
+              <a:rPr lang="it-IT" sz="1600" dirty="0"/>
+              <a:t> to duplicate a file </a:t>
+            </a:r>
+            <a:r>
+              <a:rPr lang="it-IT" sz="1600" dirty="0" err="1"/>
+              <a:t>descriptor</a:t>
+            </a:r>
+            <a:r>
+              <a:rPr lang="it-IT" sz="1600" dirty="0"/>
+              <a:t> by </a:t>
+            </a:r>
+            <a:r>
+              <a:rPr lang="it-IT" sz="1600" dirty="0" err="1"/>
+              <a:t>passing</a:t>
+            </a:r>
+            <a:r>
+              <a:rPr lang="it-IT" sz="1600" dirty="0"/>
+              <a:t> an </a:t>
+            </a:r>
+            <a:r>
+              <a:rPr lang="it-IT" sz="1600" dirty="0" err="1"/>
+              <a:t>oldFD</a:t>
+            </a:r>
+            <a:r>
+              <a:rPr lang="it-IT" sz="1600" dirty="0"/>
+              <a:t> and a </a:t>
+            </a:r>
+            <a:r>
+              <a:rPr lang="it-IT" sz="1600" dirty="0" err="1"/>
+              <a:t>newFD</a:t>
+            </a:r>
+            <a:r>
+              <a:rPr lang="it-IT" sz="1600" dirty="0"/>
+              <a:t>.</a:t>
+            </a:r>
+          </a:p>
+          <a:p>
+            <a:pPr lvl="1"/>
+            <a:r>
+              <a:rPr lang="it-IT" sz="1600" dirty="0"/>
+              <a:t>In the dup2 system call the </a:t>
+            </a:r>
+            <a:r>
+              <a:rPr lang="it-IT" sz="1600" dirty="0" err="1"/>
+              <a:t>value</a:t>
+            </a:r>
+            <a:r>
+              <a:rPr lang="it-IT" sz="1600" dirty="0"/>
+              <a:t> </a:t>
+            </a:r>
+            <a:r>
+              <a:rPr lang="it-IT" sz="1600" dirty="0" err="1"/>
+              <a:t>ref_counter</a:t>
+            </a:r>
+            <a:r>
+              <a:rPr lang="it-IT" sz="1600" dirty="0"/>
+              <a:t> </a:t>
+            </a:r>
+            <a:r>
+              <a:rPr lang="it-IT" sz="1600" dirty="0" err="1"/>
+              <a:t>is</a:t>
+            </a:r>
+            <a:r>
+              <a:rPr lang="it-IT" sz="1600" dirty="0"/>
+              <a:t> </a:t>
+            </a:r>
+            <a:r>
+              <a:rPr lang="it-IT" sz="1600" dirty="0" err="1"/>
+              <a:t>incremented</a:t>
+            </a:r>
+            <a:r>
+              <a:rPr lang="it-IT" sz="1600" dirty="0"/>
+              <a:t> </a:t>
+            </a:r>
+            <a:r>
+              <a:rPr lang="it-IT" sz="1600" dirty="0" err="1"/>
+              <a:t>because</a:t>
+            </a:r>
+            <a:r>
+              <a:rPr lang="it-IT" sz="1600" dirty="0"/>
+              <a:t> </a:t>
+            </a:r>
+            <a:r>
+              <a:rPr lang="it-IT" sz="1600" dirty="0" err="1"/>
+              <a:t>now</a:t>
+            </a:r>
+            <a:r>
+              <a:rPr lang="it-IT" sz="1600" dirty="0"/>
+              <a:t>, in the </a:t>
+            </a:r>
+            <a:r>
+              <a:rPr lang="it-IT" sz="1600" dirty="0" err="1"/>
+              <a:t>file_table</a:t>
+            </a:r>
+            <a:r>
+              <a:rPr lang="it-IT" sz="1600" dirty="0"/>
+              <a:t> </a:t>
+            </a:r>
+            <a:r>
+              <a:rPr lang="it-IT" sz="1600" dirty="0" err="1"/>
+              <a:t>we</a:t>
+            </a:r>
+            <a:r>
+              <a:rPr lang="it-IT" sz="1600" dirty="0"/>
+              <a:t> </a:t>
+            </a:r>
+            <a:r>
+              <a:rPr lang="it-IT" sz="1600" dirty="0" err="1"/>
+              <a:t>have</a:t>
+            </a:r>
+            <a:r>
+              <a:rPr lang="it-IT" sz="1600" dirty="0"/>
+              <a:t> 2 pointers to the </a:t>
+            </a:r>
+            <a:r>
+              <a:rPr lang="it-IT" sz="1600" dirty="0" err="1"/>
+              <a:t>same</a:t>
+            </a:r>
+            <a:r>
+              <a:rPr lang="it-IT" sz="1600" dirty="0"/>
+              <a:t> file.</a:t>
+            </a:r>
+          </a:p>
+          <a:p>
+            <a:pPr lvl="1"/>
+            <a:r>
+              <a:rPr lang="it-IT" sz="1600" dirty="0"/>
+              <a:t>Return the </a:t>
+            </a:r>
+            <a:r>
+              <a:rPr lang="it-IT" sz="1600" dirty="0" err="1"/>
+              <a:t>newFD</a:t>
+            </a:r>
+            <a:r>
+              <a:rPr lang="it-IT" sz="1600" dirty="0"/>
+              <a:t> in case of success and 0 </a:t>
+            </a:r>
+            <a:r>
+              <a:rPr lang="it-IT" sz="1600" dirty="0" err="1"/>
+              <a:t>otherwise</a:t>
+            </a:r>
+            <a:r>
+              <a:rPr lang="it-IT" sz="1600" dirty="0"/>
+              <a:t>.</a:t>
+            </a:r>
+          </a:p>
+          <a:p>
+            <a:pPr marL="457200" lvl="1" indent="0">
+              <a:buNone/>
+            </a:pPr>
+            <a:endParaRPr lang="it-IT" dirty="0"/>
+          </a:p>
+        </p:txBody>
+      </p:sp>
+      <p:sp>
+        <p:nvSpPr>
+          <p:cNvPr id="6" name="Titolo 1">
+            <a:extLst>
+              <a:ext uri="{FF2B5EF4-FFF2-40B4-BE49-F238E27FC236}">
+                <a16:creationId xmlns:a16="http://schemas.microsoft.com/office/drawing/2014/main" id="{304C88D8-D4A3-1D72-B8E4-D4900B9B19E9}"/>
+              </a:ext>
+            </a:extLst>
+          </p:cNvPr>
+          <p:cNvSpPr txBox="1">
+            <a:spLocks/>
+          </p:cNvSpPr>
+          <p:nvPr/>
+        </p:nvSpPr>
+        <p:spPr>
+          <a:xfrm>
+            <a:off x="881062" y="555521"/>
+            <a:ext cx="10426700" cy="937767"/>
+          </a:xfrm>
+          <a:prstGeom prst="rect">
+            <a:avLst/>
+          </a:prstGeom>
+        </p:spPr>
+        <p:txBody>
+          <a:bodyPr/>
+          <a:lstStyle>
+            <a:lvl1pPr algn="l" defTabSz="1218987" rtl="0" eaLnBrk="1" latinLnBrk="0" hangingPunct="1">
+              <a:lnSpc>
+                <a:spcPct val="90000"/>
+              </a:lnSpc>
+              <a:spcBef>
+                <a:spcPct val="0"/>
+              </a:spcBef>
+              <a:buNone/>
+              <a:defRPr sz="3600" kern="1200">
+                <a:solidFill>
+                  <a:schemeClr val="tx1"/>
+                </a:solidFill>
+                <a:latin typeface="+mj-lt"/>
+                <a:ea typeface="+mj-ea"/>
+                <a:cs typeface="+mj-cs"/>
+              </a:defRPr>
+            </a:lvl1pPr>
+          </a:lstStyle>
+          <a:p>
+            <a:r>
+              <a:rPr lang="nn-NO" dirty="0">
+                <a:solidFill>
+                  <a:srgbClr val="FF0000"/>
+                </a:solidFill>
+                <a:ea typeface="+mn-ea"/>
+                <a:cs typeface="+mn-cs"/>
+              </a:rPr>
+              <a:t>Lseek</a:t>
+            </a:r>
+          </a:p>
+        </p:txBody>
+      </p:sp>
+      <p:sp>
+        <p:nvSpPr>
+          <p:cNvPr id="7" name="Titolo 1">
+            <a:extLst>
+              <a:ext uri="{FF2B5EF4-FFF2-40B4-BE49-F238E27FC236}">
+                <a16:creationId xmlns:a16="http://schemas.microsoft.com/office/drawing/2014/main" id="{FCEC6D28-2114-6E5B-9EDD-BBC602CEFA5E}"/>
+              </a:ext>
+            </a:extLst>
+          </p:cNvPr>
+          <p:cNvSpPr txBox="1">
+            <a:spLocks/>
+          </p:cNvSpPr>
+          <p:nvPr/>
+        </p:nvSpPr>
+        <p:spPr>
+          <a:xfrm>
+            <a:off x="796961" y="4040236"/>
+            <a:ext cx="10426700" cy="937767"/>
+          </a:xfrm>
+          <a:prstGeom prst="rect">
+            <a:avLst/>
+          </a:prstGeom>
+        </p:spPr>
+        <p:txBody>
+          <a:bodyPr/>
+          <a:lstStyle>
+            <a:lvl1pPr algn="l" defTabSz="1218987" rtl="0" eaLnBrk="1" latinLnBrk="0" hangingPunct="1">
+              <a:lnSpc>
+                <a:spcPct val="90000"/>
+              </a:lnSpc>
+              <a:spcBef>
+                <a:spcPct val="0"/>
+              </a:spcBef>
+              <a:buNone/>
+              <a:defRPr sz="3600" kern="1200">
+                <a:solidFill>
+                  <a:schemeClr val="tx1"/>
+                </a:solidFill>
+                <a:latin typeface="+mj-lt"/>
+                <a:ea typeface="+mj-ea"/>
+                <a:cs typeface="+mj-cs"/>
+              </a:defRPr>
+            </a:lvl1pPr>
+          </a:lstStyle>
+          <a:p>
+            <a:r>
+              <a:rPr lang="nn-NO" dirty="0">
+                <a:solidFill>
+                  <a:srgbClr val="FF0000"/>
+                </a:solidFill>
+                <a:ea typeface="+mn-ea"/>
+                <a:cs typeface="+mn-cs"/>
+              </a:rPr>
+              <a:t>Dup2</a:t>
+            </a:r>
+          </a:p>
+        </p:txBody>
+      </p:sp>
+    </p:spTree>
+    <p:extLst>
+      <p:ext uri="{BB962C8B-B14F-4D97-AF65-F5344CB8AC3E}">
+        <p14:creationId xmlns:p14="http://schemas.microsoft.com/office/powerpoint/2010/main" val="3445082334"/>
+      </p:ext>
+    </p:extLst>
+  </p:cSld>
+  <p:clrMapOvr>
+    <a:masterClrMapping/>
+  </p:clrMapOvr>
+  <mc:AlternateContent xmlns:mc="http://schemas.openxmlformats.org/markup-compatibility/2006" xmlns:p14="http://schemas.microsoft.com/office/powerpoint/2010/main">
+    <mc:Choice Requires="p14">
+      <p:transition spd="med" p14:dur="700">
+        <p:fade/>
+      </p:transition>
+    </mc:Choice>
+    <mc:Fallback xmlns="">
+      <p:transition spd="med">
+        <p:fade/>
+      </p:transition>
+    </mc:Fallback>
+  </mc:AlternateContent>
+</p:sld>
+</file>
+
+<file path=ppt/slides/slide17.xml><?xml version="1.0" encoding="utf-8"?>
+<p:sld xmlns:a="http://schemas.openxmlformats.org/drawingml/2006/main" xmlns:r="http://schemas.openxmlformats.org/officeDocument/2006/relationships" xmlns:p="http://schemas.openxmlformats.org/presentationml/2006/main">
+  <p:cSld>
+    <p:spTree>
+      <p:nvGrpSpPr>
+        <p:cNvPr id="1" name=""/>
+        <p:cNvGrpSpPr/>
+        <p:nvPr/>
+      </p:nvGrpSpPr>
+      <p:grpSpPr>
+        <a:xfrm>
+          <a:off x="0" y="0"/>
+          <a:ext cx="0" cy="0"/>
+          <a:chOff x="0" y="0"/>
+          <a:chExt cx="0" cy="0"/>
+        </a:xfrm>
+      </p:grpSpPr>
+      <p:sp>
+        <p:nvSpPr>
+          <p:cNvPr id="2" name="Titolo 1">
+            <a:extLst>
+              <a:ext uri="{FF2B5EF4-FFF2-40B4-BE49-F238E27FC236}">
+                <a16:creationId xmlns:a16="http://schemas.microsoft.com/office/drawing/2014/main" id="{B820811C-1AF2-A118-22ED-B806CC49AAC7}"/>
+              </a:ext>
+            </a:extLst>
+          </p:cNvPr>
+          <p:cNvSpPr txBox="1">
+            <a:spLocks/>
+          </p:cNvSpPr>
+          <p:nvPr/>
+        </p:nvSpPr>
+        <p:spPr>
+          <a:xfrm>
+            <a:off x="1053852" y="822394"/>
+            <a:ext cx="10515600" cy="309802"/>
+          </a:xfrm>
+          <a:prstGeom prst="rect">
+            <a:avLst/>
+          </a:prstGeom>
+        </p:spPr>
+        <p:txBody>
+          <a:bodyPr>
+            <a:normAutofit fontScale="97500" lnSpcReduction="10000"/>
+          </a:bodyPr>
+          <a:lstStyle>
+            <a:lvl1pPr algn="l" defTabSz="1218987" rtl="0" eaLnBrk="1" latinLnBrk="0" hangingPunct="1">
+              <a:lnSpc>
+                <a:spcPct val="90000"/>
+              </a:lnSpc>
+              <a:spcBef>
+                <a:spcPct val="0"/>
+              </a:spcBef>
+              <a:buNone/>
+              <a:defRPr sz="3600" kern="1200">
+                <a:solidFill>
+                  <a:schemeClr val="tx1"/>
+                </a:solidFill>
+                <a:latin typeface="+mj-lt"/>
+                <a:ea typeface="+mj-ea"/>
+                <a:cs typeface="+mj-cs"/>
+              </a:defRPr>
+            </a:lvl1pPr>
+          </a:lstStyle>
+          <a:p>
+            <a:r>
+              <a:rPr lang="it-IT" sz="1600" dirty="0" err="1">
+                <a:solidFill>
+                  <a:srgbClr val="DCDCAA"/>
+                </a:solidFill>
+                <a:latin typeface="Consolas" panose="020B0609020204030204" pitchFamily="49" charset="0"/>
+                <a:ea typeface="+mn-ea"/>
+                <a:cs typeface="+mn-cs"/>
+              </a:rPr>
+              <a:t>sys_chdir</a:t>
+            </a:r>
+            <a:r>
+              <a:rPr lang="fr-FR" sz="1600" dirty="0">
+                <a:solidFill>
+                  <a:srgbClr val="569CD6"/>
+                </a:solidFill>
+                <a:latin typeface="Consolas" panose="020B0609020204030204" pitchFamily="49" charset="0"/>
+                <a:ea typeface="+mn-ea"/>
+                <a:cs typeface="+mn-cs"/>
+              </a:rPr>
+              <a:t>(</a:t>
+            </a:r>
+            <a:r>
+              <a:rPr lang="fr-FR" sz="1600" dirty="0" err="1">
+                <a:solidFill>
+                  <a:srgbClr val="569CD6"/>
+                </a:solidFill>
+                <a:latin typeface="Consolas" panose="020B0609020204030204" pitchFamily="49" charset="0"/>
+                <a:ea typeface="+mn-ea"/>
+                <a:cs typeface="+mn-cs"/>
+              </a:rPr>
+              <a:t>userptr_t</a:t>
+            </a:r>
+            <a:r>
+              <a:rPr lang="fr-FR" sz="1600" dirty="0">
+                <a:solidFill>
+                  <a:srgbClr val="569CD6"/>
+                </a:solidFill>
+                <a:latin typeface="Consolas" panose="020B0609020204030204" pitchFamily="49" charset="0"/>
+                <a:ea typeface="+mn-ea"/>
+                <a:cs typeface="+mn-cs"/>
+              </a:rPr>
+              <a:t> </a:t>
+            </a:r>
+            <a:r>
+              <a:rPr lang="fr-FR" sz="1600" dirty="0" err="1">
+                <a:solidFill>
+                  <a:srgbClr val="569CD6"/>
+                </a:solidFill>
+                <a:latin typeface="Consolas" panose="020B0609020204030204" pitchFamily="49" charset="0"/>
+                <a:ea typeface="+mn-ea"/>
+                <a:cs typeface="+mn-cs"/>
+              </a:rPr>
+              <a:t>path</a:t>
+            </a:r>
+            <a:r>
+              <a:rPr lang="fr-FR" sz="1600" dirty="0">
+                <a:solidFill>
+                  <a:srgbClr val="569CD6"/>
+                </a:solidFill>
+                <a:latin typeface="Consolas" panose="020B0609020204030204" pitchFamily="49" charset="0"/>
+                <a:ea typeface="+mn-ea"/>
+                <a:cs typeface="+mn-cs"/>
+              </a:rPr>
+              <a:t>, </a:t>
+            </a:r>
+            <a:r>
+              <a:rPr lang="fr-FR" sz="1600" dirty="0" err="1">
+                <a:solidFill>
+                  <a:srgbClr val="569CD6"/>
+                </a:solidFill>
+                <a:latin typeface="Consolas" panose="020B0609020204030204" pitchFamily="49" charset="0"/>
+                <a:ea typeface="+mn-ea"/>
+                <a:cs typeface="+mn-cs"/>
+              </a:rPr>
+              <a:t>int</a:t>
+            </a:r>
+            <a:r>
+              <a:rPr lang="fr-FR" sz="1600" dirty="0">
+                <a:solidFill>
+                  <a:srgbClr val="569CD6"/>
+                </a:solidFill>
+                <a:latin typeface="Consolas" panose="020B0609020204030204" pitchFamily="49" charset="0"/>
+                <a:ea typeface="+mn-ea"/>
+                <a:cs typeface="+mn-cs"/>
+              </a:rPr>
+              <a:t> *</a:t>
+            </a:r>
+            <a:r>
+              <a:rPr lang="fr-FR" sz="1600" dirty="0" err="1">
+                <a:solidFill>
+                  <a:srgbClr val="569CD6"/>
+                </a:solidFill>
+                <a:latin typeface="Consolas" panose="020B0609020204030204" pitchFamily="49" charset="0"/>
+                <a:ea typeface="+mn-ea"/>
+                <a:cs typeface="+mn-cs"/>
+              </a:rPr>
+              <a:t>retval</a:t>
+            </a:r>
+            <a:r>
+              <a:rPr lang="fr-FR" sz="1600" dirty="0">
+                <a:solidFill>
+                  <a:srgbClr val="569CD6"/>
+                </a:solidFill>
+                <a:latin typeface="Consolas" panose="020B0609020204030204" pitchFamily="49" charset="0"/>
+                <a:ea typeface="+mn-ea"/>
+                <a:cs typeface="+mn-cs"/>
+              </a:rPr>
+              <a:t>)</a:t>
+            </a:r>
+            <a:endParaRPr lang="it-IT" sz="1600" dirty="0">
+              <a:solidFill>
+                <a:srgbClr val="569CD6"/>
+              </a:solidFill>
+              <a:latin typeface="Consolas" panose="020B0609020204030204" pitchFamily="49" charset="0"/>
+              <a:ea typeface="+mn-ea"/>
+              <a:cs typeface="+mn-cs"/>
+            </a:endParaRPr>
+          </a:p>
+        </p:txBody>
+      </p:sp>
+      <p:sp>
+        <p:nvSpPr>
+          <p:cNvPr id="3" name="Segnaposto contenuto 2">
+            <a:extLst>
+              <a:ext uri="{FF2B5EF4-FFF2-40B4-BE49-F238E27FC236}">
+                <a16:creationId xmlns:a16="http://schemas.microsoft.com/office/drawing/2014/main" id="{53F74C0B-8136-4BC7-54E3-66D36C446EFE}"/>
+              </a:ext>
+            </a:extLst>
+          </p:cNvPr>
+          <p:cNvSpPr txBox="1">
+            <a:spLocks/>
+          </p:cNvSpPr>
+          <p:nvPr/>
+        </p:nvSpPr>
+        <p:spPr>
+          <a:xfrm>
+            <a:off x="1053852" y="1207803"/>
+            <a:ext cx="10515600" cy="2433298"/>
+          </a:xfrm>
+          <a:prstGeom prst="rect">
+            <a:avLst/>
+          </a:prstGeom>
+        </p:spPr>
+        <p:txBody>
+          <a:bodyPr>
+            <a:normAutofit fontScale="77500" lnSpcReduction="20000"/>
+          </a:bodyPr>
+          <a:lstStyle>
+            <a:lvl1pPr marL="304747" indent="-304747" algn="l" defTabSz="1218987" rtl="0" eaLnBrk="1" latinLnBrk="0" hangingPunct="1">
+              <a:lnSpc>
+                <a:spcPct val="90000"/>
+              </a:lnSpc>
+              <a:spcBef>
+                <a:spcPts val="1600"/>
+              </a:spcBef>
+              <a:buClr>
+                <a:schemeClr val="accent1"/>
+              </a:buClr>
+              <a:buSzPct val="100000"/>
+              <a:buFont typeface="Arial" pitchFamily="34" charset="0"/>
+              <a:buChar char="•"/>
+              <a:defRPr sz="2800" kern="1200">
+                <a:solidFill>
+                  <a:schemeClr val="tx1"/>
+                </a:solidFill>
+                <a:latin typeface="+mn-lt"/>
+                <a:ea typeface="+mn-ea"/>
+                <a:cs typeface="+mn-cs"/>
+              </a:defRPr>
+            </a:lvl1pPr>
+            <a:lvl2pPr marL="609493" indent="-231607" algn="l" defTabSz="1218987" rtl="0" eaLnBrk="1" latinLnBrk="0" hangingPunct="1">
+              <a:lnSpc>
+                <a:spcPct val="90000"/>
+              </a:lnSpc>
+              <a:spcBef>
+                <a:spcPts val="800"/>
+              </a:spcBef>
+              <a:buClr>
+                <a:schemeClr val="accent1"/>
+              </a:buClr>
+              <a:buSzPct val="80000"/>
+              <a:buFont typeface="Arial" pitchFamily="34" charset="0"/>
+              <a:buChar char="•"/>
+              <a:defRPr sz="2400" kern="1200">
+                <a:solidFill>
+                  <a:schemeClr val="tx1"/>
+                </a:solidFill>
+                <a:latin typeface="+mn-lt"/>
+                <a:ea typeface="+mn-ea"/>
+                <a:cs typeface="+mn-cs"/>
+              </a:defRPr>
+            </a:lvl2pPr>
+            <a:lvl3pPr marL="914240" indent="-231607" algn="l" defTabSz="1218987" rtl="0" eaLnBrk="1" latinLnBrk="0" hangingPunct="1">
+              <a:lnSpc>
+                <a:spcPct val="90000"/>
+              </a:lnSpc>
+              <a:spcBef>
+                <a:spcPts val="800"/>
+              </a:spcBef>
+              <a:buClr>
+                <a:schemeClr val="accent1"/>
+              </a:buClr>
+              <a:buSzPct val="80000"/>
+              <a:buFont typeface="Arial" pitchFamily="34" charset="0"/>
+              <a:buChar char="•"/>
+              <a:defRPr sz="2000" kern="1200">
+                <a:solidFill>
+                  <a:schemeClr val="tx1"/>
+                </a:solidFill>
+                <a:latin typeface="+mn-lt"/>
+                <a:ea typeface="+mn-ea"/>
+                <a:cs typeface="+mn-cs"/>
+              </a:defRPr>
+            </a:lvl3pPr>
+            <a:lvl4pPr marL="1218987" indent="-231607" algn="l" defTabSz="1218987" rtl="0" eaLnBrk="1" latinLnBrk="0" hangingPunct="1">
+              <a:lnSpc>
+                <a:spcPct val="90000"/>
+              </a:lnSpc>
+              <a:spcBef>
+                <a:spcPts val="800"/>
+              </a:spcBef>
+              <a:buClr>
+                <a:schemeClr val="accent1"/>
+              </a:buClr>
+              <a:buSzPct val="80000"/>
+              <a:buFont typeface="Arial" pitchFamily="34" charset="0"/>
+              <a:buChar char="•"/>
+              <a:defRPr sz="2000" kern="1200">
+                <a:solidFill>
+                  <a:schemeClr val="tx1"/>
+                </a:solidFill>
+                <a:latin typeface="+mn-lt"/>
+                <a:ea typeface="+mn-ea"/>
+                <a:cs typeface="+mn-cs"/>
+              </a:defRPr>
+            </a:lvl4pPr>
+            <a:lvl5pPr marL="1523733" indent="-231607" algn="l" defTabSz="1218987" rtl="0" eaLnBrk="1" latinLnBrk="0" hangingPunct="1">
+              <a:lnSpc>
+                <a:spcPct val="90000"/>
+              </a:lnSpc>
+              <a:spcBef>
+                <a:spcPts val="800"/>
+              </a:spcBef>
+              <a:buClr>
+                <a:schemeClr val="accent1"/>
+              </a:buClr>
+              <a:buSzPct val="80000"/>
+              <a:buFont typeface="Arial" pitchFamily="34" charset="0"/>
+              <a:buChar char="•"/>
+              <a:defRPr sz="2000" kern="1200">
+                <a:solidFill>
+                  <a:schemeClr val="tx1"/>
+                </a:solidFill>
+                <a:latin typeface="+mn-lt"/>
+                <a:ea typeface="+mn-ea"/>
+                <a:cs typeface="+mn-cs"/>
+              </a:defRPr>
+            </a:lvl5pPr>
+            <a:lvl6pPr marL="1828480" indent="-231607" algn="l" defTabSz="1218987" rtl="0" eaLnBrk="1" latinLnBrk="0" hangingPunct="1">
+              <a:lnSpc>
+                <a:spcPct val="90000"/>
+              </a:lnSpc>
+              <a:spcBef>
+                <a:spcPts val="800"/>
+              </a:spcBef>
+              <a:buClr>
+                <a:schemeClr val="accent1"/>
+              </a:buClr>
+              <a:buSzPct val="80000"/>
+              <a:buFont typeface="Arial" pitchFamily="34" charset="0"/>
+              <a:buChar char="•"/>
+              <a:defRPr sz="2000" kern="1200">
+                <a:solidFill>
+                  <a:schemeClr val="tx1"/>
+                </a:solidFill>
+                <a:latin typeface="+mn-lt"/>
+                <a:ea typeface="+mn-ea"/>
+                <a:cs typeface="+mn-cs"/>
+              </a:defRPr>
+            </a:lvl6pPr>
+            <a:lvl7pPr marL="2133227" indent="-231607" algn="l" defTabSz="1218987" rtl="0" eaLnBrk="1" latinLnBrk="0" hangingPunct="1">
+              <a:lnSpc>
+                <a:spcPct val="90000"/>
+              </a:lnSpc>
+              <a:spcBef>
+                <a:spcPts val="800"/>
+              </a:spcBef>
+              <a:buClr>
+                <a:schemeClr val="accent1"/>
+              </a:buClr>
+              <a:buSzPct val="80000"/>
+              <a:buFont typeface="Arial" pitchFamily="34" charset="0"/>
+              <a:buChar char="•"/>
+              <a:defRPr sz="2000" kern="1200">
+                <a:solidFill>
+                  <a:schemeClr val="tx1"/>
+                </a:solidFill>
+                <a:latin typeface="+mn-lt"/>
+                <a:ea typeface="+mn-ea"/>
+                <a:cs typeface="+mn-cs"/>
+              </a:defRPr>
+            </a:lvl7pPr>
+            <a:lvl8pPr marL="2437973" indent="-231607" algn="l" defTabSz="1218987" rtl="0" eaLnBrk="1" latinLnBrk="0" hangingPunct="1">
+              <a:lnSpc>
+                <a:spcPct val="90000"/>
+              </a:lnSpc>
+              <a:spcBef>
+                <a:spcPts val="800"/>
+              </a:spcBef>
+              <a:buClr>
+                <a:schemeClr val="accent1"/>
+              </a:buClr>
+              <a:buSzPct val="80000"/>
+              <a:buFont typeface="Arial" pitchFamily="34" charset="0"/>
+              <a:buChar char="•"/>
+              <a:defRPr sz="2000" kern="1200" baseline="0">
+                <a:solidFill>
+                  <a:schemeClr val="tx1"/>
+                </a:solidFill>
+                <a:latin typeface="+mn-lt"/>
+                <a:ea typeface="+mn-ea"/>
+                <a:cs typeface="+mn-cs"/>
+              </a:defRPr>
+            </a:lvl8pPr>
+            <a:lvl9pPr marL="2742720" indent="-231607" algn="l" defTabSz="1218987" rtl="0" eaLnBrk="1" latinLnBrk="0" hangingPunct="1">
+              <a:lnSpc>
+                <a:spcPct val="90000"/>
+              </a:lnSpc>
+              <a:spcBef>
+                <a:spcPts val="800"/>
+              </a:spcBef>
+              <a:buClr>
+                <a:schemeClr val="accent1"/>
+              </a:buClr>
+              <a:buSzPct val="80000"/>
+              <a:buFont typeface="Arial" pitchFamily="34" charset="0"/>
+              <a:buChar char="•"/>
+              <a:defRPr sz="2000" kern="1200" baseline="0">
+                <a:solidFill>
+                  <a:schemeClr val="tx1"/>
+                </a:solidFill>
+                <a:latin typeface="+mn-lt"/>
+                <a:ea typeface="+mn-ea"/>
+                <a:cs typeface="+mn-cs"/>
+              </a:defRPr>
+            </a:lvl9pPr>
+          </a:lstStyle>
+          <a:p>
+            <a:r>
+              <a:rPr lang="it-IT" sz="2300" dirty="0"/>
+              <a:t>The </a:t>
+            </a:r>
+            <a:r>
+              <a:rPr lang="it-IT" sz="2300" dirty="0" err="1"/>
+              <a:t>chdir</a:t>
+            </a:r>
+            <a:r>
+              <a:rPr lang="it-IT" sz="2300" dirty="0"/>
+              <a:t> system call </a:t>
+            </a:r>
+            <a:r>
+              <a:rPr lang="it-IT" sz="2300" dirty="0" err="1"/>
+              <a:t>permits</a:t>
+            </a:r>
+            <a:r>
+              <a:rPr lang="it-IT" sz="2300" dirty="0"/>
+              <a:t> to </a:t>
+            </a:r>
+            <a:r>
+              <a:rPr lang="it-IT" sz="2300" dirty="0" err="1"/>
+              <a:t>change</a:t>
+            </a:r>
+            <a:r>
+              <a:rPr lang="it-IT" sz="2300" dirty="0"/>
+              <a:t> the </a:t>
+            </a:r>
+            <a:r>
+              <a:rPr lang="it-IT" sz="2300" dirty="0" err="1"/>
+              <a:t>current</a:t>
+            </a:r>
+            <a:r>
+              <a:rPr lang="it-IT" sz="2300" dirty="0"/>
+              <a:t> working directory with the </a:t>
+            </a:r>
+            <a:r>
+              <a:rPr lang="it-IT" sz="2300" dirty="0" err="1"/>
+              <a:t>path</a:t>
+            </a:r>
+            <a:r>
+              <a:rPr lang="it-IT" sz="2300" dirty="0"/>
+              <a:t> </a:t>
+            </a:r>
+            <a:r>
+              <a:rPr lang="it-IT" sz="2300" dirty="0" err="1"/>
+              <a:t>specified</a:t>
+            </a:r>
+            <a:r>
+              <a:rPr lang="it-IT" sz="2300" dirty="0"/>
+              <a:t> in the </a:t>
+            </a:r>
+            <a:r>
+              <a:rPr lang="it-IT" sz="2300" dirty="0" err="1"/>
+              <a:t>argument</a:t>
+            </a:r>
+            <a:r>
+              <a:rPr lang="it-IT" sz="2300" dirty="0"/>
+              <a:t>.</a:t>
+            </a:r>
+          </a:p>
+          <a:p>
+            <a:r>
+              <a:rPr lang="it-IT" sz="2300" dirty="0"/>
+              <a:t>The </a:t>
+            </a:r>
+            <a:r>
+              <a:rPr lang="it-IT" sz="2300" dirty="0" err="1"/>
+              <a:t>main</a:t>
+            </a:r>
+            <a:r>
+              <a:rPr lang="it-IT" sz="2300" dirty="0"/>
+              <a:t> </a:t>
+            </a:r>
+            <a:r>
+              <a:rPr lang="it-IT" sz="2300" dirty="0" err="1"/>
+              <a:t>operation</a:t>
+            </a:r>
+            <a:r>
+              <a:rPr lang="it-IT" sz="2300" dirty="0"/>
+              <a:t> are:</a:t>
+            </a:r>
+          </a:p>
+          <a:p>
+            <a:pPr lvl="1"/>
+            <a:r>
+              <a:rPr lang="it-IT" sz="2300" dirty="0"/>
+              <a:t>Copy the </a:t>
+            </a:r>
+            <a:r>
+              <a:rPr lang="it-IT" sz="2300" dirty="0" err="1"/>
+              <a:t>path</a:t>
+            </a:r>
+            <a:r>
+              <a:rPr lang="it-IT" sz="2300" dirty="0"/>
+              <a:t> </a:t>
+            </a:r>
+            <a:r>
+              <a:rPr lang="it-IT" sz="2300" dirty="0" err="1"/>
+              <a:t>into</a:t>
+            </a:r>
+            <a:r>
+              <a:rPr lang="it-IT" sz="2300" dirty="0"/>
+              <a:t> </a:t>
+            </a:r>
+            <a:r>
+              <a:rPr lang="it-IT" sz="2300" dirty="0" err="1"/>
+              <a:t>k_buf</a:t>
+            </a:r>
+            <a:r>
+              <a:rPr lang="it-IT" sz="2300" dirty="0"/>
+              <a:t>.</a:t>
+            </a:r>
+          </a:p>
+          <a:p>
+            <a:pPr lvl="1"/>
+            <a:r>
+              <a:rPr lang="it-IT" sz="2300" dirty="0" err="1"/>
+              <a:t>vfs_open</a:t>
+            </a:r>
+            <a:r>
+              <a:rPr lang="it-IT" sz="2300" dirty="0"/>
+              <a:t>() to open directory </a:t>
+            </a:r>
+            <a:r>
+              <a:rPr lang="it-IT" sz="2300" dirty="0" err="1"/>
+              <a:t>vnode</a:t>
+            </a:r>
+            <a:r>
+              <a:rPr lang="it-IT" sz="2300" dirty="0"/>
+              <a:t>.</a:t>
+            </a:r>
+          </a:p>
+          <a:p>
+            <a:pPr lvl="1"/>
+            <a:r>
+              <a:rPr lang="it-IT" sz="2300" dirty="0" err="1"/>
+              <a:t>Vfs_setcurdir</a:t>
+            </a:r>
+            <a:r>
+              <a:rPr lang="it-IT" sz="2300" dirty="0"/>
+              <a:t>() set </a:t>
+            </a:r>
+            <a:r>
+              <a:rPr lang="it-IT" sz="2300" dirty="0" err="1"/>
+              <a:t>current</a:t>
+            </a:r>
+            <a:r>
+              <a:rPr lang="it-IT" sz="2300" dirty="0"/>
+              <a:t> directory </a:t>
+            </a:r>
+            <a:r>
+              <a:rPr lang="it-IT" sz="2300" dirty="0" err="1"/>
+              <a:t>as</a:t>
+            </a:r>
+            <a:r>
+              <a:rPr lang="it-IT" sz="2300" dirty="0"/>
+              <a:t> a </a:t>
+            </a:r>
+            <a:r>
+              <a:rPr lang="it-IT" sz="2300" dirty="0" err="1"/>
+              <a:t>vnode</a:t>
+            </a:r>
+            <a:r>
+              <a:rPr lang="it-IT" sz="2300" dirty="0"/>
+              <a:t>.</a:t>
+            </a:r>
+          </a:p>
+          <a:p>
+            <a:pPr lvl="1"/>
+            <a:r>
+              <a:rPr lang="it-IT" sz="2300" dirty="0" err="1"/>
+              <a:t>Vfs_close</a:t>
+            </a:r>
+            <a:r>
+              <a:rPr lang="it-IT" sz="2300" dirty="0"/>
+              <a:t>() to close directory </a:t>
+            </a:r>
+            <a:r>
+              <a:rPr lang="it-IT" sz="2300" dirty="0" err="1"/>
+              <a:t>vnode</a:t>
+            </a:r>
+            <a:r>
+              <a:rPr lang="it-IT" sz="2300" dirty="0"/>
+              <a:t>.</a:t>
+            </a:r>
+          </a:p>
+          <a:p>
+            <a:pPr marL="457200" lvl="1" indent="0">
+              <a:buFont typeface="Arial" pitchFamily="34" charset="0"/>
+              <a:buNone/>
+            </a:pPr>
+            <a:r>
+              <a:rPr lang="it-IT" sz="2300" dirty="0"/>
+              <a:t>On success the </a:t>
+            </a:r>
+            <a:r>
+              <a:rPr lang="it-IT" sz="2300" dirty="0" err="1"/>
+              <a:t>chdir</a:t>
+            </a:r>
+            <a:r>
+              <a:rPr lang="it-IT" sz="2300" dirty="0"/>
+              <a:t> system call </a:t>
+            </a:r>
+            <a:r>
+              <a:rPr lang="it-IT" sz="2300" dirty="0" err="1"/>
+              <a:t>returns</a:t>
+            </a:r>
+            <a:r>
+              <a:rPr lang="it-IT" sz="2300" dirty="0"/>
+              <a:t> 0 , </a:t>
+            </a:r>
+            <a:r>
+              <a:rPr lang="it-IT" sz="2300" dirty="0" err="1"/>
+              <a:t>return</a:t>
+            </a:r>
+            <a:r>
+              <a:rPr lang="it-IT" sz="2300" dirty="0"/>
+              <a:t> </a:t>
+            </a:r>
+            <a:r>
+              <a:rPr lang="it-IT" sz="2300" dirty="0" err="1"/>
+              <a:t>err</a:t>
+            </a:r>
+            <a:r>
+              <a:rPr lang="it-IT" sz="2300" dirty="0"/>
+              <a:t> in case of </a:t>
+            </a:r>
+            <a:r>
+              <a:rPr lang="it-IT" sz="2300" dirty="0" err="1"/>
+              <a:t>failure</a:t>
+            </a:r>
+            <a:r>
+              <a:rPr lang="it-IT" sz="2300" dirty="0"/>
+              <a:t>.</a:t>
+            </a:r>
+          </a:p>
+          <a:p>
+            <a:pPr lvl="1"/>
+            <a:endParaRPr lang="it-IT" dirty="0"/>
+          </a:p>
+        </p:txBody>
+      </p:sp>
+      <p:sp>
+        <p:nvSpPr>
+          <p:cNvPr id="4" name="Titolo 1">
+            <a:extLst>
+              <a:ext uri="{FF2B5EF4-FFF2-40B4-BE49-F238E27FC236}">
+                <a16:creationId xmlns:a16="http://schemas.microsoft.com/office/drawing/2014/main" id="{6673A5CD-CA3E-6E6F-EFFE-82C6A32E1491}"/>
+              </a:ext>
+            </a:extLst>
+          </p:cNvPr>
+          <p:cNvSpPr txBox="1">
+            <a:spLocks/>
+          </p:cNvSpPr>
+          <p:nvPr/>
+        </p:nvSpPr>
+        <p:spPr>
+          <a:xfrm>
+            <a:off x="1053852" y="4569349"/>
+            <a:ext cx="10515600" cy="309802"/>
+          </a:xfrm>
+          <a:prstGeom prst="rect">
+            <a:avLst/>
+          </a:prstGeom>
+        </p:spPr>
+        <p:txBody>
+          <a:bodyPr vert="horz" lIns="91440" tIns="45720" rIns="91440" bIns="45720" rtlCol="0" anchor="ctr">
+            <a:normAutofit fontScale="97500" lnSpcReduction="10000"/>
+          </a:bodyPr>
+          <a:lstStyle>
+            <a:lvl1pPr algn="l" defTabSz="914400" rtl="0" eaLnBrk="1" latinLnBrk="0" hangingPunct="1">
+              <a:lnSpc>
+                <a:spcPct val="90000"/>
+              </a:lnSpc>
+              <a:spcBef>
+                <a:spcPct val="0"/>
+              </a:spcBef>
+              <a:buNone/>
+              <a:defRPr sz="4400" kern="1200">
+                <a:solidFill>
+                  <a:schemeClr val="tx1"/>
+                </a:solidFill>
+                <a:latin typeface="+mj-lt"/>
+                <a:ea typeface="+mj-ea"/>
+                <a:cs typeface="+mj-cs"/>
+              </a:defRPr>
+            </a:lvl1pPr>
+          </a:lstStyle>
+          <a:p>
+            <a:r>
+              <a:rPr lang="it-IT" sz="1600" dirty="0" err="1">
+                <a:solidFill>
+                  <a:srgbClr val="DCDCAA"/>
+                </a:solidFill>
+                <a:latin typeface="Consolas" panose="020B0609020204030204" pitchFamily="49" charset="0"/>
+                <a:ea typeface="+mn-ea"/>
+                <a:cs typeface="+mn-cs"/>
+              </a:rPr>
+              <a:t>sys_getcwd</a:t>
+            </a:r>
+            <a:r>
+              <a:rPr lang="de-DE" sz="1600" dirty="0">
+                <a:solidFill>
+                  <a:srgbClr val="569CD6"/>
+                </a:solidFill>
+                <a:latin typeface="Consolas" panose="020B0609020204030204" pitchFamily="49" charset="0"/>
+                <a:ea typeface="+mn-ea"/>
+                <a:cs typeface="+mn-cs"/>
+              </a:rPr>
+              <a:t>(</a:t>
+            </a:r>
+            <a:r>
+              <a:rPr lang="de-DE" sz="1600" dirty="0" err="1">
+                <a:solidFill>
+                  <a:srgbClr val="569CD6"/>
+                </a:solidFill>
+                <a:latin typeface="Consolas" panose="020B0609020204030204" pitchFamily="49" charset="0"/>
+                <a:ea typeface="+mn-ea"/>
+                <a:cs typeface="+mn-cs"/>
+              </a:rPr>
+              <a:t>userptr_t</a:t>
+            </a:r>
+            <a:r>
+              <a:rPr lang="de-DE" sz="1600" dirty="0">
+                <a:solidFill>
+                  <a:srgbClr val="569CD6"/>
+                </a:solidFill>
+                <a:latin typeface="Consolas" panose="020B0609020204030204" pitchFamily="49" charset="0"/>
+                <a:ea typeface="+mn-ea"/>
+                <a:cs typeface="+mn-cs"/>
+              </a:rPr>
+              <a:t> </a:t>
+            </a:r>
+            <a:r>
+              <a:rPr lang="de-DE" sz="1600" dirty="0" err="1">
+                <a:solidFill>
+                  <a:srgbClr val="569CD6"/>
+                </a:solidFill>
+                <a:latin typeface="Consolas" panose="020B0609020204030204" pitchFamily="49" charset="0"/>
+                <a:ea typeface="+mn-ea"/>
+                <a:cs typeface="+mn-cs"/>
+              </a:rPr>
+              <a:t>buf</a:t>
+            </a:r>
+            <a:r>
+              <a:rPr lang="de-DE" sz="1600" dirty="0">
+                <a:solidFill>
+                  <a:srgbClr val="569CD6"/>
+                </a:solidFill>
+                <a:latin typeface="Consolas" panose="020B0609020204030204" pitchFamily="49" charset="0"/>
+                <a:ea typeface="+mn-ea"/>
+                <a:cs typeface="+mn-cs"/>
+              </a:rPr>
+              <a:t>, </a:t>
+            </a:r>
+            <a:r>
+              <a:rPr lang="de-DE" sz="1600" dirty="0" err="1">
+                <a:solidFill>
+                  <a:srgbClr val="569CD6"/>
+                </a:solidFill>
+                <a:latin typeface="Consolas" panose="020B0609020204030204" pitchFamily="49" charset="0"/>
+                <a:ea typeface="+mn-ea"/>
+                <a:cs typeface="+mn-cs"/>
+              </a:rPr>
+              <a:t>size_t</a:t>
+            </a:r>
+            <a:r>
+              <a:rPr lang="de-DE" sz="1600" dirty="0">
+                <a:solidFill>
+                  <a:srgbClr val="569CD6"/>
+                </a:solidFill>
+                <a:latin typeface="Consolas" panose="020B0609020204030204" pitchFamily="49" charset="0"/>
+                <a:ea typeface="+mn-ea"/>
+                <a:cs typeface="+mn-cs"/>
+              </a:rPr>
+              <a:t> </a:t>
+            </a:r>
+            <a:r>
+              <a:rPr lang="de-DE" sz="1600" dirty="0" err="1">
+                <a:solidFill>
+                  <a:srgbClr val="569CD6"/>
+                </a:solidFill>
+                <a:latin typeface="Consolas" panose="020B0609020204030204" pitchFamily="49" charset="0"/>
+                <a:ea typeface="+mn-ea"/>
+                <a:cs typeface="+mn-cs"/>
+              </a:rPr>
+              <a:t>buf_len</a:t>
+            </a:r>
+            <a:r>
+              <a:rPr lang="de-DE" sz="1600" dirty="0">
+                <a:solidFill>
+                  <a:srgbClr val="569CD6"/>
+                </a:solidFill>
+                <a:latin typeface="Consolas" panose="020B0609020204030204" pitchFamily="49" charset="0"/>
+                <a:ea typeface="+mn-ea"/>
+                <a:cs typeface="+mn-cs"/>
+              </a:rPr>
+              <a:t>, </a:t>
+            </a:r>
+            <a:r>
+              <a:rPr lang="de-DE" sz="1600" dirty="0" err="1">
+                <a:solidFill>
+                  <a:srgbClr val="569CD6"/>
+                </a:solidFill>
+                <a:latin typeface="Consolas" panose="020B0609020204030204" pitchFamily="49" charset="0"/>
+                <a:ea typeface="+mn-ea"/>
+                <a:cs typeface="+mn-cs"/>
+              </a:rPr>
+              <a:t>int</a:t>
+            </a:r>
+            <a:r>
+              <a:rPr lang="de-DE" sz="1600" dirty="0">
+                <a:solidFill>
+                  <a:srgbClr val="569CD6"/>
+                </a:solidFill>
+                <a:latin typeface="Consolas" panose="020B0609020204030204" pitchFamily="49" charset="0"/>
+                <a:ea typeface="+mn-ea"/>
+                <a:cs typeface="+mn-cs"/>
+              </a:rPr>
+              <a:t> *</a:t>
+            </a:r>
+            <a:r>
+              <a:rPr lang="de-DE" sz="1600" dirty="0" err="1">
+                <a:solidFill>
+                  <a:srgbClr val="569CD6"/>
+                </a:solidFill>
+                <a:latin typeface="Consolas" panose="020B0609020204030204" pitchFamily="49" charset="0"/>
+                <a:ea typeface="+mn-ea"/>
+                <a:cs typeface="+mn-cs"/>
+              </a:rPr>
+              <a:t>retval</a:t>
+            </a:r>
+            <a:r>
+              <a:rPr lang="de-DE" sz="1600" dirty="0">
+                <a:solidFill>
+                  <a:srgbClr val="569CD6"/>
+                </a:solidFill>
+                <a:latin typeface="Consolas" panose="020B0609020204030204" pitchFamily="49" charset="0"/>
+                <a:ea typeface="+mn-ea"/>
+                <a:cs typeface="+mn-cs"/>
+              </a:rPr>
+              <a:t>)</a:t>
+            </a:r>
+            <a:endParaRPr lang="it-IT" sz="1600" dirty="0">
+              <a:solidFill>
+                <a:srgbClr val="569CD6"/>
+              </a:solidFill>
+              <a:latin typeface="Consolas" panose="020B0609020204030204" pitchFamily="49" charset="0"/>
+              <a:ea typeface="+mn-ea"/>
+              <a:cs typeface="+mn-cs"/>
+            </a:endParaRPr>
+          </a:p>
+        </p:txBody>
+      </p:sp>
+      <p:sp>
+        <p:nvSpPr>
+          <p:cNvPr id="5" name="Segnaposto contenuto 2">
+            <a:extLst>
+              <a:ext uri="{FF2B5EF4-FFF2-40B4-BE49-F238E27FC236}">
+                <a16:creationId xmlns:a16="http://schemas.microsoft.com/office/drawing/2014/main" id="{B64678DA-CEDC-BB3D-C3E3-17676388163D}"/>
+              </a:ext>
+            </a:extLst>
+          </p:cNvPr>
+          <p:cNvSpPr txBox="1">
+            <a:spLocks/>
+          </p:cNvSpPr>
+          <p:nvPr/>
+        </p:nvSpPr>
+        <p:spPr>
+          <a:xfrm>
+            <a:off x="1197868" y="4939451"/>
+            <a:ext cx="10515600" cy="1420107"/>
+          </a:xfrm>
+          <a:prstGeom prst="rect">
+            <a:avLst/>
+          </a:prstGeom>
+        </p:spPr>
+        <p:txBody>
+          <a:bodyPr vert="horz" lIns="91440" tIns="45720" rIns="91440" bIns="45720" rtlCol="0">
+            <a:normAutofit/>
+          </a:bodyPr>
+          <a:lstStyle>
+            <a:lvl1pPr marL="228600" indent="-228600" algn="l" defTabSz="914400" rtl="0" eaLnBrk="1" latinLnBrk="0" hangingPunct="1">
+              <a:lnSpc>
+                <a:spcPct val="90000"/>
+              </a:lnSpc>
+              <a:spcBef>
+                <a:spcPts val="1000"/>
+              </a:spcBef>
+              <a:buFont typeface="Arial" panose="020B0604020202020204" pitchFamily="34" charset="0"/>
+              <a:buChar char="•"/>
+              <a:defRPr sz="2800" kern="1200">
+                <a:solidFill>
+                  <a:schemeClr val="tx1"/>
+                </a:solidFill>
+                <a:latin typeface="+mn-lt"/>
+                <a:ea typeface="+mn-ea"/>
+                <a:cs typeface="+mn-cs"/>
+              </a:defRPr>
+            </a:lvl1pPr>
+            <a:lvl2pPr marL="685800" indent="-228600" algn="l" defTabSz="914400" rtl="0" eaLnBrk="1" latinLnBrk="0" hangingPunct="1">
+              <a:lnSpc>
+                <a:spcPct val="90000"/>
+              </a:lnSpc>
+              <a:spcBef>
+                <a:spcPts val="500"/>
+              </a:spcBef>
+              <a:buFont typeface="Arial" panose="020B0604020202020204" pitchFamily="34" charset="0"/>
+              <a:buChar char="•"/>
+              <a:defRPr sz="2400" kern="1200">
+                <a:solidFill>
+                  <a:schemeClr val="tx1"/>
+                </a:solidFill>
+                <a:latin typeface="+mn-lt"/>
+                <a:ea typeface="+mn-ea"/>
+                <a:cs typeface="+mn-cs"/>
+              </a:defRPr>
+            </a:lvl2pPr>
+            <a:lvl3pPr marL="1143000" indent="-228600" algn="l" defTabSz="914400" rtl="0" eaLnBrk="1" latinLnBrk="0" hangingPunct="1">
+              <a:lnSpc>
+                <a:spcPct val="90000"/>
+              </a:lnSpc>
+              <a:spcBef>
+                <a:spcPts val="500"/>
+              </a:spcBef>
+              <a:buFont typeface="Arial" panose="020B0604020202020204" pitchFamily="34" charset="0"/>
+              <a:buChar char="•"/>
+              <a:defRPr sz="2000" kern="1200">
+                <a:solidFill>
+                  <a:schemeClr val="tx1"/>
+                </a:solidFill>
+                <a:latin typeface="+mn-lt"/>
+                <a:ea typeface="+mn-ea"/>
+                <a:cs typeface="+mn-cs"/>
+              </a:defRPr>
+            </a:lvl3pPr>
+            <a:lvl4pPr marL="1600200" indent="-228600" algn="l" defTabSz="914400" rtl="0" eaLnBrk="1" latinLnBrk="0" hangingPunct="1">
+              <a:lnSpc>
+                <a:spcPct val="90000"/>
+              </a:lnSpc>
+              <a:spcBef>
+                <a:spcPts val="500"/>
+              </a:spcBef>
+              <a:buFont typeface="Arial" panose="020B0604020202020204" pitchFamily="34" charset="0"/>
+              <a:buChar char="•"/>
+              <a:defRPr sz="1800" kern="1200">
+                <a:solidFill>
+                  <a:schemeClr val="tx1"/>
+                </a:solidFill>
+                <a:latin typeface="+mn-lt"/>
+                <a:ea typeface="+mn-ea"/>
+                <a:cs typeface="+mn-cs"/>
+              </a:defRPr>
+            </a:lvl4pPr>
+            <a:lvl5pPr marL="2057400" indent="-228600" algn="l" defTabSz="914400" rtl="0" eaLnBrk="1" latinLnBrk="0" hangingPunct="1">
+              <a:lnSpc>
+                <a:spcPct val="90000"/>
+              </a:lnSpc>
+              <a:spcBef>
+                <a:spcPts val="500"/>
+              </a:spcBef>
+              <a:buFont typeface="Arial" panose="020B0604020202020204" pitchFamily="34" charset="0"/>
+              <a:buChar char="•"/>
+              <a:defRPr sz="1800" kern="1200">
+                <a:solidFill>
+                  <a:schemeClr val="tx1"/>
+                </a:solidFill>
+                <a:latin typeface="+mn-lt"/>
+                <a:ea typeface="+mn-ea"/>
+                <a:cs typeface="+mn-cs"/>
+              </a:defRPr>
+            </a:lvl5pPr>
+            <a:lvl6pPr marL="2514600" indent="-228600" algn="l" defTabSz="914400" rtl="0" eaLnBrk="1" latinLnBrk="0" hangingPunct="1">
+              <a:lnSpc>
+                <a:spcPct val="90000"/>
+              </a:lnSpc>
+              <a:spcBef>
+                <a:spcPts val="500"/>
+              </a:spcBef>
+              <a:buFont typeface="Arial" panose="020B0604020202020204" pitchFamily="34" charset="0"/>
+              <a:buChar char="•"/>
+              <a:defRPr sz="1800" kern="1200">
+                <a:solidFill>
+                  <a:schemeClr val="tx1"/>
+                </a:solidFill>
+                <a:latin typeface="+mn-lt"/>
+                <a:ea typeface="+mn-ea"/>
+                <a:cs typeface="+mn-cs"/>
+              </a:defRPr>
+            </a:lvl6pPr>
+            <a:lvl7pPr marL="2971800" indent="-228600" algn="l" defTabSz="914400" rtl="0" eaLnBrk="1" latinLnBrk="0" hangingPunct="1">
+              <a:lnSpc>
+                <a:spcPct val="90000"/>
+              </a:lnSpc>
+              <a:spcBef>
+                <a:spcPts val="500"/>
+              </a:spcBef>
+              <a:buFont typeface="Arial" panose="020B0604020202020204" pitchFamily="34" charset="0"/>
+              <a:buChar char="•"/>
+              <a:defRPr sz="1800" kern="1200">
+                <a:solidFill>
+                  <a:schemeClr val="tx1"/>
+                </a:solidFill>
+                <a:latin typeface="+mn-lt"/>
+                <a:ea typeface="+mn-ea"/>
+                <a:cs typeface="+mn-cs"/>
+              </a:defRPr>
+            </a:lvl7pPr>
+            <a:lvl8pPr marL="3429000" indent="-228600" algn="l" defTabSz="914400" rtl="0" eaLnBrk="1" latinLnBrk="0" hangingPunct="1">
+              <a:lnSpc>
+                <a:spcPct val="90000"/>
+              </a:lnSpc>
+              <a:spcBef>
+                <a:spcPts val="500"/>
+              </a:spcBef>
+              <a:buFont typeface="Arial" panose="020B0604020202020204" pitchFamily="34" charset="0"/>
+              <a:buChar char="•"/>
+              <a:defRPr sz="1800" kern="1200">
+                <a:solidFill>
+                  <a:schemeClr val="tx1"/>
+                </a:solidFill>
+                <a:latin typeface="+mn-lt"/>
+                <a:ea typeface="+mn-ea"/>
+                <a:cs typeface="+mn-cs"/>
+              </a:defRPr>
+            </a:lvl8pPr>
+            <a:lvl9pPr marL="3886200" indent="-228600" algn="l" defTabSz="914400" rtl="0" eaLnBrk="1" latinLnBrk="0" hangingPunct="1">
+              <a:lnSpc>
+                <a:spcPct val="90000"/>
+              </a:lnSpc>
+              <a:spcBef>
+                <a:spcPts val="500"/>
+              </a:spcBef>
+              <a:buFont typeface="Arial" panose="020B0604020202020204" pitchFamily="34" charset="0"/>
+              <a:buChar char="•"/>
+              <a:defRPr sz="1800" kern="1200">
+                <a:solidFill>
+                  <a:schemeClr val="tx1"/>
+                </a:solidFill>
+                <a:latin typeface="+mn-lt"/>
+                <a:ea typeface="+mn-ea"/>
+                <a:cs typeface="+mn-cs"/>
+              </a:defRPr>
+            </a:lvl9pPr>
+          </a:lstStyle>
+          <a:p>
+            <a:r>
+              <a:rPr lang="it-IT" sz="1800" dirty="0" err="1"/>
+              <a:t>Getcwd</a:t>
+            </a:r>
+            <a:r>
+              <a:rPr lang="it-IT" sz="1800" dirty="0"/>
+              <a:t> system call </a:t>
+            </a:r>
+            <a:r>
+              <a:rPr lang="it-IT" sz="1800" dirty="0" err="1"/>
+              <a:t>returns</a:t>
+            </a:r>
+            <a:r>
+              <a:rPr lang="it-IT" sz="1800" dirty="0"/>
+              <a:t> the </a:t>
+            </a:r>
+            <a:r>
+              <a:rPr lang="it-IT" sz="1800" dirty="0" err="1"/>
+              <a:t>current</a:t>
+            </a:r>
+            <a:r>
+              <a:rPr lang="it-IT" sz="1800" dirty="0"/>
+              <a:t> working directory </a:t>
+            </a:r>
+            <a:r>
+              <a:rPr lang="it-IT" sz="1800" dirty="0" err="1"/>
+              <a:t>path</a:t>
+            </a:r>
+            <a:r>
+              <a:rPr lang="it-IT" sz="1800" dirty="0"/>
+              <a:t>.</a:t>
+            </a:r>
+          </a:p>
+          <a:p>
+            <a:r>
+              <a:rPr lang="it-IT" sz="1800" dirty="0" err="1"/>
+              <a:t>Is</a:t>
+            </a:r>
+            <a:r>
+              <a:rPr lang="it-IT" sz="1800" dirty="0"/>
+              <a:t> </a:t>
+            </a:r>
+            <a:r>
+              <a:rPr lang="it-IT" sz="1800" dirty="0" err="1"/>
+              <a:t>mainly</a:t>
+            </a:r>
+            <a:r>
+              <a:rPr lang="it-IT" sz="1800" dirty="0"/>
+              <a:t> </a:t>
+            </a:r>
+            <a:r>
+              <a:rPr lang="it-IT" sz="1800" dirty="0" err="1"/>
+              <a:t>performed</a:t>
+            </a:r>
+            <a:r>
+              <a:rPr lang="it-IT" sz="1800" dirty="0"/>
+              <a:t> by </a:t>
+            </a:r>
+            <a:r>
+              <a:rPr lang="it-IT" sz="1800" dirty="0" err="1"/>
+              <a:t>vfs_getcwd</a:t>
+            </a:r>
+            <a:r>
+              <a:rPr lang="it-IT" sz="1800" dirty="0"/>
+              <a:t>() </a:t>
+            </a:r>
+            <a:r>
+              <a:rPr lang="it-IT" sz="1800" dirty="0" err="1"/>
+              <a:t>that</a:t>
+            </a:r>
+            <a:r>
+              <a:rPr lang="it-IT" sz="1800" dirty="0"/>
+              <a:t> </a:t>
+            </a:r>
+            <a:r>
+              <a:rPr lang="it-IT" sz="1800" dirty="0" err="1"/>
+              <a:t>using</a:t>
+            </a:r>
+            <a:r>
+              <a:rPr lang="it-IT" sz="1800" dirty="0"/>
+              <a:t> the </a:t>
+            </a:r>
+            <a:r>
+              <a:rPr lang="it-IT" sz="1800" dirty="0" err="1"/>
+              <a:t>uio</a:t>
+            </a:r>
+            <a:r>
+              <a:rPr lang="it-IT" sz="1800" dirty="0"/>
+              <a:t> </a:t>
+            </a:r>
+            <a:r>
+              <a:rPr lang="it-IT" sz="1800" dirty="0" err="1"/>
+              <a:t>structure</a:t>
+            </a:r>
+            <a:r>
+              <a:rPr lang="it-IT" sz="1800" dirty="0"/>
+              <a:t> </a:t>
+            </a:r>
+            <a:r>
+              <a:rPr lang="it-IT" sz="1800" dirty="0" err="1"/>
+              <a:t>reads</a:t>
+            </a:r>
+            <a:r>
+              <a:rPr lang="it-IT" sz="1800" dirty="0"/>
+              <a:t> the </a:t>
+            </a:r>
+            <a:r>
+              <a:rPr lang="it-IT" sz="1800" dirty="0" err="1"/>
+              <a:t>path</a:t>
+            </a:r>
+            <a:r>
+              <a:rPr lang="it-IT" sz="1800" dirty="0"/>
+              <a:t> of the </a:t>
+            </a:r>
+            <a:r>
+              <a:rPr lang="it-IT" sz="1800" dirty="0" err="1"/>
+              <a:t>current</a:t>
+            </a:r>
+            <a:r>
+              <a:rPr lang="it-IT" sz="1800" dirty="0"/>
+              <a:t> proc and </a:t>
+            </a:r>
+            <a:r>
+              <a:rPr lang="it-IT" sz="1800" dirty="0" err="1"/>
+              <a:t>write</a:t>
+            </a:r>
+            <a:r>
+              <a:rPr lang="it-IT" sz="1800" dirty="0"/>
+              <a:t> in a buffer.</a:t>
+            </a:r>
+          </a:p>
+          <a:p>
+            <a:r>
+              <a:rPr lang="it-IT" sz="1800" dirty="0"/>
+              <a:t>On success the system call </a:t>
+            </a:r>
+            <a:r>
+              <a:rPr lang="it-IT" sz="1800" dirty="0" err="1"/>
+              <a:t>return</a:t>
+            </a:r>
+            <a:r>
+              <a:rPr lang="it-IT" sz="1800" dirty="0"/>
+              <a:t> the </a:t>
+            </a:r>
+            <a:r>
+              <a:rPr lang="it-IT" sz="1800" dirty="0" err="1"/>
+              <a:t>lenght</a:t>
+            </a:r>
+            <a:r>
+              <a:rPr lang="it-IT" sz="1800" dirty="0"/>
+              <a:t> of the </a:t>
+            </a:r>
+            <a:r>
+              <a:rPr lang="it-IT" sz="1800" dirty="0" err="1"/>
+              <a:t>current</a:t>
+            </a:r>
+            <a:r>
+              <a:rPr lang="it-IT" sz="1800" dirty="0"/>
+              <a:t> </a:t>
+            </a:r>
+            <a:r>
+              <a:rPr lang="it-IT" sz="1800" dirty="0" err="1"/>
+              <a:t>pathname</a:t>
+            </a:r>
+            <a:r>
+              <a:rPr lang="it-IT" sz="1800" dirty="0"/>
+              <a:t> directory and </a:t>
+            </a:r>
+            <a:r>
+              <a:rPr lang="it-IT" sz="1800" dirty="0" err="1"/>
+              <a:t>err</a:t>
+            </a:r>
+            <a:r>
+              <a:rPr lang="it-IT" sz="1800" dirty="0"/>
+              <a:t> in case of </a:t>
+            </a:r>
+            <a:r>
+              <a:rPr lang="it-IT" sz="1800" dirty="0" err="1"/>
+              <a:t>failure</a:t>
+            </a:r>
+            <a:r>
+              <a:rPr lang="it-IT" sz="1800" dirty="0"/>
+              <a:t>.</a:t>
+            </a:r>
+          </a:p>
+        </p:txBody>
+      </p:sp>
+      <p:sp>
+        <p:nvSpPr>
+          <p:cNvPr id="6" name="Titolo 1">
+            <a:extLst>
+              <a:ext uri="{FF2B5EF4-FFF2-40B4-BE49-F238E27FC236}">
+                <a16:creationId xmlns:a16="http://schemas.microsoft.com/office/drawing/2014/main" id="{631ABEB5-124A-8ABE-7239-24279386D0B0}"/>
+              </a:ext>
+            </a:extLst>
+          </p:cNvPr>
+          <p:cNvSpPr txBox="1">
+            <a:spLocks/>
+          </p:cNvSpPr>
+          <p:nvPr/>
+        </p:nvSpPr>
+        <p:spPr>
+          <a:xfrm>
+            <a:off x="981844" y="270036"/>
+            <a:ext cx="10426700" cy="937767"/>
+          </a:xfrm>
+          <a:prstGeom prst="rect">
+            <a:avLst/>
+          </a:prstGeom>
+        </p:spPr>
+        <p:txBody>
+          <a:bodyPr/>
+          <a:lstStyle>
+            <a:lvl1pPr algn="l" defTabSz="1218987" rtl="0" eaLnBrk="1" latinLnBrk="0" hangingPunct="1">
+              <a:lnSpc>
+                <a:spcPct val="90000"/>
+              </a:lnSpc>
+              <a:spcBef>
+                <a:spcPct val="0"/>
+              </a:spcBef>
+              <a:buNone/>
+              <a:defRPr sz="3600" kern="1200">
+                <a:solidFill>
+                  <a:schemeClr val="tx1"/>
+                </a:solidFill>
+                <a:latin typeface="+mj-lt"/>
+                <a:ea typeface="+mj-ea"/>
+                <a:cs typeface="+mj-cs"/>
+              </a:defRPr>
+            </a:lvl1pPr>
+          </a:lstStyle>
+          <a:p>
+            <a:r>
+              <a:rPr lang="nn-NO" dirty="0">
+                <a:solidFill>
+                  <a:srgbClr val="FF0000"/>
+                </a:solidFill>
+                <a:ea typeface="+mn-ea"/>
+                <a:cs typeface="+mn-cs"/>
+              </a:rPr>
+              <a:t>Chdir</a:t>
+            </a:r>
+          </a:p>
+        </p:txBody>
+      </p:sp>
+      <p:sp>
+        <p:nvSpPr>
+          <p:cNvPr id="7" name="Titolo 1">
+            <a:extLst>
+              <a:ext uri="{FF2B5EF4-FFF2-40B4-BE49-F238E27FC236}">
+                <a16:creationId xmlns:a16="http://schemas.microsoft.com/office/drawing/2014/main" id="{6F8634BB-9102-123A-9B7B-90DCFC408409}"/>
+              </a:ext>
+            </a:extLst>
+          </p:cNvPr>
+          <p:cNvSpPr txBox="1">
+            <a:spLocks/>
+          </p:cNvSpPr>
+          <p:nvPr/>
+        </p:nvSpPr>
+        <p:spPr>
+          <a:xfrm>
+            <a:off x="981844" y="3963231"/>
+            <a:ext cx="10426700" cy="937767"/>
+          </a:xfrm>
+          <a:prstGeom prst="rect">
+            <a:avLst/>
+          </a:prstGeom>
+        </p:spPr>
+        <p:txBody>
+          <a:bodyPr/>
+          <a:lstStyle>
+            <a:lvl1pPr algn="l" defTabSz="1218987" rtl="0" eaLnBrk="1" latinLnBrk="0" hangingPunct="1">
+              <a:lnSpc>
+                <a:spcPct val="90000"/>
+              </a:lnSpc>
+              <a:spcBef>
+                <a:spcPct val="0"/>
+              </a:spcBef>
+              <a:buNone/>
+              <a:defRPr sz="3600" kern="1200">
+                <a:solidFill>
+                  <a:schemeClr val="tx1"/>
+                </a:solidFill>
+                <a:latin typeface="+mj-lt"/>
+                <a:ea typeface="+mj-ea"/>
+                <a:cs typeface="+mj-cs"/>
+              </a:defRPr>
+            </a:lvl1pPr>
+          </a:lstStyle>
+          <a:p>
+            <a:r>
+              <a:rPr lang="nn-NO" dirty="0">
+                <a:solidFill>
+                  <a:srgbClr val="FF0000"/>
+                </a:solidFill>
+                <a:ea typeface="+mn-ea"/>
+                <a:cs typeface="+mn-cs"/>
+              </a:rPr>
+              <a:t>Getcwd</a:t>
+            </a:r>
+          </a:p>
+        </p:txBody>
+      </p:sp>
+    </p:spTree>
+    <p:extLst>
+      <p:ext uri="{BB962C8B-B14F-4D97-AF65-F5344CB8AC3E}">
+        <p14:creationId xmlns:p14="http://schemas.microsoft.com/office/powerpoint/2010/main" val="3715899037"/>
+      </p:ext>
+    </p:extLst>
+  </p:cSld>
+  <p:clrMapOvr>
+    <a:masterClrMapping/>
+  </p:clrMapOvr>
+  <mc:AlternateContent xmlns:mc="http://schemas.openxmlformats.org/markup-compatibility/2006" xmlns:p14="http://schemas.microsoft.com/office/powerpoint/2010/main">
+    <mc:Choice Requires="p14">
+      <p:transition spd="med" p14:dur="700">
+        <p:fade/>
+      </p:transition>
+    </mc:Choice>
+    <mc:Fallback xmlns="">
+      <p:transition spd="med">
+        <p:fade/>
+      </p:transition>
+    </mc:Fallback>
+  </mc:AlternateContent>
+</p:sld>
+</file>
+
+<file path=ppt/slides/slide18.xml><?xml version="1.0" encoding="utf-8"?>
+<p:sld xmlns:a="http://schemas.openxmlformats.org/drawingml/2006/main" xmlns:r="http://schemas.openxmlformats.org/officeDocument/2006/relationships" xmlns:p="http://schemas.openxmlformats.org/presentationml/2006/main">
+  <p:cSld>
+    <p:spTree>
+      <p:nvGrpSpPr>
+        <p:cNvPr id="1" name=""/>
+        <p:cNvGrpSpPr/>
+        <p:nvPr/>
+      </p:nvGrpSpPr>
+      <p:grpSpPr>
+        <a:xfrm>
+          <a:off x="0" y="0"/>
+          <a:ext cx="0" cy="0"/>
+          <a:chOff x="0" y="0"/>
+          <a:chExt cx="0" cy="0"/>
+        </a:xfrm>
+      </p:grpSpPr>
+      <p:sp>
+        <p:nvSpPr>
+          <p:cNvPr id="2" name="Titolo 1">
+            <a:extLst>
+              <a:ext uri="{FF2B5EF4-FFF2-40B4-BE49-F238E27FC236}">
+                <a16:creationId xmlns:a16="http://schemas.microsoft.com/office/drawing/2014/main" id="{443A1FD2-3670-687B-7983-917D7AD71729}"/>
+              </a:ext>
+            </a:extLst>
+          </p:cNvPr>
+          <p:cNvSpPr txBox="1">
+            <a:spLocks/>
+          </p:cNvSpPr>
+          <p:nvPr/>
+        </p:nvSpPr>
+        <p:spPr>
+          <a:xfrm>
+            <a:off x="10414892" y="5589240"/>
+            <a:ext cx="1008112" cy="679904"/>
+          </a:xfrm>
+          <a:prstGeom prst="rect">
+            <a:avLst/>
+          </a:prstGeom>
+        </p:spPr>
+        <p:txBody>
+          <a:bodyPr>
+            <a:normAutofit fontScale="97500"/>
+          </a:bodyPr>
+          <a:lstStyle>
+            <a:lvl1pPr algn="l" defTabSz="1218987" rtl="0" eaLnBrk="1" latinLnBrk="0" hangingPunct="1">
+              <a:lnSpc>
+                <a:spcPct val="90000"/>
+              </a:lnSpc>
+              <a:spcBef>
+                <a:spcPct val="0"/>
+              </a:spcBef>
+              <a:buNone/>
+              <a:defRPr sz="3600" kern="1200">
+                <a:solidFill>
+                  <a:schemeClr val="tx1"/>
+                </a:solidFill>
+                <a:latin typeface="+mj-lt"/>
+                <a:ea typeface="+mj-ea"/>
+                <a:cs typeface="+mj-cs"/>
+              </a:defRPr>
+            </a:lvl1pPr>
+          </a:lstStyle>
+          <a:p>
+            <a:r>
+              <a:rPr lang="it-IT" dirty="0">
+                <a:solidFill>
+                  <a:srgbClr val="FF0000"/>
+                </a:solidFill>
+                <a:ea typeface="+mn-ea"/>
+                <a:cs typeface="+mn-cs"/>
+              </a:rPr>
+              <a:t>End</a:t>
+            </a:r>
+          </a:p>
+        </p:txBody>
+      </p:sp>
+    </p:spTree>
+    <p:extLst>
+      <p:ext uri="{BB962C8B-B14F-4D97-AF65-F5344CB8AC3E}">
+        <p14:creationId xmlns:p14="http://schemas.microsoft.com/office/powerpoint/2010/main" val="60453536"/>
+      </p:ext>
+    </p:extLst>
+  </p:cSld>
+  <p:clrMapOvr>
+    <a:masterClrMapping/>
+  </p:clrMapOvr>
+  <mc:AlternateContent xmlns:mc="http://schemas.openxmlformats.org/markup-compatibility/2006" xmlns:p14="http://schemas.microsoft.com/office/powerpoint/2010/main">
+    <mc:Choice Requires="p14">
+      <p:transition spd="med" p14:dur="700">
+        <p:fade/>
+      </p:transition>
+    </mc:Choice>
+    <mc:Fallback xmlns="">
       <p:transition spd="med">
         <p:fade/>
       </p:transition>
@@ -10445,13 +17283,13 @@
   <p:clrMapOvr>
     <a:masterClrMapping/>
   </p:clrMapOvr>
-  <mc:AlternateContent xmlns:mc="http://schemas.openxmlformats.org/markup-compatibility/2006">
-    <mc:Choice xmlns:p14="http://schemas.microsoft.com/office/powerpoint/2010/main" Requires="p14">
+  <mc:AlternateContent xmlns:mc="http://schemas.openxmlformats.org/markup-compatibility/2006" xmlns:p14="http://schemas.microsoft.com/office/powerpoint/2010/main">
+    <mc:Choice Requires="p14">
       <p:transition spd="med" p14:dur="700">
         <p:fade/>
       </p:transition>
     </mc:Choice>
-    <mc:Fallback>
+    <mc:Fallback xmlns="">
       <p:transition spd="med">
         <p:fade/>
       </p:transition>
@@ -11808,15 +18646,6 @@
 </file>
 
 <file path=customXml/item1.xml><?xml version="1.0" encoding="utf-8"?>
-<?mso-contentType ?>
-<FormTemplates xmlns="http://schemas.microsoft.com/sharepoint/v3/contenttype/forms">
-  <Display>DocumentLibraryForm</Display>
-  <Edit>AssetEditForm</Edit>
-  <New>DocumentLibraryForm</New>
-</FormTemplates>
-</file>
-
-<file path=customXml/item2.xml><?xml version="1.0" encoding="utf-8"?>
 <p:properties xmlns:p="http://schemas.microsoft.com/office/2006/metadata/properties" xmlns:xsi="http://www.w3.org/2001/XMLSchema-instance" xmlns:pc="http://schemas.microsoft.com/office/infopath/2007/PartnerControls">
   <documentManagement>
     <LocPublishedLinkedAssetsLookup xmlns="4873beb7-5857-4685-be1f-d57550cc96cc" xsi:nil="true"/>
@@ -11950,6 +18779,15 @@
     <LocMarketGroupTiers2 xmlns="4873beb7-5857-4685-be1f-d57550cc96cc" xsi:nil="true"/>
   </documentManagement>
 </p:properties>
+</file>
+
+<file path=customXml/item2.xml><?xml version="1.0" encoding="utf-8"?>
+<?mso-contentType ?>
+<FormTemplates xmlns="http://schemas.microsoft.com/sharepoint/v3/contenttype/forms">
+  <Display>DocumentLibraryForm</Display>
+  <Edit>AssetEditForm</Edit>
+  <New>DocumentLibraryForm</New>
+</FormTemplates>
 </file>
 
 <file path=customXml/item3.xml><?xml version="1.0" encoding="utf-8"?>
@@ -12993,14 +19831,6 @@
 </file>
 
 <file path=customXml/itemProps1.xml><?xml version="1.0" encoding="utf-8"?>
-<ds:datastoreItem xmlns:ds="http://schemas.openxmlformats.org/officeDocument/2006/customXml" ds:itemID="{3836F65B-1B07-41EE-A0E8-BC6EF3855225}">
-  <ds:schemaRefs>
-    <ds:schemaRef ds:uri="http://schemas.microsoft.com/sharepoint/v3/contenttype/forms"/>
-  </ds:schemaRefs>
-</ds:datastoreItem>
-</file>
-
-<file path=customXml/itemProps2.xml><?xml version="1.0" encoding="utf-8"?>
 <ds:datastoreItem xmlns:ds="http://schemas.openxmlformats.org/officeDocument/2006/customXml" ds:itemID="{60C67BEE-D13F-4BD2-98A5-34D8A0977F68}">
   <ds:schemaRefs>
     <ds:schemaRef ds:uri="4873beb7-5857-4685-be1f-d57550cc96cc"/>
@@ -13012,6 +19842,14 @@
     <ds:schemaRef ds:uri="http://schemas.microsoft.com/office/infopath/2007/PartnerControls"/>
     <ds:schemaRef ds:uri="http://www.w3.org/XML/1998/namespace"/>
     <ds:schemaRef ds:uri="http://purl.org/dc/dcmitype/"/>
+  </ds:schemaRefs>
+</ds:datastoreItem>
+</file>
+
+<file path=customXml/itemProps2.xml><?xml version="1.0" encoding="utf-8"?>
+<ds:datastoreItem xmlns:ds="http://schemas.openxmlformats.org/officeDocument/2006/customXml" ds:itemID="{3836F65B-1B07-41EE-A0E8-BC6EF3855225}">
+  <ds:schemaRefs>
+    <ds:schemaRef ds:uri="http://schemas.microsoft.com/sharepoint/v3/contenttype/forms"/>
   </ds:schemaRefs>
 </ds:datastoreItem>
 </file>

--- a/OS161_power_point.pptx
+++ b/OS161_power_point.pptx
@@ -6397,7 +6397,7 @@
             </a:r>
             <a:r>
               <a:rPr lang="it-IT" sz="2800" dirty="0"/>
-              <a:t>.</a:t>
+              <a:t>. s287843</a:t>
             </a:r>
           </a:p>
           <a:p>
@@ -6411,7 +6411,7 @@
             </a:r>
             <a:r>
               <a:rPr lang="it-IT" sz="2800" dirty="0"/>
-              <a:t>.</a:t>
+              <a:t>. s277965</a:t>
             </a:r>
           </a:p>
         </p:txBody>
@@ -18646,6 +18646,15 @@
 </file>
 
 <file path=customXml/item1.xml><?xml version="1.0" encoding="utf-8"?>
+<?mso-contentType ?>
+<FormTemplates xmlns="http://schemas.microsoft.com/sharepoint/v3/contenttype/forms">
+  <Display>DocumentLibraryForm</Display>
+  <Edit>AssetEditForm</Edit>
+  <New>DocumentLibraryForm</New>
+</FormTemplates>
+</file>
+
+<file path=customXml/item2.xml><?xml version="1.0" encoding="utf-8"?>
 <p:properties xmlns:p="http://schemas.microsoft.com/office/2006/metadata/properties" xmlns:xsi="http://www.w3.org/2001/XMLSchema-instance" xmlns:pc="http://schemas.microsoft.com/office/infopath/2007/PartnerControls">
   <documentManagement>
     <LocPublishedLinkedAssetsLookup xmlns="4873beb7-5857-4685-be1f-d57550cc96cc" xsi:nil="true"/>
@@ -18779,15 +18788,6 @@
     <LocMarketGroupTiers2 xmlns="4873beb7-5857-4685-be1f-d57550cc96cc" xsi:nil="true"/>
   </documentManagement>
 </p:properties>
-</file>
-
-<file path=customXml/item2.xml><?xml version="1.0" encoding="utf-8"?>
-<?mso-contentType ?>
-<FormTemplates xmlns="http://schemas.microsoft.com/sharepoint/v3/contenttype/forms">
-  <Display>DocumentLibraryForm</Display>
-  <Edit>AssetEditForm</Edit>
-  <New>DocumentLibraryForm</New>
-</FormTemplates>
 </file>
 
 <file path=customXml/item3.xml><?xml version="1.0" encoding="utf-8"?>
@@ -19831,6 +19831,14 @@
 </file>
 
 <file path=customXml/itemProps1.xml><?xml version="1.0" encoding="utf-8"?>
+<ds:datastoreItem xmlns:ds="http://schemas.openxmlformats.org/officeDocument/2006/customXml" ds:itemID="{3836F65B-1B07-41EE-A0E8-BC6EF3855225}">
+  <ds:schemaRefs>
+    <ds:schemaRef ds:uri="http://schemas.microsoft.com/sharepoint/v3/contenttype/forms"/>
+  </ds:schemaRefs>
+</ds:datastoreItem>
+</file>
+
+<file path=customXml/itemProps2.xml><?xml version="1.0" encoding="utf-8"?>
 <ds:datastoreItem xmlns:ds="http://schemas.openxmlformats.org/officeDocument/2006/customXml" ds:itemID="{60C67BEE-D13F-4BD2-98A5-34D8A0977F68}">
   <ds:schemaRefs>
     <ds:schemaRef ds:uri="4873beb7-5857-4685-be1f-d57550cc96cc"/>
@@ -19842,14 +19850,6 @@
     <ds:schemaRef ds:uri="http://schemas.microsoft.com/office/infopath/2007/PartnerControls"/>
     <ds:schemaRef ds:uri="http://www.w3.org/XML/1998/namespace"/>
     <ds:schemaRef ds:uri="http://purl.org/dc/dcmitype/"/>
-  </ds:schemaRefs>
-</ds:datastoreItem>
-</file>
-
-<file path=customXml/itemProps2.xml><?xml version="1.0" encoding="utf-8"?>
-<ds:datastoreItem xmlns:ds="http://schemas.openxmlformats.org/officeDocument/2006/customXml" ds:itemID="{3836F65B-1B07-41EE-A0E8-BC6EF3855225}">
-  <ds:schemaRefs>
-    <ds:schemaRef ds:uri="http://schemas.microsoft.com/sharepoint/v3/contenttype/forms"/>
   </ds:schemaRefs>
 </ds:datastoreItem>
 </file>

--- a/OS161_power_point.pptx
+++ b/OS161_power_point.pptx
@@ -12872,39 +12872,7 @@
             </a:pPr>
             <a:r>
               <a:rPr lang="it-IT" sz="1600" dirty="0"/>
-              <a:t>SEEK_</a:t>
-            </a:r>
-            <a:r>
-              <a:rPr lang="en-US" sz="1600" dirty="0"/>
-              <a:t>dup2(int </a:t>
-            </a:r>
-            <a:r>
-              <a:rPr lang="en-US" sz="1600" dirty="0" err="1"/>
-              <a:t>oldfd</a:t>
-            </a:r>
-            <a:r>
-              <a:rPr lang="en-US" sz="1600" dirty="0"/>
-              <a:t>, int </a:t>
-            </a:r>
-            <a:r>
-              <a:rPr lang="en-US" sz="1600" dirty="0" err="1"/>
-              <a:t>newfd</a:t>
-            </a:r>
-            <a:r>
-              <a:rPr lang="en-US" sz="1600" dirty="0"/>
-              <a:t>, int *</a:t>
-            </a:r>
-            <a:r>
-              <a:rPr lang="en-US" sz="1600" dirty="0" err="1"/>
-              <a:t>retval</a:t>
-            </a:r>
-            <a:r>
-              <a:rPr lang="en-US" sz="1600" dirty="0"/>
-              <a:t>)</a:t>
-            </a:r>
-            <a:r>
-              <a:rPr lang="it-IT" sz="1600" dirty="0"/>
-              <a:t>CUR</a:t>
+              <a:t>SEEK_CUR</a:t>
             </a:r>
           </a:p>
           <a:p>
@@ -15041,8 +15009,8 @@
         </p:nvSpPr>
         <p:spPr>
           <a:xfrm>
-            <a:off x="10414892" y="5589240"/>
-            <a:ext cx="1008112" cy="679904"/>
+            <a:off x="2061964" y="2852936"/>
+            <a:ext cx="9001000" cy="3024336"/>
           </a:xfrm>
           <a:prstGeom prst="rect">
             <a:avLst/>
@@ -15073,15 +15041,61 @@
           </a:lstStyle>
           <a:p>
             <a:r>
-              <a:rPr lang="it-IT" dirty="0">
+              <a:rPr lang="it-IT" sz="6200" dirty="0">
                 <a:solidFill>
                   <a:srgbClr val="FF0000"/>
                 </a:solidFill>
                 <a:ea typeface="+mn-ea"/>
                 <a:cs typeface="+mn-cs"/>
               </a:rPr>
-              <a:t>End</a:t>
-            </a:r>
+              <a:t>Thanks for </a:t>
+            </a:r>
+            <a:r>
+              <a:rPr lang="it-IT" sz="6200" dirty="0" err="1">
+                <a:solidFill>
+                  <a:srgbClr val="FF0000"/>
+                </a:solidFill>
+                <a:ea typeface="+mn-ea"/>
+                <a:cs typeface="+mn-cs"/>
+              </a:rPr>
+              <a:t>your</a:t>
+            </a:r>
+            <a:r>
+              <a:rPr lang="it-IT" sz="6200" dirty="0">
+                <a:solidFill>
+                  <a:srgbClr val="FF0000"/>
+                </a:solidFill>
+                <a:ea typeface="+mn-ea"/>
+                <a:cs typeface="+mn-cs"/>
+              </a:rPr>
+              <a:t> </a:t>
+            </a:r>
+            <a:r>
+              <a:rPr lang="it-IT" sz="6200" dirty="0" err="1">
+                <a:solidFill>
+                  <a:srgbClr val="FF0000"/>
+                </a:solidFill>
+                <a:ea typeface="+mn-ea"/>
+                <a:cs typeface="+mn-cs"/>
+              </a:rPr>
+              <a:t>attention</a:t>
+            </a:r>
+            <a:endParaRPr lang="it-IT" sz="6200" dirty="0">
+              <a:solidFill>
+                <a:srgbClr val="FF0000"/>
+              </a:solidFill>
+              <a:ea typeface="+mn-ea"/>
+              <a:cs typeface="+mn-cs"/>
+            </a:endParaRPr>
+          </a:p>
+          <a:p>
+            <a:endParaRPr lang="it-IT" dirty="0">
+              <a:solidFill>
+                <a:srgbClr val="FF0000"/>
+              </a:solidFill>
+              <a:ea typeface="+mn-ea"/>
+              <a:cs typeface="+mn-cs"/>
+            </a:endParaRPr>
           </a:p>
         </p:txBody>
       </p:sp>
@@ -16605,7 +16619,7 @@
             </a:r>
             <a:r>
               <a:rPr lang="en-GB" sz="1600" dirty="0"/>
-              <a:t>	function: cause the current thread to exit</a:t>
+              <a:t> function: cause the current thread to exit</a:t>
             </a:r>
           </a:p>
           <a:p>
@@ -18646,15 +18660,6 @@
 </file>
 
 <file path=customXml/item1.xml><?xml version="1.0" encoding="utf-8"?>
-<?mso-contentType ?>
-<FormTemplates xmlns="http://schemas.microsoft.com/sharepoint/v3/contenttype/forms">
-  <Display>DocumentLibraryForm</Display>
-  <Edit>AssetEditForm</Edit>
-  <New>DocumentLibraryForm</New>
-</FormTemplates>
-</file>
-
-<file path=customXml/item2.xml><?xml version="1.0" encoding="utf-8"?>
 <p:properties xmlns:p="http://schemas.microsoft.com/office/2006/metadata/properties" xmlns:xsi="http://www.w3.org/2001/XMLSchema-instance" xmlns:pc="http://schemas.microsoft.com/office/infopath/2007/PartnerControls">
   <documentManagement>
     <LocPublishedLinkedAssetsLookup xmlns="4873beb7-5857-4685-be1f-d57550cc96cc" xsi:nil="true"/>
@@ -18788,6 +18793,15 @@
     <LocMarketGroupTiers2 xmlns="4873beb7-5857-4685-be1f-d57550cc96cc" xsi:nil="true"/>
   </documentManagement>
 </p:properties>
+</file>
+
+<file path=customXml/item2.xml><?xml version="1.0" encoding="utf-8"?>
+<?mso-contentType ?>
+<FormTemplates xmlns="http://schemas.microsoft.com/sharepoint/v3/contenttype/forms">
+  <Display>DocumentLibraryForm</Display>
+  <Edit>AssetEditForm</Edit>
+  <New>DocumentLibraryForm</New>
+</FormTemplates>
 </file>
 
 <file path=customXml/item3.xml><?xml version="1.0" encoding="utf-8"?>
@@ -19831,14 +19845,6 @@
 </file>
 
 <file path=customXml/itemProps1.xml><?xml version="1.0" encoding="utf-8"?>
-<ds:datastoreItem xmlns:ds="http://schemas.openxmlformats.org/officeDocument/2006/customXml" ds:itemID="{3836F65B-1B07-41EE-A0E8-BC6EF3855225}">
-  <ds:schemaRefs>
-    <ds:schemaRef ds:uri="http://schemas.microsoft.com/sharepoint/v3/contenttype/forms"/>
-  </ds:schemaRefs>
-</ds:datastoreItem>
-</file>
-
-<file path=customXml/itemProps2.xml><?xml version="1.0" encoding="utf-8"?>
 <ds:datastoreItem xmlns:ds="http://schemas.openxmlformats.org/officeDocument/2006/customXml" ds:itemID="{60C67BEE-D13F-4BD2-98A5-34D8A0977F68}">
   <ds:schemaRefs>
     <ds:schemaRef ds:uri="4873beb7-5857-4685-be1f-d57550cc96cc"/>
@@ -19850,6 +19856,14 @@
     <ds:schemaRef ds:uri="http://schemas.microsoft.com/office/infopath/2007/PartnerControls"/>
     <ds:schemaRef ds:uri="http://www.w3.org/XML/1998/namespace"/>
     <ds:schemaRef ds:uri="http://purl.org/dc/dcmitype/"/>
+  </ds:schemaRefs>
+</ds:datastoreItem>
+</file>
+
+<file path=customXml/itemProps2.xml><?xml version="1.0" encoding="utf-8"?>
+<ds:datastoreItem xmlns:ds="http://schemas.openxmlformats.org/officeDocument/2006/customXml" ds:itemID="{3836F65B-1B07-41EE-A0E8-BC6EF3855225}">
+  <ds:schemaRefs>
+    <ds:schemaRef ds:uri="http://schemas.microsoft.com/sharepoint/v3/contenttype/forms"/>
   </ds:schemaRefs>
 </ds:datastoreItem>
 </file>

--- a/OS161_power_point.pptx
+++ b/OS161_power_point.pptx
@@ -9795,35 +9795,175 @@
           </a:p>
           <a:p>
             <a:r>
-              <a:rPr lang="nn-NO" sz="1600" dirty="0">
+              <a:rPr lang="nn-NO" sz="1600" b="0" dirty="0">
+                <a:solidFill>
+                  <a:srgbClr val="569CD6"/>
+                </a:solidFill>
+                <a:effectLst/>
+                <a:latin typeface="Consolas" panose="020B0609020204030204" pitchFamily="49" charset="0"/>
+              </a:rPr>
+              <a:t>int</a:t>
+            </a:r>
+            <a:r>
+              <a:rPr lang="nn-NO" sz="1600" b="0" dirty="0">
+                <a:solidFill>
+                  <a:srgbClr val="D4D4D4"/>
+                </a:solidFill>
+                <a:effectLst/>
+                <a:latin typeface="Consolas" panose="020B0609020204030204" pitchFamily="49" charset="0"/>
+              </a:rPr>
+              <a:t> </a:t>
+            </a:r>
+            <a:r>
+              <a:rPr lang="nn-NO" sz="1600" b="0" dirty="0">
                 <a:solidFill>
                   <a:srgbClr val="DCDCAA"/>
                 </a:solidFill>
-                <a:latin typeface="Consolas" panose="020B0609020204030204" pitchFamily="49" charset="0"/>
-                <a:ea typeface="+mn-ea"/>
-                <a:cs typeface="+mn-cs"/>
+                <a:effectLst/>
+                <a:latin typeface="Consolas" panose="020B0609020204030204" pitchFamily="49" charset="0"/>
               </a:rPr>
               <a:t>sys_open</a:t>
             </a:r>
             <a:r>
-              <a:rPr lang="nn-NO" sz="1600" dirty="0">
+              <a:rPr lang="nn-NO" sz="1600" b="0" dirty="0">
+                <a:solidFill>
+                  <a:srgbClr val="D4D4D4"/>
+                </a:solidFill>
+                <a:effectLst/>
+                <a:latin typeface="Consolas" panose="020B0609020204030204" pitchFamily="49" charset="0"/>
+              </a:rPr>
+              <a:t>(</a:t>
+            </a:r>
+            <a:r>
+              <a:rPr lang="nn-NO" sz="1600" b="0" dirty="0">
+                <a:solidFill>
+                  <a:srgbClr val="4EC9B0"/>
+                </a:solidFill>
+                <a:effectLst/>
+                <a:latin typeface="Consolas" panose="020B0609020204030204" pitchFamily="49" charset="0"/>
+              </a:rPr>
+              <a:t>userptr_t</a:t>
+            </a:r>
+            <a:r>
+              <a:rPr lang="nn-NO" sz="1600" b="0" dirty="0">
+                <a:solidFill>
+                  <a:srgbClr val="D4D4D4"/>
+                </a:solidFill>
+                <a:effectLst/>
+                <a:latin typeface="Consolas" panose="020B0609020204030204" pitchFamily="49" charset="0"/>
+              </a:rPr>
+              <a:t> </a:t>
+            </a:r>
+            <a:r>
+              <a:rPr lang="nn-NO" sz="1600" b="0" dirty="0">
+                <a:solidFill>
+                  <a:srgbClr val="9CDCFE"/>
+                </a:solidFill>
+                <a:effectLst/>
+                <a:latin typeface="Consolas" panose="020B0609020204030204" pitchFamily="49" charset="0"/>
+              </a:rPr>
+              <a:t>filename</a:t>
+            </a:r>
+            <a:r>
+              <a:rPr lang="nn-NO" sz="1600" b="0" dirty="0">
+                <a:solidFill>
+                  <a:srgbClr val="D4D4D4"/>
+                </a:solidFill>
+                <a:effectLst/>
+                <a:latin typeface="Consolas" panose="020B0609020204030204" pitchFamily="49" charset="0"/>
+              </a:rPr>
+              <a:t>, </a:t>
+            </a:r>
+            <a:r>
+              <a:rPr lang="nn-NO" sz="1600" b="0" dirty="0">
                 <a:solidFill>
                   <a:srgbClr val="569CD6"/>
                 </a:solidFill>
-                <a:latin typeface="Consolas" panose="020B0609020204030204" pitchFamily="49" charset="0"/>
-                <a:ea typeface="+mn-ea"/>
-                <a:cs typeface="+mn-cs"/>
-              </a:rPr>
-              <a:t>(userptr_t filename, int flags, int *retfd)</a:t>
-            </a:r>
-            <a:endParaRPr lang="it-IT" sz="1600" dirty="0">
-              <a:solidFill>
-                <a:srgbClr val="569CD6"/>
-              </a:solidFill>
-              <a:latin typeface="Consolas" panose="020B0609020204030204" pitchFamily="49" charset="0"/>
-              <a:ea typeface="+mn-ea"/>
-              <a:cs typeface="+mn-cs"/>
-            </a:endParaRPr>
+                <a:effectLst/>
+                <a:latin typeface="Consolas" panose="020B0609020204030204" pitchFamily="49" charset="0"/>
+              </a:rPr>
+              <a:t>int</a:t>
+            </a:r>
+            <a:r>
+              <a:rPr lang="nn-NO" sz="1600" b="0" dirty="0">
+                <a:solidFill>
+                  <a:srgbClr val="D4D4D4"/>
+                </a:solidFill>
+                <a:effectLst/>
+                <a:latin typeface="Consolas" panose="020B0609020204030204" pitchFamily="49" charset="0"/>
+              </a:rPr>
+              <a:t> </a:t>
+            </a:r>
+            <a:r>
+              <a:rPr lang="nn-NO" sz="1600" b="0" dirty="0">
+                <a:solidFill>
+                  <a:srgbClr val="9CDCFE"/>
+                </a:solidFill>
+                <a:effectLst/>
+                <a:latin typeface="Consolas" panose="020B0609020204030204" pitchFamily="49" charset="0"/>
+              </a:rPr>
+              <a:t>flags</a:t>
+            </a:r>
+            <a:r>
+              <a:rPr lang="nn-NO" sz="1600" b="0" dirty="0">
+                <a:solidFill>
+                  <a:srgbClr val="D4D4D4"/>
+                </a:solidFill>
+                <a:effectLst/>
+                <a:latin typeface="Consolas" panose="020B0609020204030204" pitchFamily="49" charset="0"/>
+              </a:rPr>
+              <a:t>, </a:t>
+            </a:r>
+            <a:r>
+              <a:rPr lang="nn-NO" sz="1600" b="0" dirty="0">
+                <a:solidFill>
+                  <a:srgbClr val="569CD6"/>
+                </a:solidFill>
+                <a:effectLst/>
+                <a:latin typeface="Consolas" panose="020B0609020204030204" pitchFamily="49" charset="0"/>
+              </a:rPr>
+              <a:t>int</a:t>
+            </a:r>
+            <a:r>
+              <a:rPr lang="nn-NO" sz="1600" b="0" dirty="0">
+                <a:solidFill>
+                  <a:srgbClr val="D4D4D4"/>
+                </a:solidFill>
+                <a:effectLst/>
+                <a:latin typeface="Consolas" panose="020B0609020204030204" pitchFamily="49" charset="0"/>
+              </a:rPr>
+              <a:t> </a:t>
+            </a:r>
+            <a:r>
+              <a:rPr lang="nn-NO" sz="1600" b="0" dirty="0">
+                <a:solidFill>
+                  <a:srgbClr val="569CD6"/>
+                </a:solidFill>
+                <a:effectLst/>
+                <a:latin typeface="Consolas" panose="020B0609020204030204" pitchFamily="49" charset="0"/>
+              </a:rPr>
+              <a:t>*</a:t>
+            </a:r>
+            <a:r>
+              <a:rPr lang="nn-NO" sz="1600" b="0" dirty="0">
+                <a:solidFill>
+                  <a:srgbClr val="9CDCFE"/>
+                </a:solidFill>
+                <a:effectLst/>
+                <a:latin typeface="Consolas" panose="020B0609020204030204" pitchFamily="49" charset="0"/>
+              </a:rPr>
+              <a:t>retfd</a:t>
+            </a:r>
+            <a:r>
+              <a:rPr lang="nn-NO" sz="1600" b="0" dirty="0">
+                <a:solidFill>
+                  <a:srgbClr val="D4D4D4"/>
+                </a:solidFill>
+                <a:effectLst/>
+                <a:latin typeface="Consolas" panose="020B0609020204030204" pitchFamily="49" charset="0"/>
+              </a:rPr>
+              <a:t>)</a:t>
+            </a:r>
           </a:p>
         </p:txBody>
       </p:sp>
@@ -10442,35 +10582,85 @@
           </a:p>
           <a:p>
             <a:r>
-              <a:rPr lang="nn-NO" sz="1600" dirty="0">
+              <a:rPr lang="en-GB" sz="1600" b="0" dirty="0">
+                <a:solidFill>
+                  <a:srgbClr val="569CD6"/>
+                </a:solidFill>
+                <a:effectLst/>
+                <a:latin typeface="Consolas" panose="020B0609020204030204" pitchFamily="49" charset="0"/>
+              </a:rPr>
+              <a:t>int</a:t>
+            </a:r>
+            <a:r>
+              <a:rPr lang="en-GB" sz="1600" b="0" dirty="0">
+                <a:solidFill>
+                  <a:srgbClr val="D4D4D4"/>
+                </a:solidFill>
+                <a:effectLst/>
+                <a:latin typeface="Consolas" panose="020B0609020204030204" pitchFamily="49" charset="0"/>
+              </a:rPr>
+              <a:t> </a:t>
+            </a:r>
+            <a:r>
+              <a:rPr lang="en-GB" sz="1600" b="0" dirty="0" err="1">
                 <a:solidFill>
                   <a:srgbClr val="DCDCAA"/>
                 </a:solidFill>
-                <a:latin typeface="Consolas" panose="020B0609020204030204" pitchFamily="49" charset="0"/>
-                <a:ea typeface="+mn-ea"/>
-                <a:cs typeface="+mn-cs"/>
+                <a:effectLst/>
+                <a:latin typeface="Consolas" panose="020B0609020204030204" pitchFamily="49" charset="0"/>
               </a:rPr>
               <a:t>sys_close</a:t>
             </a:r>
             <a:r>
-              <a:rPr lang="nn-NO" sz="1600" dirty="0">
+              <a:rPr lang="en-GB" sz="1600" b="0" dirty="0">
+                <a:solidFill>
+                  <a:srgbClr val="D4D4D4"/>
+                </a:solidFill>
+                <a:effectLst/>
+                <a:latin typeface="Consolas" panose="020B0609020204030204" pitchFamily="49" charset="0"/>
+              </a:rPr>
+              <a:t>(</a:t>
+            </a:r>
+            <a:r>
+              <a:rPr lang="en-GB" sz="1600" b="0" dirty="0">
                 <a:solidFill>
                   <a:srgbClr val="569CD6"/>
                 </a:solidFill>
-                <a:latin typeface="Consolas" panose="020B0609020204030204" pitchFamily="49" charset="0"/>
-                <a:ea typeface="+mn-ea"/>
-                <a:cs typeface="+mn-cs"/>
-              </a:rPr>
-              <a:t>(int fd)</a:t>
-            </a:r>
-            <a:endParaRPr lang="it-IT" sz="1600" dirty="0">
-              <a:solidFill>
-                <a:srgbClr val="569CD6"/>
-              </a:solidFill>
-              <a:latin typeface="Consolas" panose="020B0609020204030204" pitchFamily="49" charset="0"/>
-              <a:ea typeface="+mn-ea"/>
-              <a:cs typeface="+mn-cs"/>
-            </a:endParaRPr>
+                <a:effectLst/>
+                <a:latin typeface="Consolas" panose="020B0609020204030204" pitchFamily="49" charset="0"/>
+              </a:rPr>
+              <a:t>int</a:t>
+            </a:r>
+            <a:r>
+              <a:rPr lang="en-GB" sz="1600" b="0" dirty="0">
+                <a:solidFill>
+                  <a:srgbClr val="D4D4D4"/>
+                </a:solidFill>
+                <a:effectLst/>
+                <a:latin typeface="Consolas" panose="020B0609020204030204" pitchFamily="49" charset="0"/>
+              </a:rPr>
+              <a:t> </a:t>
+            </a:r>
+            <a:r>
+              <a:rPr lang="en-GB" sz="1600" b="0" dirty="0" err="1">
+                <a:solidFill>
+                  <a:srgbClr val="9CDCFE"/>
+                </a:solidFill>
+                <a:effectLst/>
+                <a:latin typeface="Consolas" panose="020B0609020204030204" pitchFamily="49" charset="0"/>
+              </a:rPr>
+              <a:t>fd</a:t>
+            </a:r>
+            <a:r>
+              <a:rPr lang="en-GB" sz="1600" b="0" dirty="0">
+                <a:solidFill>
+                  <a:srgbClr val="D4D4D4"/>
+                </a:solidFill>
+                <a:effectLst/>
+                <a:latin typeface="Consolas" panose="020B0609020204030204" pitchFamily="49" charset="0"/>
+              </a:rPr>
+              <a:t>)</a:t>
+            </a:r>
           </a:p>
         </p:txBody>
       </p:sp>
@@ -11005,145 +11195,205 @@
           </a:lstStyle>
           <a:p>
             <a:r>
-              <a:rPr lang="en-US" sz="1600" dirty="0" err="1">
+              <a:rPr lang="en-GB" sz="1600" b="0" dirty="0">
+                <a:solidFill>
+                  <a:srgbClr val="569CD6"/>
+                </a:solidFill>
+                <a:effectLst/>
+                <a:latin typeface="Consolas" panose="020B0609020204030204" pitchFamily="49" charset="0"/>
+              </a:rPr>
+              <a:t>int</a:t>
+            </a:r>
+            <a:r>
+              <a:rPr lang="en-GB" sz="1600" b="0" dirty="0">
+                <a:solidFill>
+                  <a:srgbClr val="D4D4D4"/>
+                </a:solidFill>
+                <a:effectLst/>
+                <a:latin typeface="Consolas" panose="020B0609020204030204" pitchFamily="49" charset="0"/>
+              </a:rPr>
+              <a:t> </a:t>
+            </a:r>
+            <a:r>
+              <a:rPr lang="en-GB" sz="1600" b="0" dirty="0" err="1">
                 <a:solidFill>
                   <a:srgbClr val="DCDCAA"/>
                 </a:solidFill>
-                <a:latin typeface="Consolas" panose="020B0609020204030204" pitchFamily="49" charset="0"/>
-                <a:ea typeface="+mn-ea"/>
-                <a:cs typeface="+mn-cs"/>
+                <a:effectLst/>
+                <a:latin typeface="Consolas" panose="020B0609020204030204" pitchFamily="49" charset="0"/>
               </a:rPr>
               <a:t>sys_write</a:t>
             </a:r>
             <a:r>
-              <a:rPr lang="en-US" sz="1600" dirty="0">
+              <a:rPr lang="en-GB" sz="1600" b="0" dirty="0">
+                <a:solidFill>
+                  <a:srgbClr val="D4D4D4"/>
+                </a:solidFill>
+                <a:effectLst/>
+                <a:latin typeface="Consolas" panose="020B0609020204030204" pitchFamily="49" charset="0"/>
+              </a:rPr>
+              <a:t>(</a:t>
+            </a:r>
+            <a:r>
+              <a:rPr lang="en-GB" sz="1600" b="0" dirty="0">
                 <a:solidFill>
                   <a:srgbClr val="569CD6"/>
                 </a:solidFill>
-                <a:latin typeface="Consolas" panose="020B0609020204030204" pitchFamily="49" charset="0"/>
-                <a:ea typeface="+mn-ea"/>
-                <a:cs typeface="+mn-cs"/>
-              </a:rPr>
-              <a:t>(int </a:t>
-            </a:r>
-            <a:r>
-              <a:rPr lang="en-US" sz="1600" dirty="0" err="1">
+                <a:effectLst/>
+                <a:latin typeface="Consolas" panose="020B0609020204030204" pitchFamily="49" charset="0"/>
+              </a:rPr>
+              <a:t>int</a:t>
+            </a:r>
+            <a:r>
+              <a:rPr lang="en-GB" sz="1600" b="0" dirty="0">
+                <a:solidFill>
+                  <a:srgbClr val="D4D4D4"/>
+                </a:solidFill>
+                <a:effectLst/>
+                <a:latin typeface="Consolas" panose="020B0609020204030204" pitchFamily="49" charset="0"/>
+              </a:rPr>
+              <a:t> </a:t>
+            </a:r>
+            <a:r>
+              <a:rPr lang="en-GB" sz="1600" b="0" dirty="0" err="1">
+                <a:solidFill>
+                  <a:srgbClr val="9CDCFE"/>
+                </a:solidFill>
+                <a:effectLst/>
+                <a:latin typeface="Consolas" panose="020B0609020204030204" pitchFamily="49" charset="0"/>
+              </a:rPr>
+              <a:t>fd</a:t>
+            </a:r>
+            <a:r>
+              <a:rPr lang="en-GB" sz="1600" b="0" dirty="0">
+                <a:solidFill>
+                  <a:srgbClr val="D4D4D4"/>
+                </a:solidFill>
+                <a:effectLst/>
+                <a:latin typeface="Consolas" panose="020B0609020204030204" pitchFamily="49" charset="0"/>
+              </a:rPr>
+              <a:t>, </a:t>
+            </a:r>
+            <a:r>
+              <a:rPr lang="en-GB" sz="1600" b="0" dirty="0" err="1">
+                <a:solidFill>
+                  <a:srgbClr val="4EC9B0"/>
+                </a:solidFill>
+                <a:effectLst/>
+                <a:latin typeface="Consolas" panose="020B0609020204030204" pitchFamily="49" charset="0"/>
+              </a:rPr>
+              <a:t>userptr_t</a:t>
+            </a:r>
+            <a:r>
+              <a:rPr lang="en-GB" sz="1600" b="0" dirty="0">
+                <a:solidFill>
+                  <a:srgbClr val="D4D4D4"/>
+                </a:solidFill>
+                <a:effectLst/>
+                <a:latin typeface="Consolas" panose="020B0609020204030204" pitchFamily="49" charset="0"/>
+              </a:rPr>
+              <a:t> </a:t>
+            </a:r>
+            <a:r>
+              <a:rPr lang="en-GB" sz="1600" b="0" dirty="0">
+                <a:solidFill>
+                  <a:srgbClr val="9CDCFE"/>
+                </a:solidFill>
+                <a:effectLst/>
+                <a:latin typeface="Consolas" panose="020B0609020204030204" pitchFamily="49" charset="0"/>
+              </a:rPr>
+              <a:t>buff</a:t>
+            </a:r>
+            <a:r>
+              <a:rPr lang="en-GB" sz="1600" b="0" dirty="0">
+                <a:solidFill>
+                  <a:srgbClr val="D4D4D4"/>
+                </a:solidFill>
+                <a:effectLst/>
+                <a:latin typeface="Consolas" panose="020B0609020204030204" pitchFamily="49" charset="0"/>
+              </a:rPr>
+              <a:t>, </a:t>
+            </a:r>
+            <a:r>
+              <a:rPr lang="en-GB" sz="1600" b="0" dirty="0" err="1">
+                <a:solidFill>
+                  <a:srgbClr val="4EC9B0"/>
+                </a:solidFill>
+                <a:effectLst/>
+                <a:latin typeface="Consolas" panose="020B0609020204030204" pitchFamily="49" charset="0"/>
+              </a:rPr>
+              <a:t>size_t</a:t>
+            </a:r>
+            <a:r>
+              <a:rPr lang="en-GB" sz="1600" b="0" dirty="0">
+                <a:solidFill>
+                  <a:srgbClr val="D4D4D4"/>
+                </a:solidFill>
+                <a:effectLst/>
+                <a:latin typeface="Consolas" panose="020B0609020204030204" pitchFamily="49" charset="0"/>
+              </a:rPr>
+              <a:t> </a:t>
+            </a:r>
+            <a:r>
+              <a:rPr lang="en-GB" sz="1600" b="0" dirty="0" err="1">
+                <a:solidFill>
+                  <a:srgbClr val="9CDCFE"/>
+                </a:solidFill>
+                <a:effectLst/>
+                <a:latin typeface="Consolas" panose="020B0609020204030204" pitchFamily="49" charset="0"/>
+              </a:rPr>
+              <a:t>buff_len</a:t>
+            </a:r>
+            <a:r>
+              <a:rPr lang="en-GB" sz="1600" b="0" dirty="0">
+                <a:solidFill>
+                  <a:srgbClr val="D4D4D4"/>
+                </a:solidFill>
+                <a:effectLst/>
+                <a:latin typeface="Consolas" panose="020B0609020204030204" pitchFamily="49" charset="0"/>
+              </a:rPr>
+              <a:t>, </a:t>
+            </a:r>
+            <a:r>
+              <a:rPr lang="en-GB" sz="1600" b="0" dirty="0">
                 <a:solidFill>
                   <a:srgbClr val="569CD6"/>
                 </a:solidFill>
-                <a:latin typeface="Consolas" panose="020B0609020204030204" pitchFamily="49" charset="0"/>
-                <a:ea typeface="+mn-ea"/>
-                <a:cs typeface="+mn-cs"/>
-              </a:rPr>
-              <a:t>fd</a:t>
-            </a:r>
-            <a:r>
-              <a:rPr lang="en-US" sz="1600" dirty="0">
-                <a:solidFill>
-                  <a:srgbClr val="569CD6"/>
-                </a:solidFill>
-                <a:latin typeface="Consolas" panose="020B0609020204030204" pitchFamily="49" charset="0"/>
-                <a:ea typeface="+mn-ea"/>
-                <a:cs typeface="+mn-cs"/>
-              </a:rPr>
-              <a:t>, </a:t>
-            </a:r>
-            <a:r>
-              <a:rPr lang="en-US" sz="1600" dirty="0" err="1">
-                <a:solidFill>
-                  <a:srgbClr val="569CD6"/>
-                </a:solidFill>
-                <a:latin typeface="Consolas" panose="020B0609020204030204" pitchFamily="49" charset="0"/>
-                <a:ea typeface="+mn-ea"/>
-                <a:cs typeface="+mn-cs"/>
-              </a:rPr>
-              <a:t>userptr_t</a:t>
-            </a:r>
-            <a:r>
-              <a:rPr lang="en-US" sz="1600" dirty="0">
-                <a:solidFill>
-                  <a:srgbClr val="569CD6"/>
-                </a:solidFill>
-                <a:latin typeface="Consolas" panose="020B0609020204030204" pitchFamily="49" charset="0"/>
-                <a:ea typeface="+mn-ea"/>
-                <a:cs typeface="+mn-cs"/>
-              </a:rPr>
-              <a:t> buff, </a:t>
-            </a:r>
-            <a:r>
-              <a:rPr lang="en-US" sz="1600" dirty="0" err="1">
-                <a:solidFill>
-                  <a:srgbClr val="569CD6"/>
-                </a:solidFill>
-                <a:latin typeface="Consolas" panose="020B0609020204030204" pitchFamily="49" charset="0"/>
-                <a:ea typeface="+mn-ea"/>
-                <a:cs typeface="+mn-cs"/>
-              </a:rPr>
-              <a:t>size_t</a:t>
-            </a:r>
-            <a:r>
-              <a:rPr lang="en-US" sz="1600" dirty="0">
-                <a:solidFill>
-                  <a:srgbClr val="569CD6"/>
-                </a:solidFill>
-                <a:latin typeface="Consolas" panose="020B0609020204030204" pitchFamily="49" charset="0"/>
-                <a:ea typeface="+mn-ea"/>
-                <a:cs typeface="+mn-cs"/>
-              </a:rPr>
-              <a:t> </a:t>
-            </a:r>
-            <a:r>
-              <a:rPr lang="en-US" sz="1600" dirty="0" err="1">
-                <a:solidFill>
-                  <a:srgbClr val="569CD6"/>
-                </a:solidFill>
-                <a:latin typeface="Consolas" panose="020B0609020204030204" pitchFamily="49" charset="0"/>
-                <a:ea typeface="+mn-ea"/>
-                <a:cs typeface="+mn-cs"/>
-              </a:rPr>
-              <a:t>buff_len</a:t>
-            </a:r>
-            <a:r>
-              <a:rPr lang="en-US" sz="1600" dirty="0">
-                <a:solidFill>
-                  <a:srgbClr val="569CD6"/>
-                </a:solidFill>
-                <a:latin typeface="Consolas" panose="020B0609020204030204" pitchFamily="49" charset="0"/>
-                <a:ea typeface="+mn-ea"/>
-                <a:cs typeface="+mn-cs"/>
-              </a:rPr>
-              <a:t>, int *</a:t>
-            </a:r>
-            <a:r>
-              <a:rPr lang="en-US" sz="1600" dirty="0" err="1">
-                <a:solidFill>
-                  <a:srgbClr val="569CD6"/>
-                </a:solidFill>
-                <a:latin typeface="Consolas" panose="020B0609020204030204" pitchFamily="49" charset="0"/>
-                <a:ea typeface="+mn-ea"/>
-                <a:cs typeface="+mn-cs"/>
+                <a:effectLst/>
+                <a:latin typeface="Consolas" panose="020B0609020204030204" pitchFamily="49" charset="0"/>
+              </a:rPr>
+              <a:t>int</a:t>
+            </a:r>
+            <a:r>
+              <a:rPr lang="en-GB" sz="1600" b="0" dirty="0">
+                <a:solidFill>
+                  <a:srgbClr val="D4D4D4"/>
+                </a:solidFill>
+                <a:effectLst/>
+                <a:latin typeface="Consolas" panose="020B0609020204030204" pitchFamily="49" charset="0"/>
+              </a:rPr>
+              <a:t> *</a:t>
+            </a:r>
+            <a:r>
+              <a:rPr lang="en-GB" sz="1600" b="0" dirty="0" err="1">
+                <a:solidFill>
+                  <a:srgbClr val="9CDCFE"/>
+                </a:solidFill>
+                <a:effectLst/>
+                <a:latin typeface="Consolas" panose="020B0609020204030204" pitchFamily="49" charset="0"/>
               </a:rPr>
               <a:t>retval</a:t>
             </a:r>
             <a:r>
-              <a:rPr lang="en-US" sz="1600" dirty="0">
-                <a:solidFill>
-                  <a:srgbClr val="569CD6"/>
-                </a:solidFill>
-                <a:latin typeface="Consolas" panose="020B0609020204030204" pitchFamily="49" charset="0"/>
-                <a:ea typeface="+mn-ea"/>
-                <a:cs typeface="+mn-cs"/>
+              <a:rPr lang="en-GB" sz="1600" b="0" dirty="0">
+                <a:solidFill>
+                  <a:srgbClr val="D4D4D4"/>
+                </a:solidFill>
+                <a:effectLst/>
+                <a:latin typeface="Consolas" panose="020B0609020204030204" pitchFamily="49" charset="0"/>
               </a:rPr>
               <a:t>)</a:t>
             </a:r>
-            <a:endParaRPr lang="it-IT" sz="1600" dirty="0">
-              <a:solidFill>
-                <a:srgbClr val="569CD6"/>
-              </a:solidFill>
-              <a:latin typeface="Consolas" panose="020B0609020204030204" pitchFamily="49" charset="0"/>
-              <a:ea typeface="+mn-ea"/>
-              <a:cs typeface="+mn-cs"/>
-            </a:endParaRPr>
           </a:p>
         </p:txBody>
       </p:sp>
@@ -12046,145 +12296,205 @@
           </a:lstStyle>
           <a:p>
             <a:r>
-              <a:rPr lang="en-US" sz="1600" dirty="0" err="1">
+              <a:rPr lang="en-GB" sz="1600" b="0" dirty="0">
+                <a:solidFill>
+                  <a:srgbClr val="569CD6"/>
+                </a:solidFill>
+                <a:effectLst/>
+                <a:latin typeface="Consolas" panose="020B0609020204030204" pitchFamily="49" charset="0"/>
+              </a:rPr>
+              <a:t>int</a:t>
+            </a:r>
+            <a:r>
+              <a:rPr lang="en-GB" sz="1600" b="0" dirty="0">
+                <a:solidFill>
+                  <a:srgbClr val="D4D4D4"/>
+                </a:solidFill>
+                <a:effectLst/>
+                <a:latin typeface="Consolas" panose="020B0609020204030204" pitchFamily="49" charset="0"/>
+              </a:rPr>
+              <a:t> </a:t>
+            </a:r>
+            <a:r>
+              <a:rPr lang="en-GB" sz="1600" b="0" dirty="0" err="1">
                 <a:solidFill>
                   <a:srgbClr val="DCDCAA"/>
                 </a:solidFill>
-                <a:latin typeface="Consolas" panose="020B0609020204030204" pitchFamily="49" charset="0"/>
-                <a:ea typeface="+mn-ea"/>
-                <a:cs typeface="+mn-cs"/>
+                <a:effectLst/>
+                <a:latin typeface="Consolas" panose="020B0609020204030204" pitchFamily="49" charset="0"/>
               </a:rPr>
               <a:t>sys_read</a:t>
             </a:r>
             <a:r>
-              <a:rPr lang="en-US" sz="1600" dirty="0">
+              <a:rPr lang="en-GB" sz="1600" b="0" dirty="0">
+                <a:solidFill>
+                  <a:srgbClr val="D4D4D4"/>
+                </a:solidFill>
+                <a:effectLst/>
+                <a:latin typeface="Consolas" panose="020B0609020204030204" pitchFamily="49" charset="0"/>
+              </a:rPr>
+              <a:t>(</a:t>
+            </a:r>
+            <a:r>
+              <a:rPr lang="en-GB" sz="1600" b="0" dirty="0">
                 <a:solidFill>
                   <a:srgbClr val="569CD6"/>
                 </a:solidFill>
-                <a:latin typeface="Consolas" panose="020B0609020204030204" pitchFamily="49" charset="0"/>
-                <a:ea typeface="+mn-ea"/>
-                <a:cs typeface="+mn-cs"/>
-              </a:rPr>
-              <a:t>(int </a:t>
-            </a:r>
-            <a:r>
-              <a:rPr lang="en-US" sz="1600" dirty="0" err="1">
+                <a:effectLst/>
+                <a:latin typeface="Consolas" panose="020B0609020204030204" pitchFamily="49" charset="0"/>
+              </a:rPr>
+              <a:t>int</a:t>
+            </a:r>
+            <a:r>
+              <a:rPr lang="en-GB" sz="1600" b="0" dirty="0">
+                <a:solidFill>
+                  <a:srgbClr val="D4D4D4"/>
+                </a:solidFill>
+                <a:effectLst/>
+                <a:latin typeface="Consolas" panose="020B0609020204030204" pitchFamily="49" charset="0"/>
+              </a:rPr>
+              <a:t> </a:t>
+            </a:r>
+            <a:r>
+              <a:rPr lang="en-GB" sz="1600" b="0" dirty="0" err="1">
+                <a:solidFill>
+                  <a:srgbClr val="9CDCFE"/>
+                </a:solidFill>
+                <a:effectLst/>
+                <a:latin typeface="Consolas" panose="020B0609020204030204" pitchFamily="49" charset="0"/>
+              </a:rPr>
+              <a:t>fd</a:t>
+            </a:r>
+            <a:r>
+              <a:rPr lang="en-GB" sz="1600" b="0" dirty="0">
+                <a:solidFill>
+                  <a:srgbClr val="D4D4D4"/>
+                </a:solidFill>
+                <a:effectLst/>
+                <a:latin typeface="Consolas" panose="020B0609020204030204" pitchFamily="49" charset="0"/>
+              </a:rPr>
+              <a:t>, </a:t>
+            </a:r>
+            <a:r>
+              <a:rPr lang="en-GB" sz="1600" b="0" dirty="0" err="1">
+                <a:solidFill>
+                  <a:srgbClr val="4EC9B0"/>
+                </a:solidFill>
+                <a:effectLst/>
+                <a:latin typeface="Consolas" panose="020B0609020204030204" pitchFamily="49" charset="0"/>
+              </a:rPr>
+              <a:t>userptr_t</a:t>
+            </a:r>
+            <a:r>
+              <a:rPr lang="en-GB" sz="1600" b="0" dirty="0">
+                <a:solidFill>
+                  <a:srgbClr val="D4D4D4"/>
+                </a:solidFill>
+                <a:effectLst/>
+                <a:latin typeface="Consolas" panose="020B0609020204030204" pitchFamily="49" charset="0"/>
+              </a:rPr>
+              <a:t> </a:t>
+            </a:r>
+            <a:r>
+              <a:rPr lang="en-GB" sz="1600" b="0" dirty="0">
+                <a:solidFill>
+                  <a:srgbClr val="9CDCFE"/>
+                </a:solidFill>
+                <a:effectLst/>
+                <a:latin typeface="Consolas" panose="020B0609020204030204" pitchFamily="49" charset="0"/>
+              </a:rPr>
+              <a:t>buff</a:t>
+            </a:r>
+            <a:r>
+              <a:rPr lang="en-GB" sz="1600" b="0" dirty="0">
+                <a:solidFill>
+                  <a:srgbClr val="D4D4D4"/>
+                </a:solidFill>
+                <a:effectLst/>
+                <a:latin typeface="Consolas" panose="020B0609020204030204" pitchFamily="49" charset="0"/>
+              </a:rPr>
+              <a:t>, </a:t>
+            </a:r>
+            <a:r>
+              <a:rPr lang="en-GB" sz="1600" b="0" dirty="0" err="1">
+                <a:solidFill>
+                  <a:srgbClr val="4EC9B0"/>
+                </a:solidFill>
+                <a:effectLst/>
+                <a:latin typeface="Consolas" panose="020B0609020204030204" pitchFamily="49" charset="0"/>
+              </a:rPr>
+              <a:t>size_t</a:t>
+            </a:r>
+            <a:r>
+              <a:rPr lang="en-GB" sz="1600" b="0" dirty="0">
+                <a:solidFill>
+                  <a:srgbClr val="D4D4D4"/>
+                </a:solidFill>
+                <a:effectLst/>
+                <a:latin typeface="Consolas" panose="020B0609020204030204" pitchFamily="49" charset="0"/>
+              </a:rPr>
+              <a:t> </a:t>
+            </a:r>
+            <a:r>
+              <a:rPr lang="en-GB" sz="1600" b="0" dirty="0" err="1">
+                <a:solidFill>
+                  <a:srgbClr val="9CDCFE"/>
+                </a:solidFill>
+                <a:effectLst/>
+                <a:latin typeface="Consolas" panose="020B0609020204030204" pitchFamily="49" charset="0"/>
+              </a:rPr>
+              <a:t>buff_len</a:t>
+            </a:r>
+            <a:r>
+              <a:rPr lang="en-GB" sz="1600" b="0" dirty="0">
+                <a:solidFill>
+                  <a:srgbClr val="D4D4D4"/>
+                </a:solidFill>
+                <a:effectLst/>
+                <a:latin typeface="Consolas" panose="020B0609020204030204" pitchFamily="49" charset="0"/>
+              </a:rPr>
+              <a:t>, </a:t>
+            </a:r>
+            <a:r>
+              <a:rPr lang="en-GB" sz="1600" b="0" dirty="0">
                 <a:solidFill>
                   <a:srgbClr val="569CD6"/>
                 </a:solidFill>
-                <a:latin typeface="Consolas" panose="020B0609020204030204" pitchFamily="49" charset="0"/>
-                <a:ea typeface="+mn-ea"/>
-                <a:cs typeface="+mn-cs"/>
-              </a:rPr>
-              <a:t>fd</a:t>
-            </a:r>
-            <a:r>
-              <a:rPr lang="en-US" sz="1600" dirty="0">
-                <a:solidFill>
-                  <a:srgbClr val="569CD6"/>
-                </a:solidFill>
-                <a:latin typeface="Consolas" panose="020B0609020204030204" pitchFamily="49" charset="0"/>
-                <a:ea typeface="+mn-ea"/>
-                <a:cs typeface="+mn-cs"/>
-              </a:rPr>
-              <a:t>, </a:t>
-            </a:r>
-            <a:r>
-              <a:rPr lang="en-US" sz="1600" dirty="0" err="1">
-                <a:solidFill>
-                  <a:srgbClr val="569CD6"/>
-                </a:solidFill>
-                <a:latin typeface="Consolas" panose="020B0609020204030204" pitchFamily="49" charset="0"/>
-                <a:ea typeface="+mn-ea"/>
-                <a:cs typeface="+mn-cs"/>
-              </a:rPr>
-              <a:t>userptr_t</a:t>
-            </a:r>
-            <a:r>
-              <a:rPr lang="en-US" sz="1600" dirty="0">
-                <a:solidFill>
-                  <a:srgbClr val="569CD6"/>
-                </a:solidFill>
-                <a:latin typeface="Consolas" panose="020B0609020204030204" pitchFamily="49" charset="0"/>
-                <a:ea typeface="+mn-ea"/>
-                <a:cs typeface="+mn-cs"/>
-              </a:rPr>
-              <a:t> buff, </a:t>
-            </a:r>
-            <a:r>
-              <a:rPr lang="en-US" sz="1600" dirty="0" err="1">
-                <a:solidFill>
-                  <a:srgbClr val="569CD6"/>
-                </a:solidFill>
-                <a:latin typeface="Consolas" panose="020B0609020204030204" pitchFamily="49" charset="0"/>
-                <a:ea typeface="+mn-ea"/>
-                <a:cs typeface="+mn-cs"/>
-              </a:rPr>
-              <a:t>size_t</a:t>
-            </a:r>
-            <a:r>
-              <a:rPr lang="en-US" sz="1600" dirty="0">
-                <a:solidFill>
-                  <a:srgbClr val="569CD6"/>
-                </a:solidFill>
-                <a:latin typeface="Consolas" panose="020B0609020204030204" pitchFamily="49" charset="0"/>
-                <a:ea typeface="+mn-ea"/>
-                <a:cs typeface="+mn-cs"/>
-              </a:rPr>
-              <a:t> </a:t>
-            </a:r>
-            <a:r>
-              <a:rPr lang="en-US" sz="1600" dirty="0" err="1">
-                <a:solidFill>
-                  <a:srgbClr val="569CD6"/>
-                </a:solidFill>
-                <a:latin typeface="Consolas" panose="020B0609020204030204" pitchFamily="49" charset="0"/>
-                <a:ea typeface="+mn-ea"/>
-                <a:cs typeface="+mn-cs"/>
-              </a:rPr>
-              <a:t>buff_len</a:t>
-            </a:r>
-            <a:r>
-              <a:rPr lang="en-US" sz="1600" dirty="0">
-                <a:solidFill>
-                  <a:srgbClr val="569CD6"/>
-                </a:solidFill>
-                <a:latin typeface="Consolas" panose="020B0609020204030204" pitchFamily="49" charset="0"/>
-                <a:ea typeface="+mn-ea"/>
-                <a:cs typeface="+mn-cs"/>
-              </a:rPr>
-              <a:t>, int *</a:t>
-            </a:r>
-            <a:r>
-              <a:rPr lang="en-US" sz="1600" dirty="0" err="1">
-                <a:solidFill>
-                  <a:srgbClr val="569CD6"/>
-                </a:solidFill>
-                <a:latin typeface="Consolas" panose="020B0609020204030204" pitchFamily="49" charset="0"/>
-                <a:ea typeface="+mn-ea"/>
-                <a:cs typeface="+mn-cs"/>
+                <a:effectLst/>
+                <a:latin typeface="Consolas" panose="020B0609020204030204" pitchFamily="49" charset="0"/>
+              </a:rPr>
+              <a:t>int</a:t>
+            </a:r>
+            <a:r>
+              <a:rPr lang="en-GB" sz="1600" b="0" dirty="0">
+                <a:solidFill>
+                  <a:srgbClr val="D4D4D4"/>
+                </a:solidFill>
+                <a:effectLst/>
+                <a:latin typeface="Consolas" panose="020B0609020204030204" pitchFamily="49" charset="0"/>
+              </a:rPr>
+              <a:t> *</a:t>
+            </a:r>
+            <a:r>
+              <a:rPr lang="en-GB" sz="1600" b="0" dirty="0" err="1">
+                <a:solidFill>
+                  <a:srgbClr val="9CDCFE"/>
+                </a:solidFill>
+                <a:effectLst/>
+                <a:latin typeface="Consolas" panose="020B0609020204030204" pitchFamily="49" charset="0"/>
               </a:rPr>
               <a:t>retval</a:t>
             </a:r>
             <a:r>
-              <a:rPr lang="en-US" sz="1600" dirty="0">
-                <a:solidFill>
-                  <a:srgbClr val="569CD6"/>
-                </a:solidFill>
-                <a:latin typeface="Consolas" panose="020B0609020204030204" pitchFamily="49" charset="0"/>
-                <a:ea typeface="+mn-ea"/>
-                <a:cs typeface="+mn-cs"/>
+              <a:rPr lang="en-GB" sz="1600" b="0" dirty="0">
+                <a:solidFill>
+                  <a:srgbClr val="D4D4D4"/>
+                </a:solidFill>
+                <a:effectLst/>
+                <a:latin typeface="Consolas" panose="020B0609020204030204" pitchFamily="49" charset="0"/>
               </a:rPr>
               <a:t>)</a:t>
             </a:r>
-            <a:endParaRPr lang="it-IT" sz="1600" dirty="0">
-              <a:solidFill>
-                <a:srgbClr val="569CD6"/>
-              </a:solidFill>
-              <a:latin typeface="Consolas" panose="020B0609020204030204" pitchFamily="49" charset="0"/>
-              <a:ea typeface="+mn-ea"/>
-              <a:cs typeface="+mn-cs"/>
-            </a:endParaRPr>
           </a:p>
         </p:txBody>
       </p:sp>
@@ -12336,123 +12646,205 @@
           </a:lstStyle>
           <a:p>
             <a:r>
-              <a:rPr lang="en-US" sz="1600" dirty="0" err="1">
+              <a:rPr lang="en-GB" sz="1600" b="0" dirty="0">
+                <a:solidFill>
+                  <a:srgbClr val="569CD6"/>
+                </a:solidFill>
+                <a:effectLst/>
+                <a:latin typeface="Consolas" panose="020B0609020204030204" pitchFamily="49" charset="0"/>
+              </a:rPr>
+              <a:t>int</a:t>
+            </a:r>
+            <a:r>
+              <a:rPr lang="en-GB" sz="1600" b="0" dirty="0">
+                <a:solidFill>
+                  <a:srgbClr val="D4D4D4"/>
+                </a:solidFill>
+                <a:effectLst/>
+                <a:latin typeface="Consolas" panose="020B0609020204030204" pitchFamily="49" charset="0"/>
+              </a:rPr>
+              <a:t> </a:t>
+            </a:r>
+            <a:r>
+              <a:rPr lang="en-GB" sz="1600" b="0" dirty="0" err="1">
                 <a:solidFill>
                   <a:srgbClr val="DCDCAA"/>
                 </a:solidFill>
-                <a:latin typeface="Consolas" panose="020B0609020204030204" pitchFamily="49" charset="0"/>
-                <a:ea typeface="+mn-ea"/>
-                <a:cs typeface="+mn-cs"/>
+                <a:effectLst/>
+                <a:latin typeface="Consolas" panose="020B0609020204030204" pitchFamily="49" charset="0"/>
               </a:rPr>
               <a:t>sys_lseek</a:t>
             </a:r>
             <a:r>
-              <a:rPr lang="en-US" sz="1600" dirty="0">
+              <a:rPr lang="en-GB" sz="1600" b="0" dirty="0">
+                <a:solidFill>
+                  <a:srgbClr val="D4D4D4"/>
+                </a:solidFill>
+                <a:effectLst/>
+                <a:latin typeface="Consolas" panose="020B0609020204030204" pitchFamily="49" charset="0"/>
+              </a:rPr>
+              <a:t>(</a:t>
+            </a:r>
+            <a:r>
+              <a:rPr lang="en-GB" sz="1600" b="0" dirty="0">
                 <a:solidFill>
                   <a:srgbClr val="569CD6"/>
                 </a:solidFill>
-                <a:latin typeface="Consolas" panose="020B0609020204030204" pitchFamily="49" charset="0"/>
-                <a:ea typeface="+mn-ea"/>
-                <a:cs typeface="+mn-cs"/>
-              </a:rPr>
-              <a:t>(int </a:t>
-            </a:r>
-            <a:r>
-              <a:rPr lang="en-US" sz="1600" dirty="0" err="1">
+                <a:effectLst/>
+                <a:latin typeface="Consolas" panose="020B0609020204030204" pitchFamily="49" charset="0"/>
+              </a:rPr>
+              <a:t>int</a:t>
+            </a:r>
+            <a:r>
+              <a:rPr lang="en-GB" sz="1600" b="0" dirty="0">
+                <a:solidFill>
+                  <a:srgbClr val="D4D4D4"/>
+                </a:solidFill>
+                <a:effectLst/>
+                <a:latin typeface="Consolas" panose="020B0609020204030204" pitchFamily="49" charset="0"/>
+              </a:rPr>
+              <a:t> </a:t>
+            </a:r>
+            <a:r>
+              <a:rPr lang="en-GB" sz="1600" b="0" dirty="0" err="1">
+                <a:solidFill>
+                  <a:srgbClr val="9CDCFE"/>
+                </a:solidFill>
+                <a:effectLst/>
+                <a:latin typeface="Consolas" panose="020B0609020204030204" pitchFamily="49" charset="0"/>
+              </a:rPr>
+              <a:t>fd</a:t>
+            </a:r>
+            <a:r>
+              <a:rPr lang="en-GB" sz="1600" b="0" dirty="0">
+                <a:solidFill>
+                  <a:srgbClr val="D4D4D4"/>
+                </a:solidFill>
+                <a:effectLst/>
+                <a:latin typeface="Consolas" panose="020B0609020204030204" pitchFamily="49" charset="0"/>
+              </a:rPr>
+              <a:t>, </a:t>
+            </a:r>
+            <a:r>
+              <a:rPr lang="en-GB" sz="1600" b="0" dirty="0" err="1">
                 <a:solidFill>
                   <a:srgbClr val="569CD6"/>
                 </a:solidFill>
-                <a:latin typeface="Consolas" panose="020B0609020204030204" pitchFamily="49" charset="0"/>
-                <a:ea typeface="+mn-ea"/>
-                <a:cs typeface="+mn-cs"/>
-              </a:rPr>
-              <a:t>fd</a:t>
-            </a:r>
-            <a:r>
-              <a:rPr lang="en-US" sz="1600" dirty="0">
+                <a:effectLst/>
+                <a:latin typeface="Consolas" panose="020B0609020204030204" pitchFamily="49" charset="0"/>
+              </a:rPr>
+              <a:t>off_t</a:t>
+            </a:r>
+            <a:r>
+              <a:rPr lang="en-GB" sz="1600" b="0" dirty="0">
+                <a:solidFill>
+                  <a:srgbClr val="D4D4D4"/>
+                </a:solidFill>
+                <a:effectLst/>
+                <a:latin typeface="Consolas" panose="020B0609020204030204" pitchFamily="49" charset="0"/>
+              </a:rPr>
+              <a:t> </a:t>
+            </a:r>
+            <a:r>
+              <a:rPr lang="en-GB" sz="1600" b="0" dirty="0" err="1">
+                <a:solidFill>
+                  <a:srgbClr val="9CDCFE"/>
+                </a:solidFill>
+                <a:effectLst/>
+                <a:latin typeface="Consolas" panose="020B0609020204030204" pitchFamily="49" charset="0"/>
+              </a:rPr>
+              <a:t>pos</a:t>
+            </a:r>
+            <a:r>
+              <a:rPr lang="en-GB" sz="1600" b="0" dirty="0">
+                <a:solidFill>
+                  <a:srgbClr val="D4D4D4"/>
+                </a:solidFill>
+                <a:effectLst/>
+                <a:latin typeface="Consolas" panose="020B0609020204030204" pitchFamily="49" charset="0"/>
+              </a:rPr>
+              <a:t>, </a:t>
+            </a:r>
+            <a:r>
+              <a:rPr lang="en-GB" sz="1600" b="0" dirty="0">
                 <a:solidFill>
                   <a:srgbClr val="569CD6"/>
                 </a:solidFill>
-                <a:latin typeface="Consolas" panose="020B0609020204030204" pitchFamily="49" charset="0"/>
-                <a:ea typeface="+mn-ea"/>
-                <a:cs typeface="+mn-cs"/>
+                <a:effectLst/>
+                <a:latin typeface="Consolas" panose="020B0609020204030204" pitchFamily="49" charset="0"/>
+              </a:rPr>
+              <a:t>int</a:t>
+            </a:r>
+            <a:r>
+              <a:rPr lang="en-GB" sz="1600" b="0" dirty="0">
+                <a:solidFill>
+                  <a:srgbClr val="D4D4D4"/>
+                </a:solidFill>
+                <a:effectLst/>
+                <a:latin typeface="Consolas" panose="020B0609020204030204" pitchFamily="49" charset="0"/>
+              </a:rPr>
+              <a:t> </a:t>
+            </a:r>
+            <a:r>
+              <a:rPr lang="en-GB" sz="1600" b="0" dirty="0">
+                <a:solidFill>
+                  <a:srgbClr val="9CDCFE"/>
+                </a:solidFill>
+                <a:effectLst/>
+                <a:latin typeface="Consolas" panose="020B0609020204030204" pitchFamily="49" charset="0"/>
+              </a:rPr>
+              <a:t>whence</a:t>
+            </a:r>
+            <a:r>
+              <a:rPr lang="en-GB" sz="1600" b="0" dirty="0">
+                <a:solidFill>
+                  <a:srgbClr val="D4D4D4"/>
+                </a:solidFill>
+                <a:effectLst/>
+                <a:latin typeface="Consolas" panose="020B0609020204030204" pitchFamily="49" charset="0"/>
               </a:rPr>
               <a:t>, </a:t>
             </a:r>
             <a:r>
-              <a:rPr lang="en-US" sz="1600" dirty="0" err="1">
+              <a:rPr lang="en-GB" sz="1600" b="0" dirty="0" err="1">
                 <a:solidFill>
                   <a:srgbClr val="569CD6"/>
                 </a:solidFill>
-                <a:latin typeface="Consolas" panose="020B0609020204030204" pitchFamily="49" charset="0"/>
-                <a:ea typeface="+mn-ea"/>
-                <a:cs typeface="+mn-cs"/>
+                <a:effectLst/>
+                <a:latin typeface="Consolas" panose="020B0609020204030204" pitchFamily="49" charset="0"/>
               </a:rPr>
               <a:t>off_t</a:t>
             </a:r>
             <a:r>
-              <a:rPr lang="en-US" sz="1600" dirty="0">
-                <a:solidFill>
-                  <a:srgbClr val="569CD6"/>
-                </a:solidFill>
-                <a:latin typeface="Consolas" panose="020B0609020204030204" pitchFamily="49" charset="0"/>
-                <a:ea typeface="+mn-ea"/>
-                <a:cs typeface="+mn-cs"/>
-              </a:rPr>
-              <a:t> pos, int whence, </a:t>
-            </a:r>
-            <a:r>
-              <a:rPr lang="en-US" sz="1600" dirty="0" err="1">
-                <a:solidFill>
-                  <a:srgbClr val="569CD6"/>
-                </a:solidFill>
-                <a:latin typeface="Consolas" panose="020B0609020204030204" pitchFamily="49" charset="0"/>
-                <a:ea typeface="+mn-ea"/>
-                <a:cs typeface="+mn-cs"/>
-              </a:rPr>
-              <a:t>off_t</a:t>
-            </a:r>
-            <a:r>
-              <a:rPr lang="en-US" sz="1600" dirty="0">
-                <a:solidFill>
-                  <a:srgbClr val="569CD6"/>
-                </a:solidFill>
-                <a:latin typeface="Consolas" panose="020B0609020204030204" pitchFamily="49" charset="0"/>
-                <a:ea typeface="+mn-ea"/>
-                <a:cs typeface="+mn-cs"/>
+              <a:rPr lang="en-GB" sz="1600" b="0" dirty="0">
+                <a:solidFill>
+                  <a:srgbClr val="D4D4D4"/>
+                </a:solidFill>
+                <a:effectLst/>
+                <a:latin typeface="Consolas" panose="020B0609020204030204" pitchFamily="49" charset="0"/>
               </a:rPr>
               <a:t> *</a:t>
             </a:r>
             <a:r>
-              <a:rPr lang="en-US" sz="1600" dirty="0" err="1">
-                <a:solidFill>
-                  <a:srgbClr val="569CD6"/>
-                </a:solidFill>
-                <a:latin typeface="Consolas" panose="020B0609020204030204" pitchFamily="49" charset="0"/>
-                <a:ea typeface="+mn-ea"/>
-                <a:cs typeface="+mn-cs"/>
+              <a:rPr lang="en-GB" sz="1600" b="0" dirty="0" err="1">
+                <a:solidFill>
+                  <a:srgbClr val="9CDCFE"/>
+                </a:solidFill>
+                <a:effectLst/>
+                <a:latin typeface="Consolas" panose="020B0609020204030204" pitchFamily="49" charset="0"/>
               </a:rPr>
               <a:t>retval</a:t>
             </a:r>
             <a:r>
-              <a:rPr lang="en-US" sz="1600" dirty="0">
-                <a:solidFill>
-                  <a:srgbClr val="569CD6"/>
-                </a:solidFill>
-                <a:latin typeface="Consolas" panose="020B0609020204030204" pitchFamily="49" charset="0"/>
-                <a:ea typeface="+mn-ea"/>
-                <a:cs typeface="+mn-cs"/>
+              <a:rPr lang="en-GB" sz="1600" b="0" dirty="0">
+                <a:solidFill>
+                  <a:srgbClr val="D4D4D4"/>
+                </a:solidFill>
+                <a:effectLst/>
+                <a:latin typeface="Consolas" panose="020B0609020204030204" pitchFamily="49" charset="0"/>
               </a:rPr>
               <a:t>)</a:t>
             </a:r>
-            <a:endParaRPr lang="it-IT" sz="1600" dirty="0">
-              <a:solidFill>
-                <a:srgbClr val="569CD6"/>
-              </a:solidFill>
-              <a:latin typeface="Consolas" panose="020B0609020204030204" pitchFamily="49" charset="0"/>
-              <a:ea typeface="+mn-ea"/>
-              <a:cs typeface="+mn-cs"/>
-            </a:endParaRPr>
           </a:p>
         </p:txBody>
       </p:sp>
@@ -12993,101 +13385,165 @@
           </a:lstStyle>
           <a:p>
             <a:r>
-              <a:rPr lang="en-US" sz="1600" dirty="0">
+              <a:rPr lang="en-GB" sz="1600" b="0" dirty="0">
+                <a:solidFill>
+                  <a:srgbClr val="569CD6"/>
+                </a:solidFill>
+                <a:effectLst/>
+                <a:latin typeface="Consolas" panose="020B0609020204030204" pitchFamily="49" charset="0"/>
+              </a:rPr>
+              <a:t>int</a:t>
+            </a:r>
+            <a:r>
+              <a:rPr lang="en-GB" sz="1600" b="0" dirty="0">
+                <a:solidFill>
+                  <a:srgbClr val="D4D4D4"/>
+                </a:solidFill>
+                <a:effectLst/>
+                <a:latin typeface="Consolas" panose="020B0609020204030204" pitchFamily="49" charset="0"/>
+              </a:rPr>
+              <a:t> </a:t>
+            </a:r>
+            <a:r>
+              <a:rPr lang="en-GB" sz="1600" b="0" dirty="0">
                 <a:solidFill>
                   <a:srgbClr val="DCDCAA"/>
                 </a:solidFill>
-                <a:latin typeface="Consolas" panose="020B0609020204030204" pitchFamily="49" charset="0"/>
-                <a:ea typeface="+mn-ea"/>
-                <a:cs typeface="+mn-cs"/>
+                <a:effectLst/>
+                <a:latin typeface="Consolas" panose="020B0609020204030204" pitchFamily="49" charset="0"/>
               </a:rPr>
               <a:t>sys_dup2</a:t>
             </a:r>
             <a:r>
-              <a:rPr lang="en-US" sz="1600" dirty="0">
+              <a:rPr lang="en-GB" sz="1600" b="0" dirty="0">
+                <a:solidFill>
+                  <a:srgbClr val="D4D4D4"/>
+                </a:solidFill>
+                <a:effectLst/>
+                <a:latin typeface="Consolas" panose="020B0609020204030204" pitchFamily="49" charset="0"/>
+              </a:rPr>
+              <a:t>(</a:t>
+            </a:r>
+            <a:r>
+              <a:rPr lang="en-GB" sz="1600" b="0" dirty="0">
                 <a:solidFill>
                   <a:srgbClr val="569CD6"/>
                 </a:solidFill>
-                <a:latin typeface="Consolas" panose="020B0609020204030204" pitchFamily="49" charset="0"/>
-                <a:ea typeface="+mn-ea"/>
-                <a:cs typeface="+mn-cs"/>
-              </a:rPr>
-              <a:t>(int </a:t>
-            </a:r>
-            <a:r>
-              <a:rPr lang="en-US" sz="1600" dirty="0" err="1">
+                <a:effectLst/>
+                <a:latin typeface="Consolas" panose="020B0609020204030204" pitchFamily="49" charset="0"/>
+              </a:rPr>
+              <a:t>int</a:t>
+            </a:r>
+            <a:r>
+              <a:rPr lang="en-GB" sz="1600" b="0" dirty="0">
+                <a:solidFill>
+                  <a:srgbClr val="D4D4D4"/>
+                </a:solidFill>
+                <a:effectLst/>
+                <a:latin typeface="Consolas" panose="020B0609020204030204" pitchFamily="49" charset="0"/>
+              </a:rPr>
+              <a:t> </a:t>
+            </a:r>
+            <a:r>
+              <a:rPr lang="en-GB" sz="1600" b="0" dirty="0" err="1">
+                <a:solidFill>
+                  <a:srgbClr val="9CDCFE"/>
+                </a:solidFill>
+                <a:effectLst/>
+                <a:latin typeface="Consolas" panose="020B0609020204030204" pitchFamily="49" charset="0"/>
+              </a:rPr>
+              <a:t>oldfd</a:t>
+            </a:r>
+            <a:r>
+              <a:rPr lang="en-GB" sz="1600" b="0" dirty="0">
+                <a:solidFill>
+                  <a:srgbClr val="D4D4D4"/>
+                </a:solidFill>
+                <a:effectLst/>
+                <a:latin typeface="Consolas" panose="020B0609020204030204" pitchFamily="49" charset="0"/>
+              </a:rPr>
+              <a:t>, </a:t>
+            </a:r>
+            <a:r>
+              <a:rPr lang="en-GB" sz="1600" b="0" dirty="0">
                 <a:solidFill>
                   <a:srgbClr val="569CD6"/>
                 </a:solidFill>
-                <a:latin typeface="Consolas" panose="020B0609020204030204" pitchFamily="49" charset="0"/>
-                <a:ea typeface="+mn-ea"/>
-                <a:cs typeface="+mn-cs"/>
-              </a:rPr>
-              <a:t>oldfd</a:t>
-            </a:r>
-            <a:r>
-              <a:rPr lang="en-US" sz="1600" dirty="0">
+                <a:effectLst/>
+                <a:latin typeface="Consolas" panose="020B0609020204030204" pitchFamily="49" charset="0"/>
+              </a:rPr>
+              <a:t>int</a:t>
+            </a:r>
+            <a:r>
+              <a:rPr lang="en-GB" sz="1600" b="0" dirty="0">
+                <a:solidFill>
+                  <a:srgbClr val="D4D4D4"/>
+                </a:solidFill>
+                <a:effectLst/>
+                <a:latin typeface="Consolas" panose="020B0609020204030204" pitchFamily="49" charset="0"/>
+              </a:rPr>
+              <a:t> </a:t>
+            </a:r>
+            <a:r>
+              <a:rPr lang="en-GB" sz="1600" b="0" dirty="0" err="1">
+                <a:solidFill>
+                  <a:srgbClr val="9CDCFE"/>
+                </a:solidFill>
+                <a:effectLst/>
+                <a:latin typeface="Consolas" panose="020B0609020204030204" pitchFamily="49" charset="0"/>
+              </a:rPr>
+              <a:t>newfd</a:t>
+            </a:r>
+            <a:r>
+              <a:rPr lang="en-GB" sz="1600" b="0" dirty="0">
+                <a:solidFill>
+                  <a:srgbClr val="D4D4D4"/>
+                </a:solidFill>
+                <a:effectLst/>
+                <a:latin typeface="Consolas" panose="020B0609020204030204" pitchFamily="49" charset="0"/>
+              </a:rPr>
+              <a:t>, </a:t>
+            </a:r>
+            <a:r>
+              <a:rPr lang="en-GB" sz="1600" b="0" dirty="0">
                 <a:solidFill>
                   <a:srgbClr val="569CD6"/>
                 </a:solidFill>
-                <a:latin typeface="Consolas" panose="020B0609020204030204" pitchFamily="49" charset="0"/>
-                <a:ea typeface="+mn-ea"/>
-                <a:cs typeface="+mn-cs"/>
-              </a:rPr>
-              <a:t>, int </a:t>
-            </a:r>
-            <a:r>
-              <a:rPr lang="en-US" sz="1600" dirty="0" err="1">
-                <a:solidFill>
-                  <a:srgbClr val="569CD6"/>
-                </a:solidFill>
-                <a:latin typeface="Consolas" panose="020B0609020204030204" pitchFamily="49" charset="0"/>
-                <a:ea typeface="+mn-ea"/>
-                <a:cs typeface="+mn-cs"/>
-              </a:rPr>
-              <a:t>newfd</a:t>
-            </a:r>
-            <a:r>
-              <a:rPr lang="en-US" sz="1600" dirty="0">
-                <a:solidFill>
-                  <a:srgbClr val="569CD6"/>
-                </a:solidFill>
-                <a:latin typeface="Consolas" panose="020B0609020204030204" pitchFamily="49" charset="0"/>
-                <a:ea typeface="+mn-ea"/>
-                <a:cs typeface="+mn-cs"/>
-              </a:rPr>
-              <a:t>, int *</a:t>
-            </a:r>
-            <a:r>
-              <a:rPr lang="en-US" sz="1600" dirty="0" err="1">
-                <a:solidFill>
-                  <a:srgbClr val="569CD6"/>
-                </a:solidFill>
-                <a:latin typeface="Consolas" panose="020B0609020204030204" pitchFamily="49" charset="0"/>
-                <a:ea typeface="+mn-ea"/>
-                <a:cs typeface="+mn-cs"/>
+                <a:effectLst/>
+                <a:latin typeface="Consolas" panose="020B0609020204030204" pitchFamily="49" charset="0"/>
+              </a:rPr>
+              <a:t>int</a:t>
+            </a:r>
+            <a:r>
+              <a:rPr lang="en-GB" sz="1600" b="0" dirty="0">
+                <a:solidFill>
+                  <a:srgbClr val="D4D4D4"/>
+                </a:solidFill>
+                <a:effectLst/>
+                <a:latin typeface="Consolas" panose="020B0609020204030204" pitchFamily="49" charset="0"/>
+              </a:rPr>
+              <a:t> *</a:t>
+            </a:r>
+            <a:r>
+              <a:rPr lang="en-GB" sz="1600" b="0" dirty="0" err="1">
+                <a:solidFill>
+                  <a:srgbClr val="9CDCFE"/>
+                </a:solidFill>
+                <a:effectLst/>
+                <a:latin typeface="Consolas" panose="020B0609020204030204" pitchFamily="49" charset="0"/>
               </a:rPr>
               <a:t>retval</a:t>
             </a:r>
             <a:r>
-              <a:rPr lang="en-US" sz="1600" dirty="0">
-                <a:solidFill>
-                  <a:srgbClr val="569CD6"/>
-                </a:solidFill>
-                <a:latin typeface="Consolas" panose="020B0609020204030204" pitchFamily="49" charset="0"/>
-                <a:ea typeface="+mn-ea"/>
-                <a:cs typeface="+mn-cs"/>
+              <a:rPr lang="en-GB" sz="1600" b="0" dirty="0">
+                <a:solidFill>
+                  <a:srgbClr val="D4D4D4"/>
+                </a:solidFill>
+                <a:effectLst/>
+                <a:latin typeface="Consolas" panose="020B0609020204030204" pitchFamily="49" charset="0"/>
               </a:rPr>
               <a:t>)</a:t>
             </a:r>
-            <a:endParaRPr lang="it-IT" sz="1600" dirty="0">
-              <a:solidFill>
-                <a:srgbClr val="569CD6"/>
-              </a:solidFill>
-              <a:latin typeface="Consolas" panose="020B0609020204030204" pitchFamily="49" charset="0"/>
-              <a:ea typeface="+mn-ea"/>
-              <a:cs typeface="+mn-cs"/>
-            </a:endParaRPr>
           </a:p>
         </p:txBody>
       </p:sp>
@@ -13630,7 +14086,7 @@
         </p:spPr>
         <p:txBody>
           <a:bodyPr>
-            <a:normAutofit fontScale="97500" lnSpcReduction="10000"/>
+            <a:noAutofit/>
           </a:bodyPr>
           <a:lstStyle>
             <a:lvl1pPr algn="l" defTabSz="1218987" rtl="0" eaLnBrk="1" latinLnBrk="0" hangingPunct="1">
@@ -13653,123 +14109,125 @@
           </a:lstStyle>
           <a:p>
             <a:r>
-              <a:rPr lang="it-IT" sz="1600" dirty="0" err="1">
+              <a:rPr lang="fr-FR" sz="1600" b="0" dirty="0" err="1">
+                <a:solidFill>
+                  <a:srgbClr val="569CD6"/>
+                </a:solidFill>
+                <a:effectLst/>
+                <a:latin typeface="Consolas" panose="020B0609020204030204" pitchFamily="49" charset="0"/>
+              </a:rPr>
+              <a:t>int</a:t>
+            </a:r>
+            <a:r>
+              <a:rPr lang="fr-FR" sz="1600" b="0" dirty="0">
+                <a:solidFill>
+                  <a:srgbClr val="D4D4D4"/>
+                </a:solidFill>
+                <a:effectLst/>
+                <a:latin typeface="Consolas" panose="020B0609020204030204" pitchFamily="49" charset="0"/>
+              </a:rPr>
+              <a:t> </a:t>
+            </a:r>
+            <a:r>
+              <a:rPr lang="fr-FR" sz="1600" b="0" dirty="0" err="1">
                 <a:solidFill>
                   <a:srgbClr val="DCDCAA"/>
                 </a:solidFill>
-                <a:latin typeface="Consolas" panose="020B0609020204030204" pitchFamily="49" charset="0"/>
-                <a:ea typeface="+mn-ea"/>
-                <a:cs typeface="+mn-cs"/>
+                <a:effectLst/>
+                <a:latin typeface="Consolas" panose="020B0609020204030204" pitchFamily="49" charset="0"/>
               </a:rPr>
               <a:t>sys_chdir</a:t>
             </a:r>
             <a:r>
-              <a:rPr lang="fr-FR" sz="1600" dirty="0">
+              <a:rPr lang="fr-FR" sz="1600" b="0" dirty="0">
+                <a:solidFill>
+                  <a:srgbClr val="D4D4D4"/>
+                </a:solidFill>
+                <a:effectLst/>
+                <a:latin typeface="Consolas" panose="020B0609020204030204" pitchFamily="49" charset="0"/>
+              </a:rPr>
+              <a:t>(</a:t>
+            </a:r>
+            <a:r>
+              <a:rPr lang="fr-FR" sz="1600" b="0" dirty="0" err="1">
+                <a:solidFill>
+                  <a:srgbClr val="4EC9B0"/>
+                </a:solidFill>
+                <a:effectLst/>
+                <a:latin typeface="Consolas" panose="020B0609020204030204" pitchFamily="49" charset="0"/>
+              </a:rPr>
+              <a:t>userptr_t</a:t>
+            </a:r>
+            <a:r>
+              <a:rPr lang="fr-FR" sz="1600" b="0" dirty="0">
+                <a:solidFill>
+                  <a:srgbClr val="D4D4D4"/>
+                </a:solidFill>
+                <a:effectLst/>
+                <a:latin typeface="Consolas" panose="020B0609020204030204" pitchFamily="49" charset="0"/>
+              </a:rPr>
+              <a:t> </a:t>
+            </a:r>
+            <a:r>
+              <a:rPr lang="fr-FR" sz="1600" b="0" dirty="0" err="1">
+                <a:solidFill>
+                  <a:srgbClr val="9CDCFE"/>
+                </a:solidFill>
+                <a:effectLst/>
+                <a:latin typeface="Consolas" panose="020B0609020204030204" pitchFamily="49" charset="0"/>
+              </a:rPr>
+              <a:t>path</a:t>
+            </a:r>
+            <a:r>
+              <a:rPr lang="fr-FR" sz="1600" b="0" dirty="0">
+                <a:solidFill>
+                  <a:srgbClr val="D4D4D4"/>
+                </a:solidFill>
+                <a:effectLst/>
+                <a:latin typeface="Consolas" panose="020B0609020204030204" pitchFamily="49" charset="0"/>
+              </a:rPr>
+              <a:t>, </a:t>
+            </a:r>
+            <a:r>
+              <a:rPr lang="fr-FR" sz="1600" b="0" dirty="0" err="1">
                 <a:solidFill>
                   <a:srgbClr val="569CD6"/>
                 </a:solidFill>
-                <a:latin typeface="Consolas" panose="020B0609020204030204" pitchFamily="49" charset="0"/>
-                <a:ea typeface="+mn-ea"/>
-                <a:cs typeface="+mn-cs"/>
-              </a:rPr>
-              <a:t>(</a:t>
-            </a:r>
-            <a:r>
-              <a:rPr lang="fr-FR" sz="1600" dirty="0" err="1">
-                <a:solidFill>
-                  <a:srgbClr val="569CD6"/>
-                </a:solidFill>
-                <a:latin typeface="Consolas" panose="020B0609020204030204" pitchFamily="49" charset="0"/>
-                <a:ea typeface="+mn-ea"/>
-                <a:cs typeface="+mn-cs"/>
-              </a:rPr>
-              <a:t>userptr_t</a:t>
-            </a:r>
-            <a:r>
-              <a:rPr lang="fr-FR" sz="1600" dirty="0">
-                <a:solidFill>
-                  <a:srgbClr val="569CD6"/>
-                </a:solidFill>
-                <a:latin typeface="Consolas" panose="020B0609020204030204" pitchFamily="49" charset="0"/>
-                <a:ea typeface="+mn-ea"/>
-                <a:cs typeface="+mn-cs"/>
-              </a:rPr>
-              <a:t> </a:t>
-            </a:r>
-            <a:r>
-              <a:rPr lang="fr-FR" sz="1600" dirty="0" err="1">
-                <a:solidFill>
-                  <a:srgbClr val="569CD6"/>
-                </a:solidFill>
-                <a:latin typeface="Consolas" panose="020B0609020204030204" pitchFamily="49" charset="0"/>
-                <a:ea typeface="+mn-ea"/>
-                <a:cs typeface="+mn-cs"/>
-              </a:rPr>
-              <a:t>path</a:t>
-            </a:r>
-            <a:r>
-              <a:rPr lang="fr-FR" sz="1600" dirty="0">
-                <a:solidFill>
-                  <a:srgbClr val="569CD6"/>
-                </a:solidFill>
-                <a:latin typeface="Consolas" panose="020B0609020204030204" pitchFamily="49" charset="0"/>
-                <a:ea typeface="+mn-ea"/>
-                <a:cs typeface="+mn-cs"/>
-              </a:rPr>
-              <a:t>, </a:t>
-            </a:r>
-            <a:r>
-              <a:rPr lang="fr-FR" sz="1600" dirty="0" err="1">
-                <a:solidFill>
-                  <a:srgbClr val="569CD6"/>
-                </a:solidFill>
-                <a:latin typeface="Consolas" panose="020B0609020204030204" pitchFamily="49" charset="0"/>
-                <a:ea typeface="+mn-ea"/>
-                <a:cs typeface="+mn-cs"/>
+                <a:effectLst/>
+                <a:latin typeface="Consolas" panose="020B0609020204030204" pitchFamily="49" charset="0"/>
               </a:rPr>
               <a:t>int</a:t>
             </a:r>
             <a:r>
-              <a:rPr lang="fr-FR" sz="1600" dirty="0">
-                <a:solidFill>
-                  <a:srgbClr val="569CD6"/>
-                </a:solidFill>
-                <a:latin typeface="Consolas" panose="020B0609020204030204" pitchFamily="49" charset="0"/>
-                <a:ea typeface="+mn-ea"/>
-                <a:cs typeface="+mn-cs"/>
+              <a:rPr lang="fr-FR" sz="1600" b="0" dirty="0">
+                <a:solidFill>
+                  <a:srgbClr val="D4D4D4"/>
+                </a:solidFill>
+                <a:effectLst/>
+                <a:latin typeface="Consolas" panose="020B0609020204030204" pitchFamily="49" charset="0"/>
               </a:rPr>
               <a:t> *</a:t>
             </a:r>
             <a:r>
-              <a:rPr lang="fr-FR" sz="1600" dirty="0" err="1">
-                <a:solidFill>
-                  <a:srgbClr val="569CD6"/>
-                </a:solidFill>
-                <a:latin typeface="Consolas" panose="020B0609020204030204" pitchFamily="49" charset="0"/>
-                <a:ea typeface="+mn-ea"/>
-                <a:cs typeface="+mn-cs"/>
+              <a:rPr lang="fr-FR" sz="1600" b="0" dirty="0" err="1">
+                <a:solidFill>
+                  <a:srgbClr val="9CDCFE"/>
+                </a:solidFill>
+                <a:effectLst/>
+                <a:latin typeface="Consolas" panose="020B0609020204030204" pitchFamily="49" charset="0"/>
               </a:rPr>
               <a:t>retval</a:t>
             </a:r>
             <a:r>
-              <a:rPr lang="fr-FR" sz="1600" dirty="0">
-                <a:solidFill>
-                  <a:srgbClr val="569CD6"/>
-                </a:solidFill>
-                <a:latin typeface="Consolas" panose="020B0609020204030204" pitchFamily="49" charset="0"/>
-                <a:ea typeface="+mn-ea"/>
-                <a:cs typeface="+mn-cs"/>
+              <a:rPr lang="fr-FR" sz="1600" b="0" dirty="0">
+                <a:solidFill>
+                  <a:srgbClr val="D4D4D4"/>
+                </a:solidFill>
+                <a:effectLst/>
+                <a:latin typeface="Consolas" panose="020B0609020204030204" pitchFamily="49" charset="0"/>
               </a:rPr>
               <a:t>)</a:t>
             </a:r>
-            <a:endParaRPr lang="it-IT" sz="1600" dirty="0">
-              <a:solidFill>
-                <a:srgbClr val="569CD6"/>
-              </a:solidFill>
-              <a:latin typeface="Consolas" panose="020B0609020204030204" pitchFamily="49" charset="0"/>
-              <a:ea typeface="+mn-ea"/>
-              <a:cs typeface="+mn-cs"/>
-            </a:endParaRPr>
           </a:p>
         </p:txBody>
       </p:sp>
@@ -14269,7 +14727,7 @@
         </p:spPr>
         <p:txBody>
           <a:bodyPr vert="horz" lIns="91440" tIns="45720" rIns="91440" bIns="45720" rtlCol="0" anchor="ctr">
-            <a:normAutofit fontScale="97500" lnSpcReduction="10000"/>
+            <a:noAutofit/>
           </a:bodyPr>
           <a:lstStyle>
             <a:lvl1pPr algn="l" defTabSz="914400" rtl="0" eaLnBrk="1" latinLnBrk="0" hangingPunct="1">
@@ -14292,167 +14750,165 @@
           </a:lstStyle>
           <a:p>
             <a:r>
-              <a:rPr lang="it-IT" sz="1600" dirty="0" err="1">
+              <a:rPr lang="en-GB" sz="1600" b="0" dirty="0">
+                <a:solidFill>
+                  <a:srgbClr val="569CD6"/>
+                </a:solidFill>
+                <a:effectLst/>
+                <a:latin typeface="Consolas" panose="020B0609020204030204" pitchFamily="49" charset="0"/>
+              </a:rPr>
+              <a:t>int</a:t>
+            </a:r>
+            <a:r>
+              <a:rPr lang="en-GB" sz="1600" b="0" dirty="0">
+                <a:solidFill>
+                  <a:srgbClr val="D4D4D4"/>
+                </a:solidFill>
+                <a:effectLst/>
+                <a:latin typeface="Consolas" panose="020B0609020204030204" pitchFamily="49" charset="0"/>
+              </a:rPr>
+              <a:t> </a:t>
+            </a:r>
+            <a:r>
+              <a:rPr lang="en-GB" sz="1600" b="0" dirty="0" err="1">
                 <a:solidFill>
                   <a:srgbClr val="DCDCAA"/>
                 </a:solidFill>
-                <a:latin typeface="Consolas" panose="020B0609020204030204" pitchFamily="49" charset="0"/>
-                <a:ea typeface="+mn-ea"/>
-                <a:cs typeface="+mn-cs"/>
+                <a:effectLst/>
+                <a:latin typeface="Consolas" panose="020B0609020204030204" pitchFamily="49" charset="0"/>
               </a:rPr>
               <a:t>sys_getcwd</a:t>
             </a:r>
             <a:r>
-              <a:rPr lang="de-DE" sz="1600" dirty="0">
+              <a:rPr lang="en-GB" sz="1600" b="0" dirty="0">
+                <a:solidFill>
+                  <a:srgbClr val="D4D4D4"/>
+                </a:solidFill>
+                <a:effectLst/>
+                <a:latin typeface="Consolas" panose="020B0609020204030204" pitchFamily="49" charset="0"/>
+              </a:rPr>
+              <a:t>(</a:t>
+            </a:r>
+            <a:r>
+              <a:rPr lang="en-GB" sz="1600" b="0" dirty="0" err="1">
+                <a:solidFill>
+                  <a:srgbClr val="4EC9B0"/>
+                </a:solidFill>
+                <a:effectLst/>
+                <a:latin typeface="Consolas" panose="020B0609020204030204" pitchFamily="49" charset="0"/>
+              </a:rPr>
+              <a:t>userptr_t</a:t>
+            </a:r>
+            <a:r>
+              <a:rPr lang="en-GB" sz="1600" b="0" dirty="0">
+                <a:solidFill>
+                  <a:srgbClr val="D4D4D4"/>
+                </a:solidFill>
+                <a:effectLst/>
+                <a:latin typeface="Consolas" panose="020B0609020204030204" pitchFamily="49" charset="0"/>
+              </a:rPr>
+              <a:t> </a:t>
+            </a:r>
+            <a:r>
+              <a:rPr lang="en-GB" sz="1600" b="0" dirty="0" err="1">
+                <a:solidFill>
+                  <a:srgbClr val="9CDCFE"/>
+                </a:solidFill>
+                <a:effectLst/>
+                <a:latin typeface="Consolas" panose="020B0609020204030204" pitchFamily="49" charset="0"/>
+              </a:rPr>
+              <a:t>buf</a:t>
+            </a:r>
+            <a:r>
+              <a:rPr lang="en-GB" sz="1600" b="0" dirty="0">
+                <a:solidFill>
+                  <a:srgbClr val="D4D4D4"/>
+                </a:solidFill>
+                <a:effectLst/>
+                <a:latin typeface="Consolas" panose="020B0609020204030204" pitchFamily="49" charset="0"/>
+              </a:rPr>
+              <a:t>, </a:t>
+            </a:r>
+            <a:r>
+              <a:rPr lang="en-GB" sz="1600" b="0" dirty="0" err="1">
+                <a:solidFill>
+                  <a:srgbClr val="4EC9B0"/>
+                </a:solidFill>
+                <a:effectLst/>
+                <a:latin typeface="Consolas" panose="020B0609020204030204" pitchFamily="49" charset="0"/>
+              </a:rPr>
+              <a:t>size_t</a:t>
+            </a:r>
+            <a:r>
+              <a:rPr lang="en-GB" sz="1600" b="0" dirty="0">
+                <a:solidFill>
+                  <a:srgbClr val="D4D4D4"/>
+                </a:solidFill>
+                <a:effectLst/>
+                <a:latin typeface="Consolas" panose="020B0609020204030204" pitchFamily="49" charset="0"/>
+              </a:rPr>
+              <a:t> </a:t>
+            </a:r>
+            <a:r>
+              <a:rPr lang="en-GB" sz="1600" b="0" dirty="0" err="1">
+                <a:solidFill>
+                  <a:srgbClr val="9CDCFE"/>
+                </a:solidFill>
+                <a:effectLst/>
+                <a:latin typeface="Consolas" panose="020B0609020204030204" pitchFamily="49" charset="0"/>
+              </a:rPr>
+              <a:t>buf_len</a:t>
+            </a:r>
+            <a:r>
+              <a:rPr lang="en-GB" sz="1600" b="0" dirty="0">
+                <a:solidFill>
+                  <a:srgbClr val="D4D4D4"/>
+                </a:solidFill>
+                <a:effectLst/>
+                <a:latin typeface="Consolas" panose="020B0609020204030204" pitchFamily="49" charset="0"/>
+              </a:rPr>
+              <a:t>, </a:t>
+            </a:r>
+            <a:r>
+              <a:rPr lang="en-GB" sz="1600" b="0" dirty="0">
                 <a:solidFill>
                   <a:srgbClr val="569CD6"/>
                 </a:solidFill>
-                <a:latin typeface="Consolas" panose="020B0609020204030204" pitchFamily="49" charset="0"/>
-                <a:ea typeface="+mn-ea"/>
-                <a:cs typeface="+mn-cs"/>
-              </a:rPr>
-              <a:t>(</a:t>
-            </a:r>
-            <a:r>
-              <a:rPr lang="de-DE" sz="1600" dirty="0" err="1">
-                <a:solidFill>
-                  <a:srgbClr val="569CD6"/>
-                </a:solidFill>
-                <a:latin typeface="Consolas" panose="020B0609020204030204" pitchFamily="49" charset="0"/>
-                <a:ea typeface="+mn-ea"/>
-                <a:cs typeface="+mn-cs"/>
-              </a:rPr>
-              <a:t>userptr_t</a:t>
-            </a:r>
-            <a:r>
-              <a:rPr lang="de-DE" sz="1600" dirty="0">
-                <a:solidFill>
-                  <a:srgbClr val="569CD6"/>
-                </a:solidFill>
-                <a:latin typeface="Consolas" panose="020B0609020204030204" pitchFamily="49" charset="0"/>
-                <a:ea typeface="+mn-ea"/>
-                <a:cs typeface="+mn-cs"/>
-              </a:rPr>
-              <a:t> </a:t>
-            </a:r>
-            <a:r>
-              <a:rPr lang="de-DE" sz="1600" dirty="0" err="1">
-                <a:solidFill>
-                  <a:srgbClr val="569CD6"/>
-                </a:solidFill>
-                <a:latin typeface="Consolas" panose="020B0609020204030204" pitchFamily="49" charset="0"/>
-                <a:ea typeface="+mn-ea"/>
-                <a:cs typeface="+mn-cs"/>
-              </a:rPr>
-              <a:t>buf</a:t>
-            </a:r>
-            <a:r>
-              <a:rPr lang="de-DE" sz="1600" dirty="0">
-                <a:solidFill>
-                  <a:srgbClr val="569CD6"/>
-                </a:solidFill>
-                <a:latin typeface="Consolas" panose="020B0609020204030204" pitchFamily="49" charset="0"/>
-                <a:ea typeface="+mn-ea"/>
-                <a:cs typeface="+mn-cs"/>
-              </a:rPr>
-              <a:t>, </a:t>
-            </a:r>
-            <a:r>
-              <a:rPr lang="de-DE" sz="1600" dirty="0" err="1">
-                <a:solidFill>
-                  <a:srgbClr val="569CD6"/>
-                </a:solidFill>
-                <a:latin typeface="Consolas" panose="020B0609020204030204" pitchFamily="49" charset="0"/>
-                <a:ea typeface="+mn-ea"/>
-                <a:cs typeface="+mn-cs"/>
-              </a:rPr>
-              <a:t>size_t</a:t>
-            </a:r>
-            <a:r>
-              <a:rPr lang="de-DE" sz="1600" dirty="0">
-                <a:solidFill>
-                  <a:srgbClr val="569CD6"/>
-                </a:solidFill>
-                <a:latin typeface="Consolas" panose="020B0609020204030204" pitchFamily="49" charset="0"/>
-                <a:ea typeface="+mn-ea"/>
-                <a:cs typeface="+mn-cs"/>
-              </a:rPr>
-              <a:t> </a:t>
-            </a:r>
-            <a:r>
-              <a:rPr lang="de-DE" sz="1600" dirty="0" err="1">
-                <a:solidFill>
-                  <a:srgbClr val="569CD6"/>
-                </a:solidFill>
-                <a:latin typeface="Consolas" panose="020B0609020204030204" pitchFamily="49" charset="0"/>
-                <a:ea typeface="+mn-ea"/>
-                <a:cs typeface="+mn-cs"/>
-              </a:rPr>
-              <a:t>buf_len</a:t>
-            </a:r>
-            <a:r>
-              <a:rPr lang="de-DE" sz="1600" dirty="0">
-                <a:solidFill>
-                  <a:srgbClr val="569CD6"/>
-                </a:solidFill>
-                <a:latin typeface="Consolas" panose="020B0609020204030204" pitchFamily="49" charset="0"/>
-                <a:ea typeface="+mn-ea"/>
-                <a:cs typeface="+mn-cs"/>
-              </a:rPr>
-              <a:t>, </a:t>
-            </a:r>
-            <a:r>
-              <a:rPr lang="de-DE" sz="1600" dirty="0" err="1">
-                <a:solidFill>
-                  <a:srgbClr val="569CD6"/>
-                </a:solidFill>
-                <a:latin typeface="Consolas" panose="020B0609020204030204" pitchFamily="49" charset="0"/>
-                <a:ea typeface="+mn-ea"/>
-                <a:cs typeface="+mn-cs"/>
+                <a:effectLst/>
+                <a:latin typeface="Consolas" panose="020B0609020204030204" pitchFamily="49" charset="0"/>
               </a:rPr>
               <a:t>int</a:t>
             </a:r>
             <a:r>
-              <a:rPr lang="de-DE" sz="1600" dirty="0">
-                <a:solidFill>
-                  <a:srgbClr val="569CD6"/>
-                </a:solidFill>
-                <a:latin typeface="Consolas" panose="020B0609020204030204" pitchFamily="49" charset="0"/>
-                <a:ea typeface="+mn-ea"/>
-                <a:cs typeface="+mn-cs"/>
+              <a:rPr lang="en-GB" sz="1600" b="0" dirty="0">
+                <a:solidFill>
+                  <a:srgbClr val="D4D4D4"/>
+                </a:solidFill>
+                <a:effectLst/>
+                <a:latin typeface="Consolas" panose="020B0609020204030204" pitchFamily="49" charset="0"/>
               </a:rPr>
               <a:t> *</a:t>
             </a:r>
             <a:r>
-              <a:rPr lang="de-DE" sz="1600" dirty="0" err="1">
-                <a:solidFill>
-                  <a:srgbClr val="569CD6"/>
-                </a:solidFill>
-                <a:latin typeface="Consolas" panose="020B0609020204030204" pitchFamily="49" charset="0"/>
-                <a:ea typeface="+mn-ea"/>
-                <a:cs typeface="+mn-cs"/>
+              <a:rPr lang="en-GB" sz="1600" b="0" dirty="0" err="1">
+                <a:solidFill>
+                  <a:srgbClr val="9CDCFE"/>
+                </a:solidFill>
+                <a:effectLst/>
+                <a:latin typeface="Consolas" panose="020B0609020204030204" pitchFamily="49" charset="0"/>
               </a:rPr>
               <a:t>retval</a:t>
             </a:r>
             <a:r>
-              <a:rPr lang="de-DE" sz="1600" dirty="0">
-                <a:solidFill>
-                  <a:srgbClr val="569CD6"/>
-                </a:solidFill>
-                <a:latin typeface="Consolas" panose="020B0609020204030204" pitchFamily="49" charset="0"/>
-                <a:ea typeface="+mn-ea"/>
-                <a:cs typeface="+mn-cs"/>
+              <a:rPr lang="en-GB" sz="1600" b="0" dirty="0">
+                <a:solidFill>
+                  <a:srgbClr val="D4D4D4"/>
+                </a:solidFill>
+                <a:effectLst/>
+                <a:latin typeface="Consolas" panose="020B0609020204030204" pitchFamily="49" charset="0"/>
               </a:rPr>
               <a:t>)</a:t>
             </a:r>
-            <a:endParaRPr lang="it-IT" sz="1600" dirty="0">
-              <a:solidFill>
-                <a:srgbClr val="569CD6"/>
-              </a:solidFill>
-              <a:latin typeface="Consolas" panose="020B0609020204030204" pitchFamily="49" charset="0"/>
-              <a:ea typeface="+mn-ea"/>
-              <a:cs typeface="+mn-cs"/>
-            </a:endParaRPr>
           </a:p>
         </p:txBody>
       </p:sp>
@@ -18660,6 +19116,15 @@
 </file>
 
 <file path=customXml/item1.xml><?xml version="1.0" encoding="utf-8"?>
+<?mso-contentType ?>
+<FormTemplates xmlns="http://schemas.microsoft.com/sharepoint/v3/contenttype/forms">
+  <Display>DocumentLibraryForm</Display>
+  <Edit>AssetEditForm</Edit>
+  <New>DocumentLibraryForm</New>
+</FormTemplates>
+</file>
+
+<file path=customXml/item2.xml><?xml version="1.0" encoding="utf-8"?>
 <p:properties xmlns:p="http://schemas.microsoft.com/office/2006/metadata/properties" xmlns:xsi="http://www.w3.org/2001/XMLSchema-instance" xmlns:pc="http://schemas.microsoft.com/office/infopath/2007/PartnerControls">
   <documentManagement>
     <LocPublishedLinkedAssetsLookup xmlns="4873beb7-5857-4685-be1f-d57550cc96cc" xsi:nil="true"/>
@@ -18793,15 +19258,6 @@
     <LocMarketGroupTiers2 xmlns="4873beb7-5857-4685-be1f-d57550cc96cc" xsi:nil="true"/>
   </documentManagement>
 </p:properties>
-</file>
-
-<file path=customXml/item2.xml><?xml version="1.0" encoding="utf-8"?>
-<?mso-contentType ?>
-<FormTemplates xmlns="http://schemas.microsoft.com/sharepoint/v3/contenttype/forms">
-  <Display>DocumentLibraryForm</Display>
-  <Edit>AssetEditForm</Edit>
-  <New>DocumentLibraryForm</New>
-</FormTemplates>
 </file>
 
 <file path=customXml/item3.xml><?xml version="1.0" encoding="utf-8"?>
@@ -19845,6 +20301,14 @@
 </file>
 
 <file path=customXml/itemProps1.xml><?xml version="1.0" encoding="utf-8"?>
+<ds:datastoreItem xmlns:ds="http://schemas.openxmlformats.org/officeDocument/2006/customXml" ds:itemID="{3836F65B-1B07-41EE-A0E8-BC6EF3855225}">
+  <ds:schemaRefs>
+    <ds:schemaRef ds:uri="http://schemas.microsoft.com/sharepoint/v3/contenttype/forms"/>
+  </ds:schemaRefs>
+</ds:datastoreItem>
+</file>
+
+<file path=customXml/itemProps2.xml><?xml version="1.0" encoding="utf-8"?>
 <ds:datastoreItem xmlns:ds="http://schemas.openxmlformats.org/officeDocument/2006/customXml" ds:itemID="{60C67BEE-D13F-4BD2-98A5-34D8A0977F68}">
   <ds:schemaRefs>
     <ds:schemaRef ds:uri="4873beb7-5857-4685-be1f-d57550cc96cc"/>
@@ -19856,14 +20320,6 @@
     <ds:schemaRef ds:uri="http://schemas.microsoft.com/office/infopath/2007/PartnerControls"/>
     <ds:schemaRef ds:uri="http://www.w3.org/XML/1998/namespace"/>
     <ds:schemaRef ds:uri="http://purl.org/dc/dcmitype/"/>
-  </ds:schemaRefs>
-</ds:datastoreItem>
-</file>
-
-<file path=customXml/itemProps2.xml><?xml version="1.0" encoding="utf-8"?>
-<ds:datastoreItem xmlns:ds="http://schemas.openxmlformats.org/officeDocument/2006/customXml" ds:itemID="{3836F65B-1B07-41EE-A0E8-BC6EF3855225}">
-  <ds:schemaRefs>
-    <ds:schemaRef ds:uri="http://schemas.microsoft.com/sharepoint/v3/contenttype/forms"/>
   </ds:schemaRefs>
 </ds:datastoreItem>
 </file>

--- a/OS161_power_point.pptx
+++ b/OS161_power_point.pptx
@@ -244,7 +244,7 @@
             <a:pPr algn="r" rtl="0"/>
             <a:fld id="{221A1788-7372-4FAC-9AF0-00B54B8D9CBA}" type="datetime1">
               <a:rPr lang="it-IT" smtClean="0"/>
-              <a:t>07/02/2023</a:t>
+              <a:t>09/02/2023</a:t>
             </a:fld>
             <a:endParaRPr lang="it-IT" dirty="0"/>
           </a:p>
@@ -414,7 +414,7 @@
             <a:fld id="{D943A304-85CD-4257-B418-D8F889FE0DBC}" type="datetime1">
               <a:rPr lang="it-IT" smtClean="0"/>
               <a:pPr/>
-              <a:t>07/02/2023</a:t>
+              <a:t>09/02/2023</a:t>
             </a:fld>
             <a:endParaRPr lang="it-IT" dirty="0"/>
           </a:p>
@@ -2469,7 +2469,7 @@
             <a:fld id="{3889EF9B-A500-41B6-8F1C-893813E9A898}" type="datetime1">
               <a:rPr lang="it-IT" smtClean="0"/>
               <a:pPr/>
-              <a:t>07/02/2023</a:t>
+              <a:t>09/02/2023</a:t>
             </a:fld>
             <a:endParaRPr lang="it-IT" dirty="0"/>
           </a:p>
@@ -2675,7 +2675,7 @@
             <a:fld id="{6E724BBD-5BEA-4971-A6C4-42E94AF7CB5F}" type="datetime1">
               <a:rPr lang="it-IT" smtClean="0"/>
               <a:pPr/>
-              <a:t>07/02/2023</a:t>
+              <a:t>09/02/2023</a:t>
             </a:fld>
             <a:endParaRPr lang="it-IT" dirty="0"/>
           </a:p>
@@ -2891,7 +2891,7 @@
             <a:fld id="{EF1B2188-7D8C-43C8-B29F-60D01DE77B72}" type="datetime1">
               <a:rPr lang="it-IT" smtClean="0"/>
               <a:pPr/>
-              <a:t>07/02/2023</a:t>
+              <a:t>09/02/2023</a:t>
             </a:fld>
             <a:endParaRPr lang="it-IT" dirty="0"/>
           </a:p>
@@ -3097,7 +3097,7 @@
             <a:fld id="{581DC961-63CE-49AB-921E-1CE3DDEFC80A}" type="datetime1">
               <a:rPr lang="it-IT" smtClean="0"/>
               <a:pPr/>
-              <a:t>07/02/2023</a:t>
+              <a:t>09/02/2023</a:t>
             </a:fld>
             <a:endParaRPr lang="it-IT" dirty="0"/>
           </a:p>
@@ -3541,7 +3541,7 @@
             <a:fld id="{C6066F5F-3C86-4285-A86F-35EFBBDD7800}" type="datetime1">
               <a:rPr lang="it-IT" smtClean="0"/>
               <a:pPr/>
-              <a:t>07/02/2023</a:t>
+              <a:t>09/02/2023</a:t>
             </a:fld>
             <a:endParaRPr lang="it-IT" dirty="0"/>
           </a:p>
@@ -3853,7 +3853,7 @@
             <a:fld id="{0B9BE34E-14EC-4041-A597-EE22FC16794F}" type="datetime1">
               <a:rPr lang="it-IT" smtClean="0"/>
               <a:pPr/>
-              <a:t>07/02/2023</a:t>
+              <a:t>09/02/2023</a:t>
             </a:fld>
             <a:endParaRPr lang="it-IT" dirty="0"/>
           </a:p>
@@ -4317,7 +4317,7 @@
             <a:fld id="{D6FAD192-1BF7-4994-9CBA-74265F19F4C1}" type="datetime1">
               <a:rPr lang="it-IT" smtClean="0"/>
               <a:pPr/>
-              <a:t>07/02/2023</a:t>
+              <a:t>09/02/2023</a:t>
             </a:fld>
             <a:endParaRPr lang="it-IT" dirty="0"/>
           </a:p>
@@ -4455,7 +4455,7 @@
             <a:fld id="{C476DD40-7EBA-46D0-A855-62759524AC7A}" type="datetime1">
               <a:rPr lang="it-IT" smtClean="0"/>
               <a:pPr/>
-              <a:t>07/02/2023</a:t>
+              <a:t>09/02/2023</a:t>
             </a:fld>
             <a:endParaRPr lang="it-IT" dirty="0"/>
           </a:p>
@@ -4569,7 +4569,7 @@
             <a:fld id="{C62E4D95-88E1-4556-89BE-EC650C1D14A8}" type="datetime1">
               <a:rPr lang="it-IT" smtClean="0"/>
               <a:pPr/>
-              <a:t>07/02/2023</a:t>
+              <a:t>09/02/2023</a:t>
             </a:fld>
             <a:endParaRPr lang="it-IT" dirty="0"/>
           </a:p>
@@ -4876,7 +4876,7 @@
             <a:fld id="{1F9867D3-FC26-40B1-8BB9-B19FF8D6CD45}" type="datetime1">
               <a:rPr lang="it-IT" smtClean="0"/>
               <a:pPr/>
-              <a:t>07/02/2023</a:t>
+              <a:t>09/02/2023</a:t>
             </a:fld>
             <a:endParaRPr lang="it-IT" dirty="0"/>
           </a:p>
@@ -5173,7 +5173,7 @@
             <a:fld id="{5B0EE21F-92EE-4289-AFFB-9252D957F459}" type="datetime1">
               <a:rPr lang="it-IT" smtClean="0"/>
               <a:pPr/>
-              <a:t>07/02/2023</a:t>
+              <a:t>09/02/2023</a:t>
             </a:fld>
             <a:endParaRPr lang="it-IT" dirty="0"/>
           </a:p>
@@ -5797,7 +5797,7 @@
             <a:fld id="{8A756645-DD8C-4009-9A84-A4AD56EB55A9}" type="datetime1">
               <a:rPr lang="it-IT" smtClean="0"/>
               <a:pPr/>
-              <a:t>07/02/2023</a:t>
+              <a:t>09/02/2023</a:t>
             </a:fld>
             <a:endParaRPr lang="it-IT" dirty="0"/>
           </a:p>
@@ -9367,7 +9367,15 @@
             </a:r>
             <a:r>
               <a:rPr lang="it-IT" sz="1600" dirty="0"/>
-              <a:t> a file in the file system.</a:t>
+              <a:t> a file in the </a:t>
+            </a:r>
+            <a:r>
+              <a:rPr lang="it-IT" sz="1600" dirty="0" err="1"/>
+              <a:t>virtual</a:t>
+            </a:r>
+            <a:r>
+              <a:rPr lang="it-IT" sz="1600" dirty="0"/>
+              <a:t> file system.</a:t>
             </a:r>
           </a:p>
           <a:p>
@@ -10503,15 +10511,23 @@
             </a:pPr>
             <a:r>
               <a:rPr lang="it-IT" sz="1600" dirty="0"/>
-              <a:t>In case of success </a:t>
-            </a:r>
-            <a:r>
-              <a:rPr lang="it-IT" sz="1600" dirty="0" err="1"/>
-              <a:t>return</a:t>
-            </a:r>
-            <a:r>
-              <a:rPr lang="it-IT" sz="1600" dirty="0"/>
-              <a:t> the </a:t>
+              <a:t>In case of success the </a:t>
+            </a:r>
+            <a:r>
+              <a:rPr lang="it-IT" sz="1600" dirty="0" err="1"/>
+              <a:t>ret_value</a:t>
+            </a:r>
+            <a:r>
+              <a:rPr lang="it-IT" sz="1600" dirty="0"/>
+              <a:t> </a:t>
+            </a:r>
+            <a:r>
+              <a:rPr lang="it-IT" sz="1600" dirty="0" err="1"/>
+              <a:t>is</a:t>
+            </a:r>
+            <a:r>
+              <a:rPr lang="it-IT" sz="1600" dirty="0"/>
+              <a:t>  </a:t>
             </a:r>
             <a:r>
               <a:rPr lang="it-IT" sz="1600" dirty="0" err="1"/>
@@ -11092,15 +11108,7 @@
             </a:r>
             <a:r>
               <a:rPr lang="it-IT" sz="1600" dirty="0"/>
-              <a:t> 0 in case of success. -1 </a:t>
-            </a:r>
-            <a:r>
-              <a:rPr lang="it-IT" sz="1600" dirty="0" err="1"/>
-              <a:t>otherwise</a:t>
-            </a:r>
-            <a:r>
-              <a:rPr lang="it-IT" sz="1600" dirty="0"/>
-              <a:t>.</a:t>
+              <a:t> 0 in case of success. </a:t>
             </a:r>
           </a:p>
         </p:txBody>
@@ -11709,15 +11717,15 @@
             </a:r>
             <a:r>
               <a:rPr lang="it-IT" sz="1600" dirty="0" err="1"/>
-              <a:t>write</a:t>
-            </a:r>
-            <a:r>
-              <a:rPr lang="it-IT" sz="1600" dirty="0"/>
-              <a:t> system call </a:t>
-            </a:r>
-            <a:r>
-              <a:rPr lang="it-IT" sz="1600" dirty="0" err="1"/>
-              <a:t>returns</a:t>
+              <a:t>ret_val</a:t>
+            </a:r>
+            <a:r>
+              <a:rPr lang="it-IT" sz="1600" dirty="0"/>
+              <a:t> </a:t>
+            </a:r>
+            <a:r>
+              <a:rPr lang="it-IT" sz="1600" dirty="0" err="1"/>
+              <a:t>is</a:t>
             </a:r>
             <a:r>
               <a:rPr lang="it-IT" sz="1600" dirty="0"/>
@@ -11737,7 +11745,31 @@
             </a:r>
             <a:r>
               <a:rPr lang="it-IT" sz="1600" dirty="0"/>
-              <a:t> or -1 in case of </a:t>
+              <a:t> or the </a:t>
+            </a:r>
+            <a:r>
+              <a:rPr lang="it-IT" sz="1600" dirty="0" err="1"/>
+              <a:t>correct</a:t>
+            </a:r>
+            <a:r>
+              <a:rPr lang="it-IT" sz="1600" dirty="0"/>
+              <a:t> </a:t>
+            </a:r>
+            <a:r>
+              <a:rPr lang="it-IT" sz="1600" dirty="0" err="1"/>
+              <a:t>error</a:t>
+            </a:r>
+            <a:r>
+              <a:rPr lang="it-IT" sz="1600" dirty="0"/>
+              <a:t> </a:t>
+            </a:r>
+            <a:r>
+              <a:rPr lang="it-IT" sz="1600" dirty="0" err="1"/>
+              <a:t>value</a:t>
+            </a:r>
+            <a:r>
+              <a:rPr lang="it-IT" sz="1600" dirty="0"/>
+              <a:t> in case of </a:t>
             </a:r>
             <a:r>
               <a:rPr lang="it-IT" sz="1600" dirty="0" err="1"/>
@@ -12149,35 +12181,59 @@
             </a:r>
             <a:r>
               <a:rPr lang="it-IT" sz="1600" dirty="0" err="1"/>
+              <a:t>ret_val</a:t>
+            </a:r>
+            <a:r>
+              <a:rPr lang="it-IT" sz="1600" dirty="0"/>
+              <a:t> </a:t>
+            </a:r>
+            <a:r>
+              <a:rPr lang="it-IT" sz="1600" dirty="0" err="1"/>
+              <a:t>is</a:t>
+            </a:r>
+            <a:r>
+              <a:rPr lang="it-IT" sz="1600" dirty="0"/>
+              <a:t> the </a:t>
+            </a:r>
+            <a:r>
+              <a:rPr lang="it-IT" sz="1600" dirty="0" err="1"/>
+              <a:t>amount</a:t>
+            </a:r>
+            <a:r>
+              <a:rPr lang="it-IT" sz="1600" dirty="0"/>
+              <a:t> of bytes </a:t>
+            </a:r>
+            <a:r>
+              <a:rPr lang="it-IT" sz="1600" dirty="0" err="1"/>
               <a:t>read</a:t>
             </a:r>
             <a:r>
               <a:rPr lang="it-IT" sz="1600" dirty="0"/>
-              <a:t> system call </a:t>
-            </a:r>
-            <a:r>
-              <a:rPr lang="it-IT" sz="1600" dirty="0" err="1"/>
-              <a:t>returns</a:t>
-            </a:r>
-            <a:r>
-              <a:rPr lang="it-IT" sz="1600" dirty="0"/>
-              <a:t> the </a:t>
-            </a:r>
-            <a:r>
-              <a:rPr lang="it-IT" sz="1600" dirty="0" err="1"/>
-              <a:t>amount</a:t>
-            </a:r>
-            <a:r>
-              <a:rPr lang="it-IT" sz="1600" dirty="0"/>
-              <a:t> of bytes </a:t>
-            </a:r>
-            <a:r>
-              <a:rPr lang="it-IT" sz="1600" dirty="0" err="1"/>
-              <a:t>read</a:t>
-            </a:r>
-            <a:r>
-              <a:rPr lang="it-IT" sz="1600" dirty="0"/>
-              <a:t> or -1 in case of </a:t>
+              <a:t> or the </a:t>
+            </a:r>
+            <a:r>
+              <a:rPr lang="it-IT" sz="1600" dirty="0" err="1"/>
+              <a:t>correct</a:t>
+            </a:r>
+            <a:r>
+              <a:rPr lang="it-IT" sz="1600" dirty="0"/>
+              <a:t> </a:t>
+            </a:r>
+            <a:r>
+              <a:rPr lang="it-IT" sz="1600" dirty="0" err="1"/>
+              <a:t>error</a:t>
+            </a:r>
+            <a:r>
+              <a:rPr lang="it-IT" sz="1600" dirty="0"/>
+              <a:t> </a:t>
+            </a:r>
+            <a:r>
+              <a:rPr lang="it-IT" sz="1600" dirty="0" err="1"/>
+              <a:t>value</a:t>
+            </a:r>
+            <a:r>
+              <a:rPr lang="it-IT" sz="1600" dirty="0"/>
+              <a:t> in case of </a:t>
             </a:r>
             <a:r>
               <a:rPr lang="it-IT" sz="1600" dirty="0" err="1"/>
@@ -13291,32 +13347,12 @@
               </a:spcBef>
             </a:pPr>
             <a:r>
-              <a:rPr lang="it-IT" sz="1600" dirty="0" err="1"/>
-              <a:t>If</a:t>
-            </a:r>
-            <a:r>
-              <a:rPr lang="it-IT" sz="1600" dirty="0"/>
-              <a:t> the </a:t>
-            </a:r>
-            <a:r>
-              <a:rPr lang="it-IT" sz="1600" dirty="0" err="1"/>
-              <a:t>lseek</a:t>
-            </a:r>
-            <a:r>
-              <a:rPr lang="it-IT" sz="1600" dirty="0"/>
-              <a:t> system call success </a:t>
-            </a:r>
-            <a:r>
-              <a:rPr lang="it-IT" sz="1600" dirty="0" err="1"/>
-              <a:t>return</a:t>
-            </a:r>
-            <a:r>
-              <a:rPr lang="it-IT" sz="1600" dirty="0"/>
-              <a:t> the new position of pointer </a:t>
-            </a:r>
-            <a:r>
-              <a:rPr lang="it-IT" sz="1600" dirty="0" err="1"/>
-              <a:t>otherwise</a:t>
+              <a:rPr lang="it-IT" sz="1600" dirty="0"/>
+              <a:t>The </a:t>
+            </a:r>
+            <a:r>
+              <a:rPr lang="it-IT" sz="1600" dirty="0" err="1"/>
+              <a:t>ret_val</a:t>
             </a:r>
             <a:r>
               <a:rPr lang="it-IT" sz="1600" dirty="0"/>
@@ -13324,11 +13360,11 @@
             </a:r>
             <a:r>
               <a:rPr lang="it-IT" sz="1600" dirty="0" err="1"/>
-              <a:t>returns</a:t>
-            </a:r>
-            <a:r>
-              <a:rPr lang="it-IT" sz="1600" dirty="0"/>
-              <a:t> 0</a:t>
+              <a:t>is</a:t>
+            </a:r>
+            <a:r>
+              <a:rPr lang="it-IT" sz="1600" dirty="0"/>
+              <a:t> the new position of pointer.</a:t>
             </a:r>
           </a:p>
           <a:p>
@@ -13884,15 +13920,7 @@
             </a:r>
             <a:r>
               <a:rPr lang="it-IT" sz="1600" dirty="0"/>
-              <a:t> in case of success and 0 </a:t>
-            </a:r>
-            <a:r>
-              <a:rPr lang="it-IT" sz="1600" dirty="0" err="1"/>
-              <a:t>otherwise</a:t>
-            </a:r>
-            <a:r>
-              <a:rPr lang="it-IT" sz="1600" dirty="0"/>
-              <a:t>.</a:t>
+              <a:t> in case of success.</a:t>
             </a:r>
           </a:p>
           <a:p>
@@ -14681,11 +14709,11 @@
             </a:r>
             <a:r>
               <a:rPr lang="it-IT" sz="2300" dirty="0" err="1"/>
-              <a:t>err</a:t>
+              <a:t>error</a:t>
             </a:r>
             <a:r>
               <a:rPr lang="it-IT" sz="2300" dirty="0"/>
-              <a:t> in case of </a:t>
+              <a:t> code in case of </a:t>
             </a:r>
             <a:r>
               <a:rPr lang="it-IT" sz="2300" dirty="0" err="1"/>
@@ -14937,7 +14965,7 @@
         </p:spPr>
         <p:txBody>
           <a:bodyPr vert="horz" lIns="91440" tIns="45720" rIns="91440" bIns="45720" rtlCol="0">
-            <a:normAutofit/>
+            <a:normAutofit fontScale="92500"/>
           </a:bodyPr>
           <a:lstStyle>
             <a:lvl1pPr marL="228600" indent="-228600" algn="l" defTabSz="914400" rtl="0" eaLnBrk="1" latinLnBrk="0" hangingPunct="1">
@@ -15274,7 +15302,15 @@
             </a:r>
             <a:r>
               <a:rPr lang="it-IT" sz="1800" dirty="0" err="1"/>
-              <a:t>err</a:t>
+              <a:t>error</a:t>
+            </a:r>
+            <a:r>
+              <a:rPr lang="it-IT" sz="1800" dirty="0"/>
+              <a:t> </a:t>
+            </a:r>
+            <a:r>
+              <a:rPr lang="it-IT" sz="1800" dirty="0" err="1"/>
+              <a:t>value</a:t>
             </a:r>
             <a:r>
               <a:rPr lang="it-IT" sz="1800" dirty="0"/>
@@ -19116,15 +19152,6 @@
 </file>
 
 <file path=customXml/item1.xml><?xml version="1.0" encoding="utf-8"?>
-<?mso-contentType ?>
-<FormTemplates xmlns="http://schemas.microsoft.com/sharepoint/v3/contenttype/forms">
-  <Display>DocumentLibraryForm</Display>
-  <Edit>AssetEditForm</Edit>
-  <New>DocumentLibraryForm</New>
-</FormTemplates>
-</file>
-
-<file path=customXml/item2.xml><?xml version="1.0" encoding="utf-8"?>
 <p:properties xmlns:p="http://schemas.microsoft.com/office/2006/metadata/properties" xmlns:xsi="http://www.w3.org/2001/XMLSchema-instance" xmlns:pc="http://schemas.microsoft.com/office/infopath/2007/PartnerControls">
   <documentManagement>
     <LocPublishedLinkedAssetsLookup xmlns="4873beb7-5857-4685-be1f-d57550cc96cc" xsi:nil="true"/>
@@ -19258,6 +19285,15 @@
     <LocMarketGroupTiers2 xmlns="4873beb7-5857-4685-be1f-d57550cc96cc" xsi:nil="true"/>
   </documentManagement>
 </p:properties>
+</file>
+
+<file path=customXml/item2.xml><?xml version="1.0" encoding="utf-8"?>
+<?mso-contentType ?>
+<FormTemplates xmlns="http://schemas.microsoft.com/sharepoint/v3/contenttype/forms">
+  <Display>DocumentLibraryForm</Display>
+  <Edit>AssetEditForm</Edit>
+  <New>DocumentLibraryForm</New>
+</FormTemplates>
 </file>
 
 <file path=customXml/item3.xml><?xml version="1.0" encoding="utf-8"?>
@@ -20301,14 +20337,6 @@
 </file>
 
 <file path=customXml/itemProps1.xml><?xml version="1.0" encoding="utf-8"?>
-<ds:datastoreItem xmlns:ds="http://schemas.openxmlformats.org/officeDocument/2006/customXml" ds:itemID="{3836F65B-1B07-41EE-A0E8-BC6EF3855225}">
-  <ds:schemaRefs>
-    <ds:schemaRef ds:uri="http://schemas.microsoft.com/sharepoint/v3/contenttype/forms"/>
-  </ds:schemaRefs>
-</ds:datastoreItem>
-</file>
-
-<file path=customXml/itemProps2.xml><?xml version="1.0" encoding="utf-8"?>
 <ds:datastoreItem xmlns:ds="http://schemas.openxmlformats.org/officeDocument/2006/customXml" ds:itemID="{60C67BEE-D13F-4BD2-98A5-34D8A0977F68}">
   <ds:schemaRefs>
     <ds:schemaRef ds:uri="4873beb7-5857-4685-be1f-d57550cc96cc"/>
@@ -20320,6 +20348,14 @@
     <ds:schemaRef ds:uri="http://schemas.microsoft.com/office/infopath/2007/PartnerControls"/>
     <ds:schemaRef ds:uri="http://www.w3.org/XML/1998/namespace"/>
     <ds:schemaRef ds:uri="http://purl.org/dc/dcmitype/"/>
+  </ds:schemaRefs>
+</ds:datastoreItem>
+</file>
+
+<file path=customXml/itemProps2.xml><?xml version="1.0" encoding="utf-8"?>
+<ds:datastoreItem xmlns:ds="http://schemas.openxmlformats.org/officeDocument/2006/customXml" ds:itemID="{3836F65B-1B07-41EE-A0E8-BC6EF3855225}">
+  <ds:schemaRefs>
+    <ds:schemaRef ds:uri="http://schemas.microsoft.com/sharepoint/v3/contenttype/forms"/>
   </ds:schemaRefs>
 </ds:datastoreItem>
 </file>
